--- a/trunk/Seminar cuoi ky/1.Bao cao/Slide bao cao.pptx
+++ b/trunk/Seminar cuoi ky/1.Bao cao/Slide bao cao.pptx
@@ -5,7 +5,7 @@
     <p:sldMasterId id="2147483684" r:id="rId1"/>
   </p:sldMasterIdLst>
   <p:notesMasterIdLst>
-    <p:notesMasterId r:id="rId33"/>
+    <p:notesMasterId r:id="rId36"/>
   </p:notesMasterIdLst>
   <p:sldIdLst>
     <p:sldId id="256" r:id="rId2"/>
@@ -22,23 +22,26 @@
     <p:sldId id="307" r:id="rId13"/>
     <p:sldId id="308" r:id="rId14"/>
     <p:sldId id="309" r:id="rId15"/>
-    <p:sldId id="311" r:id="rId16"/>
-    <p:sldId id="312" r:id="rId17"/>
-    <p:sldId id="313" r:id="rId18"/>
-    <p:sldId id="314" r:id="rId19"/>
-    <p:sldId id="315" r:id="rId20"/>
-    <p:sldId id="316" r:id="rId21"/>
-    <p:sldId id="320" r:id="rId22"/>
-    <p:sldId id="317" r:id="rId23"/>
-    <p:sldId id="318" r:id="rId24"/>
-    <p:sldId id="321" r:id="rId25"/>
-    <p:sldId id="322" r:id="rId26"/>
-    <p:sldId id="323" r:id="rId27"/>
-    <p:sldId id="324" r:id="rId28"/>
-    <p:sldId id="325" r:id="rId29"/>
-    <p:sldId id="329" r:id="rId30"/>
-    <p:sldId id="328" r:id="rId31"/>
-    <p:sldId id="327" r:id="rId32"/>
+    <p:sldId id="333" r:id="rId16"/>
+    <p:sldId id="311" r:id="rId17"/>
+    <p:sldId id="312" r:id="rId18"/>
+    <p:sldId id="313" r:id="rId19"/>
+    <p:sldId id="314" r:id="rId20"/>
+    <p:sldId id="315" r:id="rId21"/>
+    <p:sldId id="331" r:id="rId22"/>
+    <p:sldId id="316" r:id="rId23"/>
+    <p:sldId id="332" r:id="rId24"/>
+    <p:sldId id="320" r:id="rId25"/>
+    <p:sldId id="317" r:id="rId26"/>
+    <p:sldId id="318" r:id="rId27"/>
+    <p:sldId id="321" r:id="rId28"/>
+    <p:sldId id="322" r:id="rId29"/>
+    <p:sldId id="323" r:id="rId30"/>
+    <p:sldId id="324" r:id="rId31"/>
+    <p:sldId id="325" r:id="rId32"/>
+    <p:sldId id="329" r:id="rId33"/>
+    <p:sldId id="328" r:id="rId34"/>
+    <p:sldId id="327" r:id="rId35"/>
   </p:sldIdLst>
   <p:sldSz cx="9144000" cy="6858000" type="screen4x3"/>
   <p:notesSz cx="6858000" cy="9144000"/>
@@ -1120,58 +1123,24 @@
         <a:lstStyle/>
         <a:p>
           <a:r>
-            <a:rPr lang="en-US" sz="3600" dirty="0" err="1" smtClean="0"/>
-            <a:t>Bài</a:t>
+            <a:rPr lang="en-US" sz="3200" dirty="0" smtClean="0">
+              <a:latin typeface="Times"/>
+            </a:rPr>
+            <a:t>Linguistic </a:t>
           </a:r>
           <a:r>
-            <a:rPr lang="en-US" sz="3600" dirty="0" smtClean="0"/>
-            <a:t> </a:t>
+            <a:rPr lang="en-US" sz="3200" dirty="0" err="1" smtClean="0">
+              <a:latin typeface="Times"/>
+            </a:rPr>
+            <a:t>Steganography</a:t>
           </a:r>
           <a:r>
-            <a:rPr lang="en-US" sz="3600" dirty="0" err="1" smtClean="0"/>
-            <a:t>toán</a:t>
+            <a:rPr lang="en-US" sz="3200" dirty="0" smtClean="0">
+              <a:latin typeface="Times"/>
+            </a:rPr>
+            <a:t> Detection</a:t>
           </a:r>
-          <a:r>
-            <a:rPr lang="en-US" sz="3600" dirty="0" smtClean="0"/>
-            <a:t> </a:t>
-          </a:r>
-          <a:r>
-            <a:rPr lang="en-US" sz="3600" dirty="0" err="1" smtClean="0"/>
-            <a:t>nhận</a:t>
-          </a:r>
-          <a:r>
-            <a:rPr lang="en-US" sz="3600" dirty="0" smtClean="0"/>
-            <a:t> </a:t>
-          </a:r>
-          <a:r>
-            <a:rPr lang="en-US" sz="3600" dirty="0" err="1" smtClean="0"/>
-            <a:t>biết</a:t>
-          </a:r>
-          <a:r>
-            <a:rPr lang="en-US" sz="3600" dirty="0" smtClean="0"/>
-            <a:t> </a:t>
-          </a:r>
-          <a:r>
-            <a:rPr lang="en-US" sz="3600" dirty="0" err="1" smtClean="0"/>
-            <a:t>dữ</a:t>
-          </a:r>
-          <a:r>
-            <a:rPr lang="en-US" sz="3600" dirty="0" smtClean="0"/>
-            <a:t> </a:t>
-          </a:r>
-          <a:r>
-            <a:rPr lang="en-US" sz="3600" dirty="0" err="1" smtClean="0"/>
-            <a:t>liệu</a:t>
-          </a:r>
-          <a:r>
-            <a:rPr lang="en-US" sz="3600" dirty="0" smtClean="0"/>
-            <a:t> </a:t>
-          </a:r>
-          <a:r>
-            <a:rPr lang="en-US" sz="3600" dirty="0" err="1" smtClean="0"/>
-            <a:t>ẩn</a:t>
-          </a:r>
-          <a:endParaRPr lang="en-US" sz="3600" dirty="0"/>
+          <a:endParaRPr lang="en-US" sz="3200" dirty="0"/>
         </a:p>
       </dgm:t>
     </dgm:pt>
@@ -1244,32 +1213,8 @@
         <a:lstStyle/>
         <a:p>
           <a:r>
-            <a:rPr lang="en-US" sz="3600" dirty="0" err="1" smtClean="0"/>
-            <a:t>Sự</a:t>
-          </a:r>
-          <a:r>
             <a:rPr lang="en-US" sz="3600" dirty="0" smtClean="0"/>
-            <a:t> </a:t>
-          </a:r>
-          <a:r>
-            <a:rPr lang="en-US" sz="3600" dirty="0" err="1" smtClean="0"/>
-            <a:t>khác</a:t>
-          </a:r>
-          <a:r>
-            <a:rPr lang="en-US" sz="3600" dirty="0" smtClean="0"/>
-            <a:t> </a:t>
-          </a:r>
-          <a:r>
-            <a:rPr lang="en-US" sz="3600" dirty="0" err="1" smtClean="0"/>
-            <a:t>biệt</a:t>
-          </a:r>
-          <a:r>
-            <a:rPr lang="en-US" sz="3600" dirty="0" smtClean="0"/>
-            <a:t> </a:t>
-          </a:r>
-          <a:r>
-            <a:rPr lang="en-US" sz="3600" dirty="0" err="1" smtClean="0"/>
-            <a:t>từ</a:t>
+            <a:t>Distribution of Words</a:t>
           </a:r>
           <a:endParaRPr lang="en-US" sz="3600" dirty="0"/>
         </a:p>
@@ -1387,32 +1332,8 @@
         <a:lstStyle/>
         <a:p>
           <a:r>
-            <a:rPr lang="en-US" sz="3600" dirty="0" err="1" smtClean="0"/>
-            <a:t>Báo</a:t>
-          </a:r>
-          <a:r>
             <a:rPr lang="en-US" sz="3600" dirty="0" smtClean="0"/>
-            <a:t> </a:t>
-          </a:r>
-          <a:r>
-            <a:rPr lang="en-US" sz="3600" dirty="0" err="1" smtClean="0"/>
-            <a:t>cáo</a:t>
-          </a:r>
-          <a:r>
-            <a:rPr lang="en-US" sz="3600" dirty="0" smtClean="0"/>
-            <a:t> </a:t>
-          </a:r>
-          <a:r>
-            <a:rPr lang="en-US" sz="3600" dirty="0" err="1" smtClean="0"/>
-            <a:t>kết</a:t>
-          </a:r>
-          <a:r>
-            <a:rPr lang="en-US" sz="3600" dirty="0" smtClean="0"/>
-            <a:t> </a:t>
-          </a:r>
-          <a:r>
-            <a:rPr lang="en-US" sz="3600" dirty="0" err="1" smtClean="0"/>
-            <a:t>quả</a:t>
+            <a:t>Result</a:t>
           </a:r>
           <a:endParaRPr lang="en-US" sz="3600" dirty="0"/>
         </a:p>
@@ -1730,7 +1651,7 @@
   <dgm:whole/>
   <dgm:extLst>
     <a:ext uri="http://schemas.microsoft.com/office/drawing/2008/diagram">
-      <dsp:dataModelExt xmlns:dsp="http://schemas.microsoft.com/office/drawing/2008/diagram" xmlns="" relId="rId6" minVer="http://schemas.openxmlformats.org/drawingml/2006/diagram"/>
+      <dsp:dataModelExt xmlns="" xmlns:dsp="http://schemas.microsoft.com/office/drawing/2008/diagram" relId="rId6" minVer="http://schemas.openxmlformats.org/drawingml/2006/diagram"/>
     </a:ext>
   </dgm:extLst>
 </dgm:dataModel>
@@ -3192,7 +3113,7 @@
             <a:fld id="{E4C1F56E-8A0B-4477-A02C-10EB11879681}" type="datetimeFigureOut">
               <a:rPr lang="en-US" smtClean="0"/>
               <a:pPr/>
-              <a:t>4/13/2011</a:t>
+              <a:t>4/14/2011</a:t>
             </a:fld>
             <a:endParaRPr lang="en-US"/>
           </a:p>
@@ -3363,7 +3284,7 @@
     </p:spTree>
     <p:extLst>
       <p:ext uri="{BB962C8B-B14F-4D97-AF65-F5344CB8AC3E}">
-        <p14:creationId xmlns:p14="http://schemas.microsoft.com/office/powerpoint/2010/main" xmlns="" val="2556415404"/>
+        <p14:creationId xmlns="" xmlns:p14="http://schemas.microsoft.com/office/powerpoint/2010/main" val="2556415404"/>
       </p:ext>
     </p:extLst>
   </p:cSld>
@@ -3781,7 +3702,7 @@
             <a:fld id="{61BA6024-79B4-4B87-BB6B-C95A0B65AFA5}" type="slidenum">
               <a:rPr lang="en-US" smtClean="0"/>
               <a:pPr/>
-              <a:t>15</a:t>
+              <a:t>16</a:t>
             </a:fld>
             <a:endParaRPr lang="en-US"/>
           </a:p>
@@ -3863,7 +3784,7 @@
             <a:fld id="{61BA6024-79B4-4B87-BB6B-C95A0B65AFA5}" type="slidenum">
               <a:rPr lang="en-US" smtClean="0"/>
               <a:pPr/>
-              <a:t>21</a:t>
+              <a:t>24</a:t>
             </a:fld>
             <a:endParaRPr lang="en-US"/>
           </a:p>
@@ -3945,7 +3866,7 @@
             <a:fld id="{61BA6024-79B4-4B87-BB6B-C95A0B65AFA5}" type="slidenum">
               <a:rPr lang="en-US" smtClean="0"/>
               <a:pPr/>
-              <a:t>31</a:t>
+              <a:t>34</a:t>
             </a:fld>
             <a:endParaRPr lang="en-US"/>
           </a:p>
@@ -4085,7 +4006,7 @@
             <a:fld id="{251AAD4A-B145-44B6-9BB3-AC9F055261C6}" type="datetime1">
               <a:rPr lang="en-US" smtClean="0"/>
               <a:pPr/>
-              <a:t>4/13/2011</a:t>
+              <a:t>4/14/2011</a:t>
             </a:fld>
             <a:endParaRPr lang="en-US"/>
           </a:p>
@@ -4174,7 +4095,7 @@
             </a:clrChange>
             <a:extLst>
               <a:ext uri="{28A0092B-C50C-407E-A947-70E740481C1C}">
-                <a14:useLocalDpi xmlns:a14="http://schemas.microsoft.com/office/drawing/2010/main" xmlns="" val="0"/>
+                <a14:useLocalDpi xmlns="" xmlns:a14="http://schemas.microsoft.com/office/drawing/2010/main" val="0"/>
               </a:ext>
             </a:extLst>
           </a:blip>
@@ -4194,7 +4115,7 @@
           <a:noFill/>
           <a:extLst>
             <a:ext uri="{909E8E84-426E-40DD-AFC4-6F175D3DCCD1}">
-              <a14:hiddenFill xmlns:a14="http://schemas.microsoft.com/office/drawing/2010/main" xmlns="">
+              <a14:hiddenFill xmlns="" xmlns:a14="http://schemas.microsoft.com/office/drawing/2010/main">
                 <a:solidFill>
                   <a:srgbClr val="FFFFFF"/>
                 </a:solidFill>
@@ -4365,7 +4286,7 @@
             <a:fld id="{D831A600-9070-4E9E-865C-1A274B02B610}" type="datetime1">
               <a:rPr lang="en-US" smtClean="0"/>
               <a:pPr/>
-              <a:t>4/13/2011</a:t>
+              <a:t>4/14/2011</a:t>
             </a:fld>
             <a:endParaRPr lang="en-US"/>
           </a:p>
@@ -4572,7 +4493,7 @@
             <a:fld id="{9B5BA668-D98D-41AC-A85F-438FCE1484C9}" type="datetime1">
               <a:rPr lang="en-US" smtClean="0"/>
               <a:pPr/>
-              <a:t>4/13/2011</a:t>
+              <a:t>4/14/2011</a:t>
             </a:fld>
             <a:endParaRPr lang="en-US"/>
           </a:p>
@@ -4844,7 +4765,7 @@
             <a:fld id="{FC13EE21-0C48-4609-AAE4-AD74DD06381D}" type="datetime1">
               <a:rPr lang="en-US" smtClean="0"/>
               <a:pPr/>
-              <a:t>4/13/2011</a:t>
+              <a:t>4/14/2011</a:t>
             </a:fld>
             <a:endParaRPr lang="en-US" dirty="0"/>
           </a:p>
@@ -5091,7 +5012,7 @@
             <a:fld id="{39E422AE-9F9A-405F-A1D9-0F6E581CBEC2}" type="datetime1">
               <a:rPr lang="en-US" smtClean="0"/>
               <a:pPr/>
-              <a:t>4/13/2011</a:t>
+              <a:t>4/14/2011</a:t>
             </a:fld>
             <a:endParaRPr lang="en-US"/>
           </a:p>
@@ -5409,7 +5330,7 @@
             <a:fld id="{66A3B13E-3DCA-4185-82DB-032FB3F4C8E8}" type="datetime1">
               <a:rPr lang="en-US" smtClean="0"/>
               <a:pPr/>
-              <a:t>4/13/2011</a:t>
+              <a:t>4/14/2011</a:t>
             </a:fld>
             <a:endParaRPr lang="en-US"/>
           </a:p>
@@ -5872,7 +5793,7 @@
             <a:fld id="{E21ACCD3-A2E6-45A8-BABF-2DC8E2644210}" type="datetime1">
               <a:rPr lang="en-US" smtClean="0"/>
               <a:pPr/>
-              <a:t>4/13/2011</a:t>
+              <a:t>4/14/2011</a:t>
             </a:fld>
             <a:endParaRPr lang="en-US"/>
           </a:p>
@@ -6014,7 +5935,7 @@
             <a:fld id="{FB0FC454-785D-494D-AA39-AE6CE4C48506}" type="datetime1">
               <a:rPr lang="en-US" smtClean="0"/>
               <a:pPr/>
-              <a:t>4/13/2011</a:t>
+              <a:t>4/14/2011</a:t>
             </a:fld>
             <a:endParaRPr lang="en-US"/>
           </a:p>
@@ -6130,7 +6051,7 @@
             <a:fld id="{E94C2E2E-347F-4846-9B56-DC7DC821C251}" type="datetime1">
               <a:rPr lang="en-US" smtClean="0"/>
               <a:pPr/>
-              <a:t>4/13/2011</a:t>
+              <a:t>4/14/2011</a:t>
             </a:fld>
             <a:endParaRPr lang="en-US"/>
           </a:p>
@@ -6437,7 +6358,7 @@
             <a:fld id="{768BCF10-3C4D-4026-BEDA-62FDF461E6A3}" type="datetime1">
               <a:rPr lang="en-US" smtClean="0"/>
               <a:pPr/>
-              <a:t>4/13/2011</a:t>
+              <a:t>4/14/2011</a:t>
             </a:fld>
             <a:endParaRPr lang="en-US"/>
           </a:p>
@@ -6724,7 +6645,7 @@
             <a:fld id="{6D339DC9-14ED-4A53-A8E4-7D57CA4F24B7}" type="datetime1">
               <a:rPr lang="en-US" smtClean="0"/>
               <a:pPr/>
-              <a:t>4/13/2011</a:t>
+              <a:t>4/14/2011</a:t>
             </a:fld>
             <a:endParaRPr lang="en-US"/>
           </a:p>
@@ -7031,7 +6952,7 @@
             <a:fld id="{2F22294D-6F48-4BF5-8C88-83F995CA6CF1}" type="datetime1">
               <a:rPr lang="en-US" smtClean="0"/>
               <a:pPr/>
-              <a:t>4/13/2011</a:t>
+              <a:t>4/14/2011</a:t>
             </a:fld>
             <a:endParaRPr lang="en-US" dirty="0"/>
           </a:p>
@@ -7160,7 +7081,7 @@
             </a:clrChange>
             <a:extLst>
               <a:ext uri="{28A0092B-C50C-407E-A947-70E740481C1C}">
-                <a14:useLocalDpi xmlns:a14="http://schemas.microsoft.com/office/drawing/2010/main" xmlns="" val="0"/>
+                <a14:useLocalDpi xmlns="" xmlns:a14="http://schemas.microsoft.com/office/drawing/2010/main" val="0"/>
               </a:ext>
             </a:extLst>
           </a:blip>
@@ -7180,7 +7101,7 @@
           <a:noFill/>
           <a:extLst>
             <a:ext uri="{909E8E84-426E-40DD-AFC4-6F175D3DCCD1}">
-              <a14:hiddenFill xmlns:a14="http://schemas.microsoft.com/office/drawing/2010/main" xmlns="">
+              <a14:hiddenFill xmlns="" xmlns:a14="http://schemas.microsoft.com/office/drawing/2010/main">
                 <a:solidFill>
                   <a:srgbClr val="FFFFFF"/>
                 </a:solidFill>
@@ -7967,7 +7888,7 @@
             <a:fld id="{2A6B7E0B-F4FA-42DA-AC60-36567C066CC1}" type="datetime1">
               <a:rPr lang="en-US" smtClean="0"/>
               <a:pPr/>
-              <a:t>4/13/2011</a:t>
+              <a:t>4/14/2011</a:t>
             </a:fld>
             <a:endParaRPr lang="en-US"/>
           </a:p>
@@ -9306,10 +9227,256 @@
           <a:bodyPr/>
           <a:lstStyle/>
           <a:p>
-            <a:pPr>
-              <a:buNone/>
-            </a:pPr>
-            <a:endParaRPr lang="en-US" dirty="0"/>
+            <a:r>
+              <a:rPr lang="en-US" b="1" dirty="0" smtClean="0">
+                <a:solidFill>
+                  <a:srgbClr val="002060"/>
+                </a:solidFill>
+              </a:rPr>
+              <a:t>Text segment :</a:t>
+            </a:r>
+          </a:p>
+          <a:p>
+            <a:endParaRPr lang="en-US" b="1" dirty="0" smtClean="0">
+              <a:solidFill>
+                <a:srgbClr val="002060"/>
+              </a:solidFill>
+            </a:endParaRPr>
+          </a:p>
+          <a:p>
+            <a:endParaRPr lang="en-US" b="1" dirty="0" smtClean="0">
+              <a:solidFill>
+                <a:srgbClr val="002060"/>
+              </a:solidFill>
+            </a:endParaRPr>
+          </a:p>
+          <a:p>
+            <a:endParaRPr lang="en-US" b="1" dirty="0" smtClean="0">
+              <a:solidFill>
+                <a:srgbClr val="002060"/>
+              </a:solidFill>
+            </a:endParaRPr>
+          </a:p>
+          <a:p>
+            <a:r>
+              <a:rPr lang="en-US" b="1" dirty="0" smtClean="0">
+                <a:solidFill>
+                  <a:srgbClr val="002060"/>
+                </a:solidFill>
+              </a:rPr>
+              <a:t>Example :</a:t>
+            </a:r>
+          </a:p>
+          <a:p>
+            <a:pPr lvl="1"/>
+            <a:r>
+              <a:rPr lang="en-US" dirty="0" smtClean="0"/>
+              <a:t>Wherever you go ,whoever you will be. I will be right here waiting for you . </a:t>
+            </a:r>
+            <a:r>
+              <a:rPr lang="en-US" dirty="0" smtClean="0">
+                <a:solidFill>
+                  <a:srgbClr val="92D050"/>
+                </a:solidFill>
+              </a:rPr>
+              <a:t>(n=15)</a:t>
+            </a:r>
+          </a:p>
+          <a:p>
+            <a:pPr lvl="1"/>
+            <a:r>
+              <a:rPr lang="en-US" b="1" dirty="0" smtClean="0">
+                <a:solidFill>
+                  <a:srgbClr val="002060"/>
+                </a:solidFill>
+              </a:rPr>
+              <a:t>S = {‘</a:t>
+            </a:r>
+            <a:r>
+              <a:rPr lang="en-US" dirty="0" smtClean="0"/>
+              <a:t>wherever</a:t>
+            </a:r>
+            <a:r>
+              <a:rPr lang="en-US" b="1" dirty="0" smtClean="0">
+                <a:solidFill>
+                  <a:srgbClr val="002060"/>
+                </a:solidFill>
+              </a:rPr>
+              <a:t>’, ‘</a:t>
+            </a:r>
+            <a:r>
+              <a:rPr lang="en-US" dirty="0" smtClean="0"/>
+              <a:t>you</a:t>
+            </a:r>
+            <a:r>
+              <a:rPr lang="en-US" b="1" dirty="0" smtClean="0">
+                <a:solidFill>
+                  <a:srgbClr val="002060"/>
+                </a:solidFill>
+              </a:rPr>
+              <a:t>’, ‘</a:t>
+            </a:r>
+            <a:r>
+              <a:rPr lang="en-US" dirty="0" smtClean="0"/>
+              <a:t>go</a:t>
+            </a:r>
+            <a:r>
+              <a:rPr lang="en-US" b="1" dirty="0" smtClean="0">
+                <a:solidFill>
+                  <a:srgbClr val="002060"/>
+                </a:solidFill>
+              </a:rPr>
+              <a:t>’, ‘</a:t>
+            </a:r>
+            <a:r>
+              <a:rPr lang="en-US" dirty="0" smtClean="0"/>
+              <a:t>whoever</a:t>
+            </a:r>
+            <a:r>
+              <a:rPr lang="en-US" b="1" dirty="0" smtClean="0">
+                <a:solidFill>
+                  <a:srgbClr val="002060"/>
+                </a:solidFill>
+              </a:rPr>
+              <a:t>’, ‘</a:t>
+            </a:r>
+            <a:r>
+              <a:rPr lang="en-US" dirty="0" smtClean="0"/>
+              <a:t>you</a:t>
+            </a:r>
+            <a:r>
+              <a:rPr lang="en-US" b="1" dirty="0" smtClean="0">
+                <a:solidFill>
+                  <a:srgbClr val="002060"/>
+                </a:solidFill>
+              </a:rPr>
+              <a:t>’, ‘</a:t>
+            </a:r>
+            <a:r>
+              <a:rPr lang="en-US" dirty="0" smtClean="0"/>
+              <a:t>will</a:t>
+            </a:r>
+            <a:r>
+              <a:rPr lang="en-US" b="1" dirty="0" smtClean="0">
+                <a:solidFill>
+                  <a:srgbClr val="002060"/>
+                </a:solidFill>
+              </a:rPr>
+              <a:t>’, ‘</a:t>
+            </a:r>
+            <a:r>
+              <a:rPr lang="en-US" dirty="0" smtClean="0"/>
+              <a:t>be</a:t>
+            </a:r>
+            <a:r>
+              <a:rPr lang="en-US" b="1" dirty="0" smtClean="0">
+                <a:solidFill>
+                  <a:srgbClr val="002060"/>
+                </a:solidFill>
+              </a:rPr>
+              <a:t>’, ‘</a:t>
+            </a:r>
+            <a:r>
+              <a:rPr lang="en-US" dirty="0" err="1" smtClean="0"/>
+              <a:t>i</a:t>
+            </a:r>
+            <a:r>
+              <a:rPr lang="en-US" b="1" dirty="0" smtClean="0">
+                <a:solidFill>
+                  <a:srgbClr val="002060"/>
+                </a:solidFill>
+              </a:rPr>
+              <a:t>’, ‘</a:t>
+            </a:r>
+            <a:r>
+              <a:rPr lang="en-US" dirty="0" smtClean="0"/>
+              <a:t>will</a:t>
+            </a:r>
+            <a:r>
+              <a:rPr lang="en-US" b="1" dirty="0" smtClean="0">
+                <a:solidFill>
+                  <a:srgbClr val="002060"/>
+                </a:solidFill>
+              </a:rPr>
+              <a:t>’, ‘</a:t>
+            </a:r>
+            <a:r>
+              <a:rPr lang="en-US" dirty="0" smtClean="0"/>
+              <a:t>be</a:t>
+            </a:r>
+            <a:r>
+              <a:rPr lang="en-US" b="1" dirty="0" smtClean="0">
+                <a:solidFill>
+                  <a:srgbClr val="002060"/>
+                </a:solidFill>
+              </a:rPr>
+              <a:t>’, ‘</a:t>
+            </a:r>
+            <a:r>
+              <a:rPr lang="en-US" dirty="0" smtClean="0"/>
+              <a:t>right</a:t>
+            </a:r>
+            <a:r>
+              <a:rPr lang="en-US" b="1" dirty="0" smtClean="0">
+                <a:solidFill>
+                  <a:srgbClr val="002060"/>
+                </a:solidFill>
+              </a:rPr>
+              <a:t>’, ‘</a:t>
+            </a:r>
+            <a:r>
+              <a:rPr lang="en-US" dirty="0" smtClean="0"/>
+              <a:t>here</a:t>
+            </a:r>
+            <a:r>
+              <a:rPr lang="en-US" b="1" dirty="0" smtClean="0">
+                <a:solidFill>
+                  <a:srgbClr val="002060"/>
+                </a:solidFill>
+              </a:rPr>
+              <a:t>’, ‘</a:t>
+            </a:r>
+            <a:r>
+              <a:rPr lang="en-US" dirty="0" smtClean="0"/>
+              <a:t>waiting</a:t>
+            </a:r>
+            <a:r>
+              <a:rPr lang="en-US" b="1" dirty="0" smtClean="0">
+                <a:solidFill>
+                  <a:srgbClr val="002060"/>
+                </a:solidFill>
+              </a:rPr>
+              <a:t>’, ‘</a:t>
+            </a:r>
+            <a:r>
+              <a:rPr lang="en-US" dirty="0" smtClean="0"/>
+              <a:t>for</a:t>
+            </a:r>
+            <a:r>
+              <a:rPr lang="en-US" b="1" dirty="0" smtClean="0">
+                <a:solidFill>
+                  <a:srgbClr val="002060"/>
+                </a:solidFill>
+              </a:rPr>
+              <a:t>’, ‘</a:t>
+            </a:r>
+            <a:r>
+              <a:rPr lang="en-US" dirty="0" smtClean="0"/>
+              <a:t>you’ </a:t>
+            </a:r>
+            <a:r>
+              <a:rPr lang="en-US" b="1" dirty="0" smtClean="0">
+                <a:solidFill>
+                  <a:srgbClr val="002060"/>
+                </a:solidFill>
+              </a:rPr>
+              <a:t>}</a:t>
+            </a:r>
+            <a:endParaRPr lang="en-US" b="1" dirty="0">
+              <a:solidFill>
+                <a:srgbClr val="002060"/>
+              </a:solidFill>
+            </a:endParaRPr>
           </a:p>
         </p:txBody>
       </p:sp>
@@ -9334,7 +9501,7 @@
             <a:fld id="{FC13EE21-0C48-4609-AAE4-AD74DD06381D}" type="datetime1">
               <a:rPr lang="en-US" smtClean="0"/>
               <a:pPr/>
-              <a:t>4/13/2011</a:t>
+              <a:t>4/14/2011</a:t>
             </a:fld>
             <a:endParaRPr lang="en-US" dirty="0"/>
           </a:p>
@@ -9367,6 +9534,49 @@
           </a:p>
         </p:txBody>
       </p:sp>
+      <p:pic>
+        <p:nvPicPr>
+          <p:cNvPr id="3074" name="Picture 2" descr="E:\Document\adl ck 11.JPG"/>
+          <p:cNvPicPr>
+            <a:picLocks noChangeAspect="1" noChangeArrowheads="1"/>
+          </p:cNvPicPr>
+          <p:nvPr>
+            <p:custDataLst>
+              <p:tags r:id="rId6"/>
+            </p:custDataLst>
+          </p:nvPr>
+        </p:nvPicPr>
+        <p:blipFill>
+          <a:blip r:embed="rId8"/>
+          <a:srcRect/>
+          <a:stretch>
+            <a:fillRect/>
+          </a:stretch>
+        </p:blipFill>
+        <p:spPr bwMode="auto">
+          <a:xfrm>
+            <a:off x="1600200" y="1828800"/>
+            <a:ext cx="5524500" cy="885825"/>
+          </a:xfrm>
+          <a:prstGeom prst="rect">
+            <a:avLst/>
+          </a:prstGeom>
+          <a:ln w="38100" cap="sq">
+            <a:solidFill>
+              <a:srgbClr val="000000"/>
+            </a:solidFill>
+            <a:prstDash val="solid"/>
+            <a:miter lim="800000"/>
+          </a:ln>
+          <a:effectLst>
+            <a:outerShdw blurRad="50800" dist="38100" dir="2700000" algn="tl" rotWithShape="0">
+              <a:srgbClr val="000000">
+                <a:alpha val="43000"/>
+              </a:srgbClr>
+            </a:outerShdw>
+          </a:effectLst>
+        </p:spPr>
+      </p:pic>
     </p:spTree>
     <p:custDataLst>
       <p:tags r:id="rId1"/>
@@ -9451,6 +9661,202 @@
           <a:bodyPr/>
           <a:lstStyle/>
           <a:p>
+            <a:r>
+              <a:rPr lang="en-US" b="1" dirty="0" smtClean="0">
+                <a:solidFill>
+                  <a:srgbClr val="002060"/>
+                </a:solidFill>
+              </a:rPr>
+              <a:t>Word Location:</a:t>
+            </a:r>
+          </a:p>
+          <a:p>
+            <a:endParaRPr lang="en-US" b="1" dirty="0" smtClean="0">
+              <a:solidFill>
+                <a:srgbClr val="002060"/>
+              </a:solidFill>
+            </a:endParaRPr>
+          </a:p>
+          <a:p>
+            <a:endParaRPr lang="en-US" b="1" dirty="0" smtClean="0">
+              <a:solidFill>
+                <a:srgbClr val="002060"/>
+              </a:solidFill>
+            </a:endParaRPr>
+          </a:p>
+          <a:p>
+            <a:endParaRPr lang="en-US" b="1" dirty="0" smtClean="0">
+              <a:solidFill>
+                <a:srgbClr val="002060"/>
+              </a:solidFill>
+            </a:endParaRPr>
+          </a:p>
+          <a:p>
+            <a:r>
+              <a:rPr lang="en-US" b="1" dirty="0" smtClean="0">
+                <a:solidFill>
+                  <a:srgbClr val="002060"/>
+                </a:solidFill>
+              </a:rPr>
+              <a:t>Example :</a:t>
+            </a:r>
+          </a:p>
+          <a:p>
+            <a:pPr lvl="1"/>
+            <a:r>
+              <a:rPr lang="en-US" dirty="0" smtClean="0"/>
+              <a:t>wl</a:t>
+            </a:r>
+            <a:r>
+              <a:rPr lang="en-US" b="1" baseline="-25000" dirty="0" smtClean="0"/>
+              <a:t>0</a:t>
+            </a:r>
+            <a:r>
+              <a:rPr lang="en-US" b="1" baseline="-25000" dirty="0" smtClean="0">
+                <a:solidFill>
+                  <a:srgbClr val="002060"/>
+                </a:solidFill>
+              </a:rPr>
+              <a:t> </a:t>
+            </a:r>
+            <a:r>
+              <a:rPr lang="en-US" dirty="0" smtClean="0"/>
+              <a:t>= 0/15 = 0 				</a:t>
+            </a:r>
+            <a:r>
+              <a:rPr lang="en-US" dirty="0" smtClean="0">
+                <a:solidFill>
+                  <a:srgbClr val="92D050"/>
+                </a:solidFill>
+              </a:rPr>
+              <a:t>(‘whatever’)</a:t>
+            </a:r>
+          </a:p>
+          <a:p>
+            <a:pPr lvl="1"/>
+            <a:r>
+              <a:rPr lang="en-US" dirty="0" smtClean="0"/>
+              <a:t>wl</a:t>
+            </a:r>
+            <a:r>
+              <a:rPr lang="en-US" b="1" baseline="-25000" dirty="0" smtClean="0"/>
+              <a:t>1</a:t>
+            </a:r>
+            <a:r>
+              <a:rPr lang="en-US" b="1" baseline="-25000" dirty="0" smtClean="0">
+                <a:solidFill>
+                  <a:srgbClr val="002060"/>
+                </a:solidFill>
+              </a:rPr>
+              <a:t> </a:t>
+            </a:r>
+            <a:r>
+              <a:rPr lang="en-US" dirty="0" smtClean="0"/>
+              <a:t>= 1/15  = 0.067			</a:t>
+            </a:r>
+            <a:r>
+              <a:rPr lang="en-US" dirty="0" smtClean="0">
+                <a:solidFill>
+                  <a:srgbClr val="92D050"/>
+                </a:solidFill>
+              </a:rPr>
+              <a:t>(‘you’)</a:t>
+            </a:r>
+          </a:p>
+          <a:p>
+            <a:pPr lvl="1"/>
+            <a:r>
+              <a:rPr lang="en-US" dirty="0" smtClean="0"/>
+              <a:t>wl</a:t>
+            </a:r>
+            <a:r>
+              <a:rPr lang="en-US" b="1" baseline="-25000" dirty="0" smtClean="0"/>
+              <a:t>2</a:t>
+            </a:r>
+            <a:r>
+              <a:rPr lang="en-US" b="1" baseline="-25000" dirty="0" smtClean="0">
+                <a:solidFill>
+                  <a:srgbClr val="002060"/>
+                </a:solidFill>
+              </a:rPr>
+              <a:t> </a:t>
+            </a:r>
+            <a:r>
+              <a:rPr lang="en-US" dirty="0" smtClean="0"/>
+              <a:t>= 2/15 = 0.133				</a:t>
+            </a:r>
+            <a:r>
+              <a:rPr lang="en-US" dirty="0" smtClean="0">
+                <a:solidFill>
+                  <a:srgbClr val="92D050"/>
+                </a:solidFill>
+              </a:rPr>
+              <a:t>(‘do’)</a:t>
+            </a:r>
+          </a:p>
+          <a:p>
+            <a:pPr lvl="1"/>
+            <a:r>
+              <a:rPr lang="en-US" dirty="0" smtClean="0"/>
+              <a:t>wl</a:t>
+            </a:r>
+            <a:r>
+              <a:rPr lang="en-US" b="1" baseline="-25000" dirty="0" smtClean="0"/>
+              <a:t>4</a:t>
+            </a:r>
+            <a:r>
+              <a:rPr lang="en-US" b="1" baseline="-25000" dirty="0" smtClean="0">
+                <a:solidFill>
+                  <a:srgbClr val="002060"/>
+                </a:solidFill>
+              </a:rPr>
+              <a:t> </a:t>
+            </a:r>
+            <a:r>
+              <a:rPr lang="en-US" dirty="0" smtClean="0"/>
+              <a:t>= 4/15 = 0.266				</a:t>
+            </a:r>
+            <a:r>
+              <a:rPr lang="en-US" dirty="0" smtClean="0">
+                <a:solidFill>
+                  <a:srgbClr val="92D050"/>
+                </a:solidFill>
+              </a:rPr>
+              <a:t>(‘you’)</a:t>
+            </a:r>
+          </a:p>
+          <a:p>
+            <a:pPr lvl="1"/>
+            <a:r>
+              <a:rPr lang="en-US" dirty="0" smtClean="0"/>
+              <a:t>wl</a:t>
+            </a:r>
+            <a:r>
+              <a:rPr lang="en-US" b="1" baseline="-25000" dirty="0" smtClean="0"/>
+              <a:t>14 </a:t>
+            </a:r>
+            <a:r>
+              <a:rPr lang="en-US" dirty="0" smtClean="0"/>
+              <a:t>= 14/15 = 0.933			</a:t>
+            </a:r>
+            <a:r>
+              <a:rPr lang="en-US" dirty="0" smtClean="0">
+                <a:solidFill>
+                  <a:srgbClr val="92D050"/>
+                </a:solidFill>
+              </a:rPr>
+              <a:t>(‘you’)</a:t>
+            </a:r>
+          </a:p>
+          <a:p>
+            <a:pPr lvl="1"/>
+            <a:endParaRPr lang="en-US" b="1" baseline="-25000" dirty="0" smtClean="0">
+              <a:solidFill>
+                <a:srgbClr val="002060"/>
+              </a:solidFill>
+            </a:endParaRPr>
+          </a:p>
+          <a:p>
             <a:pPr>
               <a:buNone/>
             </a:pPr>
@@ -9479,7 +9885,7 @@
             <a:fld id="{FC13EE21-0C48-4609-AAE4-AD74DD06381D}" type="datetime1">
               <a:rPr lang="en-US" smtClean="0"/>
               <a:pPr/>
-              <a:t>4/13/2011</a:t>
+              <a:t>4/14/2011</a:t>
             </a:fld>
             <a:endParaRPr lang="en-US" dirty="0"/>
           </a:p>
@@ -9512,6 +9918,49 @@
           </a:p>
         </p:txBody>
       </p:sp>
+      <p:pic>
+        <p:nvPicPr>
+          <p:cNvPr id="4098" name="Picture 2" descr="E:\Document\adl ck 12.JPG"/>
+          <p:cNvPicPr>
+            <a:picLocks noChangeAspect="1" noChangeArrowheads="1"/>
+          </p:cNvPicPr>
+          <p:nvPr>
+            <p:custDataLst>
+              <p:tags r:id="rId6"/>
+            </p:custDataLst>
+          </p:nvPr>
+        </p:nvPicPr>
+        <p:blipFill>
+          <a:blip r:embed="rId8"/>
+          <a:srcRect/>
+          <a:stretch>
+            <a:fillRect/>
+          </a:stretch>
+        </p:blipFill>
+        <p:spPr bwMode="auto">
+          <a:xfrm>
+            <a:off x="3352800" y="1981200"/>
+            <a:ext cx="1885950" cy="1257300"/>
+          </a:xfrm>
+          <a:prstGeom prst="rect">
+            <a:avLst/>
+          </a:prstGeom>
+          <a:ln w="38100" cap="sq">
+            <a:solidFill>
+              <a:srgbClr val="000000"/>
+            </a:solidFill>
+            <a:prstDash val="solid"/>
+            <a:miter lim="800000"/>
+          </a:ln>
+          <a:effectLst>
+            <a:outerShdw blurRad="50800" dist="38100" dir="2700000" algn="tl" rotWithShape="0">
+              <a:srgbClr val="000000">
+                <a:alpha val="43000"/>
+              </a:srgbClr>
+            </a:outerShdw>
+          </a:effectLst>
+        </p:spPr>
+      </p:pic>
     </p:spTree>
     <p:custDataLst>
       <p:tags r:id="rId1"/>
@@ -9596,10 +10045,271 @@
           <a:bodyPr/>
           <a:lstStyle/>
           <a:p>
-            <a:pPr>
-              <a:buNone/>
-            </a:pPr>
-            <a:endParaRPr lang="en-US" dirty="0"/>
+            <a:r>
+              <a:rPr lang="en-US" b="1" dirty="0" smtClean="0">
+                <a:solidFill>
+                  <a:srgbClr val="002060"/>
+                </a:solidFill>
+              </a:rPr>
+              <a:t>Represent for distinct words</a:t>
+            </a:r>
+          </a:p>
+          <a:p>
+            <a:endParaRPr lang="en-US" b="1" dirty="0" smtClean="0">
+              <a:solidFill>
+                <a:srgbClr val="002060"/>
+              </a:solidFill>
+            </a:endParaRPr>
+          </a:p>
+          <a:p>
+            <a:endParaRPr lang="en-US" b="1" dirty="0" smtClean="0">
+              <a:solidFill>
+                <a:srgbClr val="002060"/>
+              </a:solidFill>
+            </a:endParaRPr>
+          </a:p>
+          <a:p>
+            <a:endParaRPr lang="en-US" b="1" dirty="0" smtClean="0">
+              <a:solidFill>
+                <a:srgbClr val="002060"/>
+              </a:solidFill>
+            </a:endParaRPr>
+          </a:p>
+          <a:p>
+            <a:endParaRPr lang="en-US" b="1" dirty="0" smtClean="0">
+              <a:solidFill>
+                <a:srgbClr val="002060"/>
+              </a:solidFill>
+            </a:endParaRPr>
+          </a:p>
+          <a:p>
+            <a:r>
+              <a:rPr lang="en-US" b="1" dirty="0" smtClean="0">
+                <a:solidFill>
+                  <a:srgbClr val="002060"/>
+                </a:solidFill>
+              </a:rPr>
+              <a:t>Example :</a:t>
+            </a:r>
+          </a:p>
+          <a:p>
+            <a:pPr lvl="1"/>
+            <a:r>
+              <a:rPr lang="en-US" b="1" dirty="0" smtClean="0">
+                <a:solidFill>
+                  <a:srgbClr val="002060"/>
+                </a:solidFill>
+              </a:rPr>
+              <a:t>S’ = {‘</a:t>
+            </a:r>
+            <a:r>
+              <a:rPr lang="en-US" dirty="0" smtClean="0"/>
+              <a:t>wherever</a:t>
+            </a:r>
+            <a:r>
+              <a:rPr lang="en-US" b="1" dirty="0" smtClean="0">
+                <a:solidFill>
+                  <a:srgbClr val="002060"/>
+                </a:solidFill>
+              </a:rPr>
+              <a:t>’, ‘</a:t>
+            </a:r>
+            <a:r>
+              <a:rPr lang="en-US" dirty="0" smtClean="0"/>
+              <a:t>you</a:t>
+            </a:r>
+            <a:r>
+              <a:rPr lang="en-US" b="1" dirty="0" smtClean="0">
+                <a:solidFill>
+                  <a:srgbClr val="002060"/>
+                </a:solidFill>
+              </a:rPr>
+              <a:t>’, ‘</a:t>
+            </a:r>
+            <a:r>
+              <a:rPr lang="en-US" dirty="0" smtClean="0"/>
+              <a:t>go</a:t>
+            </a:r>
+            <a:r>
+              <a:rPr lang="en-US" b="1" dirty="0" smtClean="0">
+                <a:solidFill>
+                  <a:srgbClr val="002060"/>
+                </a:solidFill>
+              </a:rPr>
+              <a:t>’, ‘</a:t>
+            </a:r>
+            <a:r>
+              <a:rPr lang="en-US" dirty="0" smtClean="0"/>
+              <a:t>whoever </a:t>
+            </a:r>
+            <a:r>
+              <a:rPr lang="en-US" b="1" dirty="0" smtClean="0">
+                <a:solidFill>
+                  <a:srgbClr val="002060"/>
+                </a:solidFill>
+              </a:rPr>
+              <a:t>’, ‘</a:t>
+            </a:r>
+            <a:r>
+              <a:rPr lang="en-US" dirty="0" smtClean="0"/>
+              <a:t>will</a:t>
+            </a:r>
+            <a:r>
+              <a:rPr lang="en-US" b="1" dirty="0" smtClean="0">
+                <a:solidFill>
+                  <a:srgbClr val="002060"/>
+                </a:solidFill>
+              </a:rPr>
+              <a:t>’, ‘</a:t>
+            </a:r>
+            <a:r>
+              <a:rPr lang="en-US" dirty="0" smtClean="0"/>
+              <a:t>be</a:t>
+            </a:r>
+            <a:r>
+              <a:rPr lang="en-US" b="1" dirty="0" smtClean="0">
+                <a:solidFill>
+                  <a:srgbClr val="002060"/>
+                </a:solidFill>
+              </a:rPr>
+              <a:t>’, ‘</a:t>
+            </a:r>
+            <a:r>
+              <a:rPr lang="en-US" dirty="0" err="1" smtClean="0"/>
+              <a:t>i</a:t>
+            </a:r>
+            <a:r>
+              <a:rPr lang="en-US" b="1" dirty="0" smtClean="0">
+                <a:solidFill>
+                  <a:srgbClr val="002060"/>
+                </a:solidFill>
+              </a:rPr>
+              <a:t>’, ‘</a:t>
+            </a:r>
+            <a:r>
+              <a:rPr lang="en-US" dirty="0" smtClean="0"/>
+              <a:t>right</a:t>
+            </a:r>
+            <a:r>
+              <a:rPr lang="en-US" b="1" dirty="0" smtClean="0">
+                <a:solidFill>
+                  <a:srgbClr val="002060"/>
+                </a:solidFill>
+              </a:rPr>
+              <a:t>’, ‘</a:t>
+            </a:r>
+            <a:r>
+              <a:rPr lang="en-US" dirty="0" smtClean="0"/>
+              <a:t>here</a:t>
+            </a:r>
+            <a:r>
+              <a:rPr lang="en-US" b="1" dirty="0" smtClean="0">
+                <a:solidFill>
+                  <a:srgbClr val="002060"/>
+                </a:solidFill>
+              </a:rPr>
+              <a:t>’, ‘</a:t>
+            </a:r>
+            <a:r>
+              <a:rPr lang="en-US" dirty="0" smtClean="0"/>
+              <a:t>waiting</a:t>
+            </a:r>
+            <a:r>
+              <a:rPr lang="en-US" b="1" dirty="0" smtClean="0">
+                <a:solidFill>
+                  <a:srgbClr val="002060"/>
+                </a:solidFill>
+              </a:rPr>
+              <a:t>’, ‘</a:t>
+            </a:r>
+            <a:r>
+              <a:rPr lang="en-US" dirty="0" smtClean="0"/>
+              <a:t>for</a:t>
+            </a:r>
+            <a:r>
+              <a:rPr lang="en-US" b="1" dirty="0" smtClean="0">
+                <a:solidFill>
+                  <a:srgbClr val="002060"/>
+                </a:solidFill>
+              </a:rPr>
+              <a:t>’</a:t>
+            </a:r>
+            <a:r>
+              <a:rPr lang="en-US" dirty="0" smtClean="0"/>
+              <a:t> </a:t>
+            </a:r>
+            <a:r>
+              <a:rPr lang="en-US" b="1" dirty="0" smtClean="0">
+                <a:solidFill>
+                  <a:srgbClr val="002060"/>
+                </a:solidFill>
+              </a:rPr>
+              <a:t>}  </a:t>
+            </a:r>
+            <a:r>
+              <a:rPr lang="en-US" b="1" dirty="0" smtClean="0">
+                <a:solidFill>
+                  <a:srgbClr val="92D050"/>
+                </a:solidFill>
+              </a:rPr>
+              <a:t>(m=11)</a:t>
+            </a:r>
+          </a:p>
+          <a:p>
+            <a:pPr lvl="1"/>
+            <a:r>
+              <a:rPr lang="en-US" dirty="0" smtClean="0"/>
+              <a:t>WL(w’</a:t>
+            </a:r>
+            <a:r>
+              <a:rPr lang="en-US" baseline="-25000" dirty="0" smtClean="0"/>
+              <a:t>0</a:t>
+            </a:r>
+            <a:r>
+              <a:rPr lang="en-US" dirty="0" smtClean="0"/>
+              <a:t> ) = { 0 } 	</a:t>
+            </a:r>
+            <a:r>
+              <a:rPr lang="en-US" dirty="0" smtClean="0">
+                <a:solidFill>
+                  <a:srgbClr val="92D050"/>
+                </a:solidFill>
+              </a:rPr>
+              <a:t>(‘wherever’)</a:t>
+            </a:r>
+            <a:endParaRPr lang="en-US" dirty="0" smtClean="0"/>
+          </a:p>
+          <a:p>
+            <a:pPr lvl="1"/>
+            <a:r>
+              <a:rPr lang="en-US" dirty="0" smtClean="0"/>
+              <a:t> WL(w’</a:t>
+            </a:r>
+            <a:r>
+              <a:rPr lang="en-US" baseline="-25000" dirty="0" smtClean="0"/>
+              <a:t>1</a:t>
+            </a:r>
+            <a:r>
+              <a:rPr lang="en-US" dirty="0" smtClean="0"/>
+              <a:t> ) = {0.067, 0.266, 0.933  } 	</a:t>
+            </a:r>
+            <a:r>
+              <a:rPr lang="en-US" dirty="0" smtClean="0">
+                <a:solidFill>
+                  <a:srgbClr val="92D050"/>
+                </a:solidFill>
+              </a:rPr>
+              <a:t>(‘you’)</a:t>
+            </a:r>
+            <a:endParaRPr lang="en-US" dirty="0" smtClean="0"/>
+          </a:p>
+          <a:p>
+            <a:pPr lvl="1"/>
+            <a:endParaRPr lang="en-US" b="1" dirty="0">
+              <a:solidFill>
+                <a:srgbClr val="002060"/>
+              </a:solidFill>
+            </a:endParaRPr>
           </a:p>
         </p:txBody>
       </p:sp>
@@ -9624,7 +10334,7 @@
             <a:fld id="{FC13EE21-0C48-4609-AAE4-AD74DD06381D}" type="datetime1">
               <a:rPr lang="en-US" smtClean="0"/>
               <a:pPr/>
-              <a:t>4/13/2011</a:t>
+              <a:t>4/14/2011</a:t>
             </a:fld>
             <a:endParaRPr lang="en-US" dirty="0"/>
           </a:p>
@@ -9657,6 +10367,92 @@
           </a:p>
         </p:txBody>
       </p:sp>
+      <p:pic>
+        <p:nvPicPr>
+          <p:cNvPr id="5122" name="Picture 2" descr="E:\Document\adl ck 13.JPG"/>
+          <p:cNvPicPr>
+            <a:picLocks noChangeAspect="1" noChangeArrowheads="1"/>
+          </p:cNvPicPr>
+          <p:nvPr>
+            <p:custDataLst>
+              <p:tags r:id="rId6"/>
+            </p:custDataLst>
+          </p:nvPr>
+        </p:nvPicPr>
+        <p:blipFill>
+          <a:blip r:embed="rId9"/>
+          <a:srcRect/>
+          <a:stretch>
+            <a:fillRect/>
+          </a:stretch>
+        </p:blipFill>
+        <p:spPr bwMode="auto">
+          <a:xfrm>
+            <a:off x="2057400" y="1752601"/>
+            <a:ext cx="5153025" cy="931270"/>
+          </a:xfrm>
+          <a:prstGeom prst="rect">
+            <a:avLst/>
+          </a:prstGeom>
+          <a:ln w="38100" cap="sq">
+            <a:solidFill>
+              <a:srgbClr val="000000"/>
+            </a:solidFill>
+            <a:prstDash val="solid"/>
+            <a:miter lim="800000"/>
+          </a:ln>
+          <a:effectLst>
+            <a:outerShdw blurRad="50800" dist="38100" dir="2700000" algn="tl" rotWithShape="0">
+              <a:srgbClr val="000000">
+                <a:alpha val="43000"/>
+              </a:srgbClr>
+            </a:outerShdw>
+          </a:effectLst>
+        </p:spPr>
+      </p:pic>
+      <p:pic>
+        <p:nvPicPr>
+          <p:cNvPr id="5123" name="Picture 3" descr="E:\Document\adl ck 14.JPG"/>
+          <p:cNvPicPr>
+            <a:picLocks noChangeAspect="1" noChangeArrowheads="1"/>
+          </p:cNvPicPr>
+          <p:nvPr>
+            <p:custDataLst>
+              <p:tags r:id="rId7"/>
+            </p:custDataLst>
+          </p:nvPr>
+        </p:nvPicPr>
+        <p:blipFill>
+          <a:blip r:embed="rId10"/>
+          <a:srcRect/>
+          <a:stretch>
+            <a:fillRect/>
+          </a:stretch>
+        </p:blipFill>
+        <p:spPr bwMode="auto">
+          <a:xfrm>
+            <a:off x="1066800" y="2971800"/>
+            <a:ext cx="7629525" cy="810585"/>
+          </a:xfrm>
+          <a:prstGeom prst="rect">
+            <a:avLst/>
+          </a:prstGeom>
+          <a:ln w="38100" cap="sq">
+            <a:solidFill>
+              <a:srgbClr val="000000"/>
+            </a:solidFill>
+            <a:prstDash val="solid"/>
+            <a:miter lim="800000"/>
+          </a:ln>
+          <a:effectLst>
+            <a:outerShdw blurRad="50800" dist="38100" dir="2700000" algn="tl" rotWithShape="0">
+              <a:srgbClr val="000000">
+                <a:alpha val="43000"/>
+              </a:srgbClr>
+            </a:outerShdw>
+          </a:effectLst>
+        </p:spPr>
+      </p:pic>
     </p:spTree>
     <p:custDataLst>
       <p:tags r:id="rId1"/>
@@ -9776,7 +10572,7 @@
             <a:fld id="{FC13EE21-0C48-4609-AAE4-AD74DD06381D}" type="datetime1">
               <a:rPr lang="en-US" smtClean="0"/>
               <a:pPr/>
-              <a:t>4/13/2011</a:t>
+              <a:t>4/14/2011</a:t>
             </a:fld>
             <a:endParaRPr lang="en-US" dirty="0"/>
           </a:p>
@@ -9809,6 +10605,92 @@
           </a:p>
         </p:txBody>
       </p:sp>
+      <p:pic>
+        <p:nvPicPr>
+          <p:cNvPr id="6146" name="Picture 2" descr="E:\Document\adl ck 16.JPG"/>
+          <p:cNvPicPr>
+            <a:picLocks noChangeAspect="1" noChangeArrowheads="1"/>
+          </p:cNvPicPr>
+          <p:nvPr>
+            <p:custDataLst>
+              <p:tags r:id="rId6"/>
+            </p:custDataLst>
+          </p:nvPr>
+        </p:nvPicPr>
+        <p:blipFill>
+          <a:blip r:embed="rId9"/>
+          <a:srcRect/>
+          <a:stretch>
+            <a:fillRect/>
+          </a:stretch>
+        </p:blipFill>
+        <p:spPr bwMode="auto">
+          <a:xfrm>
+            <a:off x="2133600" y="2590800"/>
+            <a:ext cx="5260891" cy="1040755"/>
+          </a:xfrm>
+          <a:prstGeom prst="rect">
+            <a:avLst/>
+          </a:prstGeom>
+          <a:ln w="38100" cap="sq">
+            <a:solidFill>
+              <a:srgbClr val="000000"/>
+            </a:solidFill>
+            <a:prstDash val="solid"/>
+            <a:miter lim="800000"/>
+          </a:ln>
+          <a:effectLst>
+            <a:outerShdw blurRad="50800" dist="38100" dir="2700000" algn="tl" rotWithShape="0">
+              <a:srgbClr val="000000">
+                <a:alpha val="43000"/>
+              </a:srgbClr>
+            </a:outerShdw>
+          </a:effectLst>
+        </p:spPr>
+      </p:pic>
+      <p:pic>
+        <p:nvPicPr>
+          <p:cNvPr id="6147" name="Picture 3" descr="E:\Document\adl ck 15.JPG"/>
+          <p:cNvPicPr>
+            <a:picLocks noChangeAspect="1" noChangeArrowheads="1"/>
+          </p:cNvPicPr>
+          <p:nvPr>
+            <p:custDataLst>
+              <p:tags r:id="rId7"/>
+            </p:custDataLst>
+          </p:nvPr>
+        </p:nvPicPr>
+        <p:blipFill>
+          <a:blip r:embed="rId10"/>
+          <a:srcRect/>
+          <a:stretch>
+            <a:fillRect/>
+          </a:stretch>
+        </p:blipFill>
+        <p:spPr bwMode="auto">
+          <a:xfrm>
+            <a:off x="3200400" y="1143000"/>
+            <a:ext cx="3246945" cy="998113"/>
+          </a:xfrm>
+          <a:prstGeom prst="rect">
+            <a:avLst/>
+          </a:prstGeom>
+          <a:ln w="38100" cap="sq">
+            <a:solidFill>
+              <a:srgbClr val="000000"/>
+            </a:solidFill>
+            <a:prstDash val="solid"/>
+            <a:miter lim="800000"/>
+          </a:ln>
+          <a:effectLst>
+            <a:outerShdw blurRad="50800" dist="38100" dir="2700000" algn="tl" rotWithShape="0">
+              <a:srgbClr val="000000">
+                <a:alpha val="43000"/>
+              </a:srgbClr>
+            </a:outerShdw>
+          </a:effectLst>
+        </p:spPr>
+      </p:pic>
     </p:spTree>
     <p:custDataLst>
       <p:tags r:id="rId1"/>
@@ -9852,6 +10734,228 @@
             <a:spLocks noGrp="1"/>
           </p:cNvSpPr>
           <p:nvPr>
+            <p:ph type="title"/>
+            <p:custDataLst>
+              <p:tags r:id="rId2"/>
+            </p:custDataLst>
+          </p:nvPr>
+        </p:nvSpPr>
+        <p:spPr/>
+        <p:txBody>
+          <a:bodyPr/>
+          <a:lstStyle/>
+          <a:p>
+            <a:endParaRPr lang="en-US"/>
+          </a:p>
+        </p:txBody>
+      </p:sp>
+      <p:sp>
+        <p:nvSpPr>
+          <p:cNvPr id="3" name="Content Placeholder 2"/>
+          <p:cNvSpPr>
+            <a:spLocks noGrp="1"/>
+          </p:cNvSpPr>
+          <p:nvPr>
+            <p:ph idx="1"/>
+            <p:custDataLst>
+              <p:tags r:id="rId3"/>
+            </p:custDataLst>
+          </p:nvPr>
+        </p:nvSpPr>
+        <p:spPr/>
+        <p:txBody>
+          <a:bodyPr/>
+          <a:lstStyle/>
+          <a:p>
+            <a:endParaRPr lang="en-US" dirty="0"/>
+          </a:p>
+        </p:txBody>
+      </p:sp>
+      <p:sp>
+        <p:nvSpPr>
+          <p:cNvPr id="4" name="Date Placeholder 3"/>
+          <p:cNvSpPr>
+            <a:spLocks noGrp="1"/>
+          </p:cNvSpPr>
+          <p:nvPr>
+            <p:ph type="dt" sz="half" idx="10"/>
+            <p:custDataLst>
+              <p:tags r:id="rId4"/>
+            </p:custDataLst>
+          </p:nvPr>
+        </p:nvSpPr>
+        <p:spPr/>
+        <p:txBody>
+          <a:bodyPr/>
+          <a:lstStyle/>
+          <a:p>
+            <a:fld id="{FC13EE21-0C48-4609-AAE4-AD74DD06381D}" type="datetime1">
+              <a:rPr lang="en-US" smtClean="0"/>
+              <a:pPr/>
+              <a:t>4/14/2011</a:t>
+            </a:fld>
+            <a:endParaRPr lang="en-US" dirty="0"/>
+          </a:p>
+        </p:txBody>
+      </p:sp>
+      <p:sp>
+        <p:nvSpPr>
+          <p:cNvPr id="5" name="Slide Number Placeholder 4"/>
+          <p:cNvSpPr>
+            <a:spLocks noGrp="1"/>
+          </p:cNvSpPr>
+          <p:nvPr>
+            <p:ph type="sldNum" sz="quarter" idx="12"/>
+            <p:custDataLst>
+              <p:tags r:id="rId5"/>
+            </p:custDataLst>
+          </p:nvPr>
+        </p:nvSpPr>
+        <p:spPr/>
+        <p:txBody>
+          <a:bodyPr/>
+          <a:lstStyle/>
+          <a:p>
+            <a:fld id="{805C85F1-8004-4C57-9BBF-E57BBA7CF0F9}" type="slidenum">
+              <a:rPr lang="en-US" smtClean="0"/>
+              <a:pPr/>
+              <a:t>15</a:t>
+            </a:fld>
+            <a:endParaRPr lang="en-US"/>
+          </a:p>
+        </p:txBody>
+      </p:sp>
+      <p:pic>
+        <p:nvPicPr>
+          <p:cNvPr id="7170" name="Picture 2" descr="E:\Document\adl ck 17.JPG"/>
+          <p:cNvPicPr>
+            <a:picLocks noChangeAspect="1" noChangeArrowheads="1"/>
+          </p:cNvPicPr>
+          <p:nvPr>
+            <p:custDataLst>
+              <p:tags r:id="rId6"/>
+            </p:custDataLst>
+          </p:nvPr>
+        </p:nvPicPr>
+        <p:blipFill>
+          <a:blip r:embed="rId9"/>
+          <a:srcRect/>
+          <a:stretch>
+            <a:fillRect/>
+          </a:stretch>
+        </p:blipFill>
+        <p:spPr bwMode="auto">
+          <a:xfrm>
+            <a:off x="3200400" y="1371601"/>
+            <a:ext cx="2965370" cy="930430"/>
+          </a:xfrm>
+          <a:prstGeom prst="rect">
+            <a:avLst/>
+          </a:prstGeom>
+          <a:ln w="38100" cap="sq">
+            <a:solidFill>
+              <a:srgbClr val="000000"/>
+            </a:solidFill>
+            <a:prstDash val="solid"/>
+            <a:miter lim="800000"/>
+          </a:ln>
+          <a:effectLst>
+            <a:outerShdw blurRad="50800" dist="38100" dir="2700000" algn="tl" rotWithShape="0">
+              <a:srgbClr val="000000">
+                <a:alpha val="43000"/>
+              </a:srgbClr>
+            </a:outerShdw>
+          </a:effectLst>
+        </p:spPr>
+      </p:pic>
+      <p:pic>
+        <p:nvPicPr>
+          <p:cNvPr id="7171" name="Picture 3" descr="E:\Document\adl ck 18.JPG"/>
+          <p:cNvPicPr>
+            <a:picLocks noChangeAspect="1" noChangeArrowheads="1"/>
+          </p:cNvPicPr>
+          <p:nvPr>
+            <p:custDataLst>
+              <p:tags r:id="rId7"/>
+            </p:custDataLst>
+          </p:nvPr>
+        </p:nvPicPr>
+        <p:blipFill>
+          <a:blip r:embed="rId10"/>
+          <a:srcRect/>
+          <a:stretch>
+            <a:fillRect/>
+          </a:stretch>
+        </p:blipFill>
+        <p:spPr bwMode="auto">
+          <a:xfrm>
+            <a:off x="2362200" y="2667000"/>
+            <a:ext cx="4772025" cy="892136"/>
+          </a:xfrm>
+          <a:prstGeom prst="rect">
+            <a:avLst/>
+          </a:prstGeom>
+          <a:ln w="38100" cap="sq">
+            <a:solidFill>
+              <a:srgbClr val="000000"/>
+            </a:solidFill>
+            <a:prstDash val="solid"/>
+            <a:miter lim="800000"/>
+          </a:ln>
+          <a:effectLst>
+            <a:outerShdw blurRad="50800" dist="38100" dir="2700000" algn="tl" rotWithShape="0">
+              <a:srgbClr val="000000">
+                <a:alpha val="43000"/>
+              </a:srgbClr>
+            </a:outerShdw>
+          </a:effectLst>
+        </p:spPr>
+      </p:pic>
+    </p:spTree>
+    <p:custDataLst>
+      <p:tags r:id="rId1"/>
+    </p:custDataLst>
+  </p:cSld>
+  <p:clrMapOvr>
+    <a:masterClrMapping/>
+  </p:clrMapOvr>
+  <p:transition>
+    <p:fade thruBlk="1"/>
+  </p:transition>
+  <p:timing>
+    <p:tnLst>
+      <p:par>
+        <p:cTn id="1" dur="indefinite" restart="never" nodeType="tmRoot"/>
+      </p:par>
+    </p:tnLst>
+  </p:timing>
+</p:sld>
+</file>
+
+<file path=ppt/slides/slide16.xml><?xml version="1.0" encoding="utf-8"?>
+<p:sld xmlns:a="http://schemas.openxmlformats.org/drawingml/2006/main" xmlns:r="http://schemas.openxmlformats.org/officeDocument/2006/relationships" xmlns:p="http://schemas.openxmlformats.org/presentationml/2006/main">
+  <p:cSld>
+    <p:spTree>
+      <p:nvGrpSpPr>
+        <p:cNvPr id="1" name=""/>
+        <p:cNvGrpSpPr/>
+        <p:nvPr/>
+      </p:nvGrpSpPr>
+      <p:grpSpPr>
+        <a:xfrm>
+          <a:off x="0" y="0"/>
+          <a:ext cx="0" cy="0"/>
+          <a:chOff x="0" y="0"/>
+          <a:chExt cx="0" cy="0"/>
+        </a:xfrm>
+      </p:grpSpPr>
+      <p:sp>
+        <p:nvSpPr>
+          <p:cNvPr id="2" name="Title 1"/>
+          <p:cNvSpPr>
+            <a:spLocks noGrp="1"/>
+          </p:cNvSpPr>
+          <p:nvPr>
             <p:ph type="ctrTitle"/>
             <p:custDataLst>
               <p:tags r:id="rId2"/>
@@ -9922,7 +11026,7 @@
 </p:sld>
 </file>
 
-<file path=ppt/slides/slide16.xml><?xml version="1.0" encoding="utf-8"?>
+<file path=ppt/slides/slide17.xml><?xml version="1.0" encoding="utf-8"?>
 <p:sld xmlns:a="http://schemas.openxmlformats.org/drawingml/2006/main" xmlns:r="http://schemas.openxmlformats.org/officeDocument/2006/relationships" xmlns:p="http://schemas.openxmlformats.org/presentationml/2006/main">
   <p:cSld>
     <p:spTree>
@@ -10055,7 +11159,7 @@
             <a:fld id="{FC13EE21-0C48-4609-AAE4-AD74DD06381D}" type="datetime1">
               <a:rPr lang="en-US" smtClean="0"/>
               <a:pPr/>
-              <a:t>4/13/2011</a:t>
+              <a:t>4/14/2011</a:t>
             </a:fld>
             <a:endParaRPr lang="en-US" dirty="0"/>
           </a:p>
@@ -10082,7 +11186,7 @@
             <a:fld id="{805C85F1-8004-4C57-9BBF-E57BBA7CF0F9}" type="slidenum">
               <a:rPr lang="en-US" smtClean="0"/>
               <a:pPr/>
-              <a:t>16</a:t>
+              <a:t>17</a:t>
             </a:fld>
             <a:endParaRPr lang="en-US"/>
           </a:p>
@@ -10107,7 +11211,7 @@
 </p:sld>
 </file>
 
-<file path=ppt/slides/slide17.xml><?xml version="1.0" encoding="utf-8"?>
+<file path=ppt/slides/slide18.xml><?xml version="1.0" encoding="utf-8"?>
 <p:sld xmlns:a="http://schemas.openxmlformats.org/drawingml/2006/main" xmlns:r="http://schemas.openxmlformats.org/officeDocument/2006/relationships" xmlns:p="http://schemas.openxmlformats.org/presentationml/2006/main">
   <p:cSld>
     <p:spTree>
@@ -10262,7 +11366,7 @@
             <a:fld id="{FC13EE21-0C48-4609-AAE4-AD74DD06381D}" type="datetime1">
               <a:rPr lang="en-US" smtClean="0"/>
               <a:pPr/>
-              <a:t>4/13/2011</a:t>
+              <a:t>4/14/2011</a:t>
             </a:fld>
             <a:endParaRPr lang="en-US" dirty="0"/>
           </a:p>
@@ -10289,7 +11393,7 @@
             <a:fld id="{805C85F1-8004-4C57-9BBF-E57BBA7CF0F9}" type="slidenum">
               <a:rPr lang="en-US" smtClean="0"/>
               <a:pPr/>
-              <a:t>17</a:t>
+              <a:t>18</a:t>
             </a:fld>
             <a:endParaRPr lang="en-US"/>
           </a:p>
@@ -10308,7 +11412,7 @@
           </p:nvPr>
         </p:nvPicPr>
         <p:blipFill>
-          <a:blip r:embed="rId14"/>
+          <a:blip r:embed="rId17"/>
           <a:srcRect/>
           <a:stretch>
             <a:fillRect/>
@@ -10338,7 +11442,7 @@
           </p:nvPr>
         </p:nvPicPr>
         <p:blipFill>
-          <a:blip r:embed="rId15" cstate="print"/>
+          <a:blip r:embed="rId18" cstate="print"/>
           <a:srcRect/>
           <a:stretch>
             <a:fillRect/>
@@ -10368,7 +11472,7 @@
           </p:nvPr>
         </p:nvPicPr>
         <p:blipFill>
-          <a:blip r:embed="rId16"/>
+          <a:blip r:embed="rId19"/>
           <a:srcRect/>
           <a:stretch>
             <a:fillRect/>
@@ -10458,28 +11562,58 @@
           </a:bodyPr>
           <a:lstStyle/>
           <a:p>
-            <a:pPr marL="0" marR="0" indent="0" algn="l" defTabSz="914400" rtl="0" eaLnBrk="0" fontAlgn="base" latinLnBrk="0" hangingPunct="0">
-              <a:lnSpc>
-                <a:spcPct val="100000"/>
-              </a:lnSpc>
+            <a:pPr algn="ctr" eaLnBrk="0" fontAlgn="base" hangingPunct="0">
               <a:spcBef>
                 <a:spcPct val="0"/>
               </a:spcBef>
               <a:spcAft>
                 <a:spcPct val="0"/>
               </a:spcAft>
-              <a:buClrTx/>
-              <a:buSzTx/>
-              <a:buFontTx/>
-              <a:buNone/>
-              <a:tabLst/>
             </a:pPr>
-            <a:endParaRPr kumimoji="0" lang="en-US" sz="1800" b="0" i="0" u="none" strike="noStrike" cap="none" normalizeH="0" baseline="0" smtClean="0">
+            <a:endParaRPr lang="en-US" b="1" dirty="0" smtClean="0">
+              <a:solidFill>
+                <a:srgbClr val="0CF300"/>
+              </a:solidFill>
+            </a:endParaRPr>
+          </a:p>
+          <a:p>
+            <a:pPr algn="ctr" eaLnBrk="0" fontAlgn="base" hangingPunct="0">
+              <a:spcBef>
+                <a:spcPct val="0"/>
+              </a:spcBef>
+              <a:spcAft>
+                <a:spcPct val="0"/>
+              </a:spcAft>
+            </a:pPr>
+            <a:endParaRPr lang="en-US" b="1" dirty="0" smtClean="0">
+              <a:solidFill>
+                <a:srgbClr val="0CF300"/>
+              </a:solidFill>
+            </a:endParaRPr>
+          </a:p>
+          <a:p>
+            <a:pPr algn="ctr" eaLnBrk="0" fontAlgn="base" hangingPunct="0">
+              <a:spcBef>
+                <a:spcPct val="0"/>
+              </a:spcBef>
+              <a:spcAft>
+                <a:spcPct val="0"/>
+              </a:spcAft>
+            </a:pPr>
+            <a:r>
+              <a:rPr lang="en-US" b="1" dirty="0" smtClean="0">
+                <a:solidFill>
+                  <a:srgbClr val="0CF300"/>
+                </a:solidFill>
+              </a:rPr>
+              <a:t>Classifier</a:t>
+            </a:r>
+            <a:endParaRPr kumimoji="0" lang="en-US" sz="1800" b="0" i="0" u="none" strike="noStrike" cap="none" normalizeH="0" baseline="0" dirty="0" smtClean="0">
               <a:ln>
                 <a:noFill/>
               </a:ln>
               <a:solidFill>
-                <a:schemeClr val="tx1"/>
+                <a:srgbClr val="0CF300"/>
               </a:solidFill>
               <a:effectLst/>
               <a:latin typeface="Arial" charset="0"/>
@@ -10553,6 +11687,108 @@
           <a:effectLst/>
         </p:spPr>
       </p:cxnSp>
+      <p:sp>
+        <p:nvSpPr>
+          <p:cNvPr id="16" name="TextBox 15"/>
+          <p:cNvSpPr txBox="1"/>
+          <p:nvPr>
+            <p:custDataLst>
+              <p:tags r:id="rId13"/>
+            </p:custDataLst>
+          </p:nvPr>
+        </p:nvSpPr>
+        <p:spPr>
+          <a:xfrm>
+            <a:off x="2438400" y="4114800"/>
+            <a:ext cx="1676400" cy="307777"/>
+          </a:xfrm>
+          <a:prstGeom prst="rect">
+            <a:avLst/>
+          </a:prstGeom>
+          <a:noFill/>
+        </p:spPr>
+        <p:txBody>
+          <a:bodyPr wrap="square" rtlCol="0">
+            <a:spAutoFit/>
+          </a:bodyPr>
+          <a:lstStyle/>
+          <a:p>
+            <a:r>
+              <a:rPr lang="en-US" sz="1400" b="1" dirty="0" smtClean="0"/>
+              <a:t>[ weight , length ]</a:t>
+            </a:r>
+            <a:endParaRPr lang="en-US" sz="1400" b="1" dirty="0"/>
+          </a:p>
+        </p:txBody>
+      </p:sp>
+      <p:sp>
+        <p:nvSpPr>
+          <p:cNvPr id="17" name="TextBox 16"/>
+          <p:cNvSpPr txBox="1"/>
+          <p:nvPr>
+            <p:custDataLst>
+              <p:tags r:id="rId14"/>
+            </p:custDataLst>
+          </p:nvPr>
+        </p:nvSpPr>
+        <p:spPr>
+          <a:xfrm rot="19255791">
+            <a:off x="5491649" y="3629476"/>
+            <a:ext cx="914400" cy="307777"/>
+          </a:xfrm>
+          <a:prstGeom prst="rect">
+            <a:avLst/>
+          </a:prstGeom>
+          <a:noFill/>
+        </p:spPr>
+        <p:txBody>
+          <a:bodyPr wrap="square" rtlCol="0">
+            <a:spAutoFit/>
+          </a:bodyPr>
+          <a:lstStyle/>
+          <a:p>
+            <a:r>
+              <a:rPr lang="en-US" sz="1400" b="1" dirty="0" smtClean="0"/>
+              <a:t>choose</a:t>
+            </a:r>
+            <a:endParaRPr lang="en-US" sz="1400" b="1" dirty="0"/>
+          </a:p>
+        </p:txBody>
+      </p:sp>
+      <p:sp>
+        <p:nvSpPr>
+          <p:cNvPr id="19" name="TextBox 18"/>
+          <p:cNvSpPr txBox="1"/>
+          <p:nvPr>
+            <p:custDataLst>
+              <p:tags r:id="rId15"/>
+            </p:custDataLst>
+          </p:nvPr>
+        </p:nvSpPr>
+        <p:spPr>
+          <a:xfrm rot="2526171">
+            <a:off x="5708532" y="4675183"/>
+            <a:ext cx="914400" cy="307777"/>
+          </a:xfrm>
+          <a:prstGeom prst="rect">
+            <a:avLst/>
+          </a:prstGeom>
+          <a:noFill/>
+        </p:spPr>
+        <p:txBody>
+          <a:bodyPr wrap="square" rtlCol="0">
+            <a:spAutoFit/>
+          </a:bodyPr>
+          <a:lstStyle/>
+          <a:p>
+            <a:r>
+              <a:rPr lang="en-US" sz="1400" b="1" dirty="0" smtClean="0"/>
+              <a:t>choose</a:t>
+            </a:r>
+            <a:endParaRPr lang="en-US" sz="1400" b="1" dirty="0"/>
+          </a:p>
+        </p:txBody>
+      </p:sp>
     </p:spTree>
     <p:custDataLst>
       <p:tags r:id="rId1"/>
@@ -10572,7 +11808,7 @@
 </p:sld>
 </file>
 
-<file path=ppt/slides/slide18.xml><?xml version="1.0" encoding="utf-8"?>
+<file path=ppt/slides/slide19.xml><?xml version="1.0" encoding="utf-8"?>
 <p:sld xmlns:a="http://schemas.openxmlformats.org/drawingml/2006/main" xmlns:r="http://schemas.openxmlformats.org/officeDocument/2006/relationships" xmlns:p="http://schemas.openxmlformats.org/presentationml/2006/main">
   <p:cSld>
     <p:spTree>
@@ -10591,6 +11827,80 @@
       </p:grpSpPr>
       <p:sp>
         <p:nvSpPr>
+          <p:cNvPr id="21" name="Rounded Rectangle 20"/>
+          <p:cNvSpPr/>
+          <p:nvPr>
+            <p:custDataLst>
+              <p:tags r:id="rId2"/>
+            </p:custDataLst>
+          </p:nvPr>
+        </p:nvSpPr>
+        <p:spPr bwMode="auto">
+          <a:xfrm>
+            <a:off x="76200" y="1752600"/>
+            <a:ext cx="1447800" cy="1905000"/>
+          </a:xfrm>
+          <a:prstGeom prst="roundRect">
+            <a:avLst/>
+          </a:prstGeom>
+          <a:ln>
+            <a:headEnd type="none" w="med" len="med"/>
+            <a:tailEnd type="none" w="med" len="med"/>
+          </a:ln>
+        </p:spPr>
+        <p:style>
+          <a:lnRef idx="2">
+            <a:schemeClr val="accent5"/>
+          </a:lnRef>
+          <a:fillRef idx="1">
+            <a:schemeClr val="lt1"/>
+          </a:fillRef>
+          <a:effectRef idx="0">
+            <a:schemeClr val="accent5"/>
+          </a:effectRef>
+          <a:fontRef idx="minor">
+            <a:schemeClr val="dk1"/>
+          </a:fontRef>
+        </p:style>
+        <p:txBody>
+          <a:bodyPr vert="horz" wrap="square" lIns="91440" tIns="45720" rIns="91440" bIns="45720" numCol="1" rtlCol="0" anchor="t" anchorCtr="0" compatLnSpc="1">
+            <a:prstTxWarp prst="textNoShape">
+              <a:avLst/>
+            </a:prstTxWarp>
+          </a:bodyPr>
+          <a:lstStyle/>
+          <a:p>
+            <a:pPr marL="0" marR="0" indent="0" algn="l" defTabSz="914400" rtl="0" eaLnBrk="0" fontAlgn="base" latinLnBrk="0" hangingPunct="0">
+              <a:lnSpc>
+                <a:spcPct val="100000"/>
+              </a:lnSpc>
+              <a:spcBef>
+                <a:spcPct val="0"/>
+              </a:spcBef>
+              <a:spcAft>
+                <a:spcPct val="0"/>
+              </a:spcAft>
+              <a:buClrTx/>
+              <a:buSzTx/>
+              <a:buFontTx/>
+              <a:buNone/>
+              <a:tabLst/>
+            </a:pPr>
+            <a:endParaRPr kumimoji="0" lang="en-US" sz="1800" b="0" i="0" u="none" strike="noStrike" cap="none" normalizeH="0" baseline="0" smtClean="0">
+              <a:ln>
+                <a:noFill/>
+              </a:ln>
+              <a:solidFill>
+                <a:schemeClr val="tx1"/>
+              </a:solidFill>
+              <a:effectLst/>
+              <a:latin typeface="Arial" charset="0"/>
+            </a:endParaRPr>
+          </a:p>
+        </p:txBody>
+      </p:sp>
+      <p:sp>
+        <p:nvSpPr>
           <p:cNvPr id="2" name="Title 1"/>
           <p:cNvSpPr>
             <a:spLocks noGrp="1"/>
@@ -10598,7 +11908,7 @@
           <p:nvPr>
             <p:ph type="title"/>
             <p:custDataLst>
-              <p:tags r:id="rId2"/>
+              <p:tags r:id="rId3"/>
             </p:custDataLst>
           </p:nvPr>
         </p:nvSpPr>
@@ -10630,7 +11940,7 @@
           <p:nvPr>
             <p:ph idx="1"/>
             <p:custDataLst>
-              <p:tags r:id="rId3"/>
+              <p:tags r:id="rId4"/>
             </p:custDataLst>
           </p:nvPr>
         </p:nvSpPr>
@@ -10644,10 +11954,19 @@
           <a:bodyPr/>
           <a:lstStyle/>
           <a:p>
-            <a:pPr>
-              <a:buNone/>
-            </a:pPr>
-            <a:endParaRPr lang="en-US" dirty="0"/>
+            <a:r>
+              <a:rPr lang="en-US" b="1" dirty="0" err="1" smtClean="0">
+                <a:solidFill>
+                  <a:srgbClr val="002060"/>
+                </a:solidFill>
+              </a:rPr>
+              <a:t>Hyperplane</a:t>
+            </a:r>
+            <a:endParaRPr lang="en-US" dirty="0">
+              <a:solidFill>
+                <a:srgbClr val="002060"/>
+              </a:solidFill>
+            </a:endParaRPr>
           </a:p>
         </p:txBody>
       </p:sp>
@@ -10660,7 +11979,7 @@
           <p:nvPr>
             <p:ph type="dt" sz="half" idx="10"/>
             <p:custDataLst>
-              <p:tags r:id="rId4"/>
+              <p:tags r:id="rId5"/>
             </p:custDataLst>
           </p:nvPr>
         </p:nvSpPr>
@@ -10672,7 +11991,7 @@
             <a:fld id="{FC13EE21-0C48-4609-AAE4-AD74DD06381D}" type="datetime1">
               <a:rPr lang="en-US" smtClean="0"/>
               <a:pPr/>
-              <a:t>4/13/2011</a:t>
+              <a:t>4/14/2011</a:t>
             </a:fld>
             <a:endParaRPr lang="en-US" dirty="0"/>
           </a:p>
@@ -10687,7 +12006,7 @@
           <p:nvPr>
             <p:ph type="sldNum" sz="quarter" idx="12"/>
             <p:custDataLst>
-              <p:tags r:id="rId5"/>
+              <p:tags r:id="rId6"/>
             </p:custDataLst>
           </p:nvPr>
         </p:nvSpPr>
@@ -10699,7 +12018,7 @@
             <a:fld id="{805C85F1-8004-4C57-9BBF-E57BBA7CF0F9}" type="slidenum">
               <a:rPr lang="en-US" smtClean="0"/>
               <a:pPr/>
-              <a:t>18</a:t>
+              <a:t>19</a:t>
             </a:fld>
             <a:endParaRPr lang="en-US"/>
           </a:p>
@@ -10713,12 +12032,12 @@
           </p:cNvPicPr>
           <p:nvPr>
             <p:custDataLst>
-              <p:tags r:id="rId6"/>
+              <p:tags r:id="rId7"/>
             </p:custDataLst>
           </p:nvPr>
         </p:nvPicPr>
         <p:blipFill>
-          <a:blip r:embed="rId8"/>
+          <a:blip r:embed="rId16"/>
           <a:srcRect/>
           <a:stretch>
             <a:fillRect/>
@@ -10726,7 +12045,7 @@
         </p:blipFill>
         <p:spPr bwMode="auto">
           <a:xfrm>
-            <a:off x="1752600" y="1447800"/>
+            <a:off x="1676400" y="1676400"/>
             <a:ext cx="4800600" cy="4582391"/>
           </a:xfrm>
           <a:prstGeom prst="rect">
@@ -10735,6 +12054,391 @@
           <a:noFill/>
         </p:spPr>
       </p:pic>
+      <p:sp>
+        <p:nvSpPr>
+          <p:cNvPr id="8" name="TextBox 7"/>
+          <p:cNvSpPr txBox="1"/>
+          <p:nvPr>
+            <p:custDataLst>
+              <p:tags r:id="rId8"/>
+            </p:custDataLst>
+          </p:nvPr>
+        </p:nvSpPr>
+        <p:spPr>
+          <a:xfrm>
+            <a:off x="3733800" y="5943600"/>
+            <a:ext cx="1676400" cy="338554"/>
+          </a:xfrm>
+          <a:prstGeom prst="rect">
+            <a:avLst/>
+          </a:prstGeom>
+          <a:noFill/>
+        </p:spPr>
+        <p:txBody>
+          <a:bodyPr wrap="square" rtlCol="0">
+            <a:spAutoFit/>
+          </a:bodyPr>
+          <a:lstStyle/>
+          <a:p>
+            <a:r>
+              <a:rPr lang="en-US" sz="1600" b="1" dirty="0" smtClean="0"/>
+              <a:t> weight </a:t>
+            </a:r>
+            <a:endParaRPr lang="en-US" sz="1600" b="1" dirty="0"/>
+          </a:p>
+        </p:txBody>
+      </p:sp>
+      <p:sp>
+        <p:nvSpPr>
+          <p:cNvPr id="9" name="TextBox 8"/>
+          <p:cNvSpPr txBox="1"/>
+          <p:nvPr>
+            <p:custDataLst>
+              <p:tags r:id="rId9"/>
+            </p:custDataLst>
+          </p:nvPr>
+        </p:nvSpPr>
+        <p:spPr>
+          <a:xfrm rot="16200000">
+            <a:off x="1065311" y="3335924"/>
+            <a:ext cx="1676400" cy="338554"/>
+          </a:xfrm>
+          <a:prstGeom prst="rect">
+            <a:avLst/>
+          </a:prstGeom>
+          <a:noFill/>
+        </p:spPr>
+        <p:txBody>
+          <a:bodyPr wrap="square" rtlCol="0">
+            <a:spAutoFit/>
+          </a:bodyPr>
+          <a:lstStyle/>
+          <a:p>
+            <a:r>
+              <a:rPr lang="en-US" sz="1600" b="1" dirty="0" smtClean="0"/>
+              <a:t>length </a:t>
+            </a:r>
+            <a:endParaRPr lang="en-US" sz="1400" b="1" dirty="0"/>
+          </a:p>
+        </p:txBody>
+      </p:sp>
+      <p:pic>
+        <p:nvPicPr>
+          <p:cNvPr id="16" name="Picture 7" descr="E:\Document\adl ck 8.jpg"/>
+          <p:cNvPicPr>
+            <a:picLocks noChangeAspect="1" noChangeArrowheads="1"/>
+          </p:cNvPicPr>
+          <p:nvPr>
+            <p:custDataLst>
+              <p:tags r:id="rId10"/>
+            </p:custDataLst>
+          </p:nvPr>
+        </p:nvPicPr>
+        <p:blipFill>
+          <a:blip r:embed="rId17"/>
+          <a:srcRect/>
+          <a:stretch>
+            <a:fillRect/>
+          </a:stretch>
+        </p:blipFill>
+        <p:spPr bwMode="auto">
+          <a:xfrm>
+            <a:off x="685800" y="2057400"/>
+            <a:ext cx="457200" cy="457200"/>
+          </a:xfrm>
+          <a:prstGeom prst="rect">
+            <a:avLst/>
+          </a:prstGeom>
+          <a:noFill/>
+        </p:spPr>
+      </p:pic>
+      <p:pic>
+        <p:nvPicPr>
+          <p:cNvPr id="18" name="Picture 6" descr="E:\Document\adl ck 7.jpg"/>
+          <p:cNvPicPr>
+            <a:picLocks noChangeAspect="1" noChangeArrowheads="1"/>
+          </p:cNvPicPr>
+          <p:nvPr>
+            <p:custDataLst>
+              <p:tags r:id="rId11"/>
+            </p:custDataLst>
+          </p:nvPr>
+        </p:nvPicPr>
+        <p:blipFill>
+          <a:blip r:embed="rId18" cstate="print"/>
+          <a:srcRect/>
+          <a:stretch>
+            <a:fillRect/>
+          </a:stretch>
+        </p:blipFill>
+        <p:spPr bwMode="auto">
+          <a:xfrm>
+            <a:off x="685800" y="2743200"/>
+            <a:ext cx="457200" cy="682142"/>
+          </a:xfrm>
+          <a:prstGeom prst="rect">
+            <a:avLst/>
+          </a:prstGeom>
+          <a:noFill/>
+        </p:spPr>
+      </p:pic>
+      <p:sp>
+        <p:nvSpPr>
+          <p:cNvPr id="19" name="Oval 18"/>
+          <p:cNvSpPr/>
+          <p:nvPr>
+            <p:custDataLst>
+              <p:tags r:id="rId12"/>
+            </p:custDataLst>
+          </p:nvPr>
+        </p:nvSpPr>
+        <p:spPr bwMode="auto">
+          <a:xfrm>
+            <a:off x="304800" y="2209800"/>
+            <a:ext cx="228600" cy="228600"/>
+          </a:xfrm>
+          <a:prstGeom prst="ellipse">
+            <a:avLst/>
+          </a:prstGeom>
+          <a:ln>
+            <a:headEnd type="none" w="med" len="med"/>
+            <a:tailEnd type="none" w="med" len="med"/>
+          </a:ln>
+        </p:spPr>
+        <p:style>
+          <a:lnRef idx="2">
+            <a:schemeClr val="dk1">
+              <a:shade val="50000"/>
+            </a:schemeClr>
+          </a:lnRef>
+          <a:fillRef idx="1">
+            <a:schemeClr val="dk1"/>
+          </a:fillRef>
+          <a:effectRef idx="0">
+            <a:schemeClr val="dk1"/>
+          </a:effectRef>
+          <a:fontRef idx="minor">
+            <a:schemeClr val="lt1"/>
+          </a:fontRef>
+        </p:style>
+        <p:txBody>
+          <a:bodyPr vert="horz" wrap="square" lIns="91440" tIns="45720" rIns="91440" bIns="45720" numCol="1" rtlCol="0" anchor="t" anchorCtr="0" compatLnSpc="1">
+            <a:prstTxWarp prst="textNoShape">
+              <a:avLst/>
+            </a:prstTxWarp>
+          </a:bodyPr>
+          <a:lstStyle/>
+          <a:p>
+            <a:pPr marL="0" marR="0" indent="0" algn="l" defTabSz="914400" rtl="0" eaLnBrk="0" fontAlgn="base" latinLnBrk="0" hangingPunct="0">
+              <a:lnSpc>
+                <a:spcPct val="100000"/>
+              </a:lnSpc>
+              <a:spcBef>
+                <a:spcPct val="0"/>
+              </a:spcBef>
+              <a:spcAft>
+                <a:spcPct val="0"/>
+              </a:spcAft>
+              <a:buClrTx/>
+              <a:buSzTx/>
+              <a:buFontTx/>
+              <a:buNone/>
+              <a:tabLst/>
+            </a:pPr>
+            <a:endParaRPr kumimoji="0" lang="en-US" sz="1800" b="0" i="0" u="none" strike="noStrike" cap="none" normalizeH="0" baseline="0" smtClean="0">
+              <a:ln>
+                <a:noFill/>
+              </a:ln>
+              <a:solidFill>
+                <a:schemeClr val="tx1"/>
+              </a:solidFill>
+              <a:effectLst/>
+              <a:latin typeface="Arial" charset="0"/>
+            </a:endParaRPr>
+          </a:p>
+        </p:txBody>
+      </p:sp>
+      <p:sp>
+        <p:nvSpPr>
+          <p:cNvPr id="20" name="Oval 19"/>
+          <p:cNvSpPr/>
+          <p:nvPr>
+            <p:custDataLst>
+              <p:tags r:id="rId13"/>
+            </p:custDataLst>
+          </p:nvPr>
+        </p:nvSpPr>
+        <p:spPr bwMode="auto">
+          <a:xfrm>
+            <a:off x="304800" y="2971800"/>
+            <a:ext cx="228600" cy="228600"/>
+          </a:xfrm>
+          <a:prstGeom prst="ellipse">
+            <a:avLst/>
+          </a:prstGeom>
+          <a:ln>
+            <a:headEnd type="none" w="med" len="med"/>
+            <a:tailEnd type="none" w="med" len="med"/>
+          </a:ln>
+        </p:spPr>
+        <p:style>
+          <a:lnRef idx="2">
+            <a:schemeClr val="dk1"/>
+          </a:lnRef>
+          <a:fillRef idx="1">
+            <a:schemeClr val="lt1"/>
+          </a:fillRef>
+          <a:effectRef idx="0">
+            <a:schemeClr val="dk1"/>
+          </a:effectRef>
+          <a:fontRef idx="minor">
+            <a:schemeClr val="dk1"/>
+          </a:fontRef>
+        </p:style>
+        <p:txBody>
+          <a:bodyPr vert="horz" wrap="square" lIns="91440" tIns="45720" rIns="91440" bIns="45720" numCol="1" rtlCol="0" anchor="t" anchorCtr="0" compatLnSpc="1">
+            <a:prstTxWarp prst="textNoShape">
+              <a:avLst/>
+            </a:prstTxWarp>
+          </a:bodyPr>
+          <a:lstStyle/>
+          <a:p>
+            <a:pPr marL="0" marR="0" indent="0" algn="l" defTabSz="914400" rtl="0" eaLnBrk="0" fontAlgn="base" latinLnBrk="0" hangingPunct="0">
+              <a:lnSpc>
+                <a:spcPct val="100000"/>
+              </a:lnSpc>
+              <a:spcBef>
+                <a:spcPct val="0"/>
+              </a:spcBef>
+              <a:spcAft>
+                <a:spcPct val="0"/>
+              </a:spcAft>
+              <a:buClrTx/>
+              <a:buSzTx/>
+              <a:buFontTx/>
+              <a:buNone/>
+              <a:tabLst/>
+            </a:pPr>
+            <a:endParaRPr kumimoji="0" lang="en-US" sz="1800" b="0" i="0" u="none" strike="noStrike" cap="none" normalizeH="0" baseline="0" smtClean="0">
+              <a:ln>
+                <a:noFill/>
+              </a:ln>
+              <a:solidFill>
+                <a:schemeClr val="tx1"/>
+              </a:solidFill>
+              <a:effectLst/>
+              <a:latin typeface="Arial" charset="0"/>
+            </a:endParaRPr>
+          </a:p>
+        </p:txBody>
+      </p:sp>
+      <p:sp>
+        <p:nvSpPr>
+          <p:cNvPr id="22" name="TextBox 21"/>
+          <p:cNvSpPr txBox="1"/>
+          <p:nvPr>
+            <p:custDataLst>
+              <p:tags r:id="rId14"/>
+            </p:custDataLst>
+          </p:nvPr>
+        </p:nvSpPr>
+        <p:spPr>
+          <a:xfrm>
+            <a:off x="6858000" y="1723072"/>
+            <a:ext cx="2133600" cy="1200329"/>
+          </a:xfrm>
+          <a:prstGeom prst="rect">
+            <a:avLst/>
+          </a:prstGeom>
+          <a:noFill/>
+          <a:ln>
+            <a:solidFill>
+              <a:schemeClr val="tx1"/>
+            </a:solidFill>
+          </a:ln>
+        </p:spPr>
+        <p:txBody>
+          <a:bodyPr wrap="square" rtlCol="0">
+            <a:spAutoFit/>
+          </a:bodyPr>
+          <a:lstStyle/>
+          <a:p>
+            <a:r>
+              <a:rPr lang="en-US" b="1" dirty="0" smtClean="0"/>
+              <a:t>H</a:t>
+            </a:r>
+            <a:r>
+              <a:rPr lang="en-US" b="1" baseline="-25000" dirty="0" smtClean="0"/>
+              <a:t>1</a:t>
+            </a:r>
+            <a:r>
+              <a:rPr lang="en-US" b="1" dirty="0" smtClean="0"/>
+              <a:t>: </a:t>
+            </a:r>
+            <a:r>
+              <a:rPr lang="en-US" dirty="0" err="1" smtClean="0"/>
+              <a:t>H</a:t>
+            </a:r>
+            <a:r>
+              <a:rPr lang="en-US" i="1" dirty="0" err="1" smtClean="0"/>
+              <a:t>yperplane</a:t>
+            </a:r>
+            <a:endParaRPr lang="en-US" i="1" dirty="0" smtClean="0"/>
+          </a:p>
+          <a:p>
+            <a:r>
+              <a:rPr lang="en-US" b="1" dirty="0" smtClean="0"/>
+              <a:t>H</a:t>
+            </a:r>
+            <a:r>
+              <a:rPr lang="en-US" b="1" baseline="-25000" dirty="0" smtClean="0"/>
+              <a:t>2</a:t>
+            </a:r>
+            <a:r>
+              <a:rPr lang="en-US" b="1" dirty="0" smtClean="0"/>
+              <a:t> : </a:t>
+            </a:r>
+            <a:r>
+              <a:rPr lang="en-US" i="1" dirty="0" smtClean="0"/>
+              <a:t>Classifying</a:t>
+            </a:r>
+          </a:p>
+          <a:p>
+            <a:r>
+              <a:rPr lang="en-US" i="1" dirty="0" smtClean="0"/>
+              <a:t> </a:t>
+            </a:r>
+            <a:r>
+              <a:rPr lang="en-US" i="1" dirty="0" err="1" smtClean="0"/>
+              <a:t>Hyperplane</a:t>
+            </a:r>
+            <a:endParaRPr lang="en-US" i="1" dirty="0" smtClean="0"/>
+          </a:p>
+          <a:p>
+            <a:r>
+              <a:rPr lang="en-US" b="1" dirty="0" smtClean="0"/>
+              <a:t>H</a:t>
+            </a:r>
+            <a:r>
+              <a:rPr lang="en-US" b="1" baseline="-25000" dirty="0" smtClean="0"/>
+              <a:t>3</a:t>
+            </a:r>
+            <a:r>
+              <a:rPr lang="en-US" b="1" dirty="0" smtClean="0"/>
+              <a:t>: </a:t>
+            </a:r>
+            <a:r>
+              <a:rPr lang="en-US" i="1" dirty="0" smtClean="0"/>
+              <a:t>not </a:t>
+            </a:r>
+            <a:r>
+              <a:rPr lang="en-US" i="1" dirty="0" err="1" smtClean="0"/>
+              <a:t>Hyperplane</a:t>
+            </a:r>
+            <a:endParaRPr lang="en-US" i="1" dirty="0" smtClean="0"/>
+          </a:p>
+        </p:txBody>
+      </p:sp>
     </p:spTree>
     <p:custDataLst>
       <p:tags r:id="rId1"/>
@@ -10754,7 +12458,7 @@
 </p:sld>
 </file>
 
-<file path=ppt/slides/slide19.xml><?xml version="1.0" encoding="utf-8"?>
+<file path=ppt/slides/slide2.xml><?xml version="1.0" encoding="utf-8"?>
 <p:sld xmlns:a="http://schemas.openxmlformats.org/drawingml/2006/main" xmlns:r="http://schemas.openxmlformats.org/officeDocument/2006/relationships" xmlns:p="http://schemas.openxmlformats.org/presentationml/2006/main">
   <p:cSld>
     <p:spTree>
@@ -10790,6 +12494,139 @@
           <a:lstStyle/>
           <a:p>
             <a:r>
+              <a:rPr lang="en-US" dirty="0" err="1" smtClean="0"/>
+              <a:t>Mindmap</a:t>
+            </a:r>
+            <a:endParaRPr lang="en-US" dirty="0"/>
+          </a:p>
+        </p:txBody>
+      </p:sp>
+      <p:sp>
+        <p:nvSpPr>
+          <p:cNvPr id="3" name="Content Placeholder 2"/>
+          <p:cNvSpPr>
+            <a:spLocks noGrp="1"/>
+          </p:cNvSpPr>
+          <p:nvPr>
+            <p:ph idx="1"/>
+            <p:custDataLst>
+              <p:tags r:id="rId3"/>
+            </p:custDataLst>
+          </p:nvPr>
+        </p:nvSpPr>
+        <p:spPr/>
+        <p:txBody>
+          <a:bodyPr/>
+          <a:lstStyle/>
+          <a:p>
+            <a:endParaRPr lang="en-US"/>
+          </a:p>
+        </p:txBody>
+      </p:sp>
+      <p:sp>
+        <p:nvSpPr>
+          <p:cNvPr id="4" name="Date Placeholder 3"/>
+          <p:cNvSpPr>
+            <a:spLocks noGrp="1"/>
+          </p:cNvSpPr>
+          <p:nvPr>
+            <p:ph type="dt" sz="half" idx="10"/>
+            <p:custDataLst>
+              <p:tags r:id="rId4"/>
+            </p:custDataLst>
+          </p:nvPr>
+        </p:nvSpPr>
+        <p:spPr/>
+        <p:txBody>
+          <a:bodyPr/>
+          <a:lstStyle/>
+          <a:p>
+            <a:fld id="{FC13EE21-0C48-4609-AAE4-AD74DD06381D}" type="datetime1">
+              <a:rPr lang="en-US" smtClean="0"/>
+              <a:pPr/>
+              <a:t>4/14/2011</a:t>
+            </a:fld>
+            <a:endParaRPr lang="en-US" dirty="0"/>
+          </a:p>
+        </p:txBody>
+      </p:sp>
+      <p:sp>
+        <p:nvSpPr>
+          <p:cNvPr id="5" name="Slide Number Placeholder 4"/>
+          <p:cNvSpPr>
+            <a:spLocks noGrp="1"/>
+          </p:cNvSpPr>
+          <p:nvPr>
+            <p:ph type="sldNum" sz="quarter" idx="12"/>
+            <p:custDataLst>
+              <p:tags r:id="rId5"/>
+            </p:custDataLst>
+          </p:nvPr>
+        </p:nvSpPr>
+        <p:spPr/>
+        <p:txBody>
+          <a:bodyPr/>
+          <a:lstStyle/>
+          <a:p>
+            <a:fld id="{805C85F1-8004-4C57-9BBF-E57BBA7CF0F9}" type="slidenum">
+              <a:rPr lang="en-US" smtClean="0"/>
+              <a:pPr/>
+              <a:t>2</a:t>
+            </a:fld>
+            <a:endParaRPr lang="en-US"/>
+          </a:p>
+        </p:txBody>
+      </p:sp>
+    </p:spTree>
+    <p:custDataLst>
+      <p:tags r:id="rId1"/>
+    </p:custDataLst>
+  </p:cSld>
+  <p:clrMapOvr>
+    <a:masterClrMapping/>
+  </p:clrMapOvr>
+  <p:transition>
+    <p:fade thruBlk="1"/>
+  </p:transition>
+</p:sld>
+</file>
+
+<file path=ppt/slides/slide20.xml><?xml version="1.0" encoding="utf-8"?>
+<p:sld xmlns:a="http://schemas.openxmlformats.org/drawingml/2006/main" xmlns:r="http://schemas.openxmlformats.org/officeDocument/2006/relationships" xmlns:p="http://schemas.openxmlformats.org/presentationml/2006/main">
+  <p:cSld>
+    <p:spTree>
+      <p:nvGrpSpPr>
+        <p:cNvPr id="1" name=""/>
+        <p:cNvGrpSpPr/>
+        <p:nvPr/>
+      </p:nvGrpSpPr>
+      <p:grpSpPr>
+        <a:xfrm>
+          <a:off x="0" y="0"/>
+          <a:ext cx="0" cy="0"/>
+          <a:chOff x="0" y="0"/>
+          <a:chExt cx="0" cy="0"/>
+        </a:xfrm>
+      </p:grpSpPr>
+      <p:sp>
+        <p:nvSpPr>
+          <p:cNvPr id="2" name="Title 1"/>
+          <p:cNvSpPr>
+            <a:spLocks noGrp="1"/>
+          </p:cNvSpPr>
+          <p:nvPr>
+            <p:ph type="title"/>
+            <p:custDataLst>
+              <p:tags r:id="rId2"/>
+            </p:custDataLst>
+          </p:nvPr>
+        </p:nvSpPr>
+        <p:spPr/>
+        <p:txBody>
+          <a:bodyPr/>
+          <a:lstStyle/>
+          <a:p>
+            <a:r>
               <a:rPr lang="en-US" dirty="0" smtClean="0">
                 <a:latin typeface="Times New Roman" pitchFamily="18" charset="0"/>
                 <a:cs typeface="Times New Roman" pitchFamily="18" charset="0"/>
@@ -10826,10 +12663,19 @@
           <a:bodyPr/>
           <a:lstStyle/>
           <a:p>
-            <a:pPr>
-              <a:buNone/>
-            </a:pPr>
-            <a:endParaRPr lang="en-US" dirty="0"/>
+            <a:r>
+              <a:rPr lang="en-US" b="1" dirty="0" smtClean="0">
+                <a:solidFill>
+                  <a:srgbClr val="002060"/>
+                </a:solidFill>
+              </a:rPr>
+              <a:t>Kernel Function</a:t>
+            </a:r>
+            <a:endParaRPr lang="en-US" dirty="0">
+              <a:solidFill>
+                <a:srgbClr val="002060"/>
+              </a:solidFill>
+            </a:endParaRPr>
           </a:p>
         </p:txBody>
       </p:sp>
@@ -10854,7 +12700,7 @@
             <a:fld id="{FC13EE21-0C48-4609-AAE4-AD74DD06381D}" type="datetime1">
               <a:rPr lang="en-US" smtClean="0"/>
               <a:pPr/>
-              <a:t>4/13/2011</a:t>
+              <a:t>4/14/2011</a:t>
             </a:fld>
             <a:endParaRPr lang="en-US" dirty="0"/>
           </a:p>
@@ -10881,7 +12727,7 @@
             <a:fld id="{805C85F1-8004-4C57-9BBF-E57BBA7CF0F9}" type="slidenum">
               <a:rPr lang="en-US" smtClean="0"/>
               <a:pPr/>
-              <a:t>19</a:t>
+              <a:t>20</a:t>
             </a:fld>
             <a:endParaRPr lang="en-US"/>
           </a:p>
@@ -10936,7 +12782,7 @@
 </p:sld>
 </file>
 
-<file path=ppt/slides/slide2.xml><?xml version="1.0" encoding="utf-8"?>
+<file path=ppt/slides/slide21.xml><?xml version="1.0" encoding="utf-8"?>
 <p:sld xmlns:a="http://schemas.openxmlformats.org/drawingml/2006/main" xmlns:r="http://schemas.openxmlformats.org/officeDocument/2006/relationships" xmlns:p="http://schemas.openxmlformats.org/presentationml/2006/main">
   <p:cSld>
     <p:spTree>
@@ -10972,8 +12818,8 @@
           <a:lstStyle/>
           <a:p>
             <a:r>
-              <a:rPr lang="en-US" dirty="0" err="1" smtClean="0"/>
-              <a:t>Mindmap</a:t>
+              <a:rPr lang="en-US" dirty="0" smtClean="0"/>
+              <a:t>SVM Learning Machine</a:t>
             </a:r>
             <a:endParaRPr lang="en-US" dirty="0"/>
           </a:p>
@@ -10997,7 +12843,7 @@
           <a:bodyPr/>
           <a:lstStyle/>
           <a:p>
-            <a:endParaRPr lang="en-US"/>
+            <a:endParaRPr lang="en-US" dirty="0"/>
           </a:p>
         </p:txBody>
       </p:sp>
@@ -11022,7 +12868,7 @@
             <a:fld id="{FC13EE21-0C48-4609-AAE4-AD74DD06381D}" type="datetime1">
               <a:rPr lang="en-US" smtClean="0"/>
               <a:pPr/>
-              <a:t>4/13/2011</a:t>
+              <a:t>4/14/2011</a:t>
             </a:fld>
             <a:endParaRPr lang="en-US" dirty="0"/>
           </a:p>
@@ -11049,12 +12895,122 @@
             <a:fld id="{805C85F1-8004-4C57-9BBF-E57BBA7CF0F9}" type="slidenum">
               <a:rPr lang="en-US" smtClean="0"/>
               <a:pPr/>
-              <a:t>2</a:t>
+              <a:t>21</a:t>
             </a:fld>
             <a:endParaRPr lang="en-US"/>
           </a:p>
         </p:txBody>
       </p:sp>
+      <p:pic>
+        <p:nvPicPr>
+          <p:cNvPr id="1027" name="Picture 3" descr="E:\Document\adl ck 9.jpg"/>
+          <p:cNvPicPr>
+            <a:picLocks noChangeAspect="1" noChangeArrowheads="1"/>
+          </p:cNvPicPr>
+          <p:nvPr>
+            <p:custDataLst>
+              <p:tags r:id="rId6"/>
+            </p:custDataLst>
+          </p:nvPr>
+        </p:nvPicPr>
+        <p:blipFill>
+          <a:blip r:embed="rId10"/>
+          <a:srcRect/>
+          <a:stretch>
+            <a:fillRect/>
+          </a:stretch>
+        </p:blipFill>
+        <p:spPr bwMode="auto">
+          <a:xfrm>
+            <a:off x="2209800" y="1219200"/>
+            <a:ext cx="4191000" cy="4793163"/>
+          </a:xfrm>
+          <a:prstGeom prst="rect">
+            <a:avLst/>
+          </a:prstGeom>
+          <a:noFill/>
+        </p:spPr>
+      </p:pic>
+      <p:sp>
+        <p:nvSpPr>
+          <p:cNvPr id="8" name="TextBox 7"/>
+          <p:cNvSpPr txBox="1"/>
+          <p:nvPr>
+            <p:custDataLst>
+              <p:tags r:id="rId7"/>
+            </p:custDataLst>
+          </p:nvPr>
+        </p:nvSpPr>
+        <p:spPr>
+          <a:xfrm>
+            <a:off x="977285" y="3124200"/>
+            <a:ext cx="851515" cy="461665"/>
+          </a:xfrm>
+          <a:prstGeom prst="rect">
+            <a:avLst/>
+          </a:prstGeom>
+          <a:noFill/>
+        </p:spPr>
+        <p:txBody>
+          <a:bodyPr wrap="none" rtlCol="0">
+            <a:spAutoFit/>
+          </a:bodyPr>
+          <a:lstStyle/>
+          <a:p>
+            <a:r>
+              <a:rPr lang="en-US" sz="2400" b="1" dirty="0" smtClean="0">
+                <a:solidFill>
+                  <a:srgbClr val="00B0F0"/>
+                </a:solidFill>
+              </a:rPr>
+              <a:t>SVM</a:t>
+            </a:r>
+            <a:endParaRPr lang="en-US" sz="2400" b="1" dirty="0">
+              <a:solidFill>
+                <a:srgbClr val="00B0F0"/>
+              </a:solidFill>
+            </a:endParaRPr>
+          </a:p>
+        </p:txBody>
+      </p:sp>
+      <p:cxnSp>
+        <p:nvCxnSpPr>
+          <p:cNvPr id="10" name="Straight Arrow Connector 9"/>
+          <p:cNvCxnSpPr/>
+          <p:nvPr>
+            <p:custDataLst>
+              <p:tags r:id="rId8"/>
+            </p:custDataLst>
+          </p:nvPr>
+        </p:nvCxnSpPr>
+        <p:spPr bwMode="auto">
+          <a:xfrm>
+            <a:off x="1783080" y="3352800"/>
+            <a:ext cx="731520" cy="0"/>
+          </a:xfrm>
+          <a:prstGeom prst="straightConnector1">
+            <a:avLst/>
+          </a:prstGeom>
+          <a:ln w="28575">
+            <a:headEnd type="none" w="med" len="med"/>
+            <a:tailEnd type="arrow"/>
+          </a:ln>
+        </p:spPr>
+        <p:style>
+          <a:lnRef idx="1">
+            <a:schemeClr val="accent1"/>
+          </a:lnRef>
+          <a:fillRef idx="0">
+            <a:schemeClr val="accent1"/>
+          </a:fillRef>
+          <a:effectRef idx="0">
+            <a:schemeClr val="accent1"/>
+          </a:effectRef>
+          <a:fontRef idx="minor">
+            <a:schemeClr val="tx1"/>
+          </a:fontRef>
+        </p:style>
+      </p:cxnSp>
     </p:spTree>
     <p:custDataLst>
       <p:tags r:id="rId1"/>
@@ -11066,10 +13022,17 @@
   <p:transition>
     <p:fade thruBlk="1"/>
   </p:transition>
+  <p:timing>
+    <p:tnLst>
+      <p:par>
+        <p:cTn id="1" dur="indefinite" restart="never" nodeType="tmRoot"/>
+      </p:par>
+    </p:tnLst>
+  </p:timing>
 </p:sld>
 </file>
 
-<file path=ppt/slides/slide20.xml><?xml version="1.0" encoding="utf-8"?>
+<file path=ppt/slides/slide22.xml><?xml version="1.0" encoding="utf-8"?>
 <p:sld xmlns:a="http://schemas.openxmlformats.org/drawingml/2006/main" xmlns:r="http://schemas.openxmlformats.org/officeDocument/2006/relationships" xmlns:p="http://schemas.openxmlformats.org/presentationml/2006/main">
   <p:cSld>
     <p:spTree>
@@ -11105,11 +13068,8 @@
           <a:lstStyle/>
           <a:p>
             <a:r>
-              <a:rPr lang="en-US" dirty="0" smtClean="0">
-                <a:latin typeface="Times New Roman" pitchFamily="18" charset="0"/>
-                <a:cs typeface="Times New Roman" pitchFamily="18" charset="0"/>
-              </a:rPr>
-              <a:t>Detect Problem 1.2</a:t>
+              <a:rPr lang="en-US" dirty="0" smtClean="0"/>
+              <a:t>SVM Learning Machine</a:t>
             </a:r>
             <a:endParaRPr lang="en-US" dirty="0">
               <a:latin typeface="Times New Roman" pitchFamily="18" charset="0"/>
@@ -11169,7 +13129,7 @@
             <a:fld id="{FC13EE21-0C48-4609-AAE4-AD74DD06381D}" type="datetime1">
               <a:rPr lang="en-US" smtClean="0"/>
               <a:pPr/>
-              <a:t>4/13/2011</a:t>
+              <a:t>4/14/2011</a:t>
             </a:fld>
             <a:endParaRPr lang="en-US" dirty="0"/>
           </a:p>
@@ -11196,12 +13156,42 @@
             <a:fld id="{805C85F1-8004-4C57-9BBF-E57BBA7CF0F9}" type="slidenum">
               <a:rPr lang="en-US" smtClean="0"/>
               <a:pPr/>
-              <a:t>20</a:t>
+              <a:t>22</a:t>
             </a:fld>
             <a:endParaRPr lang="en-US"/>
           </a:p>
         </p:txBody>
       </p:sp>
+      <p:pic>
+        <p:nvPicPr>
+          <p:cNvPr id="2051" name="Picture 3" descr="E:\Document\adl ck 10.JPG"/>
+          <p:cNvPicPr>
+            <a:picLocks noChangeAspect="1" noChangeArrowheads="1"/>
+          </p:cNvPicPr>
+          <p:nvPr>
+            <p:custDataLst>
+              <p:tags r:id="rId6"/>
+            </p:custDataLst>
+          </p:nvPr>
+        </p:nvPicPr>
+        <p:blipFill>
+          <a:blip r:embed="rId8"/>
+          <a:srcRect/>
+          <a:stretch>
+            <a:fillRect/>
+          </a:stretch>
+        </p:blipFill>
+        <p:spPr bwMode="auto">
+          <a:xfrm>
+            <a:off x="2057400" y="1143000"/>
+            <a:ext cx="5095875" cy="4943475"/>
+          </a:xfrm>
+          <a:prstGeom prst="rect">
+            <a:avLst/>
+          </a:prstGeom>
+          <a:noFill/>
+        </p:spPr>
+      </p:pic>
     </p:spTree>
     <p:custDataLst>
       <p:tags r:id="rId1"/>
@@ -11221,7 +13211,194 @@
 </p:sld>
 </file>
 
-<file path=ppt/slides/slide21.xml><?xml version="1.0" encoding="utf-8"?>
+<file path=ppt/slides/slide23.xml><?xml version="1.0" encoding="utf-8"?>
+<p:sld xmlns:a="http://schemas.openxmlformats.org/drawingml/2006/main" xmlns:r="http://schemas.openxmlformats.org/officeDocument/2006/relationships" xmlns:p="http://schemas.openxmlformats.org/presentationml/2006/main">
+  <p:cSld>
+    <p:spTree>
+      <p:nvGrpSpPr>
+        <p:cNvPr id="1" name=""/>
+        <p:cNvGrpSpPr/>
+        <p:nvPr/>
+      </p:nvGrpSpPr>
+      <p:grpSpPr>
+        <a:xfrm>
+          <a:off x="0" y="0"/>
+          <a:ext cx="0" cy="0"/>
+          <a:chOff x="0" y="0"/>
+          <a:chExt cx="0" cy="0"/>
+        </a:xfrm>
+      </p:grpSpPr>
+      <p:sp>
+        <p:nvSpPr>
+          <p:cNvPr id="2" name="Title 1"/>
+          <p:cNvSpPr>
+            <a:spLocks noGrp="1"/>
+          </p:cNvSpPr>
+          <p:nvPr>
+            <p:ph type="title"/>
+            <p:custDataLst>
+              <p:tags r:id="rId2"/>
+            </p:custDataLst>
+          </p:nvPr>
+        </p:nvSpPr>
+        <p:spPr/>
+        <p:txBody>
+          <a:bodyPr/>
+          <a:lstStyle/>
+          <a:p>
+            <a:endParaRPr lang="en-US"/>
+          </a:p>
+        </p:txBody>
+      </p:sp>
+      <p:sp>
+        <p:nvSpPr>
+          <p:cNvPr id="3" name="Content Placeholder 2"/>
+          <p:cNvSpPr>
+            <a:spLocks noGrp="1"/>
+          </p:cNvSpPr>
+          <p:nvPr>
+            <p:ph idx="1"/>
+            <p:custDataLst>
+              <p:tags r:id="rId3"/>
+            </p:custDataLst>
+          </p:nvPr>
+        </p:nvSpPr>
+        <p:spPr/>
+        <p:txBody>
+          <a:bodyPr/>
+          <a:lstStyle/>
+          <a:p>
+            <a:r>
+              <a:rPr lang="en-US" b="1" dirty="0" smtClean="0">
+                <a:solidFill>
+                  <a:srgbClr val="002060"/>
+                </a:solidFill>
+              </a:rPr>
+              <a:t>Classification Result</a:t>
+            </a:r>
+          </a:p>
+          <a:p>
+            <a:pPr lvl="1"/>
+            <a:r>
+              <a:rPr lang="en-US" dirty="0" smtClean="0"/>
+              <a:t>&gt;=85% success :</a:t>
+            </a:r>
+          </a:p>
+          <a:p>
+            <a:pPr lvl="2">
+              <a:buNone/>
+            </a:pPr>
+            <a:r>
+              <a:rPr lang="en-US" dirty="0" err="1" smtClean="0"/>
+              <a:t>Steganography</a:t>
+            </a:r>
+            <a:r>
+              <a:rPr lang="en-US" dirty="0" smtClean="0"/>
+              <a:t> text file can be detected by its average and variance of SD .</a:t>
+            </a:r>
+          </a:p>
+          <a:p>
+            <a:pPr lvl="1"/>
+            <a:r>
+              <a:rPr lang="en-US" dirty="0" smtClean="0"/>
+              <a:t>&lt; 85% success :</a:t>
+            </a:r>
+          </a:p>
+          <a:p>
+            <a:pPr lvl="2">
+              <a:buNone/>
+            </a:pPr>
+            <a:r>
+              <a:rPr lang="en-US" dirty="0" err="1" smtClean="0"/>
+              <a:t>Steganography</a:t>
+            </a:r>
+            <a:r>
+              <a:rPr lang="en-US" dirty="0" smtClean="0"/>
+              <a:t> text file can not be detected by its average and variance of SD .</a:t>
+            </a:r>
+          </a:p>
+          <a:p>
+            <a:pPr lvl="2"/>
+            <a:endParaRPr lang="en-US" dirty="0"/>
+          </a:p>
+        </p:txBody>
+      </p:sp>
+      <p:sp>
+        <p:nvSpPr>
+          <p:cNvPr id="4" name="Date Placeholder 3"/>
+          <p:cNvSpPr>
+            <a:spLocks noGrp="1"/>
+          </p:cNvSpPr>
+          <p:nvPr>
+            <p:ph type="dt" sz="half" idx="10"/>
+            <p:custDataLst>
+              <p:tags r:id="rId4"/>
+            </p:custDataLst>
+          </p:nvPr>
+        </p:nvSpPr>
+        <p:spPr/>
+        <p:txBody>
+          <a:bodyPr/>
+          <a:lstStyle/>
+          <a:p>
+            <a:fld id="{FC13EE21-0C48-4609-AAE4-AD74DD06381D}" type="datetime1">
+              <a:rPr lang="en-US" smtClean="0"/>
+              <a:pPr/>
+              <a:t>4/14/2011</a:t>
+            </a:fld>
+            <a:endParaRPr lang="en-US" dirty="0"/>
+          </a:p>
+        </p:txBody>
+      </p:sp>
+      <p:sp>
+        <p:nvSpPr>
+          <p:cNvPr id="5" name="Slide Number Placeholder 4"/>
+          <p:cNvSpPr>
+            <a:spLocks noGrp="1"/>
+          </p:cNvSpPr>
+          <p:nvPr>
+            <p:ph type="sldNum" sz="quarter" idx="12"/>
+            <p:custDataLst>
+              <p:tags r:id="rId5"/>
+            </p:custDataLst>
+          </p:nvPr>
+        </p:nvSpPr>
+        <p:spPr/>
+        <p:txBody>
+          <a:bodyPr/>
+          <a:lstStyle/>
+          <a:p>
+            <a:fld id="{805C85F1-8004-4C57-9BBF-E57BBA7CF0F9}" type="slidenum">
+              <a:rPr lang="en-US" smtClean="0"/>
+              <a:pPr/>
+              <a:t>23</a:t>
+            </a:fld>
+            <a:endParaRPr lang="en-US"/>
+          </a:p>
+        </p:txBody>
+      </p:sp>
+    </p:spTree>
+    <p:custDataLst>
+      <p:tags r:id="rId1"/>
+    </p:custDataLst>
+  </p:cSld>
+  <p:clrMapOvr>
+    <a:masterClrMapping/>
+  </p:clrMapOvr>
+  <p:transition>
+    <p:fade thruBlk="1"/>
+  </p:transition>
+  <p:timing>
+    <p:tnLst>
+      <p:par>
+        <p:cTn id="1" dur="indefinite" restart="never" nodeType="tmRoot"/>
+      </p:par>
+    </p:tnLst>
+  </p:timing>
+</p:sld>
+</file>
+
+<file path=ppt/slides/slide24.xml><?xml version="1.0" encoding="utf-8"?>
 <p:sld xmlns:a="http://schemas.openxmlformats.org/drawingml/2006/main" xmlns:r="http://schemas.openxmlformats.org/officeDocument/2006/relationships" xmlns:p="http://schemas.openxmlformats.org/presentationml/2006/main">
   <p:cSld>
     <p:spTree>
@@ -11315,7 +13492,7 @@
 </p:sld>
 </file>
 
-<file path=ppt/slides/slide22.xml><?xml version="1.0" encoding="utf-8"?>
+<file path=ppt/slides/slide25.xml><?xml version="1.0" encoding="utf-8"?>
 <p:sld xmlns:a="http://schemas.openxmlformats.org/drawingml/2006/main" xmlns:r="http://schemas.openxmlformats.org/officeDocument/2006/relationships" xmlns:p="http://schemas.openxmlformats.org/presentationml/2006/main">
   <p:cSld>
     <p:spTree>
@@ -11415,7 +13592,7 @@
             <a:fld id="{FC13EE21-0C48-4609-AAE4-AD74DD06381D}" type="datetime1">
               <a:rPr lang="en-US" smtClean="0"/>
               <a:pPr/>
-              <a:t>4/13/2011</a:t>
+              <a:t>4/14/2011</a:t>
             </a:fld>
             <a:endParaRPr lang="en-US" dirty="0"/>
           </a:p>
@@ -11442,7 +13619,7 @@
             <a:fld id="{805C85F1-8004-4C57-9BBF-E57BBA7CF0F9}" type="slidenum">
               <a:rPr lang="en-US" smtClean="0"/>
               <a:pPr/>
-              <a:t>22</a:t>
+              <a:t>25</a:t>
             </a:fld>
             <a:endParaRPr lang="en-US"/>
           </a:p>
@@ -11467,7 +13644,7 @@
 </p:sld>
 </file>
 
-<file path=ppt/slides/slide23.xml><?xml version="1.0" encoding="utf-8"?>
+<file path=ppt/slides/slide26.xml><?xml version="1.0" encoding="utf-8"?>
 <p:sld xmlns:a="http://schemas.openxmlformats.org/drawingml/2006/main" xmlns:r="http://schemas.openxmlformats.org/officeDocument/2006/relationships" xmlns:p="http://schemas.openxmlformats.org/presentationml/2006/main">
   <p:cSld>
     <p:spTree>
@@ -11567,7 +13744,7 @@
             <a:fld id="{FC13EE21-0C48-4609-AAE4-AD74DD06381D}" type="datetime1">
               <a:rPr lang="en-US" smtClean="0"/>
               <a:pPr/>
-              <a:t>4/13/2011</a:t>
+              <a:t>4/14/2011</a:t>
             </a:fld>
             <a:endParaRPr lang="en-US" dirty="0"/>
           </a:p>
@@ -11594,7 +13771,7 @@
             <a:fld id="{805C85F1-8004-4C57-9BBF-E57BBA7CF0F9}" type="slidenum">
               <a:rPr lang="en-US" smtClean="0"/>
               <a:pPr/>
-              <a:t>23</a:t>
+              <a:t>26</a:t>
             </a:fld>
             <a:endParaRPr lang="en-US"/>
           </a:p>
@@ -11619,7 +13796,7 @@
 </p:sld>
 </file>
 
-<file path=ppt/slides/slide24.xml><?xml version="1.0" encoding="utf-8"?>
+<file path=ppt/slides/slide27.xml><?xml version="1.0" encoding="utf-8"?>
 <p:sld xmlns:a="http://schemas.openxmlformats.org/drawingml/2006/main" xmlns:r="http://schemas.openxmlformats.org/officeDocument/2006/relationships" xmlns:p="http://schemas.openxmlformats.org/presentationml/2006/main">
   <p:cSld>
     <p:spTree>
@@ -11719,7 +13896,7 @@
             <a:fld id="{FC13EE21-0C48-4609-AAE4-AD74DD06381D}" type="datetime1">
               <a:rPr lang="en-US" smtClean="0"/>
               <a:pPr/>
-              <a:t>4/13/2011</a:t>
+              <a:t>4/14/2011</a:t>
             </a:fld>
             <a:endParaRPr lang="en-US" dirty="0"/>
           </a:p>
@@ -11746,7 +13923,7 @@
             <a:fld id="{805C85F1-8004-4C57-9BBF-E57BBA7CF0F9}" type="slidenum">
               <a:rPr lang="en-US" smtClean="0"/>
               <a:pPr/>
-              <a:t>24</a:t>
+              <a:t>27</a:t>
             </a:fld>
             <a:endParaRPr lang="en-US"/>
           </a:p>
@@ -11771,7 +13948,7 @@
 </p:sld>
 </file>
 
-<file path=ppt/slides/slide25.xml><?xml version="1.0" encoding="utf-8"?>
+<file path=ppt/slides/slide28.xml><?xml version="1.0" encoding="utf-8"?>
 <p:sld xmlns:a="http://schemas.openxmlformats.org/drawingml/2006/main" xmlns:r="http://schemas.openxmlformats.org/officeDocument/2006/relationships" xmlns:p="http://schemas.openxmlformats.org/presentationml/2006/main">
   <p:cSld>
     <p:spTree>
@@ -11871,7 +14048,7 @@
             <a:fld id="{FC13EE21-0C48-4609-AAE4-AD74DD06381D}" type="datetime1">
               <a:rPr lang="en-US" smtClean="0"/>
               <a:pPr/>
-              <a:t>4/13/2011</a:t>
+              <a:t>4/14/2011</a:t>
             </a:fld>
             <a:endParaRPr lang="en-US" dirty="0"/>
           </a:p>
@@ -11898,7 +14075,7 @@
             <a:fld id="{805C85F1-8004-4C57-9BBF-E57BBA7CF0F9}" type="slidenum">
               <a:rPr lang="en-US" smtClean="0"/>
               <a:pPr/>
-              <a:t>25</a:t>
+              <a:t>28</a:t>
             </a:fld>
             <a:endParaRPr lang="en-US"/>
           </a:p>
@@ -11923,7 +14100,7 @@
 </p:sld>
 </file>
 
-<file path=ppt/slides/slide26.xml><?xml version="1.0" encoding="utf-8"?>
+<file path=ppt/slides/slide29.xml><?xml version="1.0" encoding="utf-8"?>
 <p:sld xmlns:a="http://schemas.openxmlformats.org/drawingml/2006/main" xmlns:r="http://schemas.openxmlformats.org/officeDocument/2006/relationships" xmlns:p="http://schemas.openxmlformats.org/presentationml/2006/main">
   <p:cSld>
     <p:spTree>
@@ -12023,7 +14200,7 @@
             <a:fld id="{FC13EE21-0C48-4609-AAE4-AD74DD06381D}" type="datetime1">
               <a:rPr lang="en-US" smtClean="0"/>
               <a:pPr/>
-              <a:t>4/13/2011</a:t>
+              <a:t>4/14/2011</a:t>
             </a:fld>
             <a:endParaRPr lang="en-US" dirty="0"/>
           </a:p>
@@ -12050,7 +14227,7 @@
             <a:fld id="{805C85F1-8004-4C57-9BBF-E57BBA7CF0F9}" type="slidenum">
               <a:rPr lang="en-US" smtClean="0"/>
               <a:pPr/>
-              <a:t>26</a:t>
+              <a:t>29</a:t>
             </a:fld>
             <a:endParaRPr lang="en-US"/>
           </a:p>
@@ -12075,7 +14252,7 @@
 </p:sld>
 </file>
 
-<file path=ppt/slides/slide27.xml><?xml version="1.0" encoding="utf-8"?>
+<file path=ppt/slides/slide3.xml><?xml version="1.0" encoding="utf-8"?>
 <p:sld xmlns:a="http://schemas.openxmlformats.org/drawingml/2006/main" xmlns:r="http://schemas.openxmlformats.org/officeDocument/2006/relationships" xmlns:p="http://schemas.openxmlformats.org/presentationml/2006/main">
   <p:cSld>
     <p:spTree>
@@ -12111,6 +14288,156 @@
           <a:lstStyle/>
           <a:p>
             <a:r>
+              <a:rPr lang="en-US" dirty="0" err="1" smtClean="0"/>
+              <a:t>Nội</a:t>
+            </a:r>
+            <a:r>
+              <a:rPr lang="en-US" dirty="0" smtClean="0"/>
+              <a:t> dung</a:t>
+            </a:r>
+            <a:endParaRPr lang="en-US" dirty="0"/>
+          </a:p>
+        </p:txBody>
+      </p:sp>
+      <p:sp>
+        <p:nvSpPr>
+          <p:cNvPr id="4" name="Date Placeholder 3"/>
+          <p:cNvSpPr>
+            <a:spLocks noGrp="1"/>
+          </p:cNvSpPr>
+          <p:nvPr>
+            <p:ph type="dt" sz="half" idx="10"/>
+            <p:custDataLst>
+              <p:tags r:id="rId3"/>
+            </p:custDataLst>
+          </p:nvPr>
+        </p:nvSpPr>
+        <p:spPr/>
+        <p:txBody>
+          <a:bodyPr/>
+          <a:lstStyle/>
+          <a:p>
+            <a:fld id="{FC13EE21-0C48-4609-AAE4-AD74DD06381D}" type="datetime1">
+              <a:rPr lang="en-US" smtClean="0"/>
+              <a:pPr/>
+              <a:t>4/14/2011</a:t>
+            </a:fld>
+            <a:endParaRPr lang="en-US" dirty="0"/>
+          </a:p>
+        </p:txBody>
+      </p:sp>
+      <p:sp>
+        <p:nvSpPr>
+          <p:cNvPr id="5" name="Slide Number Placeholder 4"/>
+          <p:cNvSpPr>
+            <a:spLocks noGrp="1"/>
+          </p:cNvSpPr>
+          <p:nvPr>
+            <p:ph type="sldNum" sz="quarter" idx="12"/>
+            <p:custDataLst>
+              <p:tags r:id="rId4"/>
+            </p:custDataLst>
+          </p:nvPr>
+        </p:nvSpPr>
+        <p:spPr/>
+        <p:txBody>
+          <a:bodyPr/>
+          <a:lstStyle/>
+          <a:p>
+            <a:fld id="{805C85F1-8004-4C57-9BBF-E57BBA7CF0F9}" type="slidenum">
+              <a:rPr lang="en-US" smtClean="0"/>
+              <a:pPr/>
+              <a:t>3</a:t>
+            </a:fld>
+            <a:endParaRPr lang="en-US"/>
+          </a:p>
+        </p:txBody>
+      </p:sp>
+      <p:graphicFrame>
+        <p:nvGraphicFramePr>
+          <p:cNvPr id="6" name="Diagram 5"/>
+          <p:cNvGraphicFramePr/>
+          <p:nvPr>
+            <p:custDataLst>
+              <p:tags r:id="rId5"/>
+            </p:custDataLst>
+            <p:extLst>
+              <p:ext uri="{D42A27DB-BD31-4B8C-83A1-F6EECF244321}">
+                <p14:modId xmlns="" xmlns:p14="http://schemas.microsoft.com/office/powerpoint/2010/main" val="3688130795"/>
+              </p:ext>
+            </p:extLst>
+          </p:nvPr>
+        </p:nvGraphicFramePr>
+        <p:xfrm>
+          <a:off x="228600" y="1371600"/>
+          <a:ext cx="8610600" cy="4267200"/>
+        </p:xfrm>
+        <a:graphic>
+          <a:graphicData uri="http://schemas.openxmlformats.org/drawingml/2006/diagram">
+            <dgm:relIds xmlns:dgm="http://schemas.openxmlformats.org/drawingml/2006/diagram" xmlns:r="http://schemas.openxmlformats.org/officeDocument/2006/relationships" r:dm="rId7" r:lo="rId8" r:qs="rId9" r:cs="rId10"/>
+          </a:graphicData>
+        </a:graphic>
+      </p:graphicFrame>
+    </p:spTree>
+    <p:custDataLst>
+      <p:tags r:id="rId1"/>
+    </p:custDataLst>
+    <p:extLst>
+      <p:ext uri="{BB962C8B-B14F-4D97-AF65-F5344CB8AC3E}">
+        <p14:creationId xmlns="" xmlns:p14="http://schemas.microsoft.com/office/powerpoint/2010/main" val="2658198753"/>
+      </p:ext>
+    </p:extLst>
+  </p:cSld>
+  <p:clrMapOvr>
+    <a:masterClrMapping/>
+  </p:clrMapOvr>
+  <p:transition/>
+  <p:timing>
+    <p:tnLst>
+      <p:par>
+        <p:cTn id="1" dur="indefinite" restart="never" nodeType="tmRoot"/>
+      </p:par>
+    </p:tnLst>
+  </p:timing>
+</p:sld>
+</file>
+
+<file path=ppt/slides/slide30.xml><?xml version="1.0" encoding="utf-8"?>
+<p:sld xmlns:a="http://schemas.openxmlformats.org/drawingml/2006/main" xmlns:r="http://schemas.openxmlformats.org/officeDocument/2006/relationships" xmlns:p="http://schemas.openxmlformats.org/presentationml/2006/main">
+  <p:cSld>
+    <p:spTree>
+      <p:nvGrpSpPr>
+        <p:cNvPr id="1" name=""/>
+        <p:cNvGrpSpPr/>
+        <p:nvPr/>
+      </p:nvGrpSpPr>
+      <p:grpSpPr>
+        <a:xfrm>
+          <a:off x="0" y="0"/>
+          <a:ext cx="0" cy="0"/>
+          <a:chOff x="0" y="0"/>
+          <a:chExt cx="0" cy="0"/>
+        </a:xfrm>
+      </p:grpSpPr>
+      <p:sp>
+        <p:nvSpPr>
+          <p:cNvPr id="2" name="Title 1"/>
+          <p:cNvSpPr>
+            <a:spLocks noGrp="1"/>
+          </p:cNvSpPr>
+          <p:nvPr>
+            <p:ph type="title"/>
+            <p:custDataLst>
+              <p:tags r:id="rId2"/>
+            </p:custDataLst>
+          </p:nvPr>
+        </p:nvSpPr>
+        <p:spPr/>
+        <p:txBody>
+          <a:bodyPr/>
+          <a:lstStyle/>
+          <a:p>
+            <a:r>
               <a:rPr lang="en-US" dirty="0" smtClean="0">
                 <a:latin typeface="Times New Roman" pitchFamily="18" charset="0"/>
                 <a:cs typeface="Times New Roman" pitchFamily="18" charset="0"/>
@@ -12175,7 +14502,7 @@
             <a:fld id="{FC13EE21-0C48-4609-AAE4-AD74DD06381D}" type="datetime1">
               <a:rPr lang="en-US" smtClean="0"/>
               <a:pPr/>
-              <a:t>4/13/2011</a:t>
+              <a:t>4/14/2011</a:t>
             </a:fld>
             <a:endParaRPr lang="en-US" dirty="0"/>
           </a:p>
@@ -12202,7 +14529,7 @@
             <a:fld id="{805C85F1-8004-4C57-9BBF-E57BBA7CF0F9}" type="slidenum">
               <a:rPr lang="en-US" smtClean="0"/>
               <a:pPr/>
-              <a:t>27</a:t>
+              <a:t>30</a:t>
             </a:fld>
             <a:endParaRPr lang="en-US"/>
           </a:p>
@@ -12227,7 +14554,7 @@
 </p:sld>
 </file>
 
-<file path=ppt/slides/slide28.xml><?xml version="1.0" encoding="utf-8"?>
+<file path=ppt/slides/slide31.xml><?xml version="1.0" encoding="utf-8"?>
 <p:sld xmlns:a="http://schemas.openxmlformats.org/drawingml/2006/main" xmlns:r="http://schemas.openxmlformats.org/officeDocument/2006/relationships" xmlns:p="http://schemas.openxmlformats.org/presentationml/2006/main">
   <p:cSld>
     <p:spTree>
@@ -12327,7 +14654,7 @@
             <a:fld id="{FC13EE21-0C48-4609-AAE4-AD74DD06381D}" type="datetime1">
               <a:rPr lang="en-US" smtClean="0"/>
               <a:pPr/>
-              <a:t>4/13/2011</a:t>
+              <a:t>4/14/2011</a:t>
             </a:fld>
             <a:endParaRPr lang="en-US" dirty="0"/>
           </a:p>
@@ -12354,7 +14681,7 @@
             <a:fld id="{805C85F1-8004-4C57-9BBF-E57BBA7CF0F9}" type="slidenum">
               <a:rPr lang="en-US" smtClean="0"/>
               <a:pPr/>
-              <a:t>28</a:t>
+              <a:t>31</a:t>
             </a:fld>
             <a:endParaRPr lang="en-US"/>
           </a:p>
@@ -12379,7 +14706,7 @@
 </p:sld>
 </file>
 
-<file path=ppt/slides/slide29.xml><?xml version="1.0" encoding="utf-8"?>
+<file path=ppt/slides/slide32.xml><?xml version="1.0" encoding="utf-8"?>
 <p:sld xmlns:a="http://schemas.openxmlformats.org/drawingml/2006/main" xmlns:r="http://schemas.openxmlformats.org/officeDocument/2006/relationships" xmlns:p="http://schemas.openxmlformats.org/presentationml/2006/main">
   <p:cSld>
     <p:spTree>
@@ -12465,7 +14792,7 @@
             <a:fld id="{FC13EE21-0C48-4609-AAE4-AD74DD06381D}" type="datetime1">
               <a:rPr lang="en-US" smtClean="0"/>
               <a:pPr/>
-              <a:t>4/13/2011</a:t>
+              <a:t>4/14/2011</a:t>
             </a:fld>
             <a:endParaRPr lang="en-US" dirty="0"/>
           </a:p>
@@ -12492,7 +14819,7 @@
             <a:fld id="{805C85F1-8004-4C57-9BBF-E57BBA7CF0F9}" type="slidenum">
               <a:rPr lang="en-US" smtClean="0"/>
               <a:pPr/>
-              <a:t>29</a:t>
+              <a:t>32</a:t>
             </a:fld>
             <a:endParaRPr lang="en-US"/>
           </a:p>
@@ -12512,7 +14839,7 @@
 </p:sld>
 </file>
 
-<file path=ppt/slides/slide3.xml><?xml version="1.0" encoding="utf-8"?>
+<file path=ppt/slides/slide33.xml><?xml version="1.0" encoding="utf-8"?>
 <p:sld xmlns:a="http://schemas.openxmlformats.org/drawingml/2006/main" xmlns:r="http://schemas.openxmlformats.org/officeDocument/2006/relationships" xmlns:p="http://schemas.openxmlformats.org/presentationml/2006/main">
   <p:cSld>
     <p:spTree>
@@ -12548,14 +14875,32 @@
           <a:lstStyle/>
           <a:p>
             <a:r>
-              <a:rPr lang="en-US" dirty="0" err="1" smtClean="0"/>
-              <a:t>Nội</a:t>
-            </a:r>
-            <a:r>
               <a:rPr lang="en-US" dirty="0" smtClean="0"/>
-              <a:t> dung</a:t>
+              <a:t>Summary</a:t>
             </a:r>
             <a:endParaRPr lang="en-US" dirty="0"/>
+          </a:p>
+        </p:txBody>
+      </p:sp>
+      <p:sp>
+        <p:nvSpPr>
+          <p:cNvPr id="3" name="Content Placeholder 2"/>
+          <p:cNvSpPr>
+            <a:spLocks noGrp="1"/>
+          </p:cNvSpPr>
+          <p:nvPr>
+            <p:ph idx="1"/>
+            <p:custDataLst>
+              <p:tags r:id="rId3"/>
+            </p:custDataLst>
+          </p:nvPr>
+        </p:nvSpPr>
+        <p:spPr/>
+        <p:txBody>
+          <a:bodyPr/>
+          <a:lstStyle/>
+          <a:p>
+            <a:endParaRPr lang="en-US"/>
           </a:p>
         </p:txBody>
       </p:sp>
@@ -12568,7 +14913,7 @@
           <p:nvPr>
             <p:ph type="dt" sz="half" idx="10"/>
             <p:custDataLst>
-              <p:tags r:id="rId3"/>
+              <p:tags r:id="rId4"/>
             </p:custDataLst>
           </p:nvPr>
         </p:nvSpPr>
@@ -12580,7 +14925,7 @@
             <a:fld id="{FC13EE21-0C48-4609-AAE4-AD74DD06381D}" type="datetime1">
               <a:rPr lang="en-US" smtClean="0"/>
               <a:pPr/>
-              <a:t>4/13/2011</a:t>
+              <a:t>4/14/2011</a:t>
             </a:fld>
             <a:endParaRPr lang="en-US" dirty="0"/>
           </a:p>
@@ -12595,7 +14940,7 @@
           <p:nvPr>
             <p:ph type="sldNum" sz="quarter" idx="12"/>
             <p:custDataLst>
-              <p:tags r:id="rId4"/>
+              <p:tags r:id="rId5"/>
             </p:custDataLst>
           </p:nvPr>
         </p:nvSpPr>
@@ -12607,175 +14952,7 @@
             <a:fld id="{805C85F1-8004-4C57-9BBF-E57BBA7CF0F9}" type="slidenum">
               <a:rPr lang="en-US" smtClean="0"/>
               <a:pPr/>
-              <a:t>3</a:t>
-            </a:fld>
-            <a:endParaRPr lang="en-US"/>
-          </a:p>
-        </p:txBody>
-      </p:sp>
-      <p:graphicFrame>
-        <p:nvGraphicFramePr>
-          <p:cNvPr id="6" name="Diagram 5"/>
-          <p:cNvGraphicFramePr/>
-          <p:nvPr>
-            <p:custDataLst>
-              <p:tags r:id="rId5"/>
-            </p:custDataLst>
-            <p:extLst>
-              <p:ext uri="{D42A27DB-BD31-4B8C-83A1-F6EECF244321}">
-                <p14:modId xmlns:p14="http://schemas.microsoft.com/office/powerpoint/2010/main" xmlns="" val="3688130795"/>
-              </p:ext>
-            </p:extLst>
-          </p:nvPr>
-        </p:nvGraphicFramePr>
-        <p:xfrm>
-          <a:off x="228600" y="1371600"/>
-          <a:ext cx="8610600" cy="4267200"/>
-        </p:xfrm>
-        <a:graphic>
-          <a:graphicData uri="http://schemas.openxmlformats.org/drawingml/2006/diagram">
-            <dgm:relIds xmlns:dgm="http://schemas.openxmlformats.org/drawingml/2006/diagram" xmlns:r="http://schemas.openxmlformats.org/officeDocument/2006/relationships" r:dm="rId7" r:lo="rId8" r:qs="rId9" r:cs="rId10"/>
-          </a:graphicData>
-        </a:graphic>
-      </p:graphicFrame>
-    </p:spTree>
-    <p:custDataLst>
-      <p:tags r:id="rId1"/>
-    </p:custDataLst>
-    <p:extLst>
-      <p:ext uri="{BB962C8B-B14F-4D97-AF65-F5344CB8AC3E}">
-        <p14:creationId xmlns:p14="http://schemas.microsoft.com/office/powerpoint/2010/main" xmlns="" val="2658198753"/>
-      </p:ext>
-    </p:extLst>
-  </p:cSld>
-  <p:clrMapOvr>
-    <a:masterClrMapping/>
-  </p:clrMapOvr>
-  <p:transition/>
-  <p:timing>
-    <p:tnLst>
-      <p:par>
-        <p:cTn id="1" dur="indefinite" restart="never" nodeType="tmRoot"/>
-      </p:par>
-    </p:tnLst>
-  </p:timing>
-</p:sld>
-</file>
-
-<file path=ppt/slides/slide30.xml><?xml version="1.0" encoding="utf-8"?>
-<p:sld xmlns:a="http://schemas.openxmlformats.org/drawingml/2006/main" xmlns:r="http://schemas.openxmlformats.org/officeDocument/2006/relationships" xmlns:p="http://schemas.openxmlformats.org/presentationml/2006/main">
-  <p:cSld>
-    <p:spTree>
-      <p:nvGrpSpPr>
-        <p:cNvPr id="1" name=""/>
-        <p:cNvGrpSpPr/>
-        <p:nvPr/>
-      </p:nvGrpSpPr>
-      <p:grpSpPr>
-        <a:xfrm>
-          <a:off x="0" y="0"/>
-          <a:ext cx="0" cy="0"/>
-          <a:chOff x="0" y="0"/>
-          <a:chExt cx="0" cy="0"/>
-        </a:xfrm>
-      </p:grpSpPr>
-      <p:sp>
-        <p:nvSpPr>
-          <p:cNvPr id="2" name="Title 1"/>
-          <p:cNvSpPr>
-            <a:spLocks noGrp="1"/>
-          </p:cNvSpPr>
-          <p:nvPr>
-            <p:ph type="title"/>
-            <p:custDataLst>
-              <p:tags r:id="rId2"/>
-            </p:custDataLst>
-          </p:nvPr>
-        </p:nvSpPr>
-        <p:spPr/>
-        <p:txBody>
-          <a:bodyPr/>
-          <a:lstStyle/>
-          <a:p>
-            <a:r>
-              <a:rPr lang="en-US" dirty="0" smtClean="0"/>
-              <a:t>Summary</a:t>
-            </a:r>
-            <a:endParaRPr lang="en-US" dirty="0"/>
-          </a:p>
-        </p:txBody>
-      </p:sp>
-      <p:sp>
-        <p:nvSpPr>
-          <p:cNvPr id="3" name="Content Placeholder 2"/>
-          <p:cNvSpPr>
-            <a:spLocks noGrp="1"/>
-          </p:cNvSpPr>
-          <p:nvPr>
-            <p:ph idx="1"/>
-            <p:custDataLst>
-              <p:tags r:id="rId3"/>
-            </p:custDataLst>
-          </p:nvPr>
-        </p:nvSpPr>
-        <p:spPr/>
-        <p:txBody>
-          <a:bodyPr/>
-          <a:lstStyle/>
-          <a:p>
-            <a:endParaRPr lang="en-US"/>
-          </a:p>
-        </p:txBody>
-      </p:sp>
-      <p:sp>
-        <p:nvSpPr>
-          <p:cNvPr id="4" name="Date Placeholder 3"/>
-          <p:cNvSpPr>
-            <a:spLocks noGrp="1"/>
-          </p:cNvSpPr>
-          <p:nvPr>
-            <p:ph type="dt" sz="half" idx="10"/>
-            <p:custDataLst>
-              <p:tags r:id="rId4"/>
-            </p:custDataLst>
-          </p:nvPr>
-        </p:nvSpPr>
-        <p:spPr/>
-        <p:txBody>
-          <a:bodyPr/>
-          <a:lstStyle/>
-          <a:p>
-            <a:fld id="{FC13EE21-0C48-4609-AAE4-AD74DD06381D}" type="datetime1">
-              <a:rPr lang="en-US" smtClean="0"/>
-              <a:pPr/>
-              <a:t>4/13/2011</a:t>
-            </a:fld>
-            <a:endParaRPr lang="en-US" dirty="0"/>
-          </a:p>
-        </p:txBody>
-      </p:sp>
-      <p:sp>
-        <p:nvSpPr>
-          <p:cNvPr id="5" name="Slide Number Placeholder 4"/>
-          <p:cNvSpPr>
-            <a:spLocks noGrp="1"/>
-          </p:cNvSpPr>
-          <p:nvPr>
-            <p:ph type="sldNum" sz="quarter" idx="12"/>
-            <p:custDataLst>
-              <p:tags r:id="rId5"/>
-            </p:custDataLst>
-          </p:nvPr>
-        </p:nvSpPr>
-        <p:spPr/>
-        <p:txBody>
-          <a:bodyPr/>
-          <a:lstStyle/>
-          <a:p>
-            <a:fld id="{805C85F1-8004-4C57-9BBF-E57BBA7CF0F9}" type="slidenum">
-              <a:rPr lang="en-US" smtClean="0"/>
-              <a:pPr/>
-              <a:t>30</a:t>
+              <a:t>33</a:t>
             </a:fld>
             <a:endParaRPr lang="en-US"/>
           </a:p>
@@ -12795,7 +14972,7 @@
 </p:sld>
 </file>
 
-<file path=ppt/slides/slide31.xml><?xml version="1.0" encoding="utf-8"?>
+<file path=ppt/slides/slide34.xml><?xml version="1.0" encoding="utf-8"?>
 <p:sld xmlns:a="http://schemas.openxmlformats.org/drawingml/2006/main" xmlns:r="http://schemas.openxmlformats.org/officeDocument/2006/relationships" xmlns:p="http://schemas.openxmlformats.org/presentationml/2006/main">
   <p:cSld>
     <p:spTree>
@@ -13197,7 +15374,7 @@
             <a:fld id="{FC13EE21-0C48-4609-AAE4-AD74DD06381D}" type="datetime1">
               <a:rPr lang="en-US" smtClean="0"/>
               <a:pPr/>
-              <a:t>4/13/2011</a:t>
+              <a:t>4/14/2011</a:t>
             </a:fld>
             <a:endParaRPr lang="en-US" dirty="0"/>
           </a:p>
@@ -13241,6 +15418,13 @@
   <p:transition>
     <p:fade thruBlk="1"/>
   </p:transition>
+  <p:timing>
+    <p:tnLst>
+      <p:par>
+        <p:cTn id="1" dur="indefinite" restart="never" nodeType="tmRoot"/>
+      </p:par>
+    </p:tnLst>
+  </p:timing>
 </p:sld>
 </file>
 
@@ -13316,10 +15500,75 @@
           <a:bodyPr/>
           <a:lstStyle/>
           <a:p>
-            <a:pPr>
-              <a:buNone/>
-            </a:pPr>
-            <a:endParaRPr lang="en-US" dirty="0"/>
+            <a:r>
+              <a:rPr lang="en-US" b="1" i="0" dirty="0" smtClean="0"/>
+              <a:t>Watermark : </a:t>
+            </a:r>
+            <a:r>
+              <a:rPr lang="en-US" sz="2400" b="1" i="0" dirty="0" smtClean="0"/>
+              <a:t>‘</a:t>
+            </a:r>
+            <a:r>
+              <a:rPr lang="en-US" sz="2400" i="0" dirty="0" smtClean="0"/>
+              <a:t>0110’</a:t>
+            </a:r>
+            <a:endParaRPr lang="en-US" i="0" dirty="0" smtClean="0"/>
+          </a:p>
+          <a:p>
+            <a:r>
+              <a:rPr lang="en-US" b="1" i="0" dirty="0" smtClean="0"/>
+              <a:t>Style Template</a:t>
+            </a:r>
+          </a:p>
+          <a:p>
+            <a:r>
+              <a:rPr lang="en-US" b="1" i="0" dirty="0" smtClean="0"/>
+              <a:t>Dictionary: </a:t>
+            </a:r>
+          </a:p>
+          <a:p>
+            <a:endParaRPr lang="en-US" dirty="0" smtClean="0"/>
+          </a:p>
+          <a:p>
+            <a:endParaRPr lang="en-US" dirty="0" smtClean="0"/>
+          </a:p>
+          <a:p>
+            <a:endParaRPr lang="en-US" dirty="0" smtClean="0"/>
+          </a:p>
+          <a:p>
+            <a:endParaRPr lang="en-US" dirty="0" smtClean="0"/>
+          </a:p>
+          <a:p>
+            <a:endParaRPr lang="en-US" dirty="0" smtClean="0"/>
+          </a:p>
+          <a:p>
+            <a:r>
+              <a:rPr lang="en-US" dirty="0" smtClean="0">
+                <a:solidFill>
+                  <a:srgbClr val="00B0F0"/>
+                </a:solidFill>
+              </a:rPr>
+              <a:t>Ex : </a:t>
+            </a:r>
+            <a:r>
+              <a:rPr lang="en-US" dirty="0" smtClean="0"/>
+              <a:t>101 -&gt; </a:t>
+            </a:r>
+            <a:r>
+              <a:rPr lang="en-US" dirty="0" smtClean="0">
+                <a:latin typeface="Calibri"/>
+                <a:ea typeface="Calibri"/>
+                <a:cs typeface="Times New Roman"/>
+              </a:rPr>
+              <a:t>midfielder take a pass.</a:t>
+            </a:r>
+          </a:p>
+          <a:p>
+            <a:endParaRPr lang="en-US" dirty="0">
+              <a:solidFill>
+                <a:srgbClr val="00B0F0"/>
+              </a:solidFill>
+            </a:endParaRPr>
           </a:p>
         </p:txBody>
       </p:sp>
@@ -13344,7 +15593,7 @@
             <a:fld id="{FC13EE21-0C48-4609-AAE4-AD74DD06381D}" type="datetime1">
               <a:rPr lang="en-US" smtClean="0"/>
               <a:pPr/>
-              <a:t>4/13/2011</a:t>
+              <a:t>4/14/2011</a:t>
             </a:fld>
             <a:endParaRPr lang="en-US" dirty="0"/>
           </a:p>
@@ -13377,6 +15626,1481 @@
           </a:p>
         </p:txBody>
       </p:sp>
+      <p:graphicFrame>
+        <p:nvGraphicFramePr>
+          <p:cNvPr id="6" name="Table 5"/>
+          <p:cNvGraphicFramePr>
+            <a:graphicFrameLocks noGrp="1"/>
+          </p:cNvGraphicFramePr>
+          <p:nvPr>
+            <p:custDataLst>
+              <p:tags r:id="rId6"/>
+            </p:custDataLst>
+          </p:nvPr>
+        </p:nvGraphicFramePr>
+        <p:xfrm>
+          <a:off x="1981200" y="2971800"/>
+          <a:ext cx="6324600" cy="2285999"/>
+        </p:xfrm>
+        <a:graphic>
+          <a:graphicData uri="http://schemas.openxmlformats.org/drawingml/2006/table">
+            <a:tbl>
+              <a:tblPr/>
+              <a:tblGrid>
+                <a:gridCol w="3030860"/>
+                <a:gridCol w="1128840"/>
+                <a:gridCol w="1082450"/>
+                <a:gridCol w="1082450"/>
+              </a:tblGrid>
+              <a:tr h="489857">
+                <a:tc>
+                  <a:txBody>
+                    <a:bodyPr/>
+                    <a:lstStyle/>
+                    <a:p>
+                      <a:pPr marL="0" marR="0" algn="ctr">
+                        <a:lnSpc>
+                          <a:spcPct val="115000"/>
+                        </a:lnSpc>
+                        <a:spcBef>
+                          <a:spcPts val="0"/>
+                        </a:spcBef>
+                        <a:spcAft>
+                          <a:spcPts val="0"/>
+                        </a:spcAft>
+                      </a:pPr>
+                      <a:r>
+                        <a:rPr lang="en-US" sz="1800" b="1" dirty="0">
+                          <a:solidFill>
+                            <a:srgbClr val="00B050"/>
+                          </a:solidFill>
+                          <a:latin typeface="Calibri"/>
+                          <a:ea typeface="Calibri"/>
+                          <a:cs typeface="Times New Roman"/>
+                        </a:rPr>
+                        <a:t>Style</a:t>
+                      </a:r>
+                      <a:endParaRPr lang="en-US" sz="1100" dirty="0">
+                        <a:latin typeface="Calibri"/>
+                        <a:ea typeface="Calibri"/>
+                        <a:cs typeface="Times New Roman"/>
+                      </a:endParaRPr>
+                    </a:p>
+                  </a:txBody>
+                  <a:tcPr marL="68580" marR="68580" marT="0" marB="0">
+                    <a:lnL w="12700" cap="flat" cmpd="sng" algn="ctr">
+                      <a:solidFill>
+                        <a:srgbClr val="000000"/>
+                      </a:solidFill>
+                      <a:prstDash val="solid"/>
+                      <a:round/>
+                      <a:headEnd type="none" w="med" len="med"/>
+                      <a:tailEnd type="none" w="med" len="med"/>
+                    </a:lnL>
+                    <a:lnR w="12700" cap="flat" cmpd="sng" algn="ctr">
+                      <a:solidFill>
+                        <a:srgbClr val="000000"/>
+                      </a:solidFill>
+                      <a:prstDash val="solid"/>
+                      <a:round/>
+                      <a:headEnd type="none" w="med" len="med"/>
+                      <a:tailEnd type="none" w="med" len="med"/>
+                    </a:lnR>
+                    <a:lnT w="12700" cap="flat" cmpd="sng" algn="ctr">
+                      <a:solidFill>
+                        <a:srgbClr val="000000"/>
+                      </a:solidFill>
+                      <a:prstDash val="solid"/>
+                      <a:round/>
+                      <a:headEnd type="none" w="med" len="med"/>
+                      <a:tailEnd type="none" w="med" len="med"/>
+                    </a:lnT>
+                    <a:lnB w="12700" cap="flat" cmpd="sng" algn="ctr">
+                      <a:solidFill>
+                        <a:srgbClr val="000000"/>
+                      </a:solidFill>
+                      <a:prstDash val="solid"/>
+                      <a:round/>
+                      <a:headEnd type="none" w="med" len="med"/>
+                      <a:tailEnd type="none" w="med" len="med"/>
+                    </a:lnB>
+                  </a:tcPr>
+                </a:tc>
+                <a:tc>
+                  <a:txBody>
+                    <a:bodyPr/>
+                    <a:lstStyle/>
+                    <a:p>
+                      <a:pPr marL="0" marR="0" algn="ctr">
+                        <a:lnSpc>
+                          <a:spcPct val="115000"/>
+                        </a:lnSpc>
+                        <a:spcBef>
+                          <a:spcPts val="0"/>
+                        </a:spcBef>
+                        <a:spcAft>
+                          <a:spcPts val="0"/>
+                        </a:spcAft>
+                      </a:pPr>
+                      <a:r>
+                        <a:rPr lang="en-US" sz="1800" b="1">
+                          <a:solidFill>
+                            <a:srgbClr val="00B050"/>
+                          </a:solidFill>
+                          <a:latin typeface="Calibri"/>
+                          <a:ea typeface="Calibri"/>
+                          <a:cs typeface="Times New Roman"/>
+                        </a:rPr>
+                        <a:t>Type</a:t>
+                      </a:r>
+                      <a:endParaRPr lang="en-US" sz="1100">
+                        <a:latin typeface="Calibri"/>
+                        <a:ea typeface="Calibri"/>
+                        <a:cs typeface="Times New Roman"/>
+                      </a:endParaRPr>
+                    </a:p>
+                  </a:txBody>
+                  <a:tcPr marL="68580" marR="68580" marT="0" marB="0">
+                    <a:lnL w="12700" cap="flat" cmpd="sng" algn="ctr">
+                      <a:solidFill>
+                        <a:srgbClr val="000000"/>
+                      </a:solidFill>
+                      <a:prstDash val="solid"/>
+                      <a:round/>
+                      <a:headEnd type="none" w="med" len="med"/>
+                      <a:tailEnd type="none" w="med" len="med"/>
+                    </a:lnL>
+                    <a:lnR w="12700" cap="flat" cmpd="sng" algn="ctr">
+                      <a:solidFill>
+                        <a:srgbClr val="000000"/>
+                      </a:solidFill>
+                      <a:prstDash val="solid"/>
+                      <a:round/>
+                      <a:headEnd type="none" w="med" len="med"/>
+                      <a:tailEnd type="none" w="med" len="med"/>
+                    </a:lnR>
+                    <a:lnT w="12700" cap="flat" cmpd="sng" algn="ctr">
+                      <a:solidFill>
+                        <a:srgbClr val="000000"/>
+                      </a:solidFill>
+                      <a:prstDash val="solid"/>
+                      <a:round/>
+                      <a:headEnd type="none" w="med" len="med"/>
+                      <a:tailEnd type="none" w="med" len="med"/>
+                    </a:lnT>
+                    <a:lnB w="12700" cap="flat" cmpd="sng" algn="ctr">
+                      <a:solidFill>
+                        <a:srgbClr val="000000"/>
+                      </a:solidFill>
+                      <a:prstDash val="solid"/>
+                      <a:round/>
+                      <a:headEnd type="none" w="med" len="med"/>
+                      <a:tailEnd type="none" w="med" len="med"/>
+                    </a:lnB>
+                  </a:tcPr>
+                </a:tc>
+                <a:tc>
+                  <a:txBody>
+                    <a:bodyPr/>
+                    <a:lstStyle/>
+                    <a:p>
+                      <a:pPr marL="0" marR="0" algn="ctr">
+                        <a:lnSpc>
+                          <a:spcPct val="115000"/>
+                        </a:lnSpc>
+                        <a:spcBef>
+                          <a:spcPts val="0"/>
+                        </a:spcBef>
+                        <a:spcAft>
+                          <a:spcPts val="0"/>
+                        </a:spcAft>
+                      </a:pPr>
+                      <a:r>
+                        <a:rPr lang="en-US" sz="1800" b="1">
+                          <a:solidFill>
+                            <a:srgbClr val="00B050"/>
+                          </a:solidFill>
+                          <a:latin typeface="Calibri"/>
+                          <a:ea typeface="Calibri"/>
+                          <a:cs typeface="Times New Roman"/>
+                        </a:rPr>
+                        <a:t>Bit</a:t>
+                      </a:r>
+                      <a:endParaRPr lang="en-US" sz="1100">
+                        <a:latin typeface="Calibri"/>
+                        <a:ea typeface="Calibri"/>
+                        <a:cs typeface="Times New Roman"/>
+                      </a:endParaRPr>
+                    </a:p>
+                  </a:txBody>
+                  <a:tcPr marL="68580" marR="68580" marT="0" marB="0">
+                    <a:lnL w="12700" cap="flat" cmpd="sng" algn="ctr">
+                      <a:solidFill>
+                        <a:srgbClr val="000000"/>
+                      </a:solidFill>
+                      <a:prstDash val="solid"/>
+                      <a:round/>
+                      <a:headEnd type="none" w="med" len="med"/>
+                      <a:tailEnd type="none" w="med" len="med"/>
+                    </a:lnL>
+                    <a:lnR w="12700" cap="flat" cmpd="sng" algn="ctr">
+                      <a:solidFill>
+                        <a:srgbClr val="000000"/>
+                      </a:solidFill>
+                      <a:prstDash val="solid"/>
+                      <a:round/>
+                      <a:headEnd type="none" w="med" len="med"/>
+                      <a:tailEnd type="none" w="med" len="med"/>
+                    </a:lnR>
+                    <a:lnT w="12700" cap="flat" cmpd="sng" algn="ctr">
+                      <a:solidFill>
+                        <a:srgbClr val="000000"/>
+                      </a:solidFill>
+                      <a:prstDash val="solid"/>
+                      <a:round/>
+                      <a:headEnd type="none" w="med" len="med"/>
+                      <a:tailEnd type="none" w="med" len="med"/>
+                    </a:lnT>
+                    <a:lnB w="12700" cap="flat" cmpd="sng" algn="ctr">
+                      <a:solidFill>
+                        <a:srgbClr val="000000"/>
+                      </a:solidFill>
+                      <a:prstDash val="solid"/>
+                      <a:round/>
+                      <a:headEnd type="none" w="med" len="med"/>
+                      <a:tailEnd type="none" w="med" len="med"/>
+                    </a:lnB>
+                  </a:tcPr>
+                </a:tc>
+                <a:tc>
+                  <a:txBody>
+                    <a:bodyPr/>
+                    <a:lstStyle/>
+                    <a:p>
+                      <a:pPr marL="0" marR="0" algn="ctr">
+                        <a:lnSpc>
+                          <a:spcPct val="115000"/>
+                        </a:lnSpc>
+                        <a:spcBef>
+                          <a:spcPts val="0"/>
+                        </a:spcBef>
+                        <a:spcAft>
+                          <a:spcPts val="0"/>
+                        </a:spcAft>
+                      </a:pPr>
+                      <a:r>
+                        <a:rPr lang="en-US" sz="1800" b="1">
+                          <a:solidFill>
+                            <a:srgbClr val="00B050"/>
+                          </a:solidFill>
+                          <a:latin typeface="Calibri"/>
+                          <a:ea typeface="Calibri"/>
+                          <a:cs typeface="Times New Roman"/>
+                        </a:rPr>
+                        <a:t>Word</a:t>
+                      </a:r>
+                      <a:endParaRPr lang="en-US" sz="1100">
+                        <a:latin typeface="Calibri"/>
+                        <a:ea typeface="Calibri"/>
+                        <a:cs typeface="Times New Roman"/>
+                      </a:endParaRPr>
+                    </a:p>
+                  </a:txBody>
+                  <a:tcPr marL="68580" marR="68580" marT="0" marB="0">
+                    <a:lnL w="12700" cap="flat" cmpd="sng" algn="ctr">
+                      <a:solidFill>
+                        <a:srgbClr val="000000"/>
+                      </a:solidFill>
+                      <a:prstDash val="solid"/>
+                      <a:round/>
+                      <a:headEnd type="none" w="med" len="med"/>
+                      <a:tailEnd type="none" w="med" len="med"/>
+                    </a:lnL>
+                    <a:lnR w="12700" cap="flat" cmpd="sng" algn="ctr">
+                      <a:solidFill>
+                        <a:srgbClr val="000000"/>
+                      </a:solidFill>
+                      <a:prstDash val="solid"/>
+                      <a:round/>
+                      <a:headEnd type="none" w="med" len="med"/>
+                      <a:tailEnd type="none" w="med" len="med"/>
+                    </a:lnR>
+                    <a:lnT w="12700" cap="flat" cmpd="sng" algn="ctr">
+                      <a:solidFill>
+                        <a:srgbClr val="000000"/>
+                      </a:solidFill>
+                      <a:prstDash val="solid"/>
+                      <a:round/>
+                      <a:headEnd type="none" w="med" len="med"/>
+                      <a:tailEnd type="none" w="med" len="med"/>
+                    </a:lnT>
+                    <a:lnB w="12700" cap="flat" cmpd="sng" algn="ctr">
+                      <a:solidFill>
+                        <a:srgbClr val="000000"/>
+                      </a:solidFill>
+                      <a:prstDash val="solid"/>
+                      <a:round/>
+                      <a:headEnd type="none" w="med" len="med"/>
+                      <a:tailEnd type="none" w="med" len="med"/>
+                    </a:lnB>
+                  </a:tcPr>
+                </a:tc>
+              </a:tr>
+              <a:tr h="299357">
+                <a:tc rowSpan="6">
+                  <a:txBody>
+                    <a:bodyPr/>
+                    <a:lstStyle/>
+                    <a:p>
+                      <a:pPr marL="0" marR="0" algn="ctr">
+                        <a:lnSpc>
+                          <a:spcPct val="115000"/>
+                        </a:lnSpc>
+                        <a:spcBef>
+                          <a:spcPts val="0"/>
+                        </a:spcBef>
+                        <a:spcAft>
+                          <a:spcPts val="0"/>
+                        </a:spcAft>
+                      </a:pPr>
+                      <a:r>
+                        <a:rPr lang="en-US" sz="1600">
+                          <a:latin typeface="Calibri"/>
+                          <a:ea typeface="Calibri"/>
+                          <a:cs typeface="Times New Roman"/>
+                        </a:rPr>
+                        <a:t>Footballer Fb_Verb Fb_Object</a:t>
+                      </a:r>
+                    </a:p>
+                  </a:txBody>
+                  <a:tcPr marL="68580" marR="68580" marT="0" marB="0" anchor="ctr">
+                    <a:lnL w="12700" cap="flat" cmpd="sng" algn="ctr">
+                      <a:solidFill>
+                        <a:srgbClr val="000000"/>
+                      </a:solidFill>
+                      <a:prstDash val="solid"/>
+                      <a:round/>
+                      <a:headEnd type="none" w="med" len="med"/>
+                      <a:tailEnd type="none" w="med" len="med"/>
+                    </a:lnL>
+                    <a:lnR w="12700" cap="flat" cmpd="sng" algn="ctr">
+                      <a:solidFill>
+                        <a:srgbClr val="000000"/>
+                      </a:solidFill>
+                      <a:prstDash val="solid"/>
+                      <a:round/>
+                      <a:headEnd type="none" w="med" len="med"/>
+                      <a:tailEnd type="none" w="med" len="med"/>
+                    </a:lnR>
+                    <a:lnT w="12700" cap="flat" cmpd="sng" algn="ctr">
+                      <a:solidFill>
+                        <a:srgbClr val="000000"/>
+                      </a:solidFill>
+                      <a:prstDash val="solid"/>
+                      <a:round/>
+                      <a:headEnd type="none" w="med" len="med"/>
+                      <a:tailEnd type="none" w="med" len="med"/>
+                    </a:lnT>
+                    <a:lnB w="12700" cap="flat" cmpd="sng" algn="ctr">
+                      <a:solidFill>
+                        <a:srgbClr val="000000"/>
+                      </a:solidFill>
+                      <a:prstDash val="solid"/>
+                      <a:round/>
+                      <a:headEnd type="none" w="med" len="med"/>
+                      <a:tailEnd type="none" w="med" len="med"/>
+                    </a:lnB>
+                  </a:tcPr>
+                </a:tc>
+                <a:tc rowSpan="2">
+                  <a:txBody>
+                    <a:bodyPr/>
+                    <a:lstStyle/>
+                    <a:p>
+                      <a:pPr marL="0" marR="0" algn="ctr">
+                        <a:lnSpc>
+                          <a:spcPct val="115000"/>
+                        </a:lnSpc>
+                        <a:spcBef>
+                          <a:spcPts val="0"/>
+                        </a:spcBef>
+                        <a:spcAft>
+                          <a:spcPts val="0"/>
+                        </a:spcAft>
+                      </a:pPr>
+                      <a:r>
+                        <a:rPr lang="en-US" sz="1600">
+                          <a:latin typeface="Calibri"/>
+                          <a:ea typeface="Calibri"/>
+                          <a:cs typeface="Times New Roman"/>
+                        </a:rPr>
+                        <a:t>Footballer</a:t>
+                      </a:r>
+                    </a:p>
+                  </a:txBody>
+                  <a:tcPr marL="68580" marR="68580" marT="0" marB="0" anchor="ctr">
+                    <a:lnL w="12700" cap="flat" cmpd="sng" algn="ctr">
+                      <a:solidFill>
+                        <a:srgbClr val="000000"/>
+                      </a:solidFill>
+                      <a:prstDash val="solid"/>
+                      <a:round/>
+                      <a:headEnd type="none" w="med" len="med"/>
+                      <a:tailEnd type="none" w="med" len="med"/>
+                    </a:lnL>
+                    <a:lnR w="12700" cap="flat" cmpd="sng" algn="ctr">
+                      <a:solidFill>
+                        <a:srgbClr val="000000"/>
+                      </a:solidFill>
+                      <a:prstDash val="solid"/>
+                      <a:round/>
+                      <a:headEnd type="none" w="med" len="med"/>
+                      <a:tailEnd type="none" w="med" len="med"/>
+                    </a:lnR>
+                    <a:lnT w="12700" cap="flat" cmpd="sng" algn="ctr">
+                      <a:solidFill>
+                        <a:srgbClr val="000000"/>
+                      </a:solidFill>
+                      <a:prstDash val="solid"/>
+                      <a:round/>
+                      <a:headEnd type="none" w="med" len="med"/>
+                      <a:tailEnd type="none" w="med" len="med"/>
+                    </a:lnT>
+                    <a:lnB w="12700" cap="flat" cmpd="sng" algn="ctr">
+                      <a:solidFill>
+                        <a:srgbClr val="000000"/>
+                      </a:solidFill>
+                      <a:prstDash val="solid"/>
+                      <a:round/>
+                      <a:headEnd type="none" w="med" len="med"/>
+                      <a:tailEnd type="none" w="med" len="med"/>
+                    </a:lnB>
+                  </a:tcPr>
+                </a:tc>
+                <a:tc>
+                  <a:txBody>
+                    <a:bodyPr/>
+                    <a:lstStyle/>
+                    <a:p>
+                      <a:pPr marL="0" marR="0" algn="ctr">
+                        <a:lnSpc>
+                          <a:spcPct val="115000"/>
+                        </a:lnSpc>
+                        <a:spcBef>
+                          <a:spcPts val="0"/>
+                        </a:spcBef>
+                        <a:spcAft>
+                          <a:spcPts val="0"/>
+                        </a:spcAft>
+                      </a:pPr>
+                      <a:r>
+                        <a:rPr lang="en-US" sz="1600">
+                          <a:latin typeface="Calibri"/>
+                          <a:ea typeface="Calibri"/>
+                          <a:cs typeface="Times New Roman"/>
+                        </a:rPr>
+                        <a:t>0</a:t>
+                      </a:r>
+                    </a:p>
+                  </a:txBody>
+                  <a:tcPr marL="68580" marR="68580" marT="0" marB="0">
+                    <a:lnL w="12700" cap="flat" cmpd="sng" algn="ctr">
+                      <a:solidFill>
+                        <a:srgbClr val="000000"/>
+                      </a:solidFill>
+                      <a:prstDash val="solid"/>
+                      <a:round/>
+                      <a:headEnd type="none" w="med" len="med"/>
+                      <a:tailEnd type="none" w="med" len="med"/>
+                    </a:lnL>
+                    <a:lnR w="12700" cap="flat" cmpd="sng" algn="ctr">
+                      <a:solidFill>
+                        <a:srgbClr val="000000"/>
+                      </a:solidFill>
+                      <a:prstDash val="solid"/>
+                      <a:round/>
+                      <a:headEnd type="none" w="med" len="med"/>
+                      <a:tailEnd type="none" w="med" len="med"/>
+                    </a:lnR>
+                    <a:lnT w="12700" cap="flat" cmpd="sng" algn="ctr">
+                      <a:solidFill>
+                        <a:srgbClr val="000000"/>
+                      </a:solidFill>
+                      <a:prstDash val="solid"/>
+                      <a:round/>
+                      <a:headEnd type="none" w="med" len="med"/>
+                      <a:tailEnd type="none" w="med" len="med"/>
+                    </a:lnT>
+                    <a:lnB w="12700" cap="flat" cmpd="sng" algn="ctr">
+                      <a:solidFill>
+                        <a:srgbClr val="000000"/>
+                      </a:solidFill>
+                      <a:prstDash val="solid"/>
+                      <a:round/>
+                      <a:headEnd type="none" w="med" len="med"/>
+                      <a:tailEnd type="none" w="med" len="med"/>
+                    </a:lnB>
+                  </a:tcPr>
+                </a:tc>
+                <a:tc>
+                  <a:txBody>
+                    <a:bodyPr/>
+                    <a:lstStyle/>
+                    <a:p>
+                      <a:pPr marL="0" marR="0">
+                        <a:lnSpc>
+                          <a:spcPct val="115000"/>
+                        </a:lnSpc>
+                        <a:spcBef>
+                          <a:spcPts val="0"/>
+                        </a:spcBef>
+                        <a:spcAft>
+                          <a:spcPts val="0"/>
+                        </a:spcAft>
+                      </a:pPr>
+                      <a:r>
+                        <a:rPr lang="en-US" sz="1600" dirty="0" smtClean="0">
+                          <a:latin typeface="Calibri"/>
+                          <a:ea typeface="Calibri"/>
+                          <a:cs typeface="Times New Roman"/>
+                        </a:rPr>
+                        <a:t>striker</a:t>
+                      </a:r>
+                      <a:endParaRPr lang="en-US" sz="1600" dirty="0">
+                        <a:latin typeface="Calibri"/>
+                        <a:ea typeface="Calibri"/>
+                        <a:cs typeface="Times New Roman"/>
+                      </a:endParaRPr>
+                    </a:p>
+                  </a:txBody>
+                  <a:tcPr marL="68580" marR="68580" marT="0" marB="0">
+                    <a:lnL w="12700" cap="flat" cmpd="sng" algn="ctr">
+                      <a:solidFill>
+                        <a:srgbClr val="000000"/>
+                      </a:solidFill>
+                      <a:prstDash val="solid"/>
+                      <a:round/>
+                      <a:headEnd type="none" w="med" len="med"/>
+                      <a:tailEnd type="none" w="med" len="med"/>
+                    </a:lnL>
+                    <a:lnR w="12700" cap="flat" cmpd="sng" algn="ctr">
+                      <a:solidFill>
+                        <a:srgbClr val="000000"/>
+                      </a:solidFill>
+                      <a:prstDash val="solid"/>
+                      <a:round/>
+                      <a:headEnd type="none" w="med" len="med"/>
+                      <a:tailEnd type="none" w="med" len="med"/>
+                    </a:lnR>
+                    <a:lnT w="12700" cap="flat" cmpd="sng" algn="ctr">
+                      <a:solidFill>
+                        <a:srgbClr val="000000"/>
+                      </a:solidFill>
+                      <a:prstDash val="solid"/>
+                      <a:round/>
+                      <a:headEnd type="none" w="med" len="med"/>
+                      <a:tailEnd type="none" w="med" len="med"/>
+                    </a:lnT>
+                    <a:lnB w="12700" cap="flat" cmpd="sng" algn="ctr">
+                      <a:solidFill>
+                        <a:srgbClr val="000000"/>
+                      </a:solidFill>
+                      <a:prstDash val="solid"/>
+                      <a:round/>
+                      <a:headEnd type="none" w="med" len="med"/>
+                      <a:tailEnd type="none" w="med" len="med"/>
+                    </a:lnB>
+                  </a:tcPr>
+                </a:tc>
+              </a:tr>
+              <a:tr h="299357">
+                <a:tc vMerge="1">
+                  <a:txBody>
+                    <a:bodyPr/>
+                    <a:lstStyle/>
+                    <a:p>
+                      <a:endParaRPr lang="en-US"/>
+                    </a:p>
+                  </a:txBody>
+                  <a:tcPr/>
+                </a:tc>
+                <a:tc vMerge="1">
+                  <a:txBody>
+                    <a:bodyPr/>
+                    <a:lstStyle/>
+                    <a:p>
+                      <a:endParaRPr lang="en-US"/>
+                    </a:p>
+                  </a:txBody>
+                  <a:tcPr/>
+                </a:tc>
+                <a:tc>
+                  <a:txBody>
+                    <a:bodyPr/>
+                    <a:lstStyle/>
+                    <a:p>
+                      <a:pPr marL="0" marR="0" algn="ctr">
+                        <a:lnSpc>
+                          <a:spcPct val="115000"/>
+                        </a:lnSpc>
+                        <a:spcBef>
+                          <a:spcPts val="0"/>
+                        </a:spcBef>
+                        <a:spcAft>
+                          <a:spcPts val="0"/>
+                        </a:spcAft>
+                      </a:pPr>
+                      <a:r>
+                        <a:rPr lang="en-US" sz="1600" dirty="0">
+                          <a:latin typeface="Calibri"/>
+                          <a:ea typeface="Calibri"/>
+                          <a:cs typeface="Times New Roman"/>
+                        </a:rPr>
+                        <a:t>1</a:t>
+                      </a:r>
+                    </a:p>
+                  </a:txBody>
+                  <a:tcPr marL="68580" marR="68580" marT="0" marB="0">
+                    <a:lnL w="12700" cap="flat" cmpd="sng" algn="ctr">
+                      <a:solidFill>
+                        <a:srgbClr val="000000"/>
+                      </a:solidFill>
+                      <a:prstDash val="solid"/>
+                      <a:round/>
+                      <a:headEnd type="none" w="med" len="med"/>
+                      <a:tailEnd type="none" w="med" len="med"/>
+                    </a:lnL>
+                    <a:lnR w="12700" cap="flat" cmpd="sng" algn="ctr">
+                      <a:solidFill>
+                        <a:srgbClr val="000000"/>
+                      </a:solidFill>
+                      <a:prstDash val="solid"/>
+                      <a:round/>
+                      <a:headEnd type="none" w="med" len="med"/>
+                      <a:tailEnd type="none" w="med" len="med"/>
+                    </a:lnR>
+                    <a:lnT w="12700" cap="flat" cmpd="sng" algn="ctr">
+                      <a:solidFill>
+                        <a:srgbClr val="000000"/>
+                      </a:solidFill>
+                      <a:prstDash val="solid"/>
+                      <a:round/>
+                      <a:headEnd type="none" w="med" len="med"/>
+                      <a:tailEnd type="none" w="med" len="med"/>
+                    </a:lnT>
+                    <a:lnB w="12700" cap="flat" cmpd="sng" algn="ctr">
+                      <a:solidFill>
+                        <a:srgbClr val="000000"/>
+                      </a:solidFill>
+                      <a:prstDash val="solid"/>
+                      <a:round/>
+                      <a:headEnd type="none" w="med" len="med"/>
+                      <a:tailEnd type="none" w="med" len="med"/>
+                    </a:lnB>
+                  </a:tcPr>
+                </a:tc>
+                <a:tc>
+                  <a:txBody>
+                    <a:bodyPr/>
+                    <a:lstStyle/>
+                    <a:p>
+                      <a:pPr marL="0" marR="0" indent="0" algn="l" defTabSz="914400" rtl="0" eaLnBrk="1" fontAlgn="auto" latinLnBrk="0" hangingPunct="1">
+                        <a:lnSpc>
+                          <a:spcPct val="115000"/>
+                        </a:lnSpc>
+                        <a:spcBef>
+                          <a:spcPts val="0"/>
+                        </a:spcBef>
+                        <a:spcAft>
+                          <a:spcPts val="0"/>
+                        </a:spcAft>
+                        <a:buClrTx/>
+                        <a:buSzTx/>
+                        <a:buFontTx/>
+                        <a:buNone/>
+                        <a:tabLst/>
+                        <a:defRPr/>
+                      </a:pPr>
+                      <a:r>
+                        <a:rPr lang="en-US" sz="1600" dirty="0" err="1" smtClean="0">
+                          <a:latin typeface="Calibri"/>
+                          <a:ea typeface="Calibri"/>
+                          <a:cs typeface="Times New Roman"/>
+                        </a:rPr>
+                        <a:t>midfieldes</a:t>
+                      </a:r>
+                      <a:endParaRPr lang="en-US" sz="1600" dirty="0">
+                        <a:latin typeface="Calibri"/>
+                        <a:ea typeface="Calibri"/>
+                        <a:cs typeface="Times New Roman"/>
+                      </a:endParaRPr>
+                    </a:p>
+                  </a:txBody>
+                  <a:tcPr marL="68580" marR="68580" marT="0" marB="0">
+                    <a:lnL w="12700" cap="flat" cmpd="sng" algn="ctr">
+                      <a:solidFill>
+                        <a:srgbClr val="000000"/>
+                      </a:solidFill>
+                      <a:prstDash val="solid"/>
+                      <a:round/>
+                      <a:headEnd type="none" w="med" len="med"/>
+                      <a:tailEnd type="none" w="med" len="med"/>
+                    </a:lnL>
+                    <a:lnR w="12700" cap="flat" cmpd="sng" algn="ctr">
+                      <a:solidFill>
+                        <a:srgbClr val="000000"/>
+                      </a:solidFill>
+                      <a:prstDash val="solid"/>
+                      <a:round/>
+                      <a:headEnd type="none" w="med" len="med"/>
+                      <a:tailEnd type="none" w="med" len="med"/>
+                    </a:lnR>
+                    <a:lnT w="12700" cap="flat" cmpd="sng" algn="ctr">
+                      <a:solidFill>
+                        <a:srgbClr val="000000"/>
+                      </a:solidFill>
+                      <a:prstDash val="solid"/>
+                      <a:round/>
+                      <a:headEnd type="none" w="med" len="med"/>
+                      <a:tailEnd type="none" w="med" len="med"/>
+                    </a:lnT>
+                    <a:lnB w="12700" cap="flat" cmpd="sng" algn="ctr">
+                      <a:solidFill>
+                        <a:srgbClr val="000000"/>
+                      </a:solidFill>
+                      <a:prstDash val="solid"/>
+                      <a:round/>
+                      <a:headEnd type="none" w="med" len="med"/>
+                      <a:tailEnd type="none" w="med" len="med"/>
+                    </a:lnB>
+                  </a:tcPr>
+                </a:tc>
+              </a:tr>
+              <a:tr h="299357">
+                <a:tc vMerge="1">
+                  <a:txBody>
+                    <a:bodyPr/>
+                    <a:lstStyle/>
+                    <a:p>
+                      <a:endParaRPr lang="en-US"/>
+                    </a:p>
+                  </a:txBody>
+                  <a:tcPr/>
+                </a:tc>
+                <a:tc rowSpan="2">
+                  <a:txBody>
+                    <a:bodyPr/>
+                    <a:lstStyle/>
+                    <a:p>
+                      <a:pPr marL="0" marR="0" algn="ctr">
+                        <a:lnSpc>
+                          <a:spcPct val="115000"/>
+                        </a:lnSpc>
+                        <a:spcBef>
+                          <a:spcPts val="0"/>
+                        </a:spcBef>
+                        <a:spcAft>
+                          <a:spcPts val="0"/>
+                        </a:spcAft>
+                      </a:pPr>
+                      <a:r>
+                        <a:rPr lang="en-US" sz="1600">
+                          <a:latin typeface="Calibri"/>
+                          <a:ea typeface="Calibri"/>
+                          <a:cs typeface="Times New Roman"/>
+                        </a:rPr>
+                        <a:t>Fb_Verb</a:t>
+                      </a:r>
+                    </a:p>
+                  </a:txBody>
+                  <a:tcPr marL="68580" marR="68580" marT="0" marB="0" anchor="ctr">
+                    <a:lnL w="12700" cap="flat" cmpd="sng" algn="ctr">
+                      <a:solidFill>
+                        <a:srgbClr val="000000"/>
+                      </a:solidFill>
+                      <a:prstDash val="solid"/>
+                      <a:round/>
+                      <a:headEnd type="none" w="med" len="med"/>
+                      <a:tailEnd type="none" w="med" len="med"/>
+                    </a:lnL>
+                    <a:lnR w="12700" cap="flat" cmpd="sng" algn="ctr">
+                      <a:solidFill>
+                        <a:srgbClr val="000000"/>
+                      </a:solidFill>
+                      <a:prstDash val="solid"/>
+                      <a:round/>
+                      <a:headEnd type="none" w="med" len="med"/>
+                      <a:tailEnd type="none" w="med" len="med"/>
+                    </a:lnR>
+                    <a:lnT w="12700" cap="flat" cmpd="sng" algn="ctr">
+                      <a:solidFill>
+                        <a:srgbClr val="000000"/>
+                      </a:solidFill>
+                      <a:prstDash val="solid"/>
+                      <a:round/>
+                      <a:headEnd type="none" w="med" len="med"/>
+                      <a:tailEnd type="none" w="med" len="med"/>
+                    </a:lnT>
+                    <a:lnB w="12700" cap="flat" cmpd="sng" algn="ctr">
+                      <a:solidFill>
+                        <a:srgbClr val="000000"/>
+                      </a:solidFill>
+                      <a:prstDash val="solid"/>
+                      <a:round/>
+                      <a:headEnd type="none" w="med" len="med"/>
+                      <a:tailEnd type="none" w="med" len="med"/>
+                    </a:lnB>
+                  </a:tcPr>
+                </a:tc>
+                <a:tc>
+                  <a:txBody>
+                    <a:bodyPr/>
+                    <a:lstStyle/>
+                    <a:p>
+                      <a:pPr marL="0" marR="0" algn="ctr">
+                        <a:lnSpc>
+                          <a:spcPct val="115000"/>
+                        </a:lnSpc>
+                        <a:spcBef>
+                          <a:spcPts val="0"/>
+                        </a:spcBef>
+                        <a:spcAft>
+                          <a:spcPts val="0"/>
+                        </a:spcAft>
+                      </a:pPr>
+                      <a:r>
+                        <a:rPr lang="en-US" sz="1600">
+                          <a:latin typeface="Calibri"/>
+                          <a:ea typeface="Calibri"/>
+                          <a:cs typeface="Times New Roman"/>
+                        </a:rPr>
+                        <a:t>0</a:t>
+                      </a:r>
+                    </a:p>
+                  </a:txBody>
+                  <a:tcPr marL="68580" marR="68580" marT="0" marB="0">
+                    <a:lnL w="12700" cap="flat" cmpd="sng" algn="ctr">
+                      <a:solidFill>
+                        <a:srgbClr val="000000"/>
+                      </a:solidFill>
+                      <a:prstDash val="solid"/>
+                      <a:round/>
+                      <a:headEnd type="none" w="med" len="med"/>
+                      <a:tailEnd type="none" w="med" len="med"/>
+                    </a:lnL>
+                    <a:lnR w="12700" cap="flat" cmpd="sng" algn="ctr">
+                      <a:solidFill>
+                        <a:srgbClr val="000000"/>
+                      </a:solidFill>
+                      <a:prstDash val="solid"/>
+                      <a:round/>
+                      <a:headEnd type="none" w="med" len="med"/>
+                      <a:tailEnd type="none" w="med" len="med"/>
+                    </a:lnR>
+                    <a:lnT w="12700" cap="flat" cmpd="sng" algn="ctr">
+                      <a:solidFill>
+                        <a:srgbClr val="000000"/>
+                      </a:solidFill>
+                      <a:prstDash val="solid"/>
+                      <a:round/>
+                      <a:headEnd type="none" w="med" len="med"/>
+                      <a:tailEnd type="none" w="med" len="med"/>
+                    </a:lnT>
+                    <a:lnB w="12700" cap="flat" cmpd="sng" algn="ctr">
+                      <a:solidFill>
+                        <a:srgbClr val="000000"/>
+                      </a:solidFill>
+                      <a:prstDash val="solid"/>
+                      <a:round/>
+                      <a:headEnd type="none" w="med" len="med"/>
+                      <a:tailEnd type="none" w="med" len="med"/>
+                    </a:lnB>
+                  </a:tcPr>
+                </a:tc>
+                <a:tc>
+                  <a:txBody>
+                    <a:bodyPr/>
+                    <a:lstStyle/>
+                    <a:p>
+                      <a:pPr marL="0" marR="0">
+                        <a:lnSpc>
+                          <a:spcPct val="115000"/>
+                        </a:lnSpc>
+                        <a:spcBef>
+                          <a:spcPts val="0"/>
+                        </a:spcBef>
+                        <a:spcAft>
+                          <a:spcPts val="0"/>
+                        </a:spcAft>
+                        <a:tabLst>
+                          <a:tab pos="691515" algn="ctr"/>
+                        </a:tabLst>
+                      </a:pPr>
+                      <a:r>
+                        <a:rPr lang="en-US" sz="1600">
+                          <a:latin typeface="Calibri"/>
+                          <a:ea typeface="Calibri"/>
+                          <a:cs typeface="Times New Roman"/>
+                        </a:rPr>
+                        <a:t>take</a:t>
+                      </a:r>
+                    </a:p>
+                  </a:txBody>
+                  <a:tcPr marL="68580" marR="68580" marT="0" marB="0">
+                    <a:lnL w="12700" cap="flat" cmpd="sng" algn="ctr">
+                      <a:solidFill>
+                        <a:srgbClr val="000000"/>
+                      </a:solidFill>
+                      <a:prstDash val="solid"/>
+                      <a:round/>
+                      <a:headEnd type="none" w="med" len="med"/>
+                      <a:tailEnd type="none" w="med" len="med"/>
+                    </a:lnL>
+                    <a:lnR w="12700" cap="flat" cmpd="sng" algn="ctr">
+                      <a:solidFill>
+                        <a:srgbClr val="000000"/>
+                      </a:solidFill>
+                      <a:prstDash val="solid"/>
+                      <a:round/>
+                      <a:headEnd type="none" w="med" len="med"/>
+                      <a:tailEnd type="none" w="med" len="med"/>
+                    </a:lnR>
+                    <a:lnT w="12700" cap="flat" cmpd="sng" algn="ctr">
+                      <a:solidFill>
+                        <a:srgbClr val="000000"/>
+                      </a:solidFill>
+                      <a:prstDash val="solid"/>
+                      <a:round/>
+                      <a:headEnd type="none" w="med" len="med"/>
+                      <a:tailEnd type="none" w="med" len="med"/>
+                    </a:lnT>
+                    <a:lnB w="12700" cap="flat" cmpd="sng" algn="ctr">
+                      <a:solidFill>
+                        <a:srgbClr val="000000"/>
+                      </a:solidFill>
+                      <a:prstDash val="solid"/>
+                      <a:round/>
+                      <a:headEnd type="none" w="med" len="med"/>
+                      <a:tailEnd type="none" w="med" len="med"/>
+                    </a:lnB>
+                  </a:tcPr>
+                </a:tc>
+              </a:tr>
+              <a:tr h="299357">
+                <a:tc vMerge="1">
+                  <a:txBody>
+                    <a:bodyPr/>
+                    <a:lstStyle/>
+                    <a:p>
+                      <a:endParaRPr lang="en-US"/>
+                    </a:p>
+                  </a:txBody>
+                  <a:tcPr/>
+                </a:tc>
+                <a:tc vMerge="1">
+                  <a:txBody>
+                    <a:bodyPr/>
+                    <a:lstStyle/>
+                    <a:p>
+                      <a:endParaRPr lang="en-US"/>
+                    </a:p>
+                  </a:txBody>
+                  <a:tcPr/>
+                </a:tc>
+                <a:tc>
+                  <a:txBody>
+                    <a:bodyPr/>
+                    <a:lstStyle/>
+                    <a:p>
+                      <a:pPr marL="0" marR="0" algn="ctr">
+                        <a:lnSpc>
+                          <a:spcPct val="115000"/>
+                        </a:lnSpc>
+                        <a:spcBef>
+                          <a:spcPts val="0"/>
+                        </a:spcBef>
+                        <a:spcAft>
+                          <a:spcPts val="0"/>
+                        </a:spcAft>
+                      </a:pPr>
+                      <a:r>
+                        <a:rPr lang="en-US" sz="1600">
+                          <a:latin typeface="Calibri"/>
+                          <a:ea typeface="Calibri"/>
+                          <a:cs typeface="Times New Roman"/>
+                        </a:rPr>
+                        <a:t>1</a:t>
+                      </a:r>
+                    </a:p>
+                  </a:txBody>
+                  <a:tcPr marL="68580" marR="68580" marT="0" marB="0">
+                    <a:lnL w="12700" cap="flat" cmpd="sng" algn="ctr">
+                      <a:solidFill>
+                        <a:srgbClr val="000000"/>
+                      </a:solidFill>
+                      <a:prstDash val="solid"/>
+                      <a:round/>
+                      <a:headEnd type="none" w="med" len="med"/>
+                      <a:tailEnd type="none" w="med" len="med"/>
+                    </a:lnL>
+                    <a:lnR w="12700" cap="flat" cmpd="sng" algn="ctr">
+                      <a:solidFill>
+                        <a:srgbClr val="000000"/>
+                      </a:solidFill>
+                      <a:prstDash val="solid"/>
+                      <a:round/>
+                      <a:headEnd type="none" w="med" len="med"/>
+                      <a:tailEnd type="none" w="med" len="med"/>
+                    </a:lnR>
+                    <a:lnT w="12700" cap="flat" cmpd="sng" algn="ctr">
+                      <a:solidFill>
+                        <a:srgbClr val="000000"/>
+                      </a:solidFill>
+                      <a:prstDash val="solid"/>
+                      <a:round/>
+                      <a:headEnd type="none" w="med" len="med"/>
+                      <a:tailEnd type="none" w="med" len="med"/>
+                    </a:lnT>
+                    <a:lnB w="12700" cap="flat" cmpd="sng" algn="ctr">
+                      <a:solidFill>
+                        <a:srgbClr val="000000"/>
+                      </a:solidFill>
+                      <a:prstDash val="solid"/>
+                      <a:round/>
+                      <a:headEnd type="none" w="med" len="med"/>
+                      <a:tailEnd type="none" w="med" len="med"/>
+                    </a:lnB>
+                  </a:tcPr>
+                </a:tc>
+                <a:tc>
+                  <a:txBody>
+                    <a:bodyPr/>
+                    <a:lstStyle/>
+                    <a:p>
+                      <a:pPr marL="0" marR="0">
+                        <a:lnSpc>
+                          <a:spcPct val="115000"/>
+                        </a:lnSpc>
+                        <a:spcBef>
+                          <a:spcPts val="0"/>
+                        </a:spcBef>
+                        <a:spcAft>
+                          <a:spcPts val="0"/>
+                        </a:spcAft>
+                      </a:pPr>
+                      <a:r>
+                        <a:rPr lang="en-US" sz="1600">
+                          <a:latin typeface="Calibri"/>
+                          <a:ea typeface="Calibri"/>
+                          <a:cs typeface="Times New Roman"/>
+                        </a:rPr>
+                        <a:t>stop</a:t>
+                      </a:r>
+                    </a:p>
+                  </a:txBody>
+                  <a:tcPr marL="68580" marR="68580" marT="0" marB="0">
+                    <a:lnL w="12700" cap="flat" cmpd="sng" algn="ctr">
+                      <a:solidFill>
+                        <a:srgbClr val="000000"/>
+                      </a:solidFill>
+                      <a:prstDash val="solid"/>
+                      <a:round/>
+                      <a:headEnd type="none" w="med" len="med"/>
+                      <a:tailEnd type="none" w="med" len="med"/>
+                    </a:lnL>
+                    <a:lnR w="12700" cap="flat" cmpd="sng" algn="ctr">
+                      <a:solidFill>
+                        <a:srgbClr val="000000"/>
+                      </a:solidFill>
+                      <a:prstDash val="solid"/>
+                      <a:round/>
+                      <a:headEnd type="none" w="med" len="med"/>
+                      <a:tailEnd type="none" w="med" len="med"/>
+                    </a:lnR>
+                    <a:lnT w="12700" cap="flat" cmpd="sng" algn="ctr">
+                      <a:solidFill>
+                        <a:srgbClr val="000000"/>
+                      </a:solidFill>
+                      <a:prstDash val="solid"/>
+                      <a:round/>
+                      <a:headEnd type="none" w="med" len="med"/>
+                      <a:tailEnd type="none" w="med" len="med"/>
+                    </a:lnT>
+                    <a:lnB w="12700" cap="flat" cmpd="sng" algn="ctr">
+                      <a:solidFill>
+                        <a:srgbClr val="000000"/>
+                      </a:solidFill>
+                      <a:prstDash val="solid"/>
+                      <a:round/>
+                      <a:headEnd type="none" w="med" len="med"/>
+                      <a:tailEnd type="none" w="med" len="med"/>
+                    </a:lnB>
+                  </a:tcPr>
+                </a:tc>
+              </a:tr>
+              <a:tr h="299357">
+                <a:tc vMerge="1">
+                  <a:txBody>
+                    <a:bodyPr/>
+                    <a:lstStyle/>
+                    <a:p>
+                      <a:endParaRPr lang="en-US"/>
+                    </a:p>
+                  </a:txBody>
+                  <a:tcPr/>
+                </a:tc>
+                <a:tc rowSpan="2">
+                  <a:txBody>
+                    <a:bodyPr/>
+                    <a:lstStyle/>
+                    <a:p>
+                      <a:pPr marL="0" marR="0" algn="ctr">
+                        <a:lnSpc>
+                          <a:spcPct val="115000"/>
+                        </a:lnSpc>
+                        <a:spcBef>
+                          <a:spcPts val="0"/>
+                        </a:spcBef>
+                        <a:spcAft>
+                          <a:spcPts val="0"/>
+                        </a:spcAft>
+                      </a:pPr>
+                      <a:r>
+                        <a:rPr lang="en-US" sz="1600">
+                          <a:latin typeface="Calibri"/>
+                          <a:ea typeface="Calibri"/>
+                          <a:cs typeface="Times New Roman"/>
+                        </a:rPr>
+                        <a:t>Fb_Object</a:t>
+                      </a:r>
+                    </a:p>
+                  </a:txBody>
+                  <a:tcPr marL="68580" marR="68580" marT="0" marB="0" anchor="ctr">
+                    <a:lnL w="12700" cap="flat" cmpd="sng" algn="ctr">
+                      <a:solidFill>
+                        <a:srgbClr val="000000"/>
+                      </a:solidFill>
+                      <a:prstDash val="solid"/>
+                      <a:round/>
+                      <a:headEnd type="none" w="med" len="med"/>
+                      <a:tailEnd type="none" w="med" len="med"/>
+                    </a:lnL>
+                    <a:lnR w="12700" cap="flat" cmpd="sng" algn="ctr">
+                      <a:solidFill>
+                        <a:srgbClr val="000000"/>
+                      </a:solidFill>
+                      <a:prstDash val="solid"/>
+                      <a:round/>
+                      <a:headEnd type="none" w="med" len="med"/>
+                      <a:tailEnd type="none" w="med" len="med"/>
+                    </a:lnR>
+                    <a:lnT w="12700" cap="flat" cmpd="sng" algn="ctr">
+                      <a:solidFill>
+                        <a:srgbClr val="000000"/>
+                      </a:solidFill>
+                      <a:prstDash val="solid"/>
+                      <a:round/>
+                      <a:headEnd type="none" w="med" len="med"/>
+                      <a:tailEnd type="none" w="med" len="med"/>
+                    </a:lnT>
+                    <a:lnB w="12700" cap="flat" cmpd="sng" algn="ctr">
+                      <a:solidFill>
+                        <a:srgbClr val="000000"/>
+                      </a:solidFill>
+                      <a:prstDash val="solid"/>
+                      <a:round/>
+                      <a:headEnd type="none" w="med" len="med"/>
+                      <a:tailEnd type="none" w="med" len="med"/>
+                    </a:lnB>
+                  </a:tcPr>
+                </a:tc>
+                <a:tc>
+                  <a:txBody>
+                    <a:bodyPr/>
+                    <a:lstStyle/>
+                    <a:p>
+                      <a:pPr marL="0" marR="0" algn="ctr">
+                        <a:lnSpc>
+                          <a:spcPct val="115000"/>
+                        </a:lnSpc>
+                        <a:spcBef>
+                          <a:spcPts val="0"/>
+                        </a:spcBef>
+                        <a:spcAft>
+                          <a:spcPts val="0"/>
+                        </a:spcAft>
+                      </a:pPr>
+                      <a:r>
+                        <a:rPr lang="en-US" sz="1600">
+                          <a:latin typeface="Calibri"/>
+                          <a:ea typeface="Calibri"/>
+                          <a:cs typeface="Times New Roman"/>
+                        </a:rPr>
+                        <a:t>0</a:t>
+                      </a:r>
+                    </a:p>
+                  </a:txBody>
+                  <a:tcPr marL="68580" marR="68580" marT="0" marB="0">
+                    <a:lnL w="12700" cap="flat" cmpd="sng" algn="ctr">
+                      <a:solidFill>
+                        <a:srgbClr val="000000"/>
+                      </a:solidFill>
+                      <a:prstDash val="solid"/>
+                      <a:round/>
+                      <a:headEnd type="none" w="med" len="med"/>
+                      <a:tailEnd type="none" w="med" len="med"/>
+                    </a:lnL>
+                    <a:lnR w="12700" cap="flat" cmpd="sng" algn="ctr">
+                      <a:solidFill>
+                        <a:srgbClr val="000000"/>
+                      </a:solidFill>
+                      <a:prstDash val="solid"/>
+                      <a:round/>
+                      <a:headEnd type="none" w="med" len="med"/>
+                      <a:tailEnd type="none" w="med" len="med"/>
+                    </a:lnR>
+                    <a:lnT w="12700" cap="flat" cmpd="sng" algn="ctr">
+                      <a:solidFill>
+                        <a:srgbClr val="000000"/>
+                      </a:solidFill>
+                      <a:prstDash val="solid"/>
+                      <a:round/>
+                      <a:headEnd type="none" w="med" len="med"/>
+                      <a:tailEnd type="none" w="med" len="med"/>
+                    </a:lnT>
+                    <a:lnB w="12700" cap="flat" cmpd="sng" algn="ctr">
+                      <a:solidFill>
+                        <a:srgbClr val="000000"/>
+                      </a:solidFill>
+                      <a:prstDash val="solid"/>
+                      <a:round/>
+                      <a:headEnd type="none" w="med" len="med"/>
+                      <a:tailEnd type="none" w="med" len="med"/>
+                    </a:lnB>
+                  </a:tcPr>
+                </a:tc>
+                <a:tc>
+                  <a:txBody>
+                    <a:bodyPr/>
+                    <a:lstStyle/>
+                    <a:p>
+                      <a:pPr marL="0" marR="0">
+                        <a:lnSpc>
+                          <a:spcPct val="115000"/>
+                        </a:lnSpc>
+                        <a:spcBef>
+                          <a:spcPts val="0"/>
+                        </a:spcBef>
+                        <a:spcAft>
+                          <a:spcPts val="0"/>
+                        </a:spcAft>
+                      </a:pPr>
+                      <a:r>
+                        <a:rPr lang="en-US" sz="1600">
+                          <a:latin typeface="Calibri"/>
+                          <a:ea typeface="Calibri"/>
+                          <a:cs typeface="Times New Roman"/>
+                        </a:rPr>
+                        <a:t>a pass</a:t>
+                      </a:r>
+                    </a:p>
+                  </a:txBody>
+                  <a:tcPr marL="68580" marR="68580" marT="0" marB="0">
+                    <a:lnL w="12700" cap="flat" cmpd="sng" algn="ctr">
+                      <a:solidFill>
+                        <a:srgbClr val="000000"/>
+                      </a:solidFill>
+                      <a:prstDash val="solid"/>
+                      <a:round/>
+                      <a:headEnd type="none" w="med" len="med"/>
+                      <a:tailEnd type="none" w="med" len="med"/>
+                    </a:lnL>
+                    <a:lnR w="12700" cap="flat" cmpd="sng" algn="ctr">
+                      <a:solidFill>
+                        <a:srgbClr val="000000"/>
+                      </a:solidFill>
+                      <a:prstDash val="solid"/>
+                      <a:round/>
+                      <a:headEnd type="none" w="med" len="med"/>
+                      <a:tailEnd type="none" w="med" len="med"/>
+                    </a:lnR>
+                    <a:lnT w="12700" cap="flat" cmpd="sng" algn="ctr">
+                      <a:solidFill>
+                        <a:srgbClr val="000000"/>
+                      </a:solidFill>
+                      <a:prstDash val="solid"/>
+                      <a:round/>
+                      <a:headEnd type="none" w="med" len="med"/>
+                      <a:tailEnd type="none" w="med" len="med"/>
+                    </a:lnT>
+                    <a:lnB w="12700" cap="flat" cmpd="sng" algn="ctr">
+                      <a:solidFill>
+                        <a:srgbClr val="000000"/>
+                      </a:solidFill>
+                      <a:prstDash val="solid"/>
+                      <a:round/>
+                      <a:headEnd type="none" w="med" len="med"/>
+                      <a:tailEnd type="none" w="med" len="med"/>
+                    </a:lnB>
+                  </a:tcPr>
+                </a:tc>
+              </a:tr>
+              <a:tr h="299357">
+                <a:tc vMerge="1">
+                  <a:txBody>
+                    <a:bodyPr/>
+                    <a:lstStyle/>
+                    <a:p>
+                      <a:endParaRPr lang="en-US"/>
+                    </a:p>
+                  </a:txBody>
+                  <a:tcPr/>
+                </a:tc>
+                <a:tc vMerge="1">
+                  <a:txBody>
+                    <a:bodyPr/>
+                    <a:lstStyle/>
+                    <a:p>
+                      <a:endParaRPr lang="en-US"/>
+                    </a:p>
+                  </a:txBody>
+                  <a:tcPr/>
+                </a:tc>
+                <a:tc>
+                  <a:txBody>
+                    <a:bodyPr/>
+                    <a:lstStyle/>
+                    <a:p>
+                      <a:pPr marL="0" marR="0" algn="ctr">
+                        <a:lnSpc>
+                          <a:spcPct val="115000"/>
+                        </a:lnSpc>
+                        <a:spcBef>
+                          <a:spcPts val="0"/>
+                        </a:spcBef>
+                        <a:spcAft>
+                          <a:spcPts val="0"/>
+                        </a:spcAft>
+                      </a:pPr>
+                      <a:r>
+                        <a:rPr lang="en-US" sz="1600">
+                          <a:latin typeface="Calibri"/>
+                          <a:ea typeface="Calibri"/>
+                          <a:cs typeface="Times New Roman"/>
+                        </a:rPr>
+                        <a:t>1</a:t>
+                      </a:r>
+                    </a:p>
+                  </a:txBody>
+                  <a:tcPr marL="68580" marR="68580" marT="0" marB="0">
+                    <a:lnL w="12700" cap="flat" cmpd="sng" algn="ctr">
+                      <a:solidFill>
+                        <a:srgbClr val="000000"/>
+                      </a:solidFill>
+                      <a:prstDash val="solid"/>
+                      <a:round/>
+                      <a:headEnd type="none" w="med" len="med"/>
+                      <a:tailEnd type="none" w="med" len="med"/>
+                    </a:lnL>
+                    <a:lnR w="12700" cap="flat" cmpd="sng" algn="ctr">
+                      <a:solidFill>
+                        <a:srgbClr val="000000"/>
+                      </a:solidFill>
+                      <a:prstDash val="solid"/>
+                      <a:round/>
+                      <a:headEnd type="none" w="med" len="med"/>
+                      <a:tailEnd type="none" w="med" len="med"/>
+                    </a:lnR>
+                    <a:lnT w="12700" cap="flat" cmpd="sng" algn="ctr">
+                      <a:solidFill>
+                        <a:srgbClr val="000000"/>
+                      </a:solidFill>
+                      <a:prstDash val="solid"/>
+                      <a:round/>
+                      <a:headEnd type="none" w="med" len="med"/>
+                      <a:tailEnd type="none" w="med" len="med"/>
+                    </a:lnT>
+                    <a:lnB w="12700" cap="flat" cmpd="sng" algn="ctr">
+                      <a:solidFill>
+                        <a:srgbClr val="000000"/>
+                      </a:solidFill>
+                      <a:prstDash val="solid"/>
+                      <a:round/>
+                      <a:headEnd type="none" w="med" len="med"/>
+                      <a:tailEnd type="none" w="med" len="med"/>
+                    </a:lnB>
+                  </a:tcPr>
+                </a:tc>
+                <a:tc>
+                  <a:txBody>
+                    <a:bodyPr/>
+                    <a:lstStyle/>
+                    <a:p>
+                      <a:pPr marL="0" marR="0">
+                        <a:lnSpc>
+                          <a:spcPct val="115000"/>
+                        </a:lnSpc>
+                        <a:spcBef>
+                          <a:spcPts val="0"/>
+                        </a:spcBef>
+                        <a:spcAft>
+                          <a:spcPts val="0"/>
+                        </a:spcAft>
+                      </a:pPr>
+                      <a:r>
+                        <a:rPr lang="en-US" sz="1600" dirty="0">
+                          <a:latin typeface="Calibri"/>
+                          <a:ea typeface="Calibri"/>
+                          <a:cs typeface="Times New Roman"/>
+                        </a:rPr>
+                        <a:t>a shot</a:t>
+                      </a:r>
+                    </a:p>
+                  </a:txBody>
+                  <a:tcPr marL="68580" marR="68580" marT="0" marB="0">
+                    <a:lnL w="12700" cap="flat" cmpd="sng" algn="ctr">
+                      <a:solidFill>
+                        <a:srgbClr val="000000"/>
+                      </a:solidFill>
+                      <a:prstDash val="solid"/>
+                      <a:round/>
+                      <a:headEnd type="none" w="med" len="med"/>
+                      <a:tailEnd type="none" w="med" len="med"/>
+                    </a:lnL>
+                    <a:lnR w="12700" cap="flat" cmpd="sng" algn="ctr">
+                      <a:solidFill>
+                        <a:srgbClr val="000000"/>
+                      </a:solidFill>
+                      <a:prstDash val="solid"/>
+                      <a:round/>
+                      <a:headEnd type="none" w="med" len="med"/>
+                      <a:tailEnd type="none" w="med" len="med"/>
+                    </a:lnR>
+                    <a:lnT w="12700" cap="flat" cmpd="sng" algn="ctr">
+                      <a:solidFill>
+                        <a:srgbClr val="000000"/>
+                      </a:solidFill>
+                      <a:prstDash val="solid"/>
+                      <a:round/>
+                      <a:headEnd type="none" w="med" len="med"/>
+                      <a:tailEnd type="none" w="med" len="med"/>
+                    </a:lnT>
+                    <a:lnB w="12700" cap="flat" cmpd="sng" algn="ctr">
+                      <a:solidFill>
+                        <a:srgbClr val="000000"/>
+                      </a:solidFill>
+                      <a:prstDash val="solid"/>
+                      <a:round/>
+                      <a:headEnd type="none" w="med" len="med"/>
+                      <a:tailEnd type="none" w="med" len="med"/>
+                    </a:lnB>
+                  </a:tcPr>
+                </a:tc>
+              </a:tr>
+            </a:tbl>
+          </a:graphicData>
+        </a:graphic>
+      </p:graphicFrame>
     </p:spTree>
     <p:custDataLst>
       <p:tags r:id="rId1"/>
@@ -13461,17 +17185,221 @@
         <p:spPr>
           <a:xfrm>
             <a:off x="304800" y="990600"/>
-            <a:ext cx="8534400" cy="5334000"/>
+            <a:ext cx="8839200" cy="5334000"/>
           </a:xfrm>
         </p:spPr>
         <p:txBody>
           <a:bodyPr/>
           <a:lstStyle/>
+          <a:p>
+            <a:r>
+              <a:rPr lang="en-US" b="1" i="0" dirty="0" smtClean="0"/>
+              <a:t>Watermark : </a:t>
+            </a:r>
+            <a:r>
+              <a:rPr lang="en-US" dirty="0" smtClean="0"/>
+              <a:t>‘</a:t>
+            </a:r>
+            <a:r>
+              <a:rPr lang="en-US" dirty="0" err="1" smtClean="0"/>
+              <a:t>abc</a:t>
+            </a:r>
+            <a:r>
+              <a:rPr lang="en-US" dirty="0" smtClean="0"/>
+              <a:t>’</a:t>
+            </a:r>
+          </a:p>
+          <a:p>
+            <a:r>
+              <a:rPr lang="en-US" b="1" i="0" dirty="0" err="1" smtClean="0"/>
+              <a:t>Struct</a:t>
+            </a:r>
+            <a:r>
+              <a:rPr lang="en-US" b="1" i="0" dirty="0" smtClean="0"/>
+              <a:t> : </a:t>
+            </a:r>
+          </a:p>
           <a:p>
             <a:pPr>
               <a:buNone/>
             </a:pPr>
-            <a:endParaRPr lang="en-US" dirty="0"/>
+            <a:r>
+              <a:rPr lang="en-US" sz="2000" dirty="0" smtClean="0">
+                <a:solidFill>
+                  <a:srgbClr val="00B0F0"/>
+                </a:solidFill>
+              </a:rPr>
+              <a:t>The</a:t>
+            </a:r>
+            <a:r>
+              <a:rPr lang="en-US" sz="2000" dirty="0" smtClean="0"/>
+              <a:t> _ADJECTIVE _THING _VERB</a:t>
+            </a:r>
+            <a:r>
+              <a:rPr lang="en-US" sz="2000" dirty="0" smtClean="0">
+                <a:solidFill>
+                  <a:srgbClr val="00B0F0"/>
+                </a:solidFill>
+              </a:rPr>
+              <a:t>s</a:t>
+            </a:r>
+            <a:r>
+              <a:rPr lang="en-US" sz="2000" dirty="0" smtClean="0"/>
+              <a:t> _ADVERB </a:t>
+            </a:r>
+            <a:r>
+              <a:rPr lang="en-US" sz="2000" dirty="0" smtClean="0">
+                <a:solidFill>
+                  <a:srgbClr val="00B0F0"/>
+                </a:solidFill>
+              </a:rPr>
+              <a:t>in the </a:t>
+            </a:r>
+            <a:r>
+              <a:rPr lang="en-US" sz="2000" dirty="0" smtClean="0"/>
+              <a:t>_PLACE</a:t>
+            </a:r>
+            <a:r>
+              <a:rPr lang="en-US" sz="2000" dirty="0" smtClean="0">
+                <a:solidFill>
+                  <a:srgbClr val="00B0F0"/>
+                </a:solidFill>
+              </a:rPr>
+              <a:t>.I</a:t>
+            </a:r>
+            <a:r>
+              <a:rPr lang="en-US" sz="2000" dirty="0" smtClean="0"/>
+              <a:t> _VERB _ADJECTIVE _THING</a:t>
+            </a:r>
+            <a:r>
+              <a:rPr lang="en-US" sz="2000" dirty="0" smtClean="0">
+                <a:solidFill>
+                  <a:srgbClr val="00B0F0"/>
+                </a:solidFill>
+              </a:rPr>
+              <a:t>s near the</a:t>
+            </a:r>
+            <a:r>
+              <a:rPr lang="en-US" sz="2000" dirty="0" smtClean="0"/>
+              <a:t> _ADJECTIVE _ADJECTIVE _PLACE.</a:t>
+            </a:r>
+          </a:p>
+          <a:p>
+            <a:r>
+              <a:rPr lang="en-US" b="1" i="0" dirty="0" smtClean="0"/>
+              <a:t>Dictionary :</a:t>
+            </a:r>
+          </a:p>
+          <a:p>
+            <a:pPr lvl="1">
+              <a:buFont typeface="Courier New" pitchFamily="49" charset="0"/>
+              <a:buChar char="o"/>
+            </a:pPr>
+            <a:r>
+              <a:rPr lang="en-US" sz="2400" i="0" dirty="0" smtClean="0"/>
+              <a:t>1..9  -&gt; 1..9</a:t>
+            </a:r>
+          </a:p>
+          <a:p>
+            <a:pPr lvl="1">
+              <a:buFont typeface="Courier New" pitchFamily="49" charset="0"/>
+              <a:buChar char="o"/>
+            </a:pPr>
+            <a:r>
+              <a:rPr lang="en-US" sz="2400" i="0" dirty="0" smtClean="0"/>
+              <a:t>a..z  -&gt; 10..35</a:t>
+            </a:r>
+          </a:p>
+          <a:p>
+            <a:pPr lvl="1">
+              <a:buFont typeface="Courier New" pitchFamily="49" charset="0"/>
+              <a:buChar char="o"/>
+            </a:pPr>
+            <a:r>
+              <a:rPr lang="en-US" sz="2400" i="0" dirty="0" smtClean="0"/>
+              <a:t>A..Z -&gt; 36..61</a:t>
+            </a:r>
+          </a:p>
+          <a:p>
+            <a:pPr lvl="1">
+              <a:buFont typeface="Courier New" pitchFamily="49" charset="0"/>
+              <a:buChar char="o"/>
+            </a:pPr>
+            <a:r>
+              <a:rPr lang="en-US" sz="2400" i="0" dirty="0" smtClean="0"/>
+              <a:t>+,- … -&gt; 62…</a:t>
+            </a:r>
+          </a:p>
+          <a:p>
+            <a:pPr lvl="1">
+              <a:buFont typeface="Courier New" pitchFamily="49" charset="0"/>
+              <a:buChar char="o"/>
+            </a:pPr>
+            <a:endParaRPr lang="en-US" sz="2400" i="0" dirty="0" smtClean="0"/>
+          </a:p>
+          <a:p>
+            <a:pPr>
+              <a:buNone/>
+            </a:pPr>
+            <a:r>
+              <a:rPr lang="en-US" sz="2400" dirty="0" smtClean="0">
+                <a:solidFill>
+                  <a:srgbClr val="00B0F0"/>
+                </a:solidFill>
+              </a:rPr>
+              <a:t>Ex : “</a:t>
+            </a:r>
+            <a:r>
+              <a:rPr lang="en-US" sz="2400" dirty="0" err="1" smtClean="0"/>
+              <a:t>iluvu</a:t>
+            </a:r>
+            <a:r>
+              <a:rPr lang="en-US" sz="2400" dirty="0" smtClean="0">
+                <a:solidFill>
+                  <a:srgbClr val="00B0F0"/>
+                </a:solidFill>
+              </a:rPr>
+              <a:t>”</a:t>
+            </a:r>
+            <a:r>
+              <a:rPr lang="en-US" sz="2400" dirty="0" smtClean="0">
+                <a:sym typeface="Wingdings" pitchFamily="2" charset="2"/>
+              </a:rPr>
+              <a:t></a:t>
+            </a:r>
+            <a:r>
+              <a:rPr lang="en-US" sz="2400" dirty="0" smtClean="0"/>
+              <a:t> 18 21 30 31 30 </a:t>
+            </a:r>
+          </a:p>
+          <a:p>
+            <a:pPr>
+              <a:buNone/>
+            </a:pPr>
+            <a:r>
+              <a:rPr lang="en-US" sz="2400" dirty="0" smtClean="0">
+                <a:sym typeface="Wingdings" pitchFamily="2" charset="2"/>
+              </a:rPr>
+              <a:t>		</a:t>
+            </a:r>
+            <a:r>
+              <a:rPr lang="en-US" sz="2400" dirty="0" smtClean="0"/>
+              <a:t> The mad </a:t>
+            </a:r>
+            <a:r>
+              <a:rPr lang="en-US" sz="2400" dirty="0" err="1" smtClean="0"/>
+              <a:t>referre</a:t>
+            </a:r>
+            <a:r>
+              <a:rPr lang="en-US" sz="2400" dirty="0" smtClean="0"/>
+              <a:t> decide wrongly in the stadium.</a:t>
+            </a:r>
+          </a:p>
+          <a:p>
+            <a:pPr>
+              <a:buNone/>
+            </a:pPr>
+            <a:endParaRPr lang="en-US" b="1" i="0" dirty="0"/>
           </a:p>
         </p:txBody>
       </p:sp>
@@ -13496,7 +17424,7 @@
             <a:fld id="{FC13EE21-0C48-4609-AAE4-AD74DD06381D}" type="datetime1">
               <a:rPr lang="en-US" smtClean="0"/>
               <a:pPr/>
-              <a:t>4/13/2011</a:t>
+              <a:t>4/14/2011</a:t>
             </a:fld>
             <a:endParaRPr lang="en-US" dirty="0"/>
           </a:p>
@@ -13529,6 +17457,1246 @@
           </a:p>
         </p:txBody>
       </p:sp>
+      <p:graphicFrame>
+        <p:nvGraphicFramePr>
+          <p:cNvPr id="6" name="Table 5"/>
+          <p:cNvGraphicFramePr>
+            <a:graphicFrameLocks noGrp="1"/>
+          </p:cNvGraphicFramePr>
+          <p:nvPr>
+            <p:custDataLst>
+              <p:tags r:id="rId6"/>
+            </p:custDataLst>
+          </p:nvPr>
+        </p:nvGraphicFramePr>
+        <p:xfrm>
+          <a:off x="4572000" y="3124200"/>
+          <a:ext cx="3581400" cy="2070209"/>
+        </p:xfrm>
+        <a:graphic>
+          <a:graphicData uri="http://schemas.openxmlformats.org/drawingml/2006/table">
+            <a:tbl>
+              <a:tblPr/>
+              <a:tblGrid>
+                <a:gridCol w="1193800"/>
+                <a:gridCol w="729545"/>
+                <a:gridCol w="1658055"/>
+              </a:tblGrid>
+              <a:tr h="492869">
+                <a:tc>
+                  <a:txBody>
+                    <a:bodyPr/>
+                    <a:lstStyle/>
+                    <a:p>
+                      <a:pPr marL="0" marR="0" algn="ctr">
+                        <a:lnSpc>
+                          <a:spcPct val="115000"/>
+                        </a:lnSpc>
+                        <a:spcBef>
+                          <a:spcPts val="0"/>
+                        </a:spcBef>
+                        <a:spcAft>
+                          <a:spcPts val="0"/>
+                        </a:spcAft>
+                      </a:pPr>
+                      <a:r>
+                        <a:rPr lang="en-US" sz="1800" b="1">
+                          <a:solidFill>
+                            <a:srgbClr val="00B050"/>
+                          </a:solidFill>
+                          <a:latin typeface="Calibri"/>
+                          <a:ea typeface="Calibri"/>
+                          <a:cs typeface="Times New Roman"/>
+                        </a:rPr>
+                        <a:t>TYPE</a:t>
+                      </a:r>
+                      <a:endParaRPr lang="en-US" sz="1100">
+                        <a:latin typeface="Calibri"/>
+                        <a:ea typeface="Calibri"/>
+                        <a:cs typeface="Times New Roman"/>
+                      </a:endParaRPr>
+                    </a:p>
+                  </a:txBody>
+                  <a:tcPr marL="68580" marR="68580" marT="0" marB="0">
+                    <a:lnL w="12700" cap="flat" cmpd="sng" algn="ctr">
+                      <a:solidFill>
+                        <a:srgbClr val="000000"/>
+                      </a:solidFill>
+                      <a:prstDash val="solid"/>
+                      <a:round/>
+                      <a:headEnd type="none" w="med" len="med"/>
+                      <a:tailEnd type="none" w="med" len="med"/>
+                    </a:lnL>
+                    <a:lnR w="12700" cap="flat" cmpd="sng" algn="ctr">
+                      <a:solidFill>
+                        <a:srgbClr val="000000"/>
+                      </a:solidFill>
+                      <a:prstDash val="solid"/>
+                      <a:round/>
+                      <a:headEnd type="none" w="med" len="med"/>
+                      <a:tailEnd type="none" w="med" len="med"/>
+                    </a:lnR>
+                    <a:lnT w="12700" cap="flat" cmpd="sng" algn="ctr">
+                      <a:solidFill>
+                        <a:srgbClr val="000000"/>
+                      </a:solidFill>
+                      <a:prstDash val="solid"/>
+                      <a:round/>
+                      <a:headEnd type="none" w="med" len="med"/>
+                      <a:tailEnd type="none" w="med" len="med"/>
+                    </a:lnT>
+                    <a:lnB w="12700" cap="flat" cmpd="sng" algn="ctr">
+                      <a:solidFill>
+                        <a:srgbClr val="000000"/>
+                      </a:solidFill>
+                      <a:prstDash val="solid"/>
+                      <a:round/>
+                      <a:headEnd type="none" w="med" len="med"/>
+                      <a:tailEnd type="none" w="med" len="med"/>
+                    </a:lnB>
+                  </a:tcPr>
+                </a:tc>
+                <a:tc>
+                  <a:txBody>
+                    <a:bodyPr/>
+                    <a:lstStyle/>
+                    <a:p>
+                      <a:pPr marL="0" marR="0" algn="ctr">
+                        <a:lnSpc>
+                          <a:spcPct val="115000"/>
+                        </a:lnSpc>
+                        <a:spcBef>
+                          <a:spcPts val="0"/>
+                        </a:spcBef>
+                        <a:spcAft>
+                          <a:spcPts val="0"/>
+                        </a:spcAft>
+                      </a:pPr>
+                      <a:r>
+                        <a:rPr lang="en-US" sz="1800" b="1">
+                          <a:solidFill>
+                            <a:srgbClr val="00B050"/>
+                          </a:solidFill>
+                          <a:latin typeface="Calibri"/>
+                          <a:ea typeface="Calibri"/>
+                          <a:cs typeface="Times New Roman"/>
+                        </a:rPr>
+                        <a:t>Index</a:t>
+                      </a:r>
+                      <a:endParaRPr lang="en-US" sz="1100">
+                        <a:latin typeface="Calibri"/>
+                        <a:ea typeface="Calibri"/>
+                        <a:cs typeface="Times New Roman"/>
+                      </a:endParaRPr>
+                    </a:p>
+                  </a:txBody>
+                  <a:tcPr marL="68580" marR="68580" marT="0" marB="0">
+                    <a:lnL w="12700" cap="flat" cmpd="sng" algn="ctr">
+                      <a:solidFill>
+                        <a:srgbClr val="000000"/>
+                      </a:solidFill>
+                      <a:prstDash val="solid"/>
+                      <a:round/>
+                      <a:headEnd type="none" w="med" len="med"/>
+                      <a:tailEnd type="none" w="med" len="med"/>
+                    </a:lnL>
+                    <a:lnR w="12700" cap="flat" cmpd="sng" algn="ctr">
+                      <a:solidFill>
+                        <a:srgbClr val="000000"/>
+                      </a:solidFill>
+                      <a:prstDash val="solid"/>
+                      <a:round/>
+                      <a:headEnd type="none" w="med" len="med"/>
+                      <a:tailEnd type="none" w="med" len="med"/>
+                    </a:lnR>
+                    <a:lnT w="12700" cap="flat" cmpd="sng" algn="ctr">
+                      <a:solidFill>
+                        <a:srgbClr val="000000"/>
+                      </a:solidFill>
+                      <a:prstDash val="solid"/>
+                      <a:round/>
+                      <a:headEnd type="none" w="med" len="med"/>
+                      <a:tailEnd type="none" w="med" len="med"/>
+                    </a:lnT>
+                    <a:lnB w="12700" cap="flat" cmpd="sng" algn="ctr">
+                      <a:solidFill>
+                        <a:srgbClr val="000000"/>
+                      </a:solidFill>
+                      <a:prstDash val="solid"/>
+                      <a:round/>
+                      <a:headEnd type="none" w="med" len="med"/>
+                      <a:tailEnd type="none" w="med" len="med"/>
+                    </a:lnB>
+                  </a:tcPr>
+                </a:tc>
+                <a:tc>
+                  <a:txBody>
+                    <a:bodyPr/>
+                    <a:lstStyle/>
+                    <a:p>
+                      <a:pPr marL="0" marR="0" algn="ctr">
+                        <a:lnSpc>
+                          <a:spcPct val="115000"/>
+                        </a:lnSpc>
+                        <a:spcBef>
+                          <a:spcPts val="0"/>
+                        </a:spcBef>
+                        <a:spcAft>
+                          <a:spcPts val="0"/>
+                        </a:spcAft>
+                      </a:pPr>
+                      <a:r>
+                        <a:rPr lang="en-US" sz="1800" b="1" dirty="0">
+                          <a:solidFill>
+                            <a:srgbClr val="00B050"/>
+                          </a:solidFill>
+                          <a:latin typeface="Calibri"/>
+                          <a:ea typeface="Calibri"/>
+                          <a:cs typeface="Times New Roman"/>
+                        </a:rPr>
+                        <a:t>Word</a:t>
+                      </a:r>
+                      <a:endParaRPr lang="en-US" sz="1100" dirty="0">
+                        <a:latin typeface="Calibri"/>
+                        <a:ea typeface="Calibri"/>
+                        <a:cs typeface="Times New Roman"/>
+                      </a:endParaRPr>
+                    </a:p>
+                  </a:txBody>
+                  <a:tcPr marL="68580" marR="68580" marT="0" marB="0">
+                    <a:lnL w="12700" cap="flat" cmpd="sng" algn="ctr">
+                      <a:solidFill>
+                        <a:srgbClr val="000000"/>
+                      </a:solidFill>
+                      <a:prstDash val="solid"/>
+                      <a:round/>
+                      <a:headEnd type="none" w="med" len="med"/>
+                      <a:tailEnd type="none" w="med" len="med"/>
+                    </a:lnL>
+                    <a:lnR w="12700" cap="flat" cmpd="sng" algn="ctr">
+                      <a:solidFill>
+                        <a:srgbClr val="000000"/>
+                      </a:solidFill>
+                      <a:prstDash val="solid"/>
+                      <a:round/>
+                      <a:headEnd type="none" w="med" len="med"/>
+                      <a:tailEnd type="none" w="med" len="med"/>
+                    </a:lnR>
+                    <a:lnT w="12700" cap="flat" cmpd="sng" algn="ctr">
+                      <a:solidFill>
+                        <a:srgbClr val="000000"/>
+                      </a:solidFill>
+                      <a:prstDash val="solid"/>
+                      <a:round/>
+                      <a:headEnd type="none" w="med" len="med"/>
+                      <a:tailEnd type="none" w="med" len="med"/>
+                    </a:lnT>
+                    <a:lnB w="12700" cap="flat" cmpd="sng" algn="ctr">
+                      <a:solidFill>
+                        <a:srgbClr val="000000"/>
+                      </a:solidFill>
+                      <a:prstDash val="solid"/>
+                      <a:round/>
+                      <a:headEnd type="none" w="med" len="med"/>
+                      <a:tailEnd type="none" w="med" len="med"/>
+                    </a:lnB>
+                  </a:tcPr>
+                </a:tc>
+              </a:tr>
+              <a:tr h="301198">
+                <a:tc>
+                  <a:txBody>
+                    <a:bodyPr/>
+                    <a:lstStyle/>
+                    <a:p>
+                      <a:pPr marL="0" marR="0">
+                        <a:lnSpc>
+                          <a:spcPct val="115000"/>
+                        </a:lnSpc>
+                        <a:spcBef>
+                          <a:spcPts val="0"/>
+                        </a:spcBef>
+                        <a:spcAft>
+                          <a:spcPts val="0"/>
+                        </a:spcAft>
+                      </a:pPr>
+                      <a:r>
+                        <a:rPr lang="en-US" sz="1800" dirty="0">
+                          <a:latin typeface="Calibri"/>
+                          <a:ea typeface="Calibri"/>
+                          <a:cs typeface="Times New Roman"/>
+                        </a:rPr>
+                        <a:t>THING</a:t>
+                      </a:r>
+                    </a:p>
+                  </a:txBody>
+                  <a:tcPr marL="68580" marR="68580" marT="0" marB="0">
+                    <a:lnL w="12700" cap="flat" cmpd="sng" algn="ctr">
+                      <a:solidFill>
+                        <a:srgbClr val="000000"/>
+                      </a:solidFill>
+                      <a:prstDash val="solid"/>
+                      <a:round/>
+                      <a:headEnd type="none" w="med" len="med"/>
+                      <a:tailEnd type="none" w="med" len="med"/>
+                    </a:lnL>
+                    <a:lnR w="12700" cap="flat" cmpd="sng" algn="ctr">
+                      <a:solidFill>
+                        <a:srgbClr val="000000"/>
+                      </a:solidFill>
+                      <a:prstDash val="solid"/>
+                      <a:round/>
+                      <a:headEnd type="none" w="med" len="med"/>
+                      <a:tailEnd type="none" w="med" len="med"/>
+                    </a:lnR>
+                    <a:lnT w="12700" cap="flat" cmpd="sng" algn="ctr">
+                      <a:solidFill>
+                        <a:srgbClr val="000000"/>
+                      </a:solidFill>
+                      <a:prstDash val="solid"/>
+                      <a:round/>
+                      <a:headEnd type="none" w="med" len="med"/>
+                      <a:tailEnd type="none" w="med" len="med"/>
+                    </a:lnT>
+                    <a:lnB w="12700" cap="flat" cmpd="sng" algn="ctr">
+                      <a:solidFill>
+                        <a:srgbClr val="000000"/>
+                      </a:solidFill>
+                      <a:prstDash val="solid"/>
+                      <a:round/>
+                      <a:headEnd type="none" w="med" len="med"/>
+                      <a:tailEnd type="none" w="med" len="med"/>
+                    </a:lnB>
+                  </a:tcPr>
+                </a:tc>
+                <a:tc>
+                  <a:txBody>
+                    <a:bodyPr/>
+                    <a:lstStyle/>
+                    <a:p>
+                      <a:pPr marL="0" marR="0">
+                        <a:lnSpc>
+                          <a:spcPct val="115000"/>
+                        </a:lnSpc>
+                        <a:spcBef>
+                          <a:spcPts val="0"/>
+                        </a:spcBef>
+                        <a:spcAft>
+                          <a:spcPts val="0"/>
+                        </a:spcAft>
+                      </a:pPr>
+                      <a:r>
+                        <a:rPr lang="en-US" sz="1800">
+                          <a:latin typeface="Calibri"/>
+                          <a:ea typeface="Calibri"/>
+                          <a:cs typeface="Times New Roman"/>
+                        </a:rPr>
+                        <a:t>21</a:t>
+                      </a:r>
+                    </a:p>
+                  </a:txBody>
+                  <a:tcPr marL="68580" marR="68580" marT="0" marB="0">
+                    <a:lnL w="12700" cap="flat" cmpd="sng" algn="ctr">
+                      <a:solidFill>
+                        <a:srgbClr val="000000"/>
+                      </a:solidFill>
+                      <a:prstDash val="solid"/>
+                      <a:round/>
+                      <a:headEnd type="none" w="med" len="med"/>
+                      <a:tailEnd type="none" w="med" len="med"/>
+                    </a:lnL>
+                    <a:lnR w="12700" cap="flat" cmpd="sng" algn="ctr">
+                      <a:solidFill>
+                        <a:srgbClr val="000000"/>
+                      </a:solidFill>
+                      <a:prstDash val="solid"/>
+                      <a:round/>
+                      <a:headEnd type="none" w="med" len="med"/>
+                      <a:tailEnd type="none" w="med" len="med"/>
+                    </a:lnR>
+                    <a:lnT w="12700" cap="flat" cmpd="sng" algn="ctr">
+                      <a:solidFill>
+                        <a:srgbClr val="000000"/>
+                      </a:solidFill>
+                      <a:prstDash val="solid"/>
+                      <a:round/>
+                      <a:headEnd type="none" w="med" len="med"/>
+                      <a:tailEnd type="none" w="med" len="med"/>
+                    </a:lnT>
+                    <a:lnB w="12700" cap="flat" cmpd="sng" algn="ctr">
+                      <a:solidFill>
+                        <a:srgbClr val="000000"/>
+                      </a:solidFill>
+                      <a:prstDash val="solid"/>
+                      <a:round/>
+                      <a:headEnd type="none" w="med" len="med"/>
+                      <a:tailEnd type="none" w="med" len="med"/>
+                    </a:lnB>
+                  </a:tcPr>
+                </a:tc>
+                <a:tc>
+                  <a:txBody>
+                    <a:bodyPr/>
+                    <a:lstStyle/>
+                    <a:p>
+                      <a:pPr marL="0" marR="0">
+                        <a:lnSpc>
+                          <a:spcPct val="115000"/>
+                        </a:lnSpc>
+                        <a:spcBef>
+                          <a:spcPts val="0"/>
+                        </a:spcBef>
+                        <a:spcAft>
+                          <a:spcPts val="0"/>
+                        </a:spcAft>
+                      </a:pPr>
+                      <a:r>
+                        <a:rPr lang="en-US" sz="1800">
+                          <a:latin typeface="Calibri"/>
+                          <a:ea typeface="Calibri"/>
+                          <a:cs typeface="Times New Roman"/>
+                        </a:rPr>
+                        <a:t>referre</a:t>
+                      </a:r>
+                    </a:p>
+                  </a:txBody>
+                  <a:tcPr marL="68580" marR="68580" marT="0" marB="0">
+                    <a:lnL w="12700" cap="flat" cmpd="sng" algn="ctr">
+                      <a:solidFill>
+                        <a:srgbClr val="000000"/>
+                      </a:solidFill>
+                      <a:prstDash val="solid"/>
+                      <a:round/>
+                      <a:headEnd type="none" w="med" len="med"/>
+                      <a:tailEnd type="none" w="med" len="med"/>
+                    </a:lnL>
+                    <a:lnR w="12700" cap="flat" cmpd="sng" algn="ctr">
+                      <a:solidFill>
+                        <a:srgbClr val="000000"/>
+                      </a:solidFill>
+                      <a:prstDash val="solid"/>
+                      <a:round/>
+                      <a:headEnd type="none" w="med" len="med"/>
+                      <a:tailEnd type="none" w="med" len="med"/>
+                    </a:lnR>
+                    <a:lnT w="12700" cap="flat" cmpd="sng" algn="ctr">
+                      <a:solidFill>
+                        <a:srgbClr val="000000"/>
+                      </a:solidFill>
+                      <a:prstDash val="solid"/>
+                      <a:round/>
+                      <a:headEnd type="none" w="med" len="med"/>
+                      <a:tailEnd type="none" w="med" len="med"/>
+                    </a:lnT>
+                    <a:lnB w="12700" cap="flat" cmpd="sng" algn="ctr">
+                      <a:solidFill>
+                        <a:srgbClr val="000000"/>
+                      </a:solidFill>
+                      <a:prstDash val="solid"/>
+                      <a:round/>
+                      <a:headEnd type="none" w="med" len="med"/>
+                      <a:tailEnd type="none" w="med" len="med"/>
+                    </a:lnB>
+                  </a:tcPr>
+                </a:tc>
+              </a:tr>
+              <a:tr h="283539">
+                <a:tc>
+                  <a:txBody>
+                    <a:bodyPr/>
+                    <a:lstStyle/>
+                    <a:p>
+                      <a:pPr marL="0" marR="0">
+                        <a:lnSpc>
+                          <a:spcPct val="115000"/>
+                        </a:lnSpc>
+                        <a:spcBef>
+                          <a:spcPts val="0"/>
+                        </a:spcBef>
+                        <a:spcAft>
+                          <a:spcPts val="0"/>
+                        </a:spcAft>
+                      </a:pPr>
+                      <a:r>
+                        <a:rPr lang="en-US" sz="1800">
+                          <a:latin typeface="Calibri"/>
+                          <a:ea typeface="Calibri"/>
+                          <a:cs typeface="Times New Roman"/>
+                        </a:rPr>
+                        <a:t>ADVERB</a:t>
+                      </a:r>
+                    </a:p>
+                  </a:txBody>
+                  <a:tcPr marL="68580" marR="68580" marT="0" marB="0">
+                    <a:lnL w="12700" cap="flat" cmpd="sng" algn="ctr">
+                      <a:solidFill>
+                        <a:srgbClr val="000000"/>
+                      </a:solidFill>
+                      <a:prstDash val="solid"/>
+                      <a:round/>
+                      <a:headEnd type="none" w="med" len="med"/>
+                      <a:tailEnd type="none" w="med" len="med"/>
+                    </a:lnL>
+                    <a:lnR w="12700" cap="flat" cmpd="sng" algn="ctr">
+                      <a:solidFill>
+                        <a:srgbClr val="000000"/>
+                      </a:solidFill>
+                      <a:prstDash val="solid"/>
+                      <a:round/>
+                      <a:headEnd type="none" w="med" len="med"/>
+                      <a:tailEnd type="none" w="med" len="med"/>
+                    </a:lnR>
+                    <a:lnT w="12700" cap="flat" cmpd="sng" algn="ctr">
+                      <a:solidFill>
+                        <a:srgbClr val="000000"/>
+                      </a:solidFill>
+                      <a:prstDash val="solid"/>
+                      <a:round/>
+                      <a:headEnd type="none" w="med" len="med"/>
+                      <a:tailEnd type="none" w="med" len="med"/>
+                    </a:lnT>
+                    <a:lnB w="12700" cap="flat" cmpd="sng" algn="ctr">
+                      <a:solidFill>
+                        <a:srgbClr val="000000"/>
+                      </a:solidFill>
+                      <a:prstDash val="solid"/>
+                      <a:round/>
+                      <a:headEnd type="none" w="med" len="med"/>
+                      <a:tailEnd type="none" w="med" len="med"/>
+                    </a:lnB>
+                  </a:tcPr>
+                </a:tc>
+                <a:tc>
+                  <a:txBody>
+                    <a:bodyPr/>
+                    <a:lstStyle/>
+                    <a:p>
+                      <a:pPr marL="0" marR="0">
+                        <a:lnSpc>
+                          <a:spcPct val="115000"/>
+                        </a:lnSpc>
+                        <a:spcBef>
+                          <a:spcPts val="0"/>
+                        </a:spcBef>
+                        <a:spcAft>
+                          <a:spcPts val="0"/>
+                        </a:spcAft>
+                      </a:pPr>
+                      <a:r>
+                        <a:rPr lang="en-US" sz="1800">
+                          <a:latin typeface="Calibri"/>
+                          <a:ea typeface="Calibri"/>
+                          <a:cs typeface="Times New Roman"/>
+                        </a:rPr>
+                        <a:t>31</a:t>
+                      </a:r>
+                    </a:p>
+                  </a:txBody>
+                  <a:tcPr marL="68580" marR="68580" marT="0" marB="0">
+                    <a:lnL w="12700" cap="flat" cmpd="sng" algn="ctr">
+                      <a:solidFill>
+                        <a:srgbClr val="000000"/>
+                      </a:solidFill>
+                      <a:prstDash val="solid"/>
+                      <a:round/>
+                      <a:headEnd type="none" w="med" len="med"/>
+                      <a:tailEnd type="none" w="med" len="med"/>
+                    </a:lnL>
+                    <a:lnR w="12700" cap="flat" cmpd="sng" algn="ctr">
+                      <a:solidFill>
+                        <a:srgbClr val="000000"/>
+                      </a:solidFill>
+                      <a:prstDash val="solid"/>
+                      <a:round/>
+                      <a:headEnd type="none" w="med" len="med"/>
+                      <a:tailEnd type="none" w="med" len="med"/>
+                    </a:lnR>
+                    <a:lnT w="12700" cap="flat" cmpd="sng" algn="ctr">
+                      <a:solidFill>
+                        <a:srgbClr val="000000"/>
+                      </a:solidFill>
+                      <a:prstDash val="solid"/>
+                      <a:round/>
+                      <a:headEnd type="none" w="med" len="med"/>
+                      <a:tailEnd type="none" w="med" len="med"/>
+                    </a:lnT>
+                    <a:lnB w="12700" cap="flat" cmpd="sng" algn="ctr">
+                      <a:solidFill>
+                        <a:srgbClr val="000000"/>
+                      </a:solidFill>
+                      <a:prstDash val="solid"/>
+                      <a:round/>
+                      <a:headEnd type="none" w="med" len="med"/>
+                      <a:tailEnd type="none" w="med" len="med"/>
+                    </a:lnB>
+                  </a:tcPr>
+                </a:tc>
+                <a:tc>
+                  <a:txBody>
+                    <a:bodyPr/>
+                    <a:lstStyle/>
+                    <a:p>
+                      <a:pPr marL="0" marR="0">
+                        <a:lnSpc>
+                          <a:spcPct val="115000"/>
+                        </a:lnSpc>
+                        <a:spcBef>
+                          <a:spcPts val="0"/>
+                        </a:spcBef>
+                        <a:spcAft>
+                          <a:spcPts val="0"/>
+                        </a:spcAft>
+                      </a:pPr>
+                      <a:r>
+                        <a:rPr lang="en-US" sz="1800">
+                          <a:latin typeface="Calibri"/>
+                          <a:ea typeface="Calibri"/>
+                          <a:cs typeface="Times New Roman"/>
+                        </a:rPr>
+                        <a:t>wrongly</a:t>
+                      </a:r>
+                    </a:p>
+                  </a:txBody>
+                  <a:tcPr marL="68580" marR="68580" marT="0" marB="0">
+                    <a:lnL w="12700" cap="flat" cmpd="sng" algn="ctr">
+                      <a:solidFill>
+                        <a:srgbClr val="000000"/>
+                      </a:solidFill>
+                      <a:prstDash val="solid"/>
+                      <a:round/>
+                      <a:headEnd type="none" w="med" len="med"/>
+                      <a:tailEnd type="none" w="med" len="med"/>
+                    </a:lnL>
+                    <a:lnR w="12700" cap="flat" cmpd="sng" algn="ctr">
+                      <a:solidFill>
+                        <a:srgbClr val="000000"/>
+                      </a:solidFill>
+                      <a:prstDash val="solid"/>
+                      <a:round/>
+                      <a:headEnd type="none" w="med" len="med"/>
+                      <a:tailEnd type="none" w="med" len="med"/>
+                    </a:lnR>
+                    <a:lnT w="12700" cap="flat" cmpd="sng" algn="ctr">
+                      <a:solidFill>
+                        <a:srgbClr val="000000"/>
+                      </a:solidFill>
+                      <a:prstDash val="solid"/>
+                      <a:round/>
+                      <a:headEnd type="none" w="med" len="med"/>
+                      <a:tailEnd type="none" w="med" len="med"/>
+                    </a:lnT>
+                    <a:lnB w="12700" cap="flat" cmpd="sng" algn="ctr">
+                      <a:solidFill>
+                        <a:srgbClr val="000000"/>
+                      </a:solidFill>
+                      <a:prstDash val="solid"/>
+                      <a:round/>
+                      <a:headEnd type="none" w="med" len="med"/>
+                      <a:tailEnd type="none" w="med" len="med"/>
+                    </a:lnB>
+                  </a:tcPr>
+                </a:tc>
+              </a:tr>
+              <a:tr h="301198">
+                <a:tc>
+                  <a:txBody>
+                    <a:bodyPr/>
+                    <a:lstStyle/>
+                    <a:p>
+                      <a:pPr marL="0" marR="0">
+                        <a:lnSpc>
+                          <a:spcPct val="115000"/>
+                        </a:lnSpc>
+                        <a:spcBef>
+                          <a:spcPts val="0"/>
+                        </a:spcBef>
+                        <a:spcAft>
+                          <a:spcPts val="0"/>
+                        </a:spcAft>
+                      </a:pPr>
+                      <a:r>
+                        <a:rPr lang="en-US" sz="1800">
+                          <a:latin typeface="Calibri"/>
+                          <a:ea typeface="Calibri"/>
+                          <a:cs typeface="Times New Roman"/>
+                        </a:rPr>
+                        <a:t>VERB</a:t>
+                      </a:r>
+                    </a:p>
+                  </a:txBody>
+                  <a:tcPr marL="68580" marR="68580" marT="0" marB="0">
+                    <a:lnL w="12700" cap="flat" cmpd="sng" algn="ctr">
+                      <a:solidFill>
+                        <a:srgbClr val="000000"/>
+                      </a:solidFill>
+                      <a:prstDash val="solid"/>
+                      <a:round/>
+                      <a:headEnd type="none" w="med" len="med"/>
+                      <a:tailEnd type="none" w="med" len="med"/>
+                    </a:lnL>
+                    <a:lnR w="12700" cap="flat" cmpd="sng" algn="ctr">
+                      <a:solidFill>
+                        <a:srgbClr val="000000"/>
+                      </a:solidFill>
+                      <a:prstDash val="solid"/>
+                      <a:round/>
+                      <a:headEnd type="none" w="med" len="med"/>
+                      <a:tailEnd type="none" w="med" len="med"/>
+                    </a:lnR>
+                    <a:lnT w="12700" cap="flat" cmpd="sng" algn="ctr">
+                      <a:solidFill>
+                        <a:srgbClr val="000000"/>
+                      </a:solidFill>
+                      <a:prstDash val="solid"/>
+                      <a:round/>
+                      <a:headEnd type="none" w="med" len="med"/>
+                      <a:tailEnd type="none" w="med" len="med"/>
+                    </a:lnT>
+                    <a:lnB w="12700" cap="flat" cmpd="sng" algn="ctr">
+                      <a:solidFill>
+                        <a:srgbClr val="000000"/>
+                      </a:solidFill>
+                      <a:prstDash val="solid"/>
+                      <a:round/>
+                      <a:headEnd type="none" w="med" len="med"/>
+                      <a:tailEnd type="none" w="med" len="med"/>
+                    </a:lnB>
+                  </a:tcPr>
+                </a:tc>
+                <a:tc>
+                  <a:txBody>
+                    <a:bodyPr/>
+                    <a:lstStyle/>
+                    <a:p>
+                      <a:pPr marL="0" marR="0">
+                        <a:lnSpc>
+                          <a:spcPct val="115000"/>
+                        </a:lnSpc>
+                        <a:spcBef>
+                          <a:spcPts val="0"/>
+                        </a:spcBef>
+                        <a:spcAft>
+                          <a:spcPts val="0"/>
+                        </a:spcAft>
+                      </a:pPr>
+                      <a:r>
+                        <a:rPr lang="en-US" sz="1800">
+                          <a:latin typeface="Calibri"/>
+                          <a:ea typeface="Calibri"/>
+                          <a:cs typeface="Times New Roman"/>
+                        </a:rPr>
+                        <a:t>30</a:t>
+                      </a:r>
+                    </a:p>
+                  </a:txBody>
+                  <a:tcPr marL="68580" marR="68580" marT="0" marB="0">
+                    <a:lnL w="12700" cap="flat" cmpd="sng" algn="ctr">
+                      <a:solidFill>
+                        <a:srgbClr val="000000"/>
+                      </a:solidFill>
+                      <a:prstDash val="solid"/>
+                      <a:round/>
+                      <a:headEnd type="none" w="med" len="med"/>
+                      <a:tailEnd type="none" w="med" len="med"/>
+                    </a:lnL>
+                    <a:lnR w="12700" cap="flat" cmpd="sng" algn="ctr">
+                      <a:solidFill>
+                        <a:srgbClr val="000000"/>
+                      </a:solidFill>
+                      <a:prstDash val="solid"/>
+                      <a:round/>
+                      <a:headEnd type="none" w="med" len="med"/>
+                      <a:tailEnd type="none" w="med" len="med"/>
+                    </a:lnR>
+                    <a:lnT w="12700" cap="flat" cmpd="sng" algn="ctr">
+                      <a:solidFill>
+                        <a:srgbClr val="000000"/>
+                      </a:solidFill>
+                      <a:prstDash val="solid"/>
+                      <a:round/>
+                      <a:headEnd type="none" w="med" len="med"/>
+                      <a:tailEnd type="none" w="med" len="med"/>
+                    </a:lnT>
+                    <a:lnB w="12700" cap="flat" cmpd="sng" algn="ctr">
+                      <a:solidFill>
+                        <a:srgbClr val="000000"/>
+                      </a:solidFill>
+                      <a:prstDash val="solid"/>
+                      <a:round/>
+                      <a:headEnd type="none" w="med" len="med"/>
+                      <a:tailEnd type="none" w="med" len="med"/>
+                    </a:lnB>
+                  </a:tcPr>
+                </a:tc>
+                <a:tc>
+                  <a:txBody>
+                    <a:bodyPr/>
+                    <a:lstStyle/>
+                    <a:p>
+                      <a:pPr marL="0" marR="0">
+                        <a:lnSpc>
+                          <a:spcPct val="115000"/>
+                        </a:lnSpc>
+                        <a:spcBef>
+                          <a:spcPts val="0"/>
+                        </a:spcBef>
+                        <a:spcAft>
+                          <a:spcPts val="0"/>
+                        </a:spcAft>
+                      </a:pPr>
+                      <a:r>
+                        <a:rPr lang="en-US" sz="1800">
+                          <a:latin typeface="Calibri"/>
+                          <a:ea typeface="Calibri"/>
+                          <a:cs typeface="Times New Roman"/>
+                        </a:rPr>
+                        <a:t>decide</a:t>
+                      </a:r>
+                    </a:p>
+                  </a:txBody>
+                  <a:tcPr marL="68580" marR="68580" marT="0" marB="0">
+                    <a:lnL w="12700" cap="flat" cmpd="sng" algn="ctr">
+                      <a:solidFill>
+                        <a:srgbClr val="000000"/>
+                      </a:solidFill>
+                      <a:prstDash val="solid"/>
+                      <a:round/>
+                      <a:headEnd type="none" w="med" len="med"/>
+                      <a:tailEnd type="none" w="med" len="med"/>
+                    </a:lnL>
+                    <a:lnR w="12700" cap="flat" cmpd="sng" algn="ctr">
+                      <a:solidFill>
+                        <a:srgbClr val="000000"/>
+                      </a:solidFill>
+                      <a:prstDash val="solid"/>
+                      <a:round/>
+                      <a:headEnd type="none" w="med" len="med"/>
+                      <a:tailEnd type="none" w="med" len="med"/>
+                    </a:lnR>
+                    <a:lnT w="12700" cap="flat" cmpd="sng" algn="ctr">
+                      <a:solidFill>
+                        <a:srgbClr val="000000"/>
+                      </a:solidFill>
+                      <a:prstDash val="solid"/>
+                      <a:round/>
+                      <a:headEnd type="none" w="med" len="med"/>
+                      <a:tailEnd type="none" w="med" len="med"/>
+                    </a:lnT>
+                    <a:lnB w="12700" cap="flat" cmpd="sng" algn="ctr">
+                      <a:solidFill>
+                        <a:srgbClr val="000000"/>
+                      </a:solidFill>
+                      <a:prstDash val="solid"/>
+                      <a:round/>
+                      <a:headEnd type="none" w="med" len="med"/>
+                      <a:tailEnd type="none" w="med" len="med"/>
+                    </a:lnB>
+                  </a:tcPr>
+                </a:tc>
+              </a:tr>
+              <a:tr h="301198">
+                <a:tc>
+                  <a:txBody>
+                    <a:bodyPr/>
+                    <a:lstStyle/>
+                    <a:p>
+                      <a:pPr marL="0" marR="0">
+                        <a:lnSpc>
+                          <a:spcPct val="115000"/>
+                        </a:lnSpc>
+                        <a:spcBef>
+                          <a:spcPts val="0"/>
+                        </a:spcBef>
+                        <a:spcAft>
+                          <a:spcPts val="0"/>
+                        </a:spcAft>
+                      </a:pPr>
+                      <a:r>
+                        <a:rPr lang="en-US" sz="1800">
+                          <a:latin typeface="Calibri"/>
+                          <a:ea typeface="Calibri"/>
+                          <a:cs typeface="Times New Roman"/>
+                        </a:rPr>
+                        <a:t>ADJECTIVE</a:t>
+                      </a:r>
+                    </a:p>
+                  </a:txBody>
+                  <a:tcPr marL="68580" marR="68580" marT="0" marB="0">
+                    <a:lnL w="12700" cap="flat" cmpd="sng" algn="ctr">
+                      <a:solidFill>
+                        <a:srgbClr val="000000"/>
+                      </a:solidFill>
+                      <a:prstDash val="solid"/>
+                      <a:round/>
+                      <a:headEnd type="none" w="med" len="med"/>
+                      <a:tailEnd type="none" w="med" len="med"/>
+                    </a:lnL>
+                    <a:lnR w="12700" cap="flat" cmpd="sng" algn="ctr">
+                      <a:solidFill>
+                        <a:srgbClr val="000000"/>
+                      </a:solidFill>
+                      <a:prstDash val="solid"/>
+                      <a:round/>
+                      <a:headEnd type="none" w="med" len="med"/>
+                      <a:tailEnd type="none" w="med" len="med"/>
+                    </a:lnR>
+                    <a:lnT w="12700" cap="flat" cmpd="sng" algn="ctr">
+                      <a:solidFill>
+                        <a:srgbClr val="000000"/>
+                      </a:solidFill>
+                      <a:prstDash val="solid"/>
+                      <a:round/>
+                      <a:headEnd type="none" w="med" len="med"/>
+                      <a:tailEnd type="none" w="med" len="med"/>
+                    </a:lnT>
+                    <a:lnB w="12700" cap="flat" cmpd="sng" algn="ctr">
+                      <a:solidFill>
+                        <a:srgbClr val="000000"/>
+                      </a:solidFill>
+                      <a:prstDash val="solid"/>
+                      <a:round/>
+                      <a:headEnd type="none" w="med" len="med"/>
+                      <a:tailEnd type="none" w="med" len="med"/>
+                    </a:lnB>
+                  </a:tcPr>
+                </a:tc>
+                <a:tc>
+                  <a:txBody>
+                    <a:bodyPr/>
+                    <a:lstStyle/>
+                    <a:p>
+                      <a:pPr marL="0" marR="0">
+                        <a:lnSpc>
+                          <a:spcPct val="115000"/>
+                        </a:lnSpc>
+                        <a:spcBef>
+                          <a:spcPts val="0"/>
+                        </a:spcBef>
+                        <a:spcAft>
+                          <a:spcPts val="0"/>
+                        </a:spcAft>
+                      </a:pPr>
+                      <a:r>
+                        <a:rPr lang="en-US" sz="1800">
+                          <a:latin typeface="Calibri"/>
+                          <a:ea typeface="Calibri"/>
+                          <a:cs typeface="Times New Roman"/>
+                        </a:rPr>
+                        <a:t>18</a:t>
+                      </a:r>
+                    </a:p>
+                  </a:txBody>
+                  <a:tcPr marL="68580" marR="68580" marT="0" marB="0">
+                    <a:lnL w="12700" cap="flat" cmpd="sng" algn="ctr">
+                      <a:solidFill>
+                        <a:srgbClr val="000000"/>
+                      </a:solidFill>
+                      <a:prstDash val="solid"/>
+                      <a:round/>
+                      <a:headEnd type="none" w="med" len="med"/>
+                      <a:tailEnd type="none" w="med" len="med"/>
+                    </a:lnL>
+                    <a:lnR w="12700" cap="flat" cmpd="sng" algn="ctr">
+                      <a:solidFill>
+                        <a:srgbClr val="000000"/>
+                      </a:solidFill>
+                      <a:prstDash val="solid"/>
+                      <a:round/>
+                      <a:headEnd type="none" w="med" len="med"/>
+                      <a:tailEnd type="none" w="med" len="med"/>
+                    </a:lnR>
+                    <a:lnT w="12700" cap="flat" cmpd="sng" algn="ctr">
+                      <a:solidFill>
+                        <a:srgbClr val="000000"/>
+                      </a:solidFill>
+                      <a:prstDash val="solid"/>
+                      <a:round/>
+                      <a:headEnd type="none" w="med" len="med"/>
+                      <a:tailEnd type="none" w="med" len="med"/>
+                    </a:lnT>
+                    <a:lnB w="12700" cap="flat" cmpd="sng" algn="ctr">
+                      <a:solidFill>
+                        <a:srgbClr val="000000"/>
+                      </a:solidFill>
+                      <a:prstDash val="solid"/>
+                      <a:round/>
+                      <a:headEnd type="none" w="med" len="med"/>
+                      <a:tailEnd type="none" w="med" len="med"/>
+                    </a:lnB>
+                  </a:tcPr>
+                </a:tc>
+                <a:tc>
+                  <a:txBody>
+                    <a:bodyPr/>
+                    <a:lstStyle/>
+                    <a:p>
+                      <a:pPr marL="0" marR="0">
+                        <a:lnSpc>
+                          <a:spcPct val="115000"/>
+                        </a:lnSpc>
+                        <a:spcBef>
+                          <a:spcPts val="0"/>
+                        </a:spcBef>
+                        <a:spcAft>
+                          <a:spcPts val="0"/>
+                        </a:spcAft>
+                      </a:pPr>
+                      <a:r>
+                        <a:rPr lang="en-US" sz="1800" dirty="0" smtClean="0">
+                          <a:latin typeface="Calibri"/>
+                          <a:ea typeface="Calibri"/>
+                          <a:cs typeface="Times New Roman"/>
+                        </a:rPr>
+                        <a:t>mad</a:t>
+                      </a:r>
+                      <a:endParaRPr lang="en-US" sz="1800" dirty="0">
+                        <a:latin typeface="Calibri"/>
+                        <a:ea typeface="Calibri"/>
+                        <a:cs typeface="Times New Roman"/>
+                      </a:endParaRPr>
+                    </a:p>
+                  </a:txBody>
+                  <a:tcPr marL="68580" marR="68580" marT="0" marB="0">
+                    <a:lnL w="12700" cap="flat" cmpd="sng" algn="ctr">
+                      <a:solidFill>
+                        <a:srgbClr val="000000"/>
+                      </a:solidFill>
+                      <a:prstDash val="solid"/>
+                      <a:round/>
+                      <a:headEnd type="none" w="med" len="med"/>
+                      <a:tailEnd type="none" w="med" len="med"/>
+                    </a:lnL>
+                    <a:lnR w="12700" cap="flat" cmpd="sng" algn="ctr">
+                      <a:solidFill>
+                        <a:srgbClr val="000000"/>
+                      </a:solidFill>
+                      <a:prstDash val="solid"/>
+                      <a:round/>
+                      <a:headEnd type="none" w="med" len="med"/>
+                      <a:tailEnd type="none" w="med" len="med"/>
+                    </a:lnR>
+                    <a:lnT w="12700" cap="flat" cmpd="sng" algn="ctr">
+                      <a:solidFill>
+                        <a:srgbClr val="000000"/>
+                      </a:solidFill>
+                      <a:prstDash val="solid"/>
+                      <a:round/>
+                      <a:headEnd type="none" w="med" len="med"/>
+                      <a:tailEnd type="none" w="med" len="med"/>
+                    </a:lnT>
+                    <a:lnB w="12700" cap="flat" cmpd="sng" algn="ctr">
+                      <a:solidFill>
+                        <a:srgbClr val="000000"/>
+                      </a:solidFill>
+                      <a:prstDash val="solid"/>
+                      <a:round/>
+                      <a:headEnd type="none" w="med" len="med"/>
+                      <a:tailEnd type="none" w="med" len="med"/>
+                    </a:lnB>
+                  </a:tcPr>
+                </a:tc>
+              </a:tr>
+              <a:tr h="301198">
+                <a:tc>
+                  <a:txBody>
+                    <a:bodyPr/>
+                    <a:lstStyle/>
+                    <a:p>
+                      <a:pPr marL="0" marR="0">
+                        <a:lnSpc>
+                          <a:spcPct val="115000"/>
+                        </a:lnSpc>
+                        <a:spcBef>
+                          <a:spcPts val="0"/>
+                        </a:spcBef>
+                        <a:spcAft>
+                          <a:spcPts val="0"/>
+                        </a:spcAft>
+                      </a:pPr>
+                      <a:r>
+                        <a:rPr lang="en-US" sz="1800">
+                          <a:latin typeface="Calibri"/>
+                          <a:ea typeface="Calibri"/>
+                          <a:cs typeface="Times New Roman"/>
+                        </a:rPr>
+                        <a:t>PLACE</a:t>
+                      </a:r>
+                    </a:p>
+                  </a:txBody>
+                  <a:tcPr marL="68580" marR="68580" marT="0" marB="0">
+                    <a:lnL w="12700" cap="flat" cmpd="sng" algn="ctr">
+                      <a:solidFill>
+                        <a:srgbClr val="000000"/>
+                      </a:solidFill>
+                      <a:prstDash val="solid"/>
+                      <a:round/>
+                      <a:headEnd type="none" w="med" len="med"/>
+                      <a:tailEnd type="none" w="med" len="med"/>
+                    </a:lnL>
+                    <a:lnR w="12700" cap="flat" cmpd="sng" algn="ctr">
+                      <a:solidFill>
+                        <a:srgbClr val="000000"/>
+                      </a:solidFill>
+                      <a:prstDash val="solid"/>
+                      <a:round/>
+                      <a:headEnd type="none" w="med" len="med"/>
+                      <a:tailEnd type="none" w="med" len="med"/>
+                    </a:lnR>
+                    <a:lnT w="12700" cap="flat" cmpd="sng" algn="ctr">
+                      <a:solidFill>
+                        <a:srgbClr val="000000"/>
+                      </a:solidFill>
+                      <a:prstDash val="solid"/>
+                      <a:round/>
+                      <a:headEnd type="none" w="med" len="med"/>
+                      <a:tailEnd type="none" w="med" len="med"/>
+                    </a:lnT>
+                    <a:lnB w="12700" cap="flat" cmpd="sng" algn="ctr">
+                      <a:solidFill>
+                        <a:srgbClr val="000000"/>
+                      </a:solidFill>
+                      <a:prstDash val="solid"/>
+                      <a:round/>
+                      <a:headEnd type="none" w="med" len="med"/>
+                      <a:tailEnd type="none" w="med" len="med"/>
+                    </a:lnB>
+                  </a:tcPr>
+                </a:tc>
+                <a:tc>
+                  <a:txBody>
+                    <a:bodyPr/>
+                    <a:lstStyle/>
+                    <a:p>
+                      <a:pPr marL="0" marR="0">
+                        <a:lnSpc>
+                          <a:spcPct val="115000"/>
+                        </a:lnSpc>
+                        <a:spcBef>
+                          <a:spcPts val="0"/>
+                        </a:spcBef>
+                        <a:spcAft>
+                          <a:spcPts val="0"/>
+                        </a:spcAft>
+                      </a:pPr>
+                      <a:r>
+                        <a:rPr lang="en-US" sz="1800">
+                          <a:latin typeface="Calibri"/>
+                          <a:ea typeface="Calibri"/>
+                          <a:cs typeface="Times New Roman"/>
+                        </a:rPr>
+                        <a:t>30</a:t>
+                      </a:r>
+                    </a:p>
+                  </a:txBody>
+                  <a:tcPr marL="68580" marR="68580" marT="0" marB="0">
+                    <a:lnL w="12700" cap="flat" cmpd="sng" algn="ctr">
+                      <a:solidFill>
+                        <a:srgbClr val="000000"/>
+                      </a:solidFill>
+                      <a:prstDash val="solid"/>
+                      <a:round/>
+                      <a:headEnd type="none" w="med" len="med"/>
+                      <a:tailEnd type="none" w="med" len="med"/>
+                    </a:lnL>
+                    <a:lnR w="12700" cap="flat" cmpd="sng" algn="ctr">
+                      <a:solidFill>
+                        <a:srgbClr val="000000"/>
+                      </a:solidFill>
+                      <a:prstDash val="solid"/>
+                      <a:round/>
+                      <a:headEnd type="none" w="med" len="med"/>
+                      <a:tailEnd type="none" w="med" len="med"/>
+                    </a:lnR>
+                    <a:lnT w="12700" cap="flat" cmpd="sng" algn="ctr">
+                      <a:solidFill>
+                        <a:srgbClr val="000000"/>
+                      </a:solidFill>
+                      <a:prstDash val="solid"/>
+                      <a:round/>
+                      <a:headEnd type="none" w="med" len="med"/>
+                      <a:tailEnd type="none" w="med" len="med"/>
+                    </a:lnT>
+                    <a:lnB w="12700" cap="flat" cmpd="sng" algn="ctr">
+                      <a:solidFill>
+                        <a:srgbClr val="000000"/>
+                      </a:solidFill>
+                      <a:prstDash val="solid"/>
+                      <a:round/>
+                      <a:headEnd type="none" w="med" len="med"/>
+                      <a:tailEnd type="none" w="med" len="med"/>
+                    </a:lnB>
+                  </a:tcPr>
+                </a:tc>
+                <a:tc>
+                  <a:txBody>
+                    <a:bodyPr/>
+                    <a:lstStyle/>
+                    <a:p>
+                      <a:pPr marL="0" marR="0">
+                        <a:lnSpc>
+                          <a:spcPct val="115000"/>
+                        </a:lnSpc>
+                        <a:spcBef>
+                          <a:spcPts val="0"/>
+                        </a:spcBef>
+                        <a:spcAft>
+                          <a:spcPts val="0"/>
+                        </a:spcAft>
+                      </a:pPr>
+                      <a:r>
+                        <a:rPr lang="en-US" sz="1800" dirty="0">
+                          <a:latin typeface="Calibri"/>
+                          <a:ea typeface="Calibri"/>
+                          <a:cs typeface="Times New Roman"/>
+                        </a:rPr>
+                        <a:t>stadium</a:t>
+                      </a:r>
+                    </a:p>
+                  </a:txBody>
+                  <a:tcPr marL="68580" marR="68580" marT="0" marB="0">
+                    <a:lnL w="12700" cap="flat" cmpd="sng" algn="ctr">
+                      <a:solidFill>
+                        <a:srgbClr val="000000"/>
+                      </a:solidFill>
+                      <a:prstDash val="solid"/>
+                      <a:round/>
+                      <a:headEnd type="none" w="med" len="med"/>
+                      <a:tailEnd type="none" w="med" len="med"/>
+                    </a:lnL>
+                    <a:lnR w="12700" cap="flat" cmpd="sng" algn="ctr">
+                      <a:solidFill>
+                        <a:srgbClr val="000000"/>
+                      </a:solidFill>
+                      <a:prstDash val="solid"/>
+                      <a:round/>
+                      <a:headEnd type="none" w="med" len="med"/>
+                      <a:tailEnd type="none" w="med" len="med"/>
+                    </a:lnR>
+                    <a:lnT w="12700" cap="flat" cmpd="sng" algn="ctr">
+                      <a:solidFill>
+                        <a:srgbClr val="000000"/>
+                      </a:solidFill>
+                      <a:prstDash val="solid"/>
+                      <a:round/>
+                      <a:headEnd type="none" w="med" len="med"/>
+                      <a:tailEnd type="none" w="med" len="med"/>
+                    </a:lnT>
+                    <a:lnB w="12700" cap="flat" cmpd="sng" algn="ctr">
+                      <a:solidFill>
+                        <a:srgbClr val="000000"/>
+                      </a:solidFill>
+                      <a:prstDash val="solid"/>
+                      <a:round/>
+                      <a:headEnd type="none" w="med" len="med"/>
+                      <a:tailEnd type="none" w="med" len="med"/>
+                    </a:lnB>
+                  </a:tcPr>
+                </a:tc>
+              </a:tr>
+            </a:tbl>
+          </a:graphicData>
+        </a:graphic>
+      </p:graphicFrame>
     </p:spTree>
     <p:custDataLst>
       <p:tags r:id="rId1"/>
@@ -13648,7 +18816,7 @@
             <a:fld id="{FC13EE21-0C48-4609-AAE4-AD74DD06381D}" type="datetime1">
               <a:rPr lang="en-US" smtClean="0"/>
               <a:pPr/>
-              <a:t>4/13/2011</a:t>
+              <a:t>4/14/2011</a:t>
             </a:fld>
             <a:endParaRPr lang="en-US" dirty="0"/>
           </a:p>
@@ -13868,7 +19036,15 @@
             </a:pPr>
             <a:r>
               <a:rPr lang="en-US" sz="2800" i="0" dirty="0" smtClean="0"/>
-              <a:t>is watermarked file ?</a:t>
+              <a:t>is it a </a:t>
+            </a:r>
+            <a:r>
+              <a:rPr lang="en-US" sz="2800" i="0" dirty="0" err="1" smtClean="0"/>
+              <a:t>stego</a:t>
+            </a:r>
+            <a:r>
+              <a:rPr lang="en-US" sz="2800" i="0" dirty="0" smtClean="0"/>
+              <a:t> file ?</a:t>
             </a:r>
             <a:endParaRPr lang="en-US" sz="2800" i="0" dirty="0"/>
           </a:p>
@@ -13895,7 +19071,7 @@
             <a:fld id="{FC13EE21-0C48-4609-AAE4-AD74DD06381D}" type="datetime1">
               <a:rPr lang="en-US" smtClean="0"/>
               <a:pPr/>
-              <a:t>4/13/2011</a:t>
+              <a:t>4/14/2011</a:t>
             </a:fld>
             <a:endParaRPr lang="en-US" dirty="0"/>
           </a:p>
@@ -14021,874 +19197,1114 @@
 
 <file path=ppt/tags/tag100.xml><?xml version="1.0" encoding="utf-8"?>
 <p:tagLst xmlns:a="http://schemas.openxmlformats.org/drawingml/2006/main" xmlns:r="http://schemas.openxmlformats.org/officeDocument/2006/relationships" xmlns:p="http://schemas.openxmlformats.org/presentationml/2006/main">
+  <p:tag name="DVSECTIONID" val="1zpScKYvw0xzOa3t1fGxFV"/>
+</p:tagLst>
+</file>
+
+<file path=ppt/tags/tag101.xml><?xml version="1.0" encoding="utf-8"?>
+<p:tagLst xmlns:a="http://schemas.openxmlformats.org/drawingml/2006/main" xmlns:r="http://schemas.openxmlformats.org/officeDocument/2006/relationships" xmlns:p="http://schemas.openxmlformats.org/presentationml/2006/main">
   <p:tag name="DVSHAPEID" val="64tcROZDWTv4CSH8d6ijNe"/>
 </p:tagLst>
 </file>
 
-<file path=ppt/tags/tag101.xml><?xml version="1.0" encoding="utf-8"?>
+<file path=ppt/tags/tag102.xml><?xml version="1.0" encoding="utf-8"?>
 <p:tagLst xmlns:a="http://schemas.openxmlformats.org/drawingml/2006/main" xmlns:r="http://schemas.openxmlformats.org/officeDocument/2006/relationships" xmlns:p="http://schemas.openxmlformats.org/presentationml/2006/main">
   <p:tag name="DVSHAPEID" val="cTR8UsJmOOtGEkl162B0ex"/>
 </p:tagLst>
 </file>
 
-<file path=ppt/tags/tag102.xml><?xml version="1.0" encoding="utf-8"?>
+<file path=ppt/tags/tag103.xml><?xml version="1.0" encoding="utf-8"?>
 <p:tagLst xmlns:a="http://schemas.openxmlformats.org/drawingml/2006/main" xmlns:r="http://schemas.openxmlformats.org/officeDocument/2006/relationships" xmlns:p="http://schemas.openxmlformats.org/presentationml/2006/main">
   <p:tag name="DVSHAPEID" val="pqIWWLJGTNKRRzlIUxTz4G"/>
 </p:tagLst>
 </file>
 
-<file path=ppt/tags/tag103.xml><?xml version="1.0" encoding="utf-8"?>
+<file path=ppt/tags/tag104.xml><?xml version="1.0" encoding="utf-8"?>
 <p:tagLst xmlns:a="http://schemas.openxmlformats.org/drawingml/2006/main" xmlns:r="http://schemas.openxmlformats.org/officeDocument/2006/relationships" xmlns:p="http://schemas.openxmlformats.org/presentationml/2006/main">
   <p:tag name="DVSHAPEID" val="BVemMcZfHN0FurqYvXD7VG"/>
 </p:tagLst>
 </file>
 
-<file path=ppt/tags/tag104.xml><?xml version="1.0" encoding="utf-8"?>
+<file path=ppt/tags/tag105.xml><?xml version="1.0" encoding="utf-8"?>
+<p:tagLst xmlns:a="http://schemas.openxmlformats.org/drawingml/2006/main" xmlns:r="http://schemas.openxmlformats.org/officeDocument/2006/relationships" xmlns:p="http://schemas.openxmlformats.org/presentationml/2006/main">
+  <p:tag name="DVSHAPEID" val="sZfZBT1fgWZDqy0lWtwzx5"/>
+</p:tagLst>
+</file>
+
+<file path=ppt/tags/tag106.xml><?xml version="1.0" encoding="utf-8"?>
 <p:tagLst xmlns:a="http://schemas.openxmlformats.org/drawingml/2006/main" xmlns:r="http://schemas.openxmlformats.org/officeDocument/2006/relationships" xmlns:p="http://schemas.openxmlformats.org/presentationml/2006/main">
   <p:tag name="DVSECTIONID" val="J6zUhpbipQ5VWl3cemONAf"/>
 </p:tagLst>
 </file>
 
-<file path=ppt/tags/tag105.xml><?xml version="1.0" encoding="utf-8"?>
+<file path=ppt/tags/tag107.xml><?xml version="1.0" encoding="utf-8"?>
 <p:tagLst xmlns:a="http://schemas.openxmlformats.org/drawingml/2006/main" xmlns:r="http://schemas.openxmlformats.org/officeDocument/2006/relationships" xmlns:p="http://schemas.openxmlformats.org/presentationml/2006/main">
   <p:tag name="DVSHAPEID" val="WNtLFn847EsIOMIAYwGE5X"/>
 </p:tagLst>
 </file>
 
-<file path=ppt/tags/tag106.xml><?xml version="1.0" encoding="utf-8"?>
+<file path=ppt/tags/tag108.xml><?xml version="1.0" encoding="utf-8"?>
 <p:tagLst xmlns:a="http://schemas.openxmlformats.org/drawingml/2006/main" xmlns:r="http://schemas.openxmlformats.org/officeDocument/2006/relationships" xmlns:p="http://schemas.openxmlformats.org/presentationml/2006/main">
   <p:tag name="DVSHAPEID" val="Rb5UiV1VWXLVYqT1xB6DGl"/>
 </p:tagLst>
 </file>
 
-<file path=ppt/tags/tag107.xml><?xml version="1.0" encoding="utf-8"?>
+<file path=ppt/tags/tag109.xml><?xml version="1.0" encoding="utf-8"?>
 <p:tagLst xmlns:a="http://schemas.openxmlformats.org/drawingml/2006/main" xmlns:r="http://schemas.openxmlformats.org/officeDocument/2006/relationships" xmlns:p="http://schemas.openxmlformats.org/presentationml/2006/main">
   <p:tag name="DVSHAPEID" val="dMCDgVY7qgAZVhFL5d3bIv"/>
 </p:tagLst>
 </file>
 
-<file path=ppt/tags/tag108.xml><?xml version="1.0" encoding="utf-8"?>
+<file path=ppt/tags/tag11.xml><?xml version="1.0" encoding="utf-8"?>
+<p:tagLst xmlns:a="http://schemas.openxmlformats.org/drawingml/2006/main" xmlns:r="http://schemas.openxmlformats.org/officeDocument/2006/relationships" xmlns:p="http://schemas.openxmlformats.org/presentationml/2006/main">
+  <p:tag name="DVSHAPEID" val="SiAmfeBps1PVv2WE97mgV1"/>
+</p:tagLst>
+</file>
+
+<file path=ppt/tags/tag110.xml><?xml version="1.0" encoding="utf-8"?>
 <p:tagLst xmlns:a="http://schemas.openxmlformats.org/drawingml/2006/main" xmlns:r="http://schemas.openxmlformats.org/officeDocument/2006/relationships" xmlns:p="http://schemas.openxmlformats.org/presentationml/2006/main">
   <p:tag name="DVSHAPEID" val="WTNhGXZ5yshvYjiEF5WOwv"/>
 </p:tagLst>
 </file>
 
-<file path=ppt/tags/tag109.xml><?xml version="1.0" encoding="utf-8"?>
+<file path=ppt/tags/tag111.xml><?xml version="1.0" encoding="utf-8"?>
 <p:tagLst xmlns:a="http://schemas.openxmlformats.org/drawingml/2006/main" xmlns:r="http://schemas.openxmlformats.org/officeDocument/2006/relationships" xmlns:p="http://schemas.openxmlformats.org/presentationml/2006/main">
   <p:tag name="DVSHAPEID" val="wahwcFbuwolWsUCCrE24ga"/>
 </p:tagLst>
 </file>
 
-<file path=ppt/tags/tag11.xml><?xml version="1.0" encoding="utf-8"?>
-<p:tagLst xmlns:a="http://schemas.openxmlformats.org/drawingml/2006/main" xmlns:r="http://schemas.openxmlformats.org/officeDocument/2006/relationships" xmlns:p="http://schemas.openxmlformats.org/presentationml/2006/main">
-  <p:tag name="DVSHAPEID" val="SiAmfeBps1PVv2WE97mgV1"/>
-</p:tagLst>
-</file>
-
-<file path=ppt/tags/tag110.xml><?xml version="1.0" encoding="utf-8"?>
+<file path=ppt/tags/tag112.xml><?xml version="1.0" encoding="utf-8"?>
 <p:tagLst xmlns:a="http://schemas.openxmlformats.org/drawingml/2006/main" xmlns:r="http://schemas.openxmlformats.org/officeDocument/2006/relationships" xmlns:p="http://schemas.openxmlformats.org/presentationml/2006/main">
   <p:tag name="DVSECTIONID" val="jJPSHjMBuTi6PiiisyjdBG"/>
 </p:tagLst>
 </file>
 
-<file path=ppt/tags/tag111.xml><?xml version="1.0" encoding="utf-8"?>
+<file path=ppt/tags/tag113.xml><?xml version="1.0" encoding="utf-8"?>
 <p:tagLst xmlns:a="http://schemas.openxmlformats.org/drawingml/2006/main" xmlns:r="http://schemas.openxmlformats.org/officeDocument/2006/relationships" xmlns:p="http://schemas.openxmlformats.org/presentationml/2006/main">
   <p:tag name="DVSHAPEID" val="kZvBlLwTzuDIQIPZe17lI8"/>
 </p:tagLst>
 </file>
 
-<file path=ppt/tags/tag112.xml><?xml version="1.0" encoding="utf-8"?>
+<file path=ppt/tags/tag114.xml><?xml version="1.0" encoding="utf-8"?>
 <p:tagLst xmlns:a="http://schemas.openxmlformats.org/drawingml/2006/main" xmlns:r="http://schemas.openxmlformats.org/officeDocument/2006/relationships" xmlns:p="http://schemas.openxmlformats.org/presentationml/2006/main">
   <p:tag name="DVSHAPEID" val="IpjmtqyXfTZqyOM5BdzFSM"/>
 </p:tagLst>
 </file>
 
-<file path=ppt/tags/tag113.xml><?xml version="1.0" encoding="utf-8"?>
+<file path=ppt/tags/tag115.xml><?xml version="1.0" encoding="utf-8"?>
 <p:tagLst xmlns:a="http://schemas.openxmlformats.org/drawingml/2006/main" xmlns:r="http://schemas.openxmlformats.org/officeDocument/2006/relationships" xmlns:p="http://schemas.openxmlformats.org/presentationml/2006/main">
   <p:tag name="DVSHAPEID" val="SfszPFQUGaNch5hYi5kCeJ"/>
 </p:tagLst>
 </file>
 
-<file path=ppt/tags/tag114.xml><?xml version="1.0" encoding="utf-8"?>
+<file path=ppt/tags/tag116.xml><?xml version="1.0" encoding="utf-8"?>
 <p:tagLst xmlns:a="http://schemas.openxmlformats.org/drawingml/2006/main" xmlns:r="http://schemas.openxmlformats.org/officeDocument/2006/relationships" xmlns:p="http://schemas.openxmlformats.org/presentationml/2006/main">
   <p:tag name="DVSHAPEID" val="Jp91c9qUM3fVw3TTBS7kcO"/>
 </p:tagLst>
 </file>
 
-<file path=ppt/tags/tag115.xml><?xml version="1.0" encoding="utf-8"?>
+<file path=ppt/tags/tag117.xml><?xml version="1.0" encoding="utf-8"?>
 <p:tagLst xmlns:a="http://schemas.openxmlformats.org/drawingml/2006/main" xmlns:r="http://schemas.openxmlformats.org/officeDocument/2006/relationships" xmlns:p="http://schemas.openxmlformats.org/presentationml/2006/main">
   <p:tag name="DVSHAPEID" val="z7x5gm9s4lhYDCBBcXLzcF"/>
 </p:tagLst>
 </file>
 
-<file path=ppt/tags/tag116.xml><?xml version="1.0" encoding="utf-8"?>
+<file path=ppt/tags/tag118.xml><?xml version="1.0" encoding="utf-8"?>
 <p:tagLst xmlns:a="http://schemas.openxmlformats.org/drawingml/2006/main" xmlns:r="http://schemas.openxmlformats.org/officeDocument/2006/relationships" xmlns:p="http://schemas.openxmlformats.org/presentationml/2006/main">
   <p:tag name="DVSHAPEID" val="U8R8UMbXKgnlB9Y6pOl3k0"/>
 </p:tagLst>
 </file>
 
-<file path=ppt/tags/tag117.xml><?xml version="1.0" encoding="utf-8"?>
+<file path=ppt/tags/tag119.xml><?xml version="1.0" encoding="utf-8"?>
 <p:tagLst xmlns:a="http://schemas.openxmlformats.org/drawingml/2006/main" xmlns:r="http://schemas.openxmlformats.org/officeDocument/2006/relationships" xmlns:p="http://schemas.openxmlformats.org/presentationml/2006/main">
   <p:tag name="DVSECTIONID" val="uSeIqO0jJRluNQ4oHSwOlb"/>
 </p:tagLst>
 </file>
 
-<file path=ppt/tags/tag118.xml><?xml version="1.0" encoding="utf-8"?>
+<file path=ppt/tags/tag12.xml><?xml version="1.0" encoding="utf-8"?>
+<p:tagLst xmlns:a="http://schemas.openxmlformats.org/drawingml/2006/main" xmlns:r="http://schemas.openxmlformats.org/officeDocument/2006/relationships" xmlns:p="http://schemas.openxmlformats.org/presentationml/2006/main">
+  <p:tag name="DVSHAPEID" val="Q9Sw4AoKxlX9VuF5HdaBTw"/>
+</p:tagLst>
+</file>
+
+<file path=ppt/tags/tag120.xml><?xml version="1.0" encoding="utf-8"?>
 <p:tagLst xmlns:a="http://schemas.openxmlformats.org/drawingml/2006/main" xmlns:r="http://schemas.openxmlformats.org/officeDocument/2006/relationships" xmlns:p="http://schemas.openxmlformats.org/presentationml/2006/main">
   <p:tag name="DVSHAPEID" val="DmwGNCUtkgy9w3pNtHuMoK"/>
 </p:tagLst>
 </file>
 
-<file path=ppt/tags/tag119.xml><?xml version="1.0" encoding="utf-8"?>
+<file path=ppt/tags/tag121.xml><?xml version="1.0" encoding="utf-8"?>
 <p:tagLst xmlns:a="http://schemas.openxmlformats.org/drawingml/2006/main" xmlns:r="http://schemas.openxmlformats.org/officeDocument/2006/relationships" xmlns:p="http://schemas.openxmlformats.org/presentationml/2006/main">
   <p:tag name="DVSHAPEID" val="Wmyd4ptsuUwULNvwlNZiIZ"/>
 </p:tagLst>
 </file>
 
-<file path=ppt/tags/tag12.xml><?xml version="1.0" encoding="utf-8"?>
-<p:tagLst xmlns:a="http://schemas.openxmlformats.org/drawingml/2006/main" xmlns:r="http://schemas.openxmlformats.org/officeDocument/2006/relationships" xmlns:p="http://schemas.openxmlformats.org/presentationml/2006/main">
-  <p:tag name="DVSHAPEID" val="Q9Sw4AoKxlX9VuF5HdaBTw"/>
-</p:tagLst>
-</file>
-
-<file path=ppt/tags/tag120.xml><?xml version="1.0" encoding="utf-8"?>
+<file path=ppt/tags/tag122.xml><?xml version="1.0" encoding="utf-8"?>
 <p:tagLst xmlns:a="http://schemas.openxmlformats.org/drawingml/2006/main" xmlns:r="http://schemas.openxmlformats.org/officeDocument/2006/relationships" xmlns:p="http://schemas.openxmlformats.org/presentationml/2006/main">
   <p:tag name="DVSECTIONID" val="DPvKTWUfumECfWEZTXAbaq"/>
 </p:tagLst>
 </file>
 
-<file path=ppt/tags/tag121.xml><?xml version="1.0" encoding="utf-8"?>
+<file path=ppt/tags/tag123.xml><?xml version="1.0" encoding="utf-8"?>
 <p:tagLst xmlns:a="http://schemas.openxmlformats.org/drawingml/2006/main" xmlns:r="http://schemas.openxmlformats.org/officeDocument/2006/relationships" xmlns:p="http://schemas.openxmlformats.org/presentationml/2006/main">
   <p:tag name="DVSHAPEID" val="nnxQuOppQpqTpa8AxvZRLD"/>
 </p:tagLst>
 </file>
 
-<file path=ppt/tags/tag122.xml><?xml version="1.0" encoding="utf-8"?>
+<file path=ppt/tags/tag124.xml><?xml version="1.0" encoding="utf-8"?>
 <p:tagLst xmlns:a="http://schemas.openxmlformats.org/drawingml/2006/main" xmlns:r="http://schemas.openxmlformats.org/officeDocument/2006/relationships" xmlns:p="http://schemas.openxmlformats.org/presentationml/2006/main">
   <p:tag name="DVSHAPEID" val="DBhCiWmHN51XZbGeVF3536"/>
 </p:tagLst>
 </file>
 
-<file path=ppt/tags/tag123.xml><?xml version="1.0" encoding="utf-8"?>
+<file path=ppt/tags/tag125.xml><?xml version="1.0" encoding="utf-8"?>
 <p:tagLst xmlns:a="http://schemas.openxmlformats.org/drawingml/2006/main" xmlns:r="http://schemas.openxmlformats.org/officeDocument/2006/relationships" xmlns:p="http://schemas.openxmlformats.org/presentationml/2006/main">
   <p:tag name="DVSHAPEID" val="uSnknLftjQdJJWyRws38Ck"/>
 </p:tagLst>
 </file>
 
-<file path=ppt/tags/tag124.xml><?xml version="1.0" encoding="utf-8"?>
+<file path=ppt/tags/tag126.xml><?xml version="1.0" encoding="utf-8"?>
 <p:tagLst xmlns:a="http://schemas.openxmlformats.org/drawingml/2006/main" xmlns:r="http://schemas.openxmlformats.org/officeDocument/2006/relationships" xmlns:p="http://schemas.openxmlformats.org/presentationml/2006/main">
   <p:tag name="DVSHAPEID" val="RsaWUjAkOGzw6peXyBrjLb"/>
 </p:tagLst>
 </file>
 
-<file path=ppt/tags/tag125.xml><?xml version="1.0" encoding="utf-8"?>
+<file path=ppt/tags/tag127.xml><?xml version="1.0" encoding="utf-8"?>
+<p:tagLst xmlns:a="http://schemas.openxmlformats.org/drawingml/2006/main" xmlns:r="http://schemas.openxmlformats.org/officeDocument/2006/relationships" xmlns:p="http://schemas.openxmlformats.org/presentationml/2006/main">
+  <p:tag name="DVSHAPEID" val="RLPBvp4BAPzSrREmEp47Zq"/>
+</p:tagLst>
+</file>
+
+<file path=ppt/tags/tag128.xml><?xml version="1.0" encoding="utf-8"?>
 <p:tagLst xmlns:a="http://schemas.openxmlformats.org/drawingml/2006/main" xmlns:r="http://schemas.openxmlformats.org/officeDocument/2006/relationships" xmlns:p="http://schemas.openxmlformats.org/presentationml/2006/main">
   <p:tag name="DVSECTIONID" val="Llusd3RrHMlieocFV4pumY"/>
 </p:tagLst>
 </file>
 
-<file path=ppt/tags/tag126.xml><?xml version="1.0" encoding="utf-8"?>
+<file path=ppt/tags/tag129.xml><?xml version="1.0" encoding="utf-8"?>
 <p:tagLst xmlns:a="http://schemas.openxmlformats.org/drawingml/2006/main" xmlns:r="http://schemas.openxmlformats.org/officeDocument/2006/relationships" xmlns:p="http://schemas.openxmlformats.org/presentationml/2006/main">
   <p:tag name="DVSHAPEID" val="JfrKG39A1Vt91V9rRVTZ1x"/>
 </p:tagLst>
 </file>
 
-<file path=ppt/tags/tag127.xml><?xml version="1.0" encoding="utf-8"?>
+<file path=ppt/tags/tag13.xml><?xml version="1.0" encoding="utf-8"?>
+<p:tagLst xmlns:a="http://schemas.openxmlformats.org/drawingml/2006/main" xmlns:r="http://schemas.openxmlformats.org/officeDocument/2006/relationships" xmlns:p="http://schemas.openxmlformats.org/presentationml/2006/main">
+  <p:tag name="DVSHAPEID" val="uZJnzGvbsKQQrquJ900Iuu"/>
+</p:tagLst>
+</file>
+
+<file path=ppt/tags/tag130.xml><?xml version="1.0" encoding="utf-8"?>
 <p:tagLst xmlns:a="http://schemas.openxmlformats.org/drawingml/2006/main" xmlns:r="http://schemas.openxmlformats.org/officeDocument/2006/relationships" xmlns:p="http://schemas.openxmlformats.org/presentationml/2006/main">
   <p:tag name="DVSHAPEID" val="9dP9DyTsHjzGIVv9DxaeEE"/>
 </p:tagLst>
 </file>
 
-<file path=ppt/tags/tag128.xml><?xml version="1.0" encoding="utf-8"?>
+<file path=ppt/tags/tag131.xml><?xml version="1.0" encoding="utf-8"?>
 <p:tagLst xmlns:a="http://schemas.openxmlformats.org/drawingml/2006/main" xmlns:r="http://schemas.openxmlformats.org/officeDocument/2006/relationships" xmlns:p="http://schemas.openxmlformats.org/presentationml/2006/main">
   <p:tag name="DVSHAPEID" val="2XniN7KvqM9b6eUwpAHyea"/>
 </p:tagLst>
 </file>
 
-<file path=ppt/tags/tag129.xml><?xml version="1.0" encoding="utf-8"?>
+<file path=ppt/tags/tag132.xml><?xml version="1.0" encoding="utf-8"?>
 <p:tagLst xmlns:a="http://schemas.openxmlformats.org/drawingml/2006/main" xmlns:r="http://schemas.openxmlformats.org/officeDocument/2006/relationships" xmlns:p="http://schemas.openxmlformats.org/presentationml/2006/main">
   <p:tag name="DVSHAPEID" val="AkceWHimONSuaSLkLLIbSM"/>
 </p:tagLst>
 </file>
 
-<file path=ppt/tags/tag13.xml><?xml version="1.0" encoding="utf-8"?>
-<p:tagLst xmlns:a="http://schemas.openxmlformats.org/drawingml/2006/main" xmlns:r="http://schemas.openxmlformats.org/officeDocument/2006/relationships" xmlns:p="http://schemas.openxmlformats.org/presentationml/2006/main">
-  <p:tag name="DVSHAPEID" val="uZJnzGvbsKQQrquJ900Iuu"/>
-</p:tagLst>
-</file>
-
-<file path=ppt/tags/tag130.xml><?xml version="1.0" encoding="utf-8"?>
+<file path=ppt/tags/tag133.xml><?xml version="1.0" encoding="utf-8"?>
+<p:tagLst xmlns:a="http://schemas.openxmlformats.org/drawingml/2006/main" xmlns:r="http://schemas.openxmlformats.org/officeDocument/2006/relationships" xmlns:p="http://schemas.openxmlformats.org/presentationml/2006/main">
+  <p:tag name="DVSHAPEID" val="glztbqpDZMvlPMaqLGv2Ef"/>
+</p:tagLst>
+</file>
+
+<file path=ppt/tags/tag134.xml><?xml version="1.0" encoding="utf-8"?>
 <p:tagLst xmlns:a="http://schemas.openxmlformats.org/drawingml/2006/main" xmlns:r="http://schemas.openxmlformats.org/officeDocument/2006/relationships" xmlns:p="http://schemas.openxmlformats.org/presentationml/2006/main">
   <p:tag name="DVSECTIONID" val="PbB8KHZye91c4agrJQn3FR"/>
 </p:tagLst>
 </file>
 
-<file path=ppt/tags/tag131.xml><?xml version="1.0" encoding="utf-8"?>
+<file path=ppt/tags/tag135.xml><?xml version="1.0" encoding="utf-8"?>
 <p:tagLst xmlns:a="http://schemas.openxmlformats.org/drawingml/2006/main" xmlns:r="http://schemas.openxmlformats.org/officeDocument/2006/relationships" xmlns:p="http://schemas.openxmlformats.org/presentationml/2006/main">
   <p:tag name="DVSHAPEID" val="xxOgf67Aw6qRm26yb2d4Yl"/>
 </p:tagLst>
 </file>
 
-<file path=ppt/tags/tag132.xml><?xml version="1.0" encoding="utf-8"?>
+<file path=ppt/tags/tag136.xml><?xml version="1.0" encoding="utf-8"?>
 <p:tagLst xmlns:a="http://schemas.openxmlformats.org/drawingml/2006/main" xmlns:r="http://schemas.openxmlformats.org/officeDocument/2006/relationships" xmlns:p="http://schemas.openxmlformats.org/presentationml/2006/main">
   <p:tag name="DVSHAPEID" val="jB42K5OVQ2iONFqFrbeegM"/>
 </p:tagLst>
 </file>
 
-<file path=ppt/tags/tag133.xml><?xml version="1.0" encoding="utf-8"?>
+<file path=ppt/tags/tag137.xml><?xml version="1.0" encoding="utf-8"?>
 <p:tagLst xmlns:a="http://schemas.openxmlformats.org/drawingml/2006/main" xmlns:r="http://schemas.openxmlformats.org/officeDocument/2006/relationships" xmlns:p="http://schemas.openxmlformats.org/presentationml/2006/main">
   <p:tag name="DVSHAPEID" val="3ivIedzFXONbecccl2LBfn"/>
 </p:tagLst>
 </file>
 
-<file path=ppt/tags/tag134.xml><?xml version="1.0" encoding="utf-8"?>
+<file path=ppt/tags/tag138.xml><?xml version="1.0" encoding="utf-8"?>
 <p:tagLst xmlns:a="http://schemas.openxmlformats.org/drawingml/2006/main" xmlns:r="http://schemas.openxmlformats.org/officeDocument/2006/relationships" xmlns:p="http://schemas.openxmlformats.org/presentationml/2006/main">
   <p:tag name="DVSHAPEID" val="zxfq8wA1PJ4wyLw2QBla4t"/>
 </p:tagLst>
 </file>
 
-<file path=ppt/tags/tag135.xml><?xml version="1.0" encoding="utf-8"?>
+<file path=ppt/tags/tag139.xml><?xml version="1.0" encoding="utf-8"?>
+<p:tagLst xmlns:a="http://schemas.openxmlformats.org/drawingml/2006/main" xmlns:r="http://schemas.openxmlformats.org/officeDocument/2006/relationships" xmlns:p="http://schemas.openxmlformats.org/presentationml/2006/main">
+  <p:tag name="DVSHAPEID" val="MW8wjHVWgXoqvt21eEbXPN"/>
+</p:tagLst>
+</file>
+
+<file path=ppt/tags/tag14.xml><?xml version="1.0" encoding="utf-8"?>
+<p:tagLst xmlns:a="http://schemas.openxmlformats.org/drawingml/2006/main" xmlns:r="http://schemas.openxmlformats.org/officeDocument/2006/relationships" xmlns:p="http://schemas.openxmlformats.org/presentationml/2006/main">
+  <p:tag name="DVSHAPEID" val="Yl7rZ3p85k7kESMH1IemSc"/>
+</p:tagLst>
+</file>
+
+<file path=ppt/tags/tag140.xml><?xml version="1.0" encoding="utf-8"?>
+<p:tagLst xmlns:a="http://schemas.openxmlformats.org/drawingml/2006/main" xmlns:r="http://schemas.openxmlformats.org/officeDocument/2006/relationships" xmlns:p="http://schemas.openxmlformats.org/presentationml/2006/main">
+  <p:tag name="DVSHAPEID" val="n52RbeDnBWM0yDlE6HH3vy"/>
+</p:tagLst>
+</file>
+
+<file path=ppt/tags/tag141.xml><?xml version="1.0" encoding="utf-8"?>
 <p:tagLst xmlns:a="http://schemas.openxmlformats.org/drawingml/2006/main" xmlns:r="http://schemas.openxmlformats.org/officeDocument/2006/relationships" xmlns:p="http://schemas.openxmlformats.org/presentationml/2006/main">
   <p:tag name="DVSECTIONID" val="gWHfNd2vLG4MwiR4j9r8yb"/>
 </p:tagLst>
 </file>
 
-<file path=ppt/tags/tag136.xml><?xml version="1.0" encoding="utf-8"?>
+<file path=ppt/tags/tag142.xml><?xml version="1.0" encoding="utf-8"?>
 <p:tagLst xmlns:a="http://schemas.openxmlformats.org/drawingml/2006/main" xmlns:r="http://schemas.openxmlformats.org/officeDocument/2006/relationships" xmlns:p="http://schemas.openxmlformats.org/presentationml/2006/main">
   <p:tag name="DVSHAPEID" val="0BrdtfQctFwFIYtN534WY4"/>
 </p:tagLst>
 </file>
 
-<file path=ppt/tags/tag137.xml><?xml version="1.0" encoding="utf-8"?>
+<file path=ppt/tags/tag143.xml><?xml version="1.0" encoding="utf-8"?>
 <p:tagLst xmlns:a="http://schemas.openxmlformats.org/drawingml/2006/main" xmlns:r="http://schemas.openxmlformats.org/officeDocument/2006/relationships" xmlns:p="http://schemas.openxmlformats.org/presentationml/2006/main">
   <p:tag name="DVSHAPEID" val="7HEqFjb9f5i5xDZU3lbDgo"/>
 </p:tagLst>
 </file>
 
-<file path=ppt/tags/tag138.xml><?xml version="1.0" encoding="utf-8"?>
+<file path=ppt/tags/tag144.xml><?xml version="1.0" encoding="utf-8"?>
 <p:tagLst xmlns:a="http://schemas.openxmlformats.org/drawingml/2006/main" xmlns:r="http://schemas.openxmlformats.org/officeDocument/2006/relationships" xmlns:p="http://schemas.openxmlformats.org/presentationml/2006/main">
   <p:tag name="DVSHAPEID" val="ZS3yy3wh68vWuJy2zw0jqr"/>
 </p:tagLst>
 </file>
 
-<file path=ppt/tags/tag139.xml><?xml version="1.0" encoding="utf-8"?>
+<file path=ppt/tags/tag145.xml><?xml version="1.0" encoding="utf-8"?>
 <p:tagLst xmlns:a="http://schemas.openxmlformats.org/drawingml/2006/main" xmlns:r="http://schemas.openxmlformats.org/officeDocument/2006/relationships" xmlns:p="http://schemas.openxmlformats.org/presentationml/2006/main">
   <p:tag name="DVSHAPEID" val="mCqPNa0JLlNIHMm6L8DXYa"/>
 </p:tagLst>
 </file>
 
-<file path=ppt/tags/tag14.xml><?xml version="1.0" encoding="utf-8"?>
-<p:tagLst xmlns:a="http://schemas.openxmlformats.org/drawingml/2006/main" xmlns:r="http://schemas.openxmlformats.org/officeDocument/2006/relationships" xmlns:p="http://schemas.openxmlformats.org/presentationml/2006/main">
-  <p:tag name="DVSHAPEID" val="Yl7rZ3p85k7kESMH1IemSc"/>
-</p:tagLst>
-</file>
-
-<file path=ppt/tags/tag140.xml><?xml version="1.0" encoding="utf-8"?>
+<file path=ppt/tags/tag146.xml><?xml version="1.0" encoding="utf-8"?>
+<p:tagLst xmlns:a="http://schemas.openxmlformats.org/drawingml/2006/main" xmlns:r="http://schemas.openxmlformats.org/officeDocument/2006/relationships" xmlns:p="http://schemas.openxmlformats.org/presentationml/2006/main">
+  <p:tag name="DVSHAPEID" val="XohHoKsQQGqYz2uswHjSlr"/>
+</p:tagLst>
+</file>
+
+<file path=ppt/tags/tag147.xml><?xml version="1.0" encoding="utf-8"?>
+<p:tagLst xmlns:a="http://schemas.openxmlformats.org/drawingml/2006/main" xmlns:r="http://schemas.openxmlformats.org/officeDocument/2006/relationships" xmlns:p="http://schemas.openxmlformats.org/presentationml/2006/main">
+  <p:tag name="DVSHAPEID" val="DuUoFzytgMiO8EzuQSVK66"/>
+</p:tagLst>
+</file>
+
+<file path=ppt/tags/tag148.xml><?xml version="1.0" encoding="utf-8"?>
+<p:tagLst xmlns:a="http://schemas.openxmlformats.org/drawingml/2006/main" xmlns:r="http://schemas.openxmlformats.org/officeDocument/2006/relationships" xmlns:p="http://schemas.openxmlformats.org/presentationml/2006/main">
+  <p:tag name="DVSECTIONID" val="JGyZ2h5ADe4mOzoY3Alk4n"/>
+</p:tagLst>
+</file>
+
+<file path=ppt/tags/tag149.xml><?xml version="1.0" encoding="utf-8"?>
+<p:tagLst xmlns:a="http://schemas.openxmlformats.org/drawingml/2006/main" xmlns:r="http://schemas.openxmlformats.org/officeDocument/2006/relationships" xmlns:p="http://schemas.openxmlformats.org/presentationml/2006/main">
+  <p:tag name="DVSHAPEID" val="AA4jaDbZKCcvLNMZ4SimqD"/>
+</p:tagLst>
+</file>
+
+<file path=ppt/tags/tag15.xml><?xml version="1.0" encoding="utf-8"?>
+<p:tagLst xmlns:a="http://schemas.openxmlformats.org/drawingml/2006/main" xmlns:r="http://schemas.openxmlformats.org/officeDocument/2006/relationships" xmlns:p="http://schemas.openxmlformats.org/presentationml/2006/main">
+  <p:tag name="DVSHAPEID" val="i43eAX49Bb101nf7HsLjEw"/>
+</p:tagLst>
+</file>
+
+<file path=ppt/tags/tag150.xml><?xml version="1.0" encoding="utf-8"?>
+<p:tagLst xmlns:a="http://schemas.openxmlformats.org/drawingml/2006/main" xmlns:r="http://schemas.openxmlformats.org/officeDocument/2006/relationships" xmlns:p="http://schemas.openxmlformats.org/presentationml/2006/main">
+  <p:tag name="DVSHAPEID" val="GKUQS2RqXAlxTkkmpVih1F"/>
+</p:tagLst>
+</file>
+
+<file path=ppt/tags/tag151.xml><?xml version="1.0" encoding="utf-8"?>
+<p:tagLst xmlns:a="http://schemas.openxmlformats.org/drawingml/2006/main" xmlns:r="http://schemas.openxmlformats.org/officeDocument/2006/relationships" xmlns:p="http://schemas.openxmlformats.org/presentationml/2006/main">
+  <p:tag name="DVSHAPEID" val="CCSMHQO2sJGWTjokK97kFB"/>
+</p:tagLst>
+</file>
+
+<file path=ppt/tags/tag152.xml><?xml version="1.0" encoding="utf-8"?>
+<p:tagLst xmlns:a="http://schemas.openxmlformats.org/drawingml/2006/main" xmlns:r="http://schemas.openxmlformats.org/officeDocument/2006/relationships" xmlns:p="http://schemas.openxmlformats.org/presentationml/2006/main">
+  <p:tag name="DVSHAPEID" val="adTrEHsm49C18iX6k0BU8B"/>
+</p:tagLst>
+</file>
+
+<file path=ppt/tags/tag153.xml><?xml version="1.0" encoding="utf-8"?>
+<p:tagLst xmlns:a="http://schemas.openxmlformats.org/drawingml/2006/main" xmlns:r="http://schemas.openxmlformats.org/officeDocument/2006/relationships" xmlns:p="http://schemas.openxmlformats.org/presentationml/2006/main">
+  <p:tag name="DVSHAPEID" val="RWr0X5a89H00rFSfb6A5Ex"/>
+</p:tagLst>
+</file>
+
+<file path=ppt/tags/tag154.xml><?xml version="1.0" encoding="utf-8"?>
+<p:tagLst xmlns:a="http://schemas.openxmlformats.org/drawingml/2006/main" xmlns:r="http://schemas.openxmlformats.org/officeDocument/2006/relationships" xmlns:p="http://schemas.openxmlformats.org/presentationml/2006/main">
+  <p:tag name="DVSHAPEID" val="kRb6mEO7IKtzmW0EJncVZU"/>
+</p:tagLst>
+</file>
+
+<file path=ppt/tags/tag155.xml><?xml version="1.0" encoding="utf-8"?>
 <p:tagLst xmlns:a="http://schemas.openxmlformats.org/drawingml/2006/main" xmlns:r="http://schemas.openxmlformats.org/officeDocument/2006/relationships" xmlns:p="http://schemas.openxmlformats.org/presentationml/2006/main">
   <p:tag name="DVSECTIONID" val="h1j1otkz6jjXVEqvULwIok"/>
 </p:tagLst>
 </file>
 
-<file path=ppt/tags/tag141.xml><?xml version="1.0" encoding="utf-8"?>
+<file path=ppt/tags/tag156.xml><?xml version="1.0" encoding="utf-8"?>
 <p:tagLst xmlns:a="http://schemas.openxmlformats.org/drawingml/2006/main" xmlns:r="http://schemas.openxmlformats.org/officeDocument/2006/relationships" xmlns:p="http://schemas.openxmlformats.org/presentationml/2006/main">
   <p:tag name="DVSHAPEID" val="AB8fl0LECWYxvq8Iflhmma"/>
 </p:tagLst>
 </file>
 
-<file path=ppt/tags/tag142.xml><?xml version="1.0" encoding="utf-8"?>
+<file path=ppt/tags/tag157.xml><?xml version="1.0" encoding="utf-8"?>
 <p:tagLst xmlns:a="http://schemas.openxmlformats.org/drawingml/2006/main" xmlns:r="http://schemas.openxmlformats.org/officeDocument/2006/relationships" xmlns:p="http://schemas.openxmlformats.org/presentationml/2006/main">
   <p:tag name="DVSHAPEID" val="8M1MFtLSGssc1PHxOZX7IR"/>
 </p:tagLst>
 </file>
 
-<file path=ppt/tags/tag143.xml><?xml version="1.0" encoding="utf-8"?>
+<file path=ppt/tags/tag158.xml><?xml version="1.0" encoding="utf-8"?>
 <p:tagLst xmlns:a="http://schemas.openxmlformats.org/drawingml/2006/main" xmlns:r="http://schemas.openxmlformats.org/officeDocument/2006/relationships" xmlns:p="http://schemas.openxmlformats.org/presentationml/2006/main">
   <p:tag name="DVSECTIONID" val="8iDYzExdBxj4FFVLOybczK"/>
 </p:tagLst>
 </file>
 
-<file path=ppt/tags/tag144.xml><?xml version="1.0" encoding="utf-8"?>
+<file path=ppt/tags/tag159.xml><?xml version="1.0" encoding="utf-8"?>
 <p:tagLst xmlns:a="http://schemas.openxmlformats.org/drawingml/2006/main" xmlns:r="http://schemas.openxmlformats.org/officeDocument/2006/relationships" xmlns:p="http://schemas.openxmlformats.org/presentationml/2006/main">
   <p:tag name="DVSHAPEID" val="J9gVY2ShGCOqsmeykiTJfw"/>
 </p:tagLst>
 </file>
 
-<file path=ppt/tags/tag145.xml><?xml version="1.0" encoding="utf-8"?>
+<file path=ppt/tags/tag16.xml><?xml version="1.0" encoding="utf-8"?>
+<p:tagLst xmlns:a="http://schemas.openxmlformats.org/drawingml/2006/main" xmlns:r="http://schemas.openxmlformats.org/officeDocument/2006/relationships" xmlns:p="http://schemas.openxmlformats.org/presentationml/2006/main">
+  <p:tag name="DVSHAPEID" val="I7MCXrZit8BL32oKss4WIW"/>
+</p:tagLst>
+</file>
+
+<file path=ppt/tags/tag160.xml><?xml version="1.0" encoding="utf-8"?>
 <p:tagLst xmlns:a="http://schemas.openxmlformats.org/drawingml/2006/main" xmlns:r="http://schemas.openxmlformats.org/officeDocument/2006/relationships" xmlns:p="http://schemas.openxmlformats.org/presentationml/2006/main">
   <p:tag name="DVSHAPEID" val="5jpi1Ixhpfrh2SwJuJ0pMQ"/>
 </p:tagLst>
 </file>
 
-<file path=ppt/tags/tag146.xml><?xml version="1.0" encoding="utf-8"?>
+<file path=ppt/tags/tag161.xml><?xml version="1.0" encoding="utf-8"?>
 <p:tagLst xmlns:a="http://schemas.openxmlformats.org/drawingml/2006/main" xmlns:r="http://schemas.openxmlformats.org/officeDocument/2006/relationships" xmlns:p="http://schemas.openxmlformats.org/presentationml/2006/main">
   <p:tag name="DVSHAPEID" val="nBmkjfEFdYBd4WwG0aKocy"/>
 </p:tagLst>
 </file>
 
-<file path=ppt/tags/tag147.xml><?xml version="1.0" encoding="utf-8"?>
+<file path=ppt/tags/tag162.xml><?xml version="1.0" encoding="utf-8"?>
 <p:tagLst xmlns:a="http://schemas.openxmlformats.org/drawingml/2006/main" xmlns:r="http://schemas.openxmlformats.org/officeDocument/2006/relationships" xmlns:p="http://schemas.openxmlformats.org/presentationml/2006/main">
   <p:tag name="DVSHAPEID" val="Zbjl2BOaJQKeVOVHohCJ1s"/>
 </p:tagLst>
 </file>
 
-<file path=ppt/tags/tag148.xml><?xml version="1.0" encoding="utf-8"?>
+<file path=ppt/tags/tag163.xml><?xml version="1.0" encoding="utf-8"?>
 <p:tagLst xmlns:a="http://schemas.openxmlformats.org/drawingml/2006/main" xmlns:r="http://schemas.openxmlformats.org/officeDocument/2006/relationships" xmlns:p="http://schemas.openxmlformats.org/presentationml/2006/main">
   <p:tag name="DVSECTIONID" val="tyndENfGBQNWT1oqUG2TIM"/>
 </p:tagLst>
 </file>
 
-<file path=ppt/tags/tag149.xml><?xml version="1.0" encoding="utf-8"?>
+<file path=ppt/tags/tag164.xml><?xml version="1.0" encoding="utf-8"?>
 <p:tagLst xmlns:a="http://schemas.openxmlformats.org/drawingml/2006/main" xmlns:r="http://schemas.openxmlformats.org/officeDocument/2006/relationships" xmlns:p="http://schemas.openxmlformats.org/presentationml/2006/main">
   <p:tag name="DVSHAPEID" val="FPNzcOIQFnDPBb0Xd3R3fL"/>
 </p:tagLst>
 </file>
 
-<file path=ppt/tags/tag15.xml><?xml version="1.0" encoding="utf-8"?>
-<p:tagLst xmlns:a="http://schemas.openxmlformats.org/drawingml/2006/main" xmlns:r="http://schemas.openxmlformats.org/officeDocument/2006/relationships" xmlns:p="http://schemas.openxmlformats.org/presentationml/2006/main">
-  <p:tag name="DVSHAPEID" val="i43eAX49Bb101nf7HsLjEw"/>
-</p:tagLst>
-</file>
-
-<file path=ppt/tags/tag150.xml><?xml version="1.0" encoding="utf-8"?>
+<file path=ppt/tags/tag165.xml><?xml version="1.0" encoding="utf-8"?>
 <p:tagLst xmlns:a="http://schemas.openxmlformats.org/drawingml/2006/main" xmlns:r="http://schemas.openxmlformats.org/officeDocument/2006/relationships" xmlns:p="http://schemas.openxmlformats.org/presentationml/2006/main">
   <p:tag name="DVSHAPEID" val="tQ1IKjLsLswwwuyso0rSam"/>
 </p:tagLst>
 </file>
 
-<file path=ppt/tags/tag151.xml><?xml version="1.0" encoding="utf-8"?>
+<file path=ppt/tags/tag166.xml><?xml version="1.0" encoding="utf-8"?>
 <p:tagLst xmlns:a="http://schemas.openxmlformats.org/drawingml/2006/main" xmlns:r="http://schemas.openxmlformats.org/officeDocument/2006/relationships" xmlns:p="http://schemas.openxmlformats.org/presentationml/2006/main">
   <p:tag name="DVSHAPEID" val="A6cKGq3ySYdTmWyu3p4cCa"/>
 </p:tagLst>
 </file>
 
-<file path=ppt/tags/tag152.xml><?xml version="1.0" encoding="utf-8"?>
+<file path=ppt/tags/tag167.xml><?xml version="1.0" encoding="utf-8"?>
 <p:tagLst xmlns:a="http://schemas.openxmlformats.org/drawingml/2006/main" xmlns:r="http://schemas.openxmlformats.org/officeDocument/2006/relationships" xmlns:p="http://schemas.openxmlformats.org/presentationml/2006/main">
   <p:tag name="DVSHAPEID" val="i5EwpKFQBmB6gVw0ClpcAy"/>
 </p:tagLst>
 </file>
 
-<file path=ppt/tags/tag153.xml><?xml version="1.0" encoding="utf-8"?>
+<file path=ppt/tags/tag168.xml><?xml version="1.0" encoding="utf-8"?>
 <p:tagLst xmlns:a="http://schemas.openxmlformats.org/drawingml/2006/main" xmlns:r="http://schemas.openxmlformats.org/officeDocument/2006/relationships" xmlns:p="http://schemas.openxmlformats.org/presentationml/2006/main">
   <p:tag name="DVSHAPEID" val="FtgZ1Qr4jHXTdpe7smg6A0"/>
 </p:tagLst>
 </file>
 
-<file path=ppt/tags/tag154.xml><?xml version="1.0" encoding="utf-8"?>
+<file path=ppt/tags/tag169.xml><?xml version="1.0" encoding="utf-8"?>
 <p:tagLst xmlns:a="http://schemas.openxmlformats.org/drawingml/2006/main" xmlns:r="http://schemas.openxmlformats.org/officeDocument/2006/relationships" xmlns:p="http://schemas.openxmlformats.org/presentationml/2006/main">
   <p:tag name="DVSHAPEID" val="Bi1sC6xXd8lTtnRULlwFWG"/>
 </p:tagLst>
 </file>
 
-<file path=ppt/tags/tag155.xml><?xml version="1.0" encoding="utf-8"?>
+<file path=ppt/tags/tag17.xml><?xml version="1.0" encoding="utf-8"?>
+<p:tagLst xmlns:a="http://schemas.openxmlformats.org/drawingml/2006/main" xmlns:r="http://schemas.openxmlformats.org/officeDocument/2006/relationships" xmlns:p="http://schemas.openxmlformats.org/presentationml/2006/main">
+  <p:tag name="DVSHAPEID" val="iERosT0MAyyMlVsY0C9jIT"/>
+</p:tagLst>
+</file>
+
+<file path=ppt/tags/tag170.xml><?xml version="1.0" encoding="utf-8"?>
 <p:tagLst xmlns:a="http://schemas.openxmlformats.org/drawingml/2006/main" xmlns:r="http://schemas.openxmlformats.org/officeDocument/2006/relationships" xmlns:p="http://schemas.openxmlformats.org/presentationml/2006/main">
   <p:tag name="DVSHAPEID" val="nHVzSimYNdpESYYzdkxltO"/>
 </p:tagLst>
 </file>
 
-<file path=ppt/tags/tag156.xml><?xml version="1.0" encoding="utf-8"?>
+<file path=ppt/tags/tag171.xml><?xml version="1.0" encoding="utf-8"?>
 <p:tagLst xmlns:a="http://schemas.openxmlformats.org/drawingml/2006/main" xmlns:r="http://schemas.openxmlformats.org/officeDocument/2006/relationships" xmlns:p="http://schemas.openxmlformats.org/presentationml/2006/main">
   <p:tag name="DVSHAPEID" val="yjVQfxBUAV3UUkw2efAfl7"/>
 </p:tagLst>
 </file>
 
-<file path=ppt/tags/tag157.xml><?xml version="1.0" encoding="utf-8"?>
+<file path=ppt/tags/tag172.xml><?xml version="1.0" encoding="utf-8"?>
 <p:tagLst xmlns:a="http://schemas.openxmlformats.org/drawingml/2006/main" xmlns:r="http://schemas.openxmlformats.org/officeDocument/2006/relationships" xmlns:p="http://schemas.openxmlformats.org/presentationml/2006/main">
   <p:tag name="DVSHAPEID" val="uOvTWc7b8Ady9CE22OmSDu"/>
 </p:tagLst>
 </file>
 
-<file path=ppt/tags/tag158.xml><?xml version="1.0" encoding="utf-8"?>
+<file path=ppt/tags/tag173.xml><?xml version="1.0" encoding="utf-8"?>
 <p:tagLst xmlns:a="http://schemas.openxmlformats.org/drawingml/2006/main" xmlns:r="http://schemas.openxmlformats.org/officeDocument/2006/relationships" xmlns:p="http://schemas.openxmlformats.org/presentationml/2006/main">
   <p:tag name="DVSHAPEID" val="AX4D2b6hLetqP7kmBpNoNs"/>
 </p:tagLst>
 </file>
 
-<file path=ppt/tags/tag159.xml><?xml version="1.0" encoding="utf-8"?>
+<file path=ppt/tags/tag174.xml><?xml version="1.0" encoding="utf-8"?>
 <p:tagLst xmlns:a="http://schemas.openxmlformats.org/drawingml/2006/main" xmlns:r="http://schemas.openxmlformats.org/officeDocument/2006/relationships" xmlns:p="http://schemas.openxmlformats.org/presentationml/2006/main">
   <p:tag name="DVSHAPEID" val="HlaTocdMSsu0dxOi9W4QPZ"/>
 </p:tagLst>
 </file>
 
-<file path=ppt/tags/tag16.xml><?xml version="1.0" encoding="utf-8"?>
-<p:tagLst xmlns:a="http://schemas.openxmlformats.org/drawingml/2006/main" xmlns:r="http://schemas.openxmlformats.org/officeDocument/2006/relationships" xmlns:p="http://schemas.openxmlformats.org/presentationml/2006/main">
-  <p:tag name="DVSHAPEID" val="I7MCXrZit8BL32oKss4WIW"/>
-</p:tagLst>
-</file>
-
-<file path=ppt/tags/tag160.xml><?xml version="1.0" encoding="utf-8"?>
+<file path=ppt/tags/tag175.xml><?xml version="1.0" encoding="utf-8"?>
+<p:tagLst xmlns:a="http://schemas.openxmlformats.org/drawingml/2006/main" xmlns:r="http://schemas.openxmlformats.org/officeDocument/2006/relationships" xmlns:p="http://schemas.openxmlformats.org/presentationml/2006/main">
+  <p:tag name="DVSHAPEID" val="ed37NaEsMahAIRrlDdDedC"/>
+</p:tagLst>
+</file>
+
+<file path=ppt/tags/tag176.xml><?xml version="1.0" encoding="utf-8"?>
+<p:tagLst xmlns:a="http://schemas.openxmlformats.org/drawingml/2006/main" xmlns:r="http://schemas.openxmlformats.org/officeDocument/2006/relationships" xmlns:p="http://schemas.openxmlformats.org/presentationml/2006/main">
+  <p:tag name="DVSHAPEID" val="nLIdWWle9TIKyWz04AFXX7"/>
+</p:tagLst>
+</file>
+
+<file path=ppt/tags/tag177.xml><?xml version="1.0" encoding="utf-8"?>
+<p:tagLst xmlns:a="http://schemas.openxmlformats.org/drawingml/2006/main" xmlns:r="http://schemas.openxmlformats.org/officeDocument/2006/relationships" xmlns:p="http://schemas.openxmlformats.org/presentationml/2006/main">
+  <p:tag name="DVSHAPEID" val="YTqJEbAzAE9BPhpAdI7y1n"/>
+</p:tagLst>
+</file>
+
+<file path=ppt/tags/tag178.xml><?xml version="1.0" encoding="utf-8"?>
 <p:tagLst xmlns:a="http://schemas.openxmlformats.org/drawingml/2006/main" xmlns:r="http://schemas.openxmlformats.org/officeDocument/2006/relationships" xmlns:p="http://schemas.openxmlformats.org/presentationml/2006/main">
   <p:tag name="DVSECTIONID" val="EQYKz8XXwbLoO5BmZJXVVs"/>
 </p:tagLst>
 </file>
 
-<file path=ppt/tags/tag161.xml><?xml version="1.0" encoding="utf-8"?>
+<file path=ppt/tags/tag179.xml><?xml version="1.0" encoding="utf-8"?>
+<p:tagLst xmlns:a="http://schemas.openxmlformats.org/drawingml/2006/main" xmlns:r="http://schemas.openxmlformats.org/officeDocument/2006/relationships" xmlns:p="http://schemas.openxmlformats.org/presentationml/2006/main">
+  <p:tag name="DVSHAPEID" val="BW6iBumXPp6A1sq9pXqx5T"/>
+</p:tagLst>
+</file>
+
+<file path=ppt/tags/tag18.xml><?xml version="1.0" encoding="utf-8"?>
+<p:tagLst xmlns:a="http://schemas.openxmlformats.org/drawingml/2006/main" xmlns:r="http://schemas.openxmlformats.org/officeDocument/2006/relationships" xmlns:p="http://schemas.openxmlformats.org/presentationml/2006/main">
+  <p:tag name="DVSHAPEID" val="pfkdIWZjfHNMO8KzZ6hGx2"/>
+</p:tagLst>
+</file>
+
+<file path=ppt/tags/tag180.xml><?xml version="1.0" encoding="utf-8"?>
 <p:tagLst xmlns:a="http://schemas.openxmlformats.org/drawingml/2006/main" xmlns:r="http://schemas.openxmlformats.org/officeDocument/2006/relationships" xmlns:p="http://schemas.openxmlformats.org/presentationml/2006/main">
   <p:tag name="DVSHAPEID" val="jC7BUUW2OXKpN65a1jT1mQ"/>
 </p:tagLst>
 </file>
 
-<file path=ppt/tags/tag162.xml><?xml version="1.0" encoding="utf-8"?>
+<file path=ppt/tags/tag181.xml><?xml version="1.0" encoding="utf-8"?>
 <p:tagLst xmlns:a="http://schemas.openxmlformats.org/drawingml/2006/main" xmlns:r="http://schemas.openxmlformats.org/officeDocument/2006/relationships" xmlns:p="http://schemas.openxmlformats.org/presentationml/2006/main">
   <p:tag name="DVSHAPEID" val="ifGDX3MJNpAKM2oNPLUyyD"/>
 </p:tagLst>
 </file>
 
-<file path=ppt/tags/tag163.xml><?xml version="1.0" encoding="utf-8"?>
+<file path=ppt/tags/tag182.xml><?xml version="1.0" encoding="utf-8"?>
 <p:tagLst xmlns:a="http://schemas.openxmlformats.org/drawingml/2006/main" xmlns:r="http://schemas.openxmlformats.org/officeDocument/2006/relationships" xmlns:p="http://schemas.openxmlformats.org/presentationml/2006/main">
   <p:tag name="DVSHAPEID" val="mQ7pVrj6jycskSUhWTg4ak"/>
 </p:tagLst>
 </file>
 
-<file path=ppt/tags/tag164.xml><?xml version="1.0" encoding="utf-8"?>
+<file path=ppt/tags/tag183.xml><?xml version="1.0" encoding="utf-8"?>
 <p:tagLst xmlns:a="http://schemas.openxmlformats.org/drawingml/2006/main" xmlns:r="http://schemas.openxmlformats.org/officeDocument/2006/relationships" xmlns:p="http://schemas.openxmlformats.org/presentationml/2006/main">
   <p:tag name="DVSHAPEID" val="O3k2Mdt87NiFSPvx7lpH62"/>
 </p:tagLst>
 </file>
 
-<file path=ppt/tags/tag165.xml><?xml version="1.0" encoding="utf-8"?>
+<file path=ppt/tags/tag184.xml><?xml version="1.0" encoding="utf-8"?>
 <p:tagLst xmlns:a="http://schemas.openxmlformats.org/drawingml/2006/main" xmlns:r="http://schemas.openxmlformats.org/officeDocument/2006/relationships" xmlns:p="http://schemas.openxmlformats.org/presentationml/2006/main">
   <p:tag name="DVSHAPEID" val="VOTNyigQkWCIgr6RuyzVng"/>
 </p:tagLst>
 </file>
 
-<file path=ppt/tags/tag166.xml><?xml version="1.0" encoding="utf-8"?>
+<file path=ppt/tags/tag185.xml><?xml version="1.0" encoding="utf-8"?>
+<p:tagLst xmlns:a="http://schemas.openxmlformats.org/drawingml/2006/main" xmlns:r="http://schemas.openxmlformats.org/officeDocument/2006/relationships" xmlns:p="http://schemas.openxmlformats.org/presentationml/2006/main">
+  <p:tag name="DVSHAPEID" val="WAtzNZqYUr5Nmmpt1EGBqf"/>
+</p:tagLst>
+</file>
+
+<file path=ppt/tags/tag186.xml><?xml version="1.0" encoding="utf-8"?>
+<p:tagLst xmlns:a="http://schemas.openxmlformats.org/drawingml/2006/main" xmlns:r="http://schemas.openxmlformats.org/officeDocument/2006/relationships" xmlns:p="http://schemas.openxmlformats.org/presentationml/2006/main">
+  <p:tag name="DVSHAPEID" val="9dNkN8JG9KYH0wO1HnxQvE"/>
+</p:tagLst>
+</file>
+
+<file path=ppt/tags/tag187.xml><?xml version="1.0" encoding="utf-8"?>
+<p:tagLst xmlns:a="http://schemas.openxmlformats.org/drawingml/2006/main" xmlns:r="http://schemas.openxmlformats.org/officeDocument/2006/relationships" xmlns:p="http://schemas.openxmlformats.org/presentationml/2006/main">
+  <p:tag name="DVSHAPEID" val="nHVzSimYNdpESYYzdkxltO"/>
+</p:tagLst>
+</file>
+
+<file path=ppt/tags/tag188.xml><?xml version="1.0" encoding="utf-8"?>
+<p:tagLst xmlns:a="http://schemas.openxmlformats.org/drawingml/2006/main" xmlns:r="http://schemas.openxmlformats.org/officeDocument/2006/relationships" xmlns:p="http://schemas.openxmlformats.org/presentationml/2006/main">
+  <p:tag name="DVSHAPEID" val="Bi1sC6xXd8lTtnRULlwFWG"/>
+</p:tagLst>
+</file>
+
+<file path=ppt/tags/tag189.xml><?xml version="1.0" encoding="utf-8"?>
+<p:tagLst xmlns:a="http://schemas.openxmlformats.org/drawingml/2006/main" xmlns:r="http://schemas.openxmlformats.org/officeDocument/2006/relationships" xmlns:p="http://schemas.openxmlformats.org/presentationml/2006/main">
+  <p:tag name="DVSHAPEID" val="ue64KVVLRusHrgMschfeik"/>
+</p:tagLst>
+</file>
+
+<file path=ppt/tags/tag19.xml><?xml version="1.0" encoding="utf-8"?>
+<p:tagLst xmlns:a="http://schemas.openxmlformats.org/drawingml/2006/main" xmlns:r="http://schemas.openxmlformats.org/officeDocument/2006/relationships" xmlns:p="http://schemas.openxmlformats.org/presentationml/2006/main">
+  <p:tag name="DVSHAPEID" val="dgGtiursMpepeC3fa3NgjQ"/>
+</p:tagLst>
+</file>
+
+<file path=ppt/tags/tag190.xml><?xml version="1.0" encoding="utf-8"?>
+<p:tagLst xmlns:a="http://schemas.openxmlformats.org/drawingml/2006/main" xmlns:r="http://schemas.openxmlformats.org/officeDocument/2006/relationships" xmlns:p="http://schemas.openxmlformats.org/presentationml/2006/main">
+  <p:tag name="DVSHAPEID" val="OEmSF0Xj3AKuIyeJoNKnTt"/>
+</p:tagLst>
+</file>
+
+<file path=ppt/tags/tag191.xml><?xml version="1.0" encoding="utf-8"?>
+<p:tagLst xmlns:a="http://schemas.openxmlformats.org/drawingml/2006/main" xmlns:r="http://schemas.openxmlformats.org/officeDocument/2006/relationships" xmlns:p="http://schemas.openxmlformats.org/presentationml/2006/main">
+  <p:tag name="DVSHAPEID" val="K5GacSaZhRqsJsed3mLN9l"/>
+</p:tagLst>
+</file>
+
+<file path=ppt/tags/tag192.xml><?xml version="1.0" encoding="utf-8"?>
 <p:tagLst xmlns:a="http://schemas.openxmlformats.org/drawingml/2006/main" xmlns:r="http://schemas.openxmlformats.org/officeDocument/2006/relationships" xmlns:p="http://schemas.openxmlformats.org/presentationml/2006/main">
   <p:tag name="DVSECTIONID" val="hIMTnnEvaF2HUweUd7IEjB"/>
 </p:tagLst>
 </file>
 
-<file path=ppt/tags/tag167.xml><?xml version="1.0" encoding="utf-8"?>
+<file path=ppt/tags/tag193.xml><?xml version="1.0" encoding="utf-8"?>
 <p:tagLst xmlns:a="http://schemas.openxmlformats.org/drawingml/2006/main" xmlns:r="http://schemas.openxmlformats.org/officeDocument/2006/relationships" xmlns:p="http://schemas.openxmlformats.org/presentationml/2006/main">
   <p:tag name="DVSHAPEID" val="yjIvSyO0its2244SE6Daqo"/>
 </p:tagLst>
 </file>
 
-<file path=ppt/tags/tag168.xml><?xml version="1.0" encoding="utf-8"?>
+<file path=ppt/tags/tag194.xml><?xml version="1.0" encoding="utf-8"?>
 <p:tagLst xmlns:a="http://schemas.openxmlformats.org/drawingml/2006/main" xmlns:r="http://schemas.openxmlformats.org/officeDocument/2006/relationships" xmlns:p="http://schemas.openxmlformats.org/presentationml/2006/main">
   <p:tag name="DVSHAPEID" val="aEZ5LoLUEteLu1kgkUj7uO"/>
 </p:tagLst>
 </file>
 
-<file path=ppt/tags/tag169.xml><?xml version="1.0" encoding="utf-8"?>
+<file path=ppt/tags/tag195.xml><?xml version="1.0" encoding="utf-8"?>
 <p:tagLst xmlns:a="http://schemas.openxmlformats.org/drawingml/2006/main" xmlns:r="http://schemas.openxmlformats.org/officeDocument/2006/relationships" xmlns:p="http://schemas.openxmlformats.org/presentationml/2006/main">
   <p:tag name="DVSHAPEID" val="cQNrsfGj4VC983vNNpenPZ"/>
 </p:tagLst>
 </file>
 
-<file path=ppt/tags/tag17.xml><?xml version="1.0" encoding="utf-8"?>
-<p:tagLst xmlns:a="http://schemas.openxmlformats.org/drawingml/2006/main" xmlns:r="http://schemas.openxmlformats.org/officeDocument/2006/relationships" xmlns:p="http://schemas.openxmlformats.org/presentationml/2006/main">
-  <p:tag name="DVSHAPEID" val="iERosT0MAyyMlVsY0C9jIT"/>
-</p:tagLst>
-</file>
-
-<file path=ppt/tags/tag170.xml><?xml version="1.0" encoding="utf-8"?>
+<file path=ppt/tags/tag196.xml><?xml version="1.0" encoding="utf-8"?>
 <p:tagLst xmlns:a="http://schemas.openxmlformats.org/drawingml/2006/main" xmlns:r="http://schemas.openxmlformats.org/officeDocument/2006/relationships" xmlns:p="http://schemas.openxmlformats.org/presentationml/2006/main">
   <p:tag name="DVSHAPEID" val="Nhz3xnLIQjTms9hkVvelpj"/>
 </p:tagLst>
 </file>
 
-<file path=ppt/tags/tag171.xml><?xml version="1.0" encoding="utf-8"?>
+<file path=ppt/tags/tag197.xml><?xml version="1.0" encoding="utf-8"?>
 <p:tagLst xmlns:a="http://schemas.openxmlformats.org/drawingml/2006/main" xmlns:r="http://schemas.openxmlformats.org/officeDocument/2006/relationships" xmlns:p="http://schemas.openxmlformats.org/presentationml/2006/main">
   <p:tag name="DVSHAPEID" val="j6g6P099NRD4NYDU7UGeUK"/>
 </p:tagLst>
 </file>
 
-<file path=ppt/tags/tag172.xml><?xml version="1.0" encoding="utf-8"?>
+<file path=ppt/tags/tag198.xml><?xml version="1.0" encoding="utf-8"?>
+<p:tagLst xmlns:a="http://schemas.openxmlformats.org/drawingml/2006/main" xmlns:r="http://schemas.openxmlformats.org/officeDocument/2006/relationships" xmlns:p="http://schemas.openxmlformats.org/presentationml/2006/main">
+  <p:tag name="DVSECTIONID" val="dQEBYL5ozDmF1dmx3SsV7C"/>
+</p:tagLst>
+</file>
+
+<file path=ppt/tags/tag199.xml><?xml version="1.0" encoding="utf-8"?>
+<p:tagLst xmlns:a="http://schemas.openxmlformats.org/drawingml/2006/main" xmlns:r="http://schemas.openxmlformats.org/officeDocument/2006/relationships" xmlns:p="http://schemas.openxmlformats.org/presentationml/2006/main">
+  <p:tag name="DVSHAPEID" val="fj5yeeagBgm9prHRgVOyrR"/>
+</p:tagLst>
+</file>
+
+<file path=ppt/tags/tag2.xml><?xml version="1.0" encoding="utf-8"?>
+<p:tagLst xmlns:a="http://schemas.openxmlformats.org/drawingml/2006/main" xmlns:r="http://schemas.openxmlformats.org/officeDocument/2006/relationships" xmlns:p="http://schemas.openxmlformats.org/presentationml/2006/main">
+  <p:tag name="DVSHAPEID" val="Bwwy6CchyRgEnS3z5azJyg"/>
+</p:tagLst>
+</file>
+
+<file path=ppt/tags/tag20.xml><?xml version="1.0" encoding="utf-8"?>
+<p:tagLst xmlns:a="http://schemas.openxmlformats.org/drawingml/2006/main" xmlns:r="http://schemas.openxmlformats.org/officeDocument/2006/relationships" xmlns:p="http://schemas.openxmlformats.org/presentationml/2006/main">
+  <p:tag name="DVSHAPEID" val="Yz7jeqC311lm14wfDvRMUo"/>
+</p:tagLst>
+</file>
+
+<file path=ppt/tags/tag200.xml><?xml version="1.0" encoding="utf-8"?>
+<p:tagLst xmlns:a="http://schemas.openxmlformats.org/drawingml/2006/main" xmlns:r="http://schemas.openxmlformats.org/officeDocument/2006/relationships" xmlns:p="http://schemas.openxmlformats.org/presentationml/2006/main">
+  <p:tag name="DVSHAPEID" val="WWxddtTruVrlo3N7MI8NZt"/>
+</p:tagLst>
+</file>
+
+<file path=ppt/tags/tag201.xml><?xml version="1.0" encoding="utf-8"?>
+<p:tagLst xmlns:a="http://schemas.openxmlformats.org/drawingml/2006/main" xmlns:r="http://schemas.openxmlformats.org/officeDocument/2006/relationships" xmlns:p="http://schemas.openxmlformats.org/presentationml/2006/main">
+  <p:tag name="DVSHAPEID" val="7y9N1wxPyl2nm8001Hn9Mq"/>
+</p:tagLst>
+</file>
+
+<file path=ppt/tags/tag202.xml><?xml version="1.0" encoding="utf-8"?>
+<p:tagLst xmlns:a="http://schemas.openxmlformats.org/drawingml/2006/main" xmlns:r="http://schemas.openxmlformats.org/officeDocument/2006/relationships" xmlns:p="http://schemas.openxmlformats.org/presentationml/2006/main">
+  <p:tag name="DVSHAPEID" val="I42E3985pEStOY4qrmUFm5"/>
+</p:tagLst>
+</file>
+
+<file path=ppt/tags/tag203.xml><?xml version="1.0" encoding="utf-8"?>
+<p:tagLst xmlns:a="http://schemas.openxmlformats.org/drawingml/2006/main" xmlns:r="http://schemas.openxmlformats.org/officeDocument/2006/relationships" xmlns:p="http://schemas.openxmlformats.org/presentationml/2006/main">
+  <p:tag name="DVSHAPEID" val="i1GF6LHqqPGHP4KmtnGtWo"/>
+</p:tagLst>
+</file>
+
+<file path=ppt/tags/tag204.xml><?xml version="1.0" encoding="utf-8"?>
+<p:tagLst xmlns:a="http://schemas.openxmlformats.org/drawingml/2006/main" xmlns:r="http://schemas.openxmlformats.org/officeDocument/2006/relationships" xmlns:p="http://schemas.openxmlformats.org/presentationml/2006/main">
+  <p:tag name="DVSHAPEID" val="uTj1WBg0f73DL1Yo2noYe3"/>
+</p:tagLst>
+</file>
+
+<file path=ppt/tags/tag205.xml><?xml version="1.0" encoding="utf-8"?>
+<p:tagLst xmlns:a="http://schemas.openxmlformats.org/drawingml/2006/main" xmlns:r="http://schemas.openxmlformats.org/officeDocument/2006/relationships" xmlns:p="http://schemas.openxmlformats.org/presentationml/2006/main">
+  <p:tag name="DVSHAPEID" val="M79ZF5TwYT9UwNm4P6apAz"/>
+</p:tagLst>
+</file>
+
+<file path=ppt/tags/tag206.xml><?xml version="1.0" encoding="utf-8"?>
 <p:tagLst xmlns:a="http://schemas.openxmlformats.org/drawingml/2006/main" xmlns:r="http://schemas.openxmlformats.org/officeDocument/2006/relationships" xmlns:p="http://schemas.openxmlformats.org/presentationml/2006/main">
   <p:tag name="DVSECTIONID" val="avciPxGiVMRbyfXFLzj116"/>
 </p:tagLst>
 </file>
 
-<file path=ppt/tags/tag173.xml><?xml version="1.0" encoding="utf-8"?>
+<file path=ppt/tags/tag207.xml><?xml version="1.0" encoding="utf-8"?>
 <p:tagLst xmlns:a="http://schemas.openxmlformats.org/drawingml/2006/main" xmlns:r="http://schemas.openxmlformats.org/officeDocument/2006/relationships" xmlns:p="http://schemas.openxmlformats.org/presentationml/2006/main">
   <p:tag name="DVSHAPEID" val="8lShLw7US6Yd2wRpIixl4j"/>
 </p:tagLst>
 </file>
 
-<file path=ppt/tags/tag174.xml><?xml version="1.0" encoding="utf-8"?>
+<file path=ppt/tags/tag208.xml><?xml version="1.0" encoding="utf-8"?>
 <p:tagLst xmlns:a="http://schemas.openxmlformats.org/drawingml/2006/main" xmlns:r="http://schemas.openxmlformats.org/officeDocument/2006/relationships" xmlns:p="http://schemas.openxmlformats.org/presentationml/2006/main">
   <p:tag name="DVSHAPEID" val="gLBmvstI9tzu8eagCfBWrM"/>
 </p:tagLst>
 </file>
 
-<file path=ppt/tags/tag175.xml><?xml version="1.0" encoding="utf-8"?>
+<file path=ppt/tags/tag209.xml><?xml version="1.0" encoding="utf-8"?>
 <p:tagLst xmlns:a="http://schemas.openxmlformats.org/drawingml/2006/main" xmlns:r="http://schemas.openxmlformats.org/officeDocument/2006/relationships" xmlns:p="http://schemas.openxmlformats.org/presentationml/2006/main">
   <p:tag name="DVSHAPEID" val="ne7LswNVN4fP56Fo0Eq9Xu"/>
 </p:tagLst>
 </file>
 
-<file path=ppt/tags/tag176.xml><?xml version="1.0" encoding="utf-8"?>
+<file path=ppt/tags/tag21.xml><?xml version="1.0" encoding="utf-8"?>
+<p:tagLst xmlns:a="http://schemas.openxmlformats.org/drawingml/2006/main" xmlns:r="http://schemas.openxmlformats.org/officeDocument/2006/relationships" xmlns:p="http://schemas.openxmlformats.org/presentationml/2006/main">
+  <p:tag name="DVSHAPEID" val="yoT8vKVdThImh7lYg0PJnc"/>
+</p:tagLst>
+</file>
+
+<file path=ppt/tags/tag210.xml><?xml version="1.0" encoding="utf-8"?>
 <p:tagLst xmlns:a="http://schemas.openxmlformats.org/drawingml/2006/main" xmlns:r="http://schemas.openxmlformats.org/officeDocument/2006/relationships" xmlns:p="http://schemas.openxmlformats.org/presentationml/2006/main">
   <p:tag name="DVSHAPEID" val="DynDesGiJ7RtomfK0XVeGv"/>
 </p:tagLst>
 </file>
 
-<file path=ppt/tags/tag177.xml><?xml version="1.0" encoding="utf-8"?>
+<file path=ppt/tags/tag211.xml><?xml version="1.0" encoding="utf-8"?>
+<p:tagLst xmlns:a="http://schemas.openxmlformats.org/drawingml/2006/main" xmlns:r="http://schemas.openxmlformats.org/officeDocument/2006/relationships" xmlns:p="http://schemas.openxmlformats.org/presentationml/2006/main">
+  <p:tag name="DVSHAPEID" val="DcjJo5kj5Xar6bSWVb7I8a"/>
+</p:tagLst>
+</file>
+
+<file path=ppt/tags/tag212.xml><?xml version="1.0" encoding="utf-8"?>
+<p:tagLst xmlns:a="http://schemas.openxmlformats.org/drawingml/2006/main" xmlns:r="http://schemas.openxmlformats.org/officeDocument/2006/relationships" xmlns:p="http://schemas.openxmlformats.org/presentationml/2006/main">
+  <p:tag name="DVSECTIONID" val="M1ddHtKOT02p7NtfCavXjX"/>
+</p:tagLst>
+</file>
+
+<file path=ppt/tags/tag213.xml><?xml version="1.0" encoding="utf-8"?>
+<p:tagLst xmlns:a="http://schemas.openxmlformats.org/drawingml/2006/main" xmlns:r="http://schemas.openxmlformats.org/officeDocument/2006/relationships" xmlns:p="http://schemas.openxmlformats.org/presentationml/2006/main">
+  <p:tag name="DVSHAPEID" val="6rmPJdA6FlOl7FI2h0zIzl"/>
+</p:tagLst>
+</file>
+
+<file path=ppt/tags/tag214.xml><?xml version="1.0" encoding="utf-8"?>
+<p:tagLst xmlns:a="http://schemas.openxmlformats.org/drawingml/2006/main" xmlns:r="http://schemas.openxmlformats.org/officeDocument/2006/relationships" xmlns:p="http://schemas.openxmlformats.org/presentationml/2006/main">
+  <p:tag name="DVSHAPEID" val="eHiGmw2XiziPVLRSJxeMlH"/>
+</p:tagLst>
+</file>
+
+<file path=ppt/tags/tag215.xml><?xml version="1.0" encoding="utf-8"?>
+<p:tagLst xmlns:a="http://schemas.openxmlformats.org/drawingml/2006/main" xmlns:r="http://schemas.openxmlformats.org/officeDocument/2006/relationships" xmlns:p="http://schemas.openxmlformats.org/presentationml/2006/main">
+  <p:tag name="DVSHAPEID" val="ALGNxzSuoBnKdEw2Q44I2f"/>
+</p:tagLst>
+</file>
+
+<file path=ppt/tags/tag216.xml><?xml version="1.0" encoding="utf-8"?>
+<p:tagLst xmlns:a="http://schemas.openxmlformats.org/drawingml/2006/main" xmlns:r="http://schemas.openxmlformats.org/officeDocument/2006/relationships" xmlns:p="http://schemas.openxmlformats.org/presentationml/2006/main">
+  <p:tag name="DVSHAPEID" val="3hKXbph2uN0w6w0yZt4NaG"/>
+</p:tagLst>
+</file>
+
+<file path=ppt/tags/tag217.xml><?xml version="1.0" encoding="utf-8"?>
 <p:tagLst xmlns:a="http://schemas.openxmlformats.org/drawingml/2006/main" xmlns:r="http://schemas.openxmlformats.org/officeDocument/2006/relationships" xmlns:p="http://schemas.openxmlformats.org/presentationml/2006/main">
   <p:tag name="DVSECTIONID" val="l7b475vQch9FyhG4y6ORKf"/>
 </p:tagLst>
 </file>
 
-<file path=ppt/tags/tag178.xml><?xml version="1.0" encoding="utf-8"?>
+<file path=ppt/tags/tag218.xml><?xml version="1.0" encoding="utf-8"?>
 <p:tagLst xmlns:a="http://schemas.openxmlformats.org/drawingml/2006/main" xmlns:r="http://schemas.openxmlformats.org/officeDocument/2006/relationships" xmlns:p="http://schemas.openxmlformats.org/presentationml/2006/main">
   <p:tag name="DVSHAPEID" val="fi93AdeXwiPSAyoPhlfvk7"/>
 </p:tagLst>
 </file>
 
-<file path=ppt/tags/tag179.xml><?xml version="1.0" encoding="utf-8"?>
+<file path=ppt/tags/tag219.xml><?xml version="1.0" encoding="utf-8"?>
 <p:tagLst xmlns:a="http://schemas.openxmlformats.org/drawingml/2006/main" xmlns:r="http://schemas.openxmlformats.org/officeDocument/2006/relationships" xmlns:p="http://schemas.openxmlformats.org/presentationml/2006/main">
   <p:tag name="DVSHAPEID" val="XCIi9gDtdIO8i5taRs4MBz"/>
 </p:tagLst>
 </file>
 
-<file path=ppt/tags/tag18.xml><?xml version="1.0" encoding="utf-8"?>
-<p:tagLst xmlns:a="http://schemas.openxmlformats.org/drawingml/2006/main" xmlns:r="http://schemas.openxmlformats.org/officeDocument/2006/relationships" xmlns:p="http://schemas.openxmlformats.org/presentationml/2006/main">
-  <p:tag name="DVSHAPEID" val="pfkdIWZjfHNMO8KzZ6hGx2"/>
-</p:tagLst>
-</file>
-
-<file path=ppt/tags/tag180.xml><?xml version="1.0" encoding="utf-8"?>
+<file path=ppt/tags/tag22.xml><?xml version="1.0" encoding="utf-8"?>
+<p:tagLst xmlns:a="http://schemas.openxmlformats.org/drawingml/2006/main" xmlns:r="http://schemas.openxmlformats.org/officeDocument/2006/relationships" xmlns:p="http://schemas.openxmlformats.org/presentationml/2006/main">
+  <p:tag name="DVSHAPEID" val="3SAZIVqipxVA0Iq5VS7N84"/>
+</p:tagLst>
+</file>
+
+<file path=ppt/tags/tag220.xml><?xml version="1.0" encoding="utf-8"?>
 <p:tagLst xmlns:a="http://schemas.openxmlformats.org/drawingml/2006/main" xmlns:r="http://schemas.openxmlformats.org/officeDocument/2006/relationships" xmlns:p="http://schemas.openxmlformats.org/presentationml/2006/main">
   <p:tag name="DVSECTIONID" val="PIXYWxm8khA4957KpAN4AA"/>
 </p:tagLst>
 </file>
 
-<file path=ppt/tags/tag181.xml><?xml version="1.0" encoding="utf-8"?>
+<file path=ppt/tags/tag221.xml><?xml version="1.0" encoding="utf-8"?>
 <p:tagLst xmlns:a="http://schemas.openxmlformats.org/drawingml/2006/main" xmlns:r="http://schemas.openxmlformats.org/officeDocument/2006/relationships" xmlns:p="http://schemas.openxmlformats.org/presentationml/2006/main">
   <p:tag name="DVSHAPEID" val="DvMGlbFzZab7kxlh4Xj247"/>
 </p:tagLst>
 </file>
 
-<file path=ppt/tags/tag182.xml><?xml version="1.0" encoding="utf-8"?>
+<file path=ppt/tags/tag222.xml><?xml version="1.0" encoding="utf-8"?>
 <p:tagLst xmlns:a="http://schemas.openxmlformats.org/drawingml/2006/main" xmlns:r="http://schemas.openxmlformats.org/officeDocument/2006/relationships" xmlns:p="http://schemas.openxmlformats.org/presentationml/2006/main">
   <p:tag name="DVSHAPEID" val="3sgil6tMryvoYdwtUsODJE"/>
 </p:tagLst>
 </file>
 
-<file path=ppt/tags/tag183.xml><?xml version="1.0" encoding="utf-8"?>
+<file path=ppt/tags/tag223.xml><?xml version="1.0" encoding="utf-8"?>
 <p:tagLst xmlns:a="http://schemas.openxmlformats.org/drawingml/2006/main" xmlns:r="http://schemas.openxmlformats.org/officeDocument/2006/relationships" xmlns:p="http://schemas.openxmlformats.org/presentationml/2006/main">
   <p:tag name="DVSHAPEID" val="WbKWPAo6syvvrjq3Py6cJC"/>
 </p:tagLst>
 </file>
 
-<file path=ppt/tags/tag184.xml><?xml version="1.0" encoding="utf-8"?>
+<file path=ppt/tags/tag224.xml><?xml version="1.0" encoding="utf-8"?>
 <p:tagLst xmlns:a="http://schemas.openxmlformats.org/drawingml/2006/main" xmlns:r="http://schemas.openxmlformats.org/officeDocument/2006/relationships" xmlns:p="http://schemas.openxmlformats.org/presentationml/2006/main">
   <p:tag name="DVSHAPEID" val="BWy7KA2Reqnpv4yogTok6X"/>
 </p:tagLst>
 </file>
 
-<file path=ppt/tags/tag185.xml><?xml version="1.0" encoding="utf-8"?>
+<file path=ppt/tags/tag225.xml><?xml version="1.0" encoding="utf-8"?>
 <p:tagLst xmlns:a="http://schemas.openxmlformats.org/drawingml/2006/main" xmlns:r="http://schemas.openxmlformats.org/officeDocument/2006/relationships" xmlns:p="http://schemas.openxmlformats.org/presentationml/2006/main">
   <p:tag name="DVSECTIONID" val="2THGZG0cdam5hs699Xu3WR"/>
 </p:tagLst>
 </file>
 
-<file path=ppt/tags/tag186.xml><?xml version="1.0" encoding="utf-8"?>
+<file path=ppt/tags/tag226.xml><?xml version="1.0" encoding="utf-8"?>
 <p:tagLst xmlns:a="http://schemas.openxmlformats.org/drawingml/2006/main" xmlns:r="http://schemas.openxmlformats.org/officeDocument/2006/relationships" xmlns:p="http://schemas.openxmlformats.org/presentationml/2006/main">
   <p:tag name="DVSHAPEID" val="TsMc3RDfxxUjzNoIPN3Ak4"/>
 </p:tagLst>
 </file>
 
-<file path=ppt/tags/tag187.xml><?xml version="1.0" encoding="utf-8"?>
+<file path=ppt/tags/tag227.xml><?xml version="1.0" encoding="utf-8"?>
 <p:tagLst xmlns:a="http://schemas.openxmlformats.org/drawingml/2006/main" xmlns:r="http://schemas.openxmlformats.org/officeDocument/2006/relationships" xmlns:p="http://schemas.openxmlformats.org/presentationml/2006/main">
   <p:tag name="DVSHAPEID" val="81OluqhcNpwE35lxxbeZTQ"/>
 </p:tagLst>
 </file>
 
-<file path=ppt/tags/tag188.xml><?xml version="1.0" encoding="utf-8"?>
+<file path=ppt/tags/tag228.xml><?xml version="1.0" encoding="utf-8"?>
 <p:tagLst xmlns:a="http://schemas.openxmlformats.org/drawingml/2006/main" xmlns:r="http://schemas.openxmlformats.org/officeDocument/2006/relationships" xmlns:p="http://schemas.openxmlformats.org/presentationml/2006/main">
   <p:tag name="DVSHAPEID" val="vbvL0y3BgvCOkKoIncXkJv"/>
 </p:tagLst>
 </file>
 
-<file path=ppt/tags/tag189.xml><?xml version="1.0" encoding="utf-8"?>
+<file path=ppt/tags/tag229.xml><?xml version="1.0" encoding="utf-8"?>
 <p:tagLst xmlns:a="http://schemas.openxmlformats.org/drawingml/2006/main" xmlns:r="http://schemas.openxmlformats.org/officeDocument/2006/relationships" xmlns:p="http://schemas.openxmlformats.org/presentationml/2006/main">
   <p:tag name="DVSHAPEID" val="NUJinhgSmlahwCPIqJ9c81"/>
 </p:tagLst>
 </file>
 
-<file path=ppt/tags/tag19.xml><?xml version="1.0" encoding="utf-8"?>
-<p:tagLst xmlns:a="http://schemas.openxmlformats.org/drawingml/2006/main" xmlns:r="http://schemas.openxmlformats.org/officeDocument/2006/relationships" xmlns:p="http://schemas.openxmlformats.org/presentationml/2006/main">
-  <p:tag name="DVSHAPEID" val="dgGtiursMpepeC3fa3NgjQ"/>
-</p:tagLst>
-</file>
-
-<file path=ppt/tags/tag190.xml><?xml version="1.0" encoding="utf-8"?>
+<file path=ppt/tags/tag23.xml><?xml version="1.0" encoding="utf-8"?>
+<p:tagLst xmlns:a="http://schemas.openxmlformats.org/drawingml/2006/main" xmlns:r="http://schemas.openxmlformats.org/officeDocument/2006/relationships" xmlns:p="http://schemas.openxmlformats.org/presentationml/2006/main">
+  <p:tag name="DVSHAPEID" val="DEMoUEfQWb0ll0yw10NASb"/>
+</p:tagLst>
+</file>
+
+<file path=ppt/tags/tag230.xml><?xml version="1.0" encoding="utf-8"?>
 <p:tagLst xmlns:a="http://schemas.openxmlformats.org/drawingml/2006/main" xmlns:r="http://schemas.openxmlformats.org/officeDocument/2006/relationships" xmlns:p="http://schemas.openxmlformats.org/presentationml/2006/main">
   <p:tag name="DVSECTIONID" val="5t7BXOHe4FFfF4gfyF884q"/>
 </p:tagLst>
 </file>
 
-<file path=ppt/tags/tag191.xml><?xml version="1.0" encoding="utf-8"?>
+<file path=ppt/tags/tag231.xml><?xml version="1.0" encoding="utf-8"?>
 <p:tagLst xmlns:a="http://schemas.openxmlformats.org/drawingml/2006/main" xmlns:r="http://schemas.openxmlformats.org/officeDocument/2006/relationships" xmlns:p="http://schemas.openxmlformats.org/presentationml/2006/main">
   <p:tag name="DVSHAPEID" val="2eKA9ON21y6ZoB1HaMkn8h"/>
 </p:tagLst>
 </file>
 
-<file path=ppt/tags/tag192.xml><?xml version="1.0" encoding="utf-8"?>
+<file path=ppt/tags/tag232.xml><?xml version="1.0" encoding="utf-8"?>
 <p:tagLst xmlns:a="http://schemas.openxmlformats.org/drawingml/2006/main" xmlns:r="http://schemas.openxmlformats.org/officeDocument/2006/relationships" xmlns:p="http://schemas.openxmlformats.org/presentationml/2006/main">
   <p:tag name="DVSHAPEID" val="E3eMSELebxmLSvyM8r5kjC"/>
 </p:tagLst>
 </file>
 
-<file path=ppt/tags/tag193.xml><?xml version="1.0" encoding="utf-8"?>
+<file path=ppt/tags/tag233.xml><?xml version="1.0" encoding="utf-8"?>
 <p:tagLst xmlns:a="http://schemas.openxmlformats.org/drawingml/2006/main" xmlns:r="http://schemas.openxmlformats.org/officeDocument/2006/relationships" xmlns:p="http://schemas.openxmlformats.org/presentationml/2006/main">
   <p:tag name="DVSHAPEID" val="bwedHJynRLTKAHlmV8gNnz"/>
 </p:tagLst>
 </file>
 
-<file path=ppt/tags/tag194.xml><?xml version="1.0" encoding="utf-8"?>
+<file path=ppt/tags/tag234.xml><?xml version="1.0" encoding="utf-8"?>
 <p:tagLst xmlns:a="http://schemas.openxmlformats.org/drawingml/2006/main" xmlns:r="http://schemas.openxmlformats.org/officeDocument/2006/relationships" xmlns:p="http://schemas.openxmlformats.org/presentationml/2006/main">
   <p:tag name="DVSHAPEID" val="DCIw9nDShNX2SIyEW2FOFA"/>
 </p:tagLst>
 </file>
 
-<file path=ppt/tags/tag195.xml><?xml version="1.0" encoding="utf-8"?>
+<file path=ppt/tags/tag235.xml><?xml version="1.0" encoding="utf-8"?>
 <p:tagLst xmlns:a="http://schemas.openxmlformats.org/drawingml/2006/main" xmlns:r="http://schemas.openxmlformats.org/officeDocument/2006/relationships" xmlns:p="http://schemas.openxmlformats.org/presentationml/2006/main">
   <p:tag name="DVSECTIONID" val="I3NEDgrPAwDbNdynIcvY5G"/>
 </p:tagLst>
 </file>
 
-<file path=ppt/tags/tag196.xml><?xml version="1.0" encoding="utf-8"?>
+<file path=ppt/tags/tag236.xml><?xml version="1.0" encoding="utf-8"?>
 <p:tagLst xmlns:a="http://schemas.openxmlformats.org/drawingml/2006/main" xmlns:r="http://schemas.openxmlformats.org/officeDocument/2006/relationships" xmlns:p="http://schemas.openxmlformats.org/presentationml/2006/main">
   <p:tag name="DVSHAPEID" val="S7UQrLvW3weCSBvbAaJZt5"/>
 </p:tagLst>
 </file>
 
-<file path=ppt/tags/tag197.xml><?xml version="1.0" encoding="utf-8"?>
+<file path=ppt/tags/tag237.xml><?xml version="1.0" encoding="utf-8"?>
 <p:tagLst xmlns:a="http://schemas.openxmlformats.org/drawingml/2006/main" xmlns:r="http://schemas.openxmlformats.org/officeDocument/2006/relationships" xmlns:p="http://schemas.openxmlformats.org/presentationml/2006/main">
   <p:tag name="DVSHAPEID" val="NyPDOgbe7zT2KBBiWRmlJq"/>
 </p:tagLst>
 </file>
 
-<file path=ppt/tags/tag198.xml><?xml version="1.0" encoding="utf-8"?>
+<file path=ppt/tags/tag238.xml><?xml version="1.0" encoding="utf-8"?>
 <p:tagLst xmlns:a="http://schemas.openxmlformats.org/drawingml/2006/main" xmlns:r="http://schemas.openxmlformats.org/officeDocument/2006/relationships" xmlns:p="http://schemas.openxmlformats.org/presentationml/2006/main">
   <p:tag name="DVSHAPEID" val="NgPW9Lru4G7Nkm1NXfKPoF"/>
 </p:tagLst>
 </file>
 
-<file path=ppt/tags/tag199.xml><?xml version="1.0" encoding="utf-8"?>
+<file path=ppt/tags/tag239.xml><?xml version="1.0" encoding="utf-8"?>
 <p:tagLst xmlns:a="http://schemas.openxmlformats.org/drawingml/2006/main" xmlns:r="http://schemas.openxmlformats.org/officeDocument/2006/relationships" xmlns:p="http://schemas.openxmlformats.org/presentationml/2006/main">
   <p:tag name="DVSHAPEID" val="IQRTAhdRC8lmKzOR6qMDuc"/>
 </p:tagLst>
 </file>
 
-<file path=ppt/tags/tag2.xml><?xml version="1.0" encoding="utf-8"?>
-<p:tagLst xmlns:a="http://schemas.openxmlformats.org/drawingml/2006/main" xmlns:r="http://schemas.openxmlformats.org/officeDocument/2006/relationships" xmlns:p="http://schemas.openxmlformats.org/presentationml/2006/main">
-  <p:tag name="DVSHAPEID" val="Bwwy6CchyRgEnS3z5azJyg"/>
-</p:tagLst>
-</file>
-
-<file path=ppt/tags/tag20.xml><?xml version="1.0" encoding="utf-8"?>
-<p:tagLst xmlns:a="http://schemas.openxmlformats.org/drawingml/2006/main" xmlns:r="http://schemas.openxmlformats.org/officeDocument/2006/relationships" xmlns:p="http://schemas.openxmlformats.org/presentationml/2006/main">
-  <p:tag name="DVSHAPEID" val="Yz7jeqC311lm14wfDvRMUo"/>
-</p:tagLst>
-</file>
-
-<file path=ppt/tags/tag200.xml><?xml version="1.0" encoding="utf-8"?>
+<file path=ppt/tags/tag24.xml><?xml version="1.0" encoding="utf-8"?>
+<p:tagLst xmlns:a="http://schemas.openxmlformats.org/drawingml/2006/main" xmlns:r="http://schemas.openxmlformats.org/officeDocument/2006/relationships" xmlns:p="http://schemas.openxmlformats.org/presentationml/2006/main">
+  <p:tag name="DVSHAPEID" val="rG6Cya5XBA4ZeVdk0L3yAK"/>
+</p:tagLst>
+</file>
+
+<file path=ppt/tags/tag240.xml><?xml version="1.0" encoding="utf-8"?>
 <p:tagLst xmlns:a="http://schemas.openxmlformats.org/drawingml/2006/main" xmlns:r="http://schemas.openxmlformats.org/officeDocument/2006/relationships" xmlns:p="http://schemas.openxmlformats.org/presentationml/2006/main">
   <p:tag name="DVSECTIONID" val="q1M1SToOVNMFL3OiarNf49"/>
 </p:tagLst>
 </file>
 
-<file path=ppt/tags/tag201.xml><?xml version="1.0" encoding="utf-8"?>
+<file path=ppt/tags/tag241.xml><?xml version="1.0" encoding="utf-8"?>
 <p:tagLst xmlns:a="http://schemas.openxmlformats.org/drawingml/2006/main" xmlns:r="http://schemas.openxmlformats.org/officeDocument/2006/relationships" xmlns:p="http://schemas.openxmlformats.org/presentationml/2006/main">
   <p:tag name="DVSHAPEID" val="VXgfh9U7AU28xZ5gbagd4Z"/>
 </p:tagLst>
 </file>
 
-<file path=ppt/tags/tag202.xml><?xml version="1.0" encoding="utf-8"?>
+<file path=ppt/tags/tag242.xml><?xml version="1.0" encoding="utf-8"?>
 <p:tagLst xmlns:a="http://schemas.openxmlformats.org/drawingml/2006/main" xmlns:r="http://schemas.openxmlformats.org/officeDocument/2006/relationships" xmlns:p="http://schemas.openxmlformats.org/presentationml/2006/main">
   <p:tag name="DVSHAPEID" val="rXBrZ58k2LawUUClZ4Xuxr"/>
 </p:tagLst>
 </file>
 
-<file path=ppt/tags/tag203.xml><?xml version="1.0" encoding="utf-8"?>
+<file path=ppt/tags/tag243.xml><?xml version="1.0" encoding="utf-8"?>
 <p:tagLst xmlns:a="http://schemas.openxmlformats.org/drawingml/2006/main" xmlns:r="http://schemas.openxmlformats.org/officeDocument/2006/relationships" xmlns:p="http://schemas.openxmlformats.org/presentationml/2006/main">
   <p:tag name="DVSHAPEID" val="kC2OLQfCmh8WvjDQ9OZgRg"/>
 </p:tagLst>
 </file>
 
-<file path=ppt/tags/tag204.xml><?xml version="1.0" encoding="utf-8"?>
+<file path=ppt/tags/tag244.xml><?xml version="1.0" encoding="utf-8"?>
 <p:tagLst xmlns:a="http://schemas.openxmlformats.org/drawingml/2006/main" xmlns:r="http://schemas.openxmlformats.org/officeDocument/2006/relationships" xmlns:p="http://schemas.openxmlformats.org/presentationml/2006/main">
   <p:tag name="DVSHAPEID" val="X14bDQacgzrZDYpajh5qpT"/>
 </p:tagLst>
 </file>
 
-<file path=ppt/tags/tag205.xml><?xml version="1.0" encoding="utf-8"?>
+<file path=ppt/tags/tag245.xml><?xml version="1.0" encoding="utf-8"?>
 <p:tagLst xmlns:a="http://schemas.openxmlformats.org/drawingml/2006/main" xmlns:r="http://schemas.openxmlformats.org/officeDocument/2006/relationships" xmlns:p="http://schemas.openxmlformats.org/presentationml/2006/main">
   <p:tag name="DVSECTIONID" val="Bug3GbXVD6k1DLSBnxqLAQ"/>
 </p:tagLst>
 </file>
 
-<file path=ppt/tags/tag206.xml><?xml version="1.0" encoding="utf-8"?>
+<file path=ppt/tags/tag246.xml><?xml version="1.0" encoding="utf-8"?>
 <p:tagLst xmlns:a="http://schemas.openxmlformats.org/drawingml/2006/main" xmlns:r="http://schemas.openxmlformats.org/officeDocument/2006/relationships" xmlns:p="http://schemas.openxmlformats.org/presentationml/2006/main">
   <p:tag name="DVSHAPEID" val="nYojH9U8vgz3E0KAdora1z"/>
 </p:tagLst>
 </file>
 
-<file path=ppt/tags/tag207.xml><?xml version="1.0" encoding="utf-8"?>
+<file path=ppt/tags/tag247.xml><?xml version="1.0" encoding="utf-8"?>
 <p:tagLst xmlns:a="http://schemas.openxmlformats.org/drawingml/2006/main" xmlns:r="http://schemas.openxmlformats.org/officeDocument/2006/relationships" xmlns:p="http://schemas.openxmlformats.org/presentationml/2006/main">
   <p:tag name="DVSHAPEID" val="uwGFqZvIbrR4D6Nj81h73b"/>
 </p:tagLst>
 </file>
 
-<file path=ppt/tags/tag208.xml><?xml version="1.0" encoding="utf-8"?>
+<file path=ppt/tags/tag248.xml><?xml version="1.0" encoding="utf-8"?>
 <p:tagLst xmlns:a="http://schemas.openxmlformats.org/drawingml/2006/main" xmlns:r="http://schemas.openxmlformats.org/officeDocument/2006/relationships" xmlns:p="http://schemas.openxmlformats.org/presentationml/2006/main">
   <p:tag name="DVSHAPEID" val="qzjopJ3GZfRNtRD2IVCN47"/>
 </p:tagLst>
 </file>
 
-<file path=ppt/tags/tag209.xml><?xml version="1.0" encoding="utf-8"?>
+<file path=ppt/tags/tag249.xml><?xml version="1.0" encoding="utf-8"?>
 <p:tagLst xmlns:a="http://schemas.openxmlformats.org/drawingml/2006/main" xmlns:r="http://schemas.openxmlformats.org/officeDocument/2006/relationships" xmlns:p="http://schemas.openxmlformats.org/presentationml/2006/main">
   <p:tag name="DVSHAPEID" val="cAmEMTfpSTvj56l2zLEvsC"/>
 </p:tagLst>
 </file>
 
-<file path=ppt/tags/tag21.xml><?xml version="1.0" encoding="utf-8"?>
-<p:tagLst xmlns:a="http://schemas.openxmlformats.org/drawingml/2006/main" xmlns:r="http://schemas.openxmlformats.org/officeDocument/2006/relationships" xmlns:p="http://schemas.openxmlformats.org/presentationml/2006/main">
-  <p:tag name="DVSHAPEID" val="yoT8vKVdThImh7lYg0PJnc"/>
-</p:tagLst>
-</file>
-
-<file path=ppt/tags/tag210.xml><?xml version="1.0" encoding="utf-8"?>
+<file path=ppt/tags/tag25.xml><?xml version="1.0" encoding="utf-8"?>
+<p:tagLst xmlns:a="http://schemas.openxmlformats.org/drawingml/2006/main" xmlns:r="http://schemas.openxmlformats.org/officeDocument/2006/relationships" xmlns:p="http://schemas.openxmlformats.org/presentationml/2006/main">
+  <p:tag name="DVSHAPEID" val="AEnpxpQ70xcrd5ih64LZzq"/>
+</p:tagLst>
+</file>
+
+<file path=ppt/tags/tag250.xml><?xml version="1.0" encoding="utf-8"?>
 <p:tagLst xmlns:a="http://schemas.openxmlformats.org/drawingml/2006/main" xmlns:r="http://schemas.openxmlformats.org/officeDocument/2006/relationships" xmlns:p="http://schemas.openxmlformats.org/presentationml/2006/main">
   <p:tag name="DVSECTIONID" val="o8svzq13bQChqiLPcdRZaG"/>
 </p:tagLst>
 </file>
 
-<file path=ppt/tags/tag211.xml><?xml version="1.0" encoding="utf-8"?>
+<file path=ppt/tags/tag251.xml><?xml version="1.0" encoding="utf-8"?>
 <p:tagLst xmlns:a="http://schemas.openxmlformats.org/drawingml/2006/main" xmlns:r="http://schemas.openxmlformats.org/officeDocument/2006/relationships" xmlns:p="http://schemas.openxmlformats.org/presentationml/2006/main">
   <p:tag name="DVSHAPEID" val="cPCVG6imvg6inJ1LW9qzmY"/>
 </p:tagLst>
 </file>
 
-<file path=ppt/tags/tag212.xml><?xml version="1.0" encoding="utf-8"?>
+<file path=ppt/tags/tag252.xml><?xml version="1.0" encoding="utf-8"?>
 <p:tagLst xmlns:a="http://schemas.openxmlformats.org/drawingml/2006/main" xmlns:r="http://schemas.openxmlformats.org/officeDocument/2006/relationships" xmlns:p="http://schemas.openxmlformats.org/presentationml/2006/main">
   <p:tag name="DVSHAPEID" val="iaMwGGlR8zFznw1Rd97wof"/>
 </p:tagLst>
 </file>
 
-<file path=ppt/tags/tag213.xml><?xml version="1.0" encoding="utf-8"?>
+<file path=ppt/tags/tag253.xml><?xml version="1.0" encoding="utf-8"?>
 <p:tagLst xmlns:a="http://schemas.openxmlformats.org/drawingml/2006/main" xmlns:r="http://schemas.openxmlformats.org/officeDocument/2006/relationships" xmlns:p="http://schemas.openxmlformats.org/presentationml/2006/main">
   <p:tag name="DVSHAPEID" val="dNJC0NPu5Tgexs99pC0E7w"/>
 </p:tagLst>
 </file>
 
-<file path=ppt/tags/tag214.xml><?xml version="1.0" encoding="utf-8"?>
+<file path=ppt/tags/tag254.xml><?xml version="1.0" encoding="utf-8"?>
 <p:tagLst xmlns:a="http://schemas.openxmlformats.org/drawingml/2006/main" xmlns:r="http://schemas.openxmlformats.org/officeDocument/2006/relationships" xmlns:p="http://schemas.openxmlformats.org/presentationml/2006/main">
   <p:tag name="DVSHAPEID" val="DNluJ5WhsQA2WYN4Fx1EuM"/>
 </p:tagLst>
 </file>
 
-<file path=ppt/tags/tag215.xml><?xml version="1.0" encoding="utf-8"?>
+<file path=ppt/tags/tag255.xml><?xml version="1.0" encoding="utf-8"?>
 <p:tagLst xmlns:a="http://schemas.openxmlformats.org/drawingml/2006/main" xmlns:r="http://schemas.openxmlformats.org/officeDocument/2006/relationships" xmlns:p="http://schemas.openxmlformats.org/presentationml/2006/main">
   <p:tag name="DVSECTIONID" val="6mlR65wryZr5EHmejjBzu4"/>
 </p:tagLst>
 </file>
 
-<file path=ppt/tags/tag216.xml><?xml version="1.0" encoding="utf-8"?>
+<file path=ppt/tags/tag256.xml><?xml version="1.0" encoding="utf-8"?>
 <p:tagLst xmlns:a="http://schemas.openxmlformats.org/drawingml/2006/main" xmlns:r="http://schemas.openxmlformats.org/officeDocument/2006/relationships" xmlns:p="http://schemas.openxmlformats.org/presentationml/2006/main">
   <p:tag name="DVSHAPEID" val="j9ZzH4JvvK7HaWgw4KyOrp"/>
 </p:tagLst>
 </file>
 
-<file path=ppt/tags/tag217.xml><?xml version="1.0" encoding="utf-8"?>
+<file path=ppt/tags/tag257.xml><?xml version="1.0" encoding="utf-8"?>
 <p:tagLst xmlns:a="http://schemas.openxmlformats.org/drawingml/2006/main" xmlns:r="http://schemas.openxmlformats.org/officeDocument/2006/relationships" xmlns:p="http://schemas.openxmlformats.org/presentationml/2006/main">
   <p:tag name="DVSHAPEID" val="DuwalkWsCt2QtbvanRxWkQ"/>
 </p:tagLst>
 </file>
 
-<file path=ppt/tags/tag218.xml><?xml version="1.0" encoding="utf-8"?>
+<file path=ppt/tags/tag258.xml><?xml version="1.0" encoding="utf-8"?>
 <p:tagLst xmlns:a="http://schemas.openxmlformats.org/drawingml/2006/main" xmlns:r="http://schemas.openxmlformats.org/officeDocument/2006/relationships" xmlns:p="http://schemas.openxmlformats.org/presentationml/2006/main">
   <p:tag name="DVSHAPEID" val="VfORO9th6GlTvu3xIpz37D"/>
 </p:tagLst>
 </file>
 
-<file path=ppt/tags/tag219.xml><?xml version="1.0" encoding="utf-8"?>
+<file path=ppt/tags/tag259.xml><?xml version="1.0" encoding="utf-8"?>
 <p:tagLst xmlns:a="http://schemas.openxmlformats.org/drawingml/2006/main" xmlns:r="http://schemas.openxmlformats.org/officeDocument/2006/relationships" xmlns:p="http://schemas.openxmlformats.org/presentationml/2006/main">
   <p:tag name="DVSHAPEID" val="Fjs50TnGgu5NzgluwMZknl"/>
 </p:tagLst>
 </file>
 
-<file path=ppt/tags/tag22.xml><?xml version="1.0" encoding="utf-8"?>
-<p:tagLst xmlns:a="http://schemas.openxmlformats.org/drawingml/2006/main" xmlns:r="http://schemas.openxmlformats.org/officeDocument/2006/relationships" xmlns:p="http://schemas.openxmlformats.org/presentationml/2006/main">
-  <p:tag name="DVSHAPEID" val="3SAZIVqipxVA0Iq5VS7N84"/>
-</p:tagLst>
-</file>
-
-<file path=ppt/tags/tag220.xml><?xml version="1.0" encoding="utf-8"?>
+<file path=ppt/tags/tag26.xml><?xml version="1.0" encoding="utf-8"?>
+<p:tagLst xmlns:a="http://schemas.openxmlformats.org/drawingml/2006/main" xmlns:r="http://schemas.openxmlformats.org/officeDocument/2006/relationships" xmlns:p="http://schemas.openxmlformats.org/presentationml/2006/main">
+  <p:tag name="DVSHAPEID" val="hlMCjHZ1xkBH6rf8DG6tzw"/>
+</p:tagLst>
+</file>
+
+<file path=ppt/tags/tag260.xml><?xml version="1.0" encoding="utf-8"?>
 <p:tagLst xmlns:a="http://schemas.openxmlformats.org/drawingml/2006/main" xmlns:r="http://schemas.openxmlformats.org/officeDocument/2006/relationships" xmlns:p="http://schemas.openxmlformats.org/presentationml/2006/main">
   <p:tag name="DVSECTIONID" val="lJq2qy3fOizL58AbCwUzUt"/>
 </p:tagLst>
 </file>
 
-<file path=ppt/tags/tag221.xml><?xml version="1.0" encoding="utf-8"?>
+<file path=ppt/tags/tag261.xml><?xml version="1.0" encoding="utf-8"?>
 <p:tagLst xmlns:a="http://schemas.openxmlformats.org/drawingml/2006/main" xmlns:r="http://schemas.openxmlformats.org/officeDocument/2006/relationships" xmlns:p="http://schemas.openxmlformats.org/presentationml/2006/main">
   <p:tag name="DVSHAPEID" val="vAF17P88nhIhAvpJ9zUppR"/>
 </p:tagLst>
 </file>
 
-<file path=ppt/tags/tag222.xml><?xml version="1.0" encoding="utf-8"?>
+<file path=ppt/tags/tag262.xml><?xml version="1.0" encoding="utf-8"?>
 <p:tagLst xmlns:a="http://schemas.openxmlformats.org/drawingml/2006/main" xmlns:r="http://schemas.openxmlformats.org/officeDocument/2006/relationships" xmlns:p="http://schemas.openxmlformats.org/presentationml/2006/main">
   <p:tag name="DVSHAPEID" val="NIVMbeSN3MgjNRpZMxx86O"/>
 </p:tagLst>
 </file>
 
-<file path=ppt/tags/tag223.xml><?xml version="1.0" encoding="utf-8"?>
+<file path=ppt/tags/tag263.xml><?xml version="1.0" encoding="utf-8"?>
 <p:tagLst xmlns:a="http://schemas.openxmlformats.org/drawingml/2006/main" xmlns:r="http://schemas.openxmlformats.org/officeDocument/2006/relationships" xmlns:p="http://schemas.openxmlformats.org/presentationml/2006/main">
   <p:tag name="DVSHAPEID" val="5hGQ5NCpqXWEMX5kEUfAdV"/>
 </p:tagLst>
 </file>
 
-<file path=ppt/tags/tag224.xml><?xml version="1.0" encoding="utf-8"?>
+<file path=ppt/tags/tag264.xml><?xml version="1.0" encoding="utf-8"?>
 <p:tagLst xmlns:a="http://schemas.openxmlformats.org/drawingml/2006/main" xmlns:r="http://schemas.openxmlformats.org/officeDocument/2006/relationships" xmlns:p="http://schemas.openxmlformats.org/presentationml/2006/main">
   <p:tag name="DVSHAPEID" val="1gIxj9MnRhKZCD5l94aEmi"/>
 </p:tagLst>
 </file>
 
-<file path=ppt/tags/tag225.xml><?xml version="1.0" encoding="utf-8"?>
+<file path=ppt/tags/tag265.xml><?xml version="1.0" encoding="utf-8"?>
 <p:tagLst xmlns:a="http://schemas.openxmlformats.org/drawingml/2006/main" xmlns:r="http://schemas.openxmlformats.org/officeDocument/2006/relationships" xmlns:p="http://schemas.openxmlformats.org/presentationml/2006/main">
   <p:tag name="DVSECTIONID" val="IEdCe1Bk5ALRk4HQHuVBoY"/>
 </p:tagLst>
 </file>
 
-<file path=ppt/tags/tag226.xml><?xml version="1.0" encoding="utf-8"?>
+<file path=ppt/tags/tag266.xml><?xml version="1.0" encoding="utf-8"?>
 <p:tagLst xmlns:a="http://schemas.openxmlformats.org/drawingml/2006/main" xmlns:r="http://schemas.openxmlformats.org/officeDocument/2006/relationships" xmlns:p="http://schemas.openxmlformats.org/presentationml/2006/main">
   <p:tag name="DVSHAPEID" val="n85sTsSDSvAafp8yttC35E"/>
 </p:tagLst>
 </file>
 
-<file path=ppt/tags/tag227.xml><?xml version="1.0" encoding="utf-8"?>
+<file path=ppt/tags/tag267.xml><?xml version="1.0" encoding="utf-8"?>
 <p:tagLst xmlns:a="http://schemas.openxmlformats.org/drawingml/2006/main" xmlns:r="http://schemas.openxmlformats.org/officeDocument/2006/relationships" xmlns:p="http://schemas.openxmlformats.org/presentationml/2006/main">
   <p:tag name="DVSHAPEID" val="UMksfjLaqzzJTzrRgkueof"/>
 </p:tagLst>
 </file>
 
-<file path=ppt/tags/tag23.xml><?xml version="1.0" encoding="utf-8"?>
-<p:tagLst xmlns:a="http://schemas.openxmlformats.org/drawingml/2006/main" xmlns:r="http://schemas.openxmlformats.org/officeDocument/2006/relationships" xmlns:p="http://schemas.openxmlformats.org/presentationml/2006/main">
-  <p:tag name="DVSHAPEID" val="DEMoUEfQWb0ll0yw10NASb"/>
-</p:tagLst>
-</file>
-
-<file path=ppt/tags/tag24.xml><?xml version="1.0" encoding="utf-8"?>
-<p:tagLst xmlns:a="http://schemas.openxmlformats.org/drawingml/2006/main" xmlns:r="http://schemas.openxmlformats.org/officeDocument/2006/relationships" xmlns:p="http://schemas.openxmlformats.org/presentationml/2006/main">
-  <p:tag name="DVSHAPEID" val="rG6Cya5XBA4ZeVdk0L3yAK"/>
-</p:tagLst>
-</file>
-
-<file path=ppt/tags/tag25.xml><?xml version="1.0" encoding="utf-8"?>
-<p:tagLst xmlns:a="http://schemas.openxmlformats.org/drawingml/2006/main" xmlns:r="http://schemas.openxmlformats.org/officeDocument/2006/relationships" xmlns:p="http://schemas.openxmlformats.org/presentationml/2006/main">
-  <p:tag name="DVSHAPEID" val="AEnpxpQ70xcrd5ih64LZzq"/>
-</p:tagLst>
-</file>
-
-<file path=ppt/tags/tag26.xml><?xml version="1.0" encoding="utf-8"?>
-<p:tagLst xmlns:a="http://schemas.openxmlformats.org/drawingml/2006/main" xmlns:r="http://schemas.openxmlformats.org/officeDocument/2006/relationships" xmlns:p="http://schemas.openxmlformats.org/presentationml/2006/main">
-  <p:tag name="DVSHAPEID" val="hlMCjHZ1xkBH6rf8DG6tzw"/>
-</p:tagLst>
-</file>
-
 <file path=ppt/tags/tag27.xml><?xml version="1.0" encoding="utf-8"?>
 <p:tagLst xmlns:a="http://schemas.openxmlformats.org/drawingml/2006/main" xmlns:r="http://schemas.openxmlformats.org/officeDocument/2006/relationships" xmlns:p="http://schemas.openxmlformats.org/presentationml/2006/main">
   <p:tag name="DVSHAPEID" val="NMI72JFYMBaan2DU698Y0S"/>
@@ -15365,7 +20781,7 @@
 
 <file path=ppt/tags/tag99.xml><?xml version="1.0" encoding="utf-8"?>
 <p:tagLst xmlns:a="http://schemas.openxmlformats.org/drawingml/2006/main" xmlns:r="http://schemas.openxmlformats.org/officeDocument/2006/relationships" xmlns:p="http://schemas.openxmlformats.org/presentationml/2006/main">
-  <p:tag name="DVSECTIONID" val="1zpScKYvw0xzOa3t1fGxFV"/>
+  <p:tag name="DVSHAPEID" val="b40RuG6wHBZ4PuxajLIsTz"/>
 </p:tagLst>
 </file>
 

--- a/trunk/Seminar cuoi ky/1.Bao cao/Slide bao cao.pptx
+++ b/trunk/Seminar cuoi ky/1.Bao cao/Slide bao cao.pptx
@@ -5,24 +5,24 @@
     <p:sldMasterId id="2147483684" r:id="rId1"/>
   </p:sldMasterIdLst>
   <p:notesMasterIdLst>
-    <p:notesMasterId r:id="rId36"/>
+    <p:notesMasterId r:id="rId31"/>
   </p:notesMasterIdLst>
   <p:sldIdLst>
     <p:sldId id="256" r:id="rId2"/>
-    <p:sldId id="302" r:id="rId3"/>
-    <p:sldId id="257" r:id="rId4"/>
-    <p:sldId id="301" r:id="rId5"/>
-    <p:sldId id="330" r:id="rId6"/>
-    <p:sldId id="258" r:id="rId7"/>
-    <p:sldId id="303" r:id="rId8"/>
-    <p:sldId id="304" r:id="rId9"/>
-    <p:sldId id="305" r:id="rId10"/>
-    <p:sldId id="310" r:id="rId11"/>
-    <p:sldId id="306" r:id="rId12"/>
-    <p:sldId id="307" r:id="rId13"/>
-    <p:sldId id="308" r:id="rId14"/>
-    <p:sldId id="309" r:id="rId15"/>
-    <p:sldId id="333" r:id="rId16"/>
+    <p:sldId id="257" r:id="rId3"/>
+    <p:sldId id="301" r:id="rId4"/>
+    <p:sldId id="330" r:id="rId5"/>
+    <p:sldId id="258" r:id="rId6"/>
+    <p:sldId id="303" r:id="rId7"/>
+    <p:sldId id="304" r:id="rId8"/>
+    <p:sldId id="305" r:id="rId9"/>
+    <p:sldId id="310" r:id="rId10"/>
+    <p:sldId id="306" r:id="rId11"/>
+    <p:sldId id="307" r:id="rId12"/>
+    <p:sldId id="308" r:id="rId13"/>
+    <p:sldId id="309" r:id="rId14"/>
+    <p:sldId id="333" r:id="rId15"/>
+    <p:sldId id="334" r:id="rId16"/>
     <p:sldId id="311" r:id="rId17"/>
     <p:sldId id="312" r:id="rId18"/>
     <p:sldId id="313" r:id="rId19"/>
@@ -36,12 +36,7 @@
     <p:sldId id="318" r:id="rId27"/>
     <p:sldId id="321" r:id="rId28"/>
     <p:sldId id="322" r:id="rId29"/>
-    <p:sldId id="323" r:id="rId30"/>
-    <p:sldId id="324" r:id="rId31"/>
-    <p:sldId id="325" r:id="rId32"/>
-    <p:sldId id="329" r:id="rId33"/>
-    <p:sldId id="328" r:id="rId34"/>
-    <p:sldId id="327" r:id="rId35"/>
+    <p:sldId id="327" r:id="rId30"/>
   </p:sldIdLst>
   <p:sldSz cx="9144000" cy="6858000" type="screen4x3"/>
   <p:notesSz cx="6858000" cy="9144000"/>
@@ -1333,7 +1328,7 @@
         <a:p>
           <a:r>
             <a:rPr lang="en-US" sz="3600" dirty="0" smtClean="0"/>
-            <a:t>Result</a:t>
+            <a:t>Testing Result </a:t>
           </a:r>
           <a:endParaRPr lang="en-US" sz="3600" dirty="0"/>
         </a:p>
@@ -1598,7 +1593,7 @@
       </dgm:t>
     </dgm:pt>
     <dgm:pt modelId="{BF93CB9E-2DFC-4A7C-ABDA-26A3DC628B0D}" type="pres">
-      <dgm:prSet presAssocID="{711E13EF-589D-4452-A7D3-F932734A8967}" presName="descendantText" presStyleLbl="alignAcc1" presStyleIdx="3" presStyleCnt="4">
+      <dgm:prSet presAssocID="{711E13EF-589D-4452-A7D3-F932734A8967}" presName="descendantText" presStyleLbl="alignAcc1" presStyleIdx="3" presStyleCnt="4" custLinFactNeighborX="-797" custLinFactNeighborY="4580">
         <dgm:presLayoutVars>
           <dgm:bulletEnabled val="1"/>
         </dgm:presLayoutVars>
@@ -3113,7 +3108,7 @@
             <a:fld id="{E4C1F56E-8A0B-4477-A02C-10EB11879681}" type="datetimeFigureOut">
               <a:rPr lang="en-US" smtClean="0"/>
               <a:pPr/>
-              <a:t>4/14/2011</a:t>
+              <a:t>4/18/2011</a:t>
             </a:fld>
             <a:endParaRPr lang="en-US"/>
           </a:p>
@@ -3452,7 +3447,7 @@
             <a:fld id="{61BA6024-79B4-4B87-BB6B-C95A0B65AFA5}" type="slidenum">
               <a:rPr lang="en-US" smtClean="0"/>
               <a:pPr/>
-              <a:t>4</a:t>
+              <a:t>3</a:t>
             </a:fld>
             <a:endParaRPr lang="en-US"/>
           </a:p>
@@ -3538,7 +3533,7 @@
             <a:fld id="{2F06D49F-AE41-40F4-AAE5-855712C3B917}" type="slidenum">
               <a:rPr lang="en-US" smtClean="0"/>
               <a:pPr/>
-              <a:t>9</a:t>
+              <a:t>8</a:t>
             </a:fld>
             <a:endParaRPr lang="en-US"/>
           </a:p>
@@ -3620,7 +3615,7 @@
             <a:fld id="{61BA6024-79B4-4B87-BB6B-C95A0B65AFA5}" type="slidenum">
               <a:rPr lang="en-US" smtClean="0"/>
               <a:pPr/>
-              <a:t>10</a:t>
+              <a:t>9</a:t>
             </a:fld>
             <a:endParaRPr lang="en-US"/>
           </a:p>
@@ -3680,7 +3675,207 @@
           </a:bodyPr>
           <a:lstStyle/>
           <a:p>
-            <a:endParaRPr lang="en-US"/>
+            <a:r>
+              <a:rPr lang="en-US" dirty="0" smtClean="0"/>
+              <a:t>Ngon6</a:t>
+            </a:r>
+            <a:r>
+              <a:rPr lang="en-US" baseline="0" dirty="0" smtClean="0"/>
+              <a:t> </a:t>
+            </a:r>
+            <a:r>
+              <a:rPr lang="en-US" baseline="0" dirty="0" err="1" smtClean="0"/>
+              <a:t>ngữ</a:t>
+            </a:r>
+            <a:r>
+              <a:rPr lang="en-US" baseline="0" dirty="0" smtClean="0"/>
+              <a:t> </a:t>
+            </a:r>
+            <a:r>
+              <a:rPr lang="en-US" baseline="0" dirty="0" err="1" smtClean="0"/>
+              <a:t>tự</a:t>
+            </a:r>
+            <a:r>
+              <a:rPr lang="en-US" baseline="0" dirty="0" smtClean="0"/>
+              <a:t> </a:t>
+            </a:r>
+            <a:r>
+              <a:rPr lang="en-US" baseline="0" dirty="0" err="1" smtClean="0"/>
+              <a:t>nhiên</a:t>
+            </a:r>
+            <a:r>
+              <a:rPr lang="en-US" baseline="0" dirty="0" smtClean="0"/>
+              <a:t> </a:t>
+            </a:r>
+            <a:r>
+              <a:rPr lang="en-US" baseline="0" dirty="0" err="1" smtClean="0"/>
+              <a:t>có</a:t>
+            </a:r>
+            <a:r>
+              <a:rPr lang="en-US" baseline="0" dirty="0" smtClean="0"/>
+              <a:t> </a:t>
+            </a:r>
+            <a:r>
+              <a:rPr lang="en-US" baseline="0" dirty="0" err="1" smtClean="0"/>
+              <a:t>nhiều</a:t>
+            </a:r>
+            <a:r>
+              <a:rPr lang="en-US" baseline="0" dirty="0" smtClean="0"/>
+              <a:t> </a:t>
+            </a:r>
+            <a:r>
+              <a:rPr lang="en-US" baseline="0" dirty="0" err="1" smtClean="0"/>
+              <a:t>từ</a:t>
+            </a:r>
+            <a:r>
+              <a:rPr lang="en-US" baseline="0" dirty="0" smtClean="0"/>
+              <a:t> </a:t>
+            </a:r>
+            <a:r>
+              <a:rPr lang="en-US" baseline="0" dirty="0" err="1" smtClean="0"/>
+              <a:t>ngữ</a:t>
+            </a:r>
+            <a:r>
+              <a:rPr lang="en-US" baseline="0" dirty="0" smtClean="0"/>
+              <a:t> </a:t>
+            </a:r>
+            <a:r>
+              <a:rPr lang="en-US" baseline="0" dirty="0" err="1" smtClean="0"/>
+              <a:t>ổn</a:t>
+            </a:r>
+            <a:r>
+              <a:rPr lang="en-US" baseline="0" dirty="0" smtClean="0"/>
+              <a:t> </a:t>
+            </a:r>
+            <a:r>
+              <a:rPr lang="en-US" baseline="0" dirty="0" err="1" smtClean="0"/>
+              <a:t>định</a:t>
+            </a:r>
+            <a:r>
+              <a:rPr lang="en-US" baseline="0" dirty="0" smtClean="0"/>
+              <a:t> </a:t>
+            </a:r>
+            <a:r>
+              <a:rPr lang="en-US" baseline="0" dirty="0" err="1" smtClean="0"/>
+              <a:t>trong</a:t>
+            </a:r>
+            <a:r>
+              <a:rPr lang="en-US" baseline="0" dirty="0" smtClean="0"/>
+              <a:t> </a:t>
+            </a:r>
+            <a:r>
+              <a:rPr lang="en-US" baseline="0" dirty="0" err="1" smtClean="0"/>
+              <a:t>một</a:t>
+            </a:r>
+            <a:r>
+              <a:rPr lang="en-US" baseline="0" dirty="0" smtClean="0"/>
+              <a:t> </a:t>
+            </a:r>
+            <a:r>
+              <a:rPr lang="en-US" baseline="0" dirty="0" err="1" smtClean="0"/>
+              <a:t>phạm</a:t>
+            </a:r>
+            <a:r>
+              <a:rPr lang="en-US" baseline="0" dirty="0" smtClean="0"/>
+              <a:t> vi. </a:t>
+            </a:r>
+            <a:r>
+              <a:rPr lang="en-US" baseline="0" dirty="0" err="1" smtClean="0"/>
+              <a:t>Trong</a:t>
+            </a:r>
+            <a:r>
+              <a:rPr lang="en-US" baseline="0" dirty="0" smtClean="0"/>
+              <a:t> </a:t>
+            </a:r>
+            <a:r>
+              <a:rPr lang="en-US" baseline="0" dirty="0" err="1" smtClean="0"/>
+              <a:t>khi</a:t>
+            </a:r>
+            <a:r>
+              <a:rPr lang="en-US" baseline="0" dirty="0" smtClean="0"/>
+              <a:t> </a:t>
+            </a:r>
+            <a:r>
+              <a:rPr lang="en-US" baseline="0" dirty="0" err="1" smtClean="0"/>
+              <a:t>stego</a:t>
+            </a:r>
+            <a:r>
+              <a:rPr lang="en-US" baseline="0" dirty="0" smtClean="0"/>
+              <a:t> text </a:t>
+            </a:r>
+            <a:r>
+              <a:rPr lang="en-US" baseline="0" dirty="0" err="1" smtClean="0"/>
+              <a:t>từ</a:t>
+            </a:r>
+            <a:r>
+              <a:rPr lang="en-US" baseline="0" dirty="0" smtClean="0"/>
+              <a:t> </a:t>
+            </a:r>
+            <a:r>
+              <a:rPr lang="en-US" baseline="0" dirty="0" err="1" smtClean="0"/>
+              <a:t>ngữ</a:t>
+            </a:r>
+            <a:r>
+              <a:rPr lang="en-US" baseline="0" dirty="0" smtClean="0"/>
+              <a:t> </a:t>
+            </a:r>
+            <a:r>
+              <a:rPr lang="en-US" baseline="0" dirty="0" err="1" smtClean="0"/>
+              <a:t>xuất</a:t>
+            </a:r>
+            <a:r>
+              <a:rPr lang="en-US" baseline="0" dirty="0" smtClean="0"/>
+              <a:t> </a:t>
+            </a:r>
+            <a:r>
+              <a:rPr lang="en-US" baseline="0" dirty="0" err="1" smtClean="0"/>
+              <a:t>hiện</a:t>
+            </a:r>
+            <a:r>
+              <a:rPr lang="en-US" baseline="0" dirty="0" smtClean="0"/>
+              <a:t> </a:t>
+            </a:r>
+            <a:r>
+              <a:rPr lang="en-US" baseline="0" dirty="0" err="1" smtClean="0"/>
+              <a:t>theo</a:t>
+            </a:r>
+            <a:r>
+              <a:rPr lang="en-US" baseline="0" dirty="0" smtClean="0"/>
+              <a:t> </a:t>
+            </a:r>
+            <a:r>
+              <a:rPr lang="en-US" baseline="0" dirty="0" err="1" smtClean="0"/>
+              <a:t>một</a:t>
+            </a:r>
+            <a:r>
+              <a:rPr lang="en-US" baseline="0" dirty="0" smtClean="0"/>
+              <a:t> </a:t>
+            </a:r>
+            <a:r>
+              <a:rPr lang="en-US" baseline="0" dirty="0" err="1" smtClean="0"/>
+              <a:t>cách</a:t>
+            </a:r>
+            <a:r>
+              <a:rPr lang="en-US" baseline="0" dirty="0" smtClean="0"/>
+              <a:t> </a:t>
+            </a:r>
+            <a:r>
+              <a:rPr lang="en-US" baseline="0" dirty="0" err="1" smtClean="0"/>
+              <a:t>ngẫu</a:t>
+            </a:r>
+            <a:r>
+              <a:rPr lang="en-US" baseline="0" dirty="0" smtClean="0"/>
+              <a:t> </a:t>
+            </a:r>
+            <a:r>
+              <a:rPr lang="en-US" baseline="0" dirty="0" err="1" smtClean="0"/>
+              <a:t>nhiên</a:t>
+            </a:r>
+            <a:r>
+              <a:rPr lang="en-US" baseline="0" dirty="0" smtClean="0"/>
+              <a:t>.</a:t>
+            </a:r>
+            <a:endParaRPr lang="en-US" dirty="0"/>
           </a:p>
         </p:txBody>
       </p:sp>
@@ -3699,10 +3894,10 @@
           <a:bodyPr/>
           <a:lstStyle/>
           <a:p>
-            <a:fld id="{61BA6024-79B4-4B87-BB6B-C95A0B65AFA5}" type="slidenum">
+            <a:fld id="{2F06D49F-AE41-40F4-AAE5-855712C3B917}" type="slidenum">
               <a:rPr lang="en-US" smtClean="0"/>
               <a:pPr/>
-              <a:t>16</a:t>
+              <a:t>15</a:t>
             </a:fld>
             <a:endParaRPr lang="en-US"/>
           </a:p>
@@ -3784,7 +3979,7 @@
             <a:fld id="{61BA6024-79B4-4B87-BB6B-C95A0B65AFA5}" type="slidenum">
               <a:rPr lang="en-US" smtClean="0"/>
               <a:pPr/>
-              <a:t>24</a:t>
+              <a:t>16</a:t>
             </a:fld>
             <a:endParaRPr lang="en-US"/>
           </a:p>
@@ -3866,7 +4061,89 @@
             <a:fld id="{61BA6024-79B4-4B87-BB6B-C95A0B65AFA5}" type="slidenum">
               <a:rPr lang="en-US" smtClean="0"/>
               <a:pPr/>
-              <a:t>34</a:t>
+              <a:t>24</a:t>
+            </a:fld>
+            <a:endParaRPr lang="en-US"/>
+          </a:p>
+        </p:txBody>
+      </p:sp>
+    </p:spTree>
+  </p:cSld>
+  <p:clrMapOvr>
+    <a:masterClrMapping/>
+  </p:clrMapOvr>
+</p:notes>
+</file>
+
+<file path=ppt/notesSlides/notesSlide7.xml><?xml version="1.0" encoding="utf-8"?>
+<p:notes xmlns:a="http://schemas.openxmlformats.org/drawingml/2006/main" xmlns:r="http://schemas.openxmlformats.org/officeDocument/2006/relationships" xmlns:p="http://schemas.openxmlformats.org/presentationml/2006/main">
+  <p:cSld>
+    <p:spTree>
+      <p:nvGrpSpPr>
+        <p:cNvPr id="1" name=""/>
+        <p:cNvGrpSpPr/>
+        <p:nvPr/>
+      </p:nvGrpSpPr>
+      <p:grpSpPr>
+        <a:xfrm>
+          <a:off x="0" y="0"/>
+          <a:ext cx="0" cy="0"/>
+          <a:chOff x="0" y="0"/>
+          <a:chExt cx="0" cy="0"/>
+        </a:xfrm>
+      </p:grpSpPr>
+      <p:sp>
+        <p:nvSpPr>
+          <p:cNvPr id="2" name="Slide Image Placeholder 1"/>
+          <p:cNvSpPr>
+            <a:spLocks noGrp="1" noRot="1" noChangeAspect="1"/>
+          </p:cNvSpPr>
+          <p:nvPr>
+            <p:ph type="sldImg"/>
+          </p:nvPr>
+        </p:nvSpPr>
+        <p:spPr/>
+      </p:sp>
+      <p:sp>
+        <p:nvSpPr>
+          <p:cNvPr id="3" name="Notes Placeholder 2"/>
+          <p:cNvSpPr>
+            <a:spLocks noGrp="1"/>
+          </p:cNvSpPr>
+          <p:nvPr>
+            <p:ph type="body" idx="1"/>
+          </p:nvPr>
+        </p:nvSpPr>
+        <p:spPr/>
+        <p:txBody>
+          <a:bodyPr>
+            <a:normAutofit/>
+          </a:bodyPr>
+          <a:lstStyle/>
+          <a:p>
+            <a:endParaRPr lang="en-US"/>
+          </a:p>
+        </p:txBody>
+      </p:sp>
+      <p:sp>
+        <p:nvSpPr>
+          <p:cNvPr id="4" name="Slide Number Placeholder 3"/>
+          <p:cNvSpPr>
+            <a:spLocks noGrp="1"/>
+          </p:cNvSpPr>
+          <p:nvPr>
+            <p:ph type="sldNum" sz="quarter" idx="10"/>
+          </p:nvPr>
+        </p:nvSpPr>
+        <p:spPr/>
+        <p:txBody>
+          <a:bodyPr/>
+          <a:lstStyle/>
+          <a:p>
+            <a:fld id="{61BA6024-79B4-4B87-BB6B-C95A0B65AFA5}" type="slidenum">
+              <a:rPr lang="en-US" smtClean="0"/>
+              <a:pPr/>
+              <a:t>29</a:t>
             </a:fld>
             <a:endParaRPr lang="en-US"/>
           </a:p>
@@ -4006,7 +4283,7 @@
             <a:fld id="{251AAD4A-B145-44B6-9BB3-AC9F055261C6}" type="datetime1">
               <a:rPr lang="en-US" smtClean="0"/>
               <a:pPr/>
-              <a:t>4/14/2011</a:t>
+              <a:t>4/18/2011</a:t>
             </a:fld>
             <a:endParaRPr lang="en-US"/>
           </a:p>
@@ -4286,7 +4563,7 @@
             <a:fld id="{D831A600-9070-4E9E-865C-1A274B02B610}" type="datetime1">
               <a:rPr lang="en-US" smtClean="0"/>
               <a:pPr/>
-              <a:t>4/14/2011</a:t>
+              <a:t>4/18/2011</a:t>
             </a:fld>
             <a:endParaRPr lang="en-US"/>
           </a:p>
@@ -4493,7 +4770,7 @@
             <a:fld id="{9B5BA668-D98D-41AC-A85F-438FCE1484C9}" type="datetime1">
               <a:rPr lang="en-US" smtClean="0"/>
               <a:pPr/>
-              <a:t>4/14/2011</a:t>
+              <a:t>4/18/2011</a:t>
             </a:fld>
             <a:endParaRPr lang="en-US"/>
           </a:p>
@@ -4765,7 +5042,7 @@
             <a:fld id="{FC13EE21-0C48-4609-AAE4-AD74DD06381D}" type="datetime1">
               <a:rPr lang="en-US" smtClean="0"/>
               <a:pPr/>
-              <a:t>4/14/2011</a:t>
+              <a:t>4/18/2011</a:t>
             </a:fld>
             <a:endParaRPr lang="en-US" dirty="0"/>
           </a:p>
@@ -5012,7 +5289,7 @@
             <a:fld id="{39E422AE-9F9A-405F-A1D9-0F6E581CBEC2}" type="datetime1">
               <a:rPr lang="en-US" smtClean="0"/>
               <a:pPr/>
-              <a:t>4/14/2011</a:t>
+              <a:t>4/18/2011</a:t>
             </a:fld>
             <a:endParaRPr lang="en-US"/>
           </a:p>
@@ -5330,7 +5607,7 @@
             <a:fld id="{66A3B13E-3DCA-4185-82DB-032FB3F4C8E8}" type="datetime1">
               <a:rPr lang="en-US" smtClean="0"/>
               <a:pPr/>
-              <a:t>4/14/2011</a:t>
+              <a:t>4/18/2011</a:t>
             </a:fld>
             <a:endParaRPr lang="en-US"/>
           </a:p>
@@ -5793,7 +6070,7 @@
             <a:fld id="{E21ACCD3-A2E6-45A8-BABF-2DC8E2644210}" type="datetime1">
               <a:rPr lang="en-US" smtClean="0"/>
               <a:pPr/>
-              <a:t>4/14/2011</a:t>
+              <a:t>4/18/2011</a:t>
             </a:fld>
             <a:endParaRPr lang="en-US"/>
           </a:p>
@@ -5935,7 +6212,7 @@
             <a:fld id="{FB0FC454-785D-494D-AA39-AE6CE4C48506}" type="datetime1">
               <a:rPr lang="en-US" smtClean="0"/>
               <a:pPr/>
-              <a:t>4/14/2011</a:t>
+              <a:t>4/18/2011</a:t>
             </a:fld>
             <a:endParaRPr lang="en-US"/>
           </a:p>
@@ -6051,7 +6328,7 @@
             <a:fld id="{E94C2E2E-347F-4846-9B56-DC7DC821C251}" type="datetime1">
               <a:rPr lang="en-US" smtClean="0"/>
               <a:pPr/>
-              <a:t>4/14/2011</a:t>
+              <a:t>4/18/2011</a:t>
             </a:fld>
             <a:endParaRPr lang="en-US"/>
           </a:p>
@@ -6358,7 +6635,7 @@
             <a:fld id="{768BCF10-3C4D-4026-BEDA-62FDF461E6A3}" type="datetime1">
               <a:rPr lang="en-US" smtClean="0"/>
               <a:pPr/>
-              <a:t>4/14/2011</a:t>
+              <a:t>4/18/2011</a:t>
             </a:fld>
             <a:endParaRPr lang="en-US"/>
           </a:p>
@@ -6645,7 +6922,7 @@
             <a:fld id="{6D339DC9-14ED-4A53-A8E4-7D57CA4F24B7}" type="datetime1">
               <a:rPr lang="en-US" smtClean="0"/>
               <a:pPr/>
-              <a:t>4/14/2011</a:t>
+              <a:t>4/18/2011</a:t>
             </a:fld>
             <a:endParaRPr lang="en-US"/>
           </a:p>
@@ -6952,7 +7229,7 @@
             <a:fld id="{2F22294D-6F48-4BF5-8C88-83F995CA6CF1}" type="datetime1">
               <a:rPr lang="en-US" smtClean="0"/>
               <a:pPr/>
-              <a:t>4/14/2011</a:t>
+              <a:t>4/18/2011</a:t>
             </a:fld>
             <a:endParaRPr lang="en-US" dirty="0"/>
           </a:p>
@@ -7888,7 +8165,7 @@
             <a:fld id="{2A6B7E0B-F4FA-42DA-AC60-36567C066CC1}" type="datetime1">
               <a:rPr lang="en-US" smtClean="0"/>
               <a:pPr/>
-              <a:t>4/14/2011</a:t>
+              <a:t>4/18/2011</a:t>
             </a:fld>
             <a:endParaRPr lang="en-US"/>
           </a:p>
@@ -9092,45 +9369,9 @@
             <a:spLocks noGrp="1"/>
           </p:cNvSpPr>
           <p:nvPr>
-            <p:ph type="ctrTitle"/>
+            <p:ph type="title"/>
             <p:custDataLst>
               <p:tags r:id="rId2"/>
-            </p:custDataLst>
-          </p:nvPr>
-        </p:nvSpPr>
-        <p:spPr>
-          <a:xfrm>
-            <a:off x="685800" y="2209800"/>
-            <a:ext cx="7772400" cy="1470025"/>
-          </a:xfrm>
-        </p:spPr>
-        <p:txBody>
-          <a:bodyPr/>
-          <a:lstStyle/>
-          <a:p>
-            <a:pPr algn="ctr"/>
-            <a:r>
-              <a:rPr lang="en-US" dirty="0" smtClean="0">
-                <a:latin typeface="Times"/>
-              </a:rPr>
-              <a:t>Distribution of Words</a:t>
-            </a:r>
-            <a:endParaRPr lang="en-US" dirty="0">
-              <a:latin typeface="Times"/>
-            </a:endParaRPr>
-          </a:p>
-        </p:txBody>
-      </p:sp>
-      <p:sp>
-        <p:nvSpPr>
-          <p:cNvPr id="3" name="Subtitle 2"/>
-          <p:cNvSpPr>
-            <a:spLocks noGrp="1"/>
-          </p:cNvSpPr>
-          <p:nvPr>
-            <p:ph type="subTitle" idx="1"/>
-            <p:custDataLst>
-              <p:tags r:id="rId3"/>
             </p:custDataLst>
           </p:nvPr>
         </p:nvSpPr>
@@ -9139,64 +9380,13 @@
           <a:bodyPr/>
           <a:lstStyle/>
           <a:p>
-            <a:endParaRPr lang="en-US" dirty="0"/>
-          </a:p>
-        </p:txBody>
-      </p:sp>
-    </p:spTree>
-    <p:custDataLst>
-      <p:tags r:id="rId1"/>
-    </p:custDataLst>
-  </p:cSld>
-  <p:clrMapOvr>
-    <a:masterClrMapping/>
-  </p:clrMapOvr>
-  <p:transition/>
-  <p:timing>
-    <p:tnLst>
-      <p:par>
-        <p:cTn id="1" dur="indefinite" restart="never" nodeType="tmRoot"/>
-      </p:par>
-    </p:tnLst>
-  </p:timing>
-</p:sld>
-</file>
-
-<file path=ppt/slides/slide11.xml><?xml version="1.0" encoding="utf-8"?>
-<p:sld xmlns:a="http://schemas.openxmlformats.org/drawingml/2006/main" xmlns:r="http://schemas.openxmlformats.org/officeDocument/2006/relationships" xmlns:p="http://schemas.openxmlformats.org/presentationml/2006/main">
-  <p:cSld>
-    <p:spTree>
-      <p:nvGrpSpPr>
-        <p:cNvPr id="1" name=""/>
-        <p:cNvGrpSpPr/>
-        <p:nvPr/>
-      </p:nvGrpSpPr>
-      <p:grpSpPr>
-        <a:xfrm>
-          <a:off x="0" y="0"/>
-          <a:ext cx="0" cy="0"/>
-          <a:chOff x="0" y="0"/>
-          <a:chExt cx="0" cy="0"/>
-        </a:xfrm>
-      </p:grpSpPr>
-      <p:sp>
-        <p:nvSpPr>
-          <p:cNvPr id="2" name="Title 1"/>
-          <p:cNvSpPr>
-            <a:spLocks noGrp="1"/>
-          </p:cNvSpPr>
-          <p:nvPr>
-            <p:ph type="title"/>
-            <p:custDataLst>
-              <p:tags r:id="rId2"/>
-            </p:custDataLst>
-          </p:nvPr>
-        </p:nvSpPr>
-        <p:spPr/>
-        <p:txBody>
-          <a:bodyPr/>
-          <a:lstStyle/>
-          <a:p>
+            <a:r>
+              <a:rPr lang="en-US" dirty="0" smtClean="0">
+                <a:latin typeface="Times New Roman" pitchFamily="18" charset="0"/>
+                <a:cs typeface="Times New Roman" pitchFamily="18" charset="0"/>
+              </a:rPr>
+              <a:t>Segment</a:t>
+            </a:r>
             <a:endParaRPr lang="en-US" dirty="0">
               <a:latin typeface="Times New Roman" pitchFamily="18" charset="0"/>
               <a:cs typeface="Times New Roman" pitchFamily="18" charset="0"/>
@@ -9501,7 +9691,7 @@
             <a:fld id="{FC13EE21-0C48-4609-AAE4-AD74DD06381D}" type="datetime1">
               <a:rPr lang="en-US" smtClean="0"/>
               <a:pPr/>
-              <a:t>4/14/2011</a:t>
+              <a:t>4/18/2011</a:t>
             </a:fld>
             <a:endParaRPr lang="en-US" dirty="0"/>
           </a:p>
@@ -9528,7 +9718,7 @@
             <a:fld id="{805C85F1-8004-4C57-9BBF-E57BBA7CF0F9}" type="slidenum">
               <a:rPr lang="en-US" smtClean="0"/>
               <a:pPr/>
-              <a:t>11</a:t>
+              <a:t>10</a:t>
             </a:fld>
             <a:endParaRPr lang="en-US"/>
           </a:p>
@@ -9596,7 +9786,7 @@
 </p:sld>
 </file>
 
-<file path=ppt/slides/slide12.xml><?xml version="1.0" encoding="utf-8"?>
+<file path=ppt/slides/slide11.xml><?xml version="1.0" encoding="utf-8"?>
 <p:sld xmlns:a="http://schemas.openxmlformats.org/drawingml/2006/main" xmlns:r="http://schemas.openxmlformats.org/officeDocument/2006/relationships" xmlns:p="http://schemas.openxmlformats.org/presentationml/2006/main">
   <p:cSld>
     <p:spTree>
@@ -9631,10 +9821,11 @@
           <a:bodyPr/>
           <a:lstStyle/>
           <a:p>
-            <a:endParaRPr lang="en-US" dirty="0">
-              <a:latin typeface="Times New Roman" pitchFamily="18" charset="0"/>
-              <a:cs typeface="Times New Roman" pitchFamily="18" charset="0"/>
-            </a:endParaRPr>
+            <a:r>
+              <a:rPr lang="en-US" dirty="0" smtClean="0"/>
+              <a:t>Formula 1</a:t>
+            </a:r>
+            <a:endParaRPr lang="en-US" dirty="0"/>
           </a:p>
         </p:txBody>
       </p:sp>
@@ -9885,7 +10076,7 @@
             <a:fld id="{FC13EE21-0C48-4609-AAE4-AD74DD06381D}" type="datetime1">
               <a:rPr lang="en-US" smtClean="0"/>
               <a:pPr/>
-              <a:t>4/14/2011</a:t>
+              <a:t>4/18/2011</a:t>
             </a:fld>
             <a:endParaRPr lang="en-US" dirty="0"/>
           </a:p>
@@ -9912,7 +10103,7 @@
             <a:fld id="{805C85F1-8004-4C57-9BBF-E57BBA7CF0F9}" type="slidenum">
               <a:rPr lang="en-US" smtClean="0"/>
               <a:pPr/>
-              <a:t>12</a:t>
+              <a:t>11</a:t>
             </a:fld>
             <a:endParaRPr lang="en-US"/>
           </a:p>
@@ -9980,7 +10171,7 @@
 </p:sld>
 </file>
 
-<file path=ppt/slides/slide13.xml><?xml version="1.0" encoding="utf-8"?>
+<file path=ppt/slides/slide12.xml><?xml version="1.0" encoding="utf-8"?>
 <p:sld xmlns:a="http://schemas.openxmlformats.org/drawingml/2006/main" xmlns:r="http://schemas.openxmlformats.org/officeDocument/2006/relationships" xmlns:p="http://schemas.openxmlformats.org/presentationml/2006/main">
   <p:cSld>
     <p:spTree>
@@ -10010,11 +10201,23 @@
             </p:custDataLst>
           </p:nvPr>
         </p:nvSpPr>
-        <p:spPr/>
+        <p:spPr>
+          <a:xfrm>
+            <a:off x="-101600" y="203200"/>
+            <a:ext cx="9144000" cy="685800"/>
+          </a:xfrm>
+        </p:spPr>
         <p:txBody>
           <a:bodyPr/>
           <a:lstStyle/>
           <a:p>
+            <a:r>
+              <a:rPr lang="en-US" dirty="0" smtClean="0"/>
+              <a:t>Formula 2</a:t>
+            </a:r>
+            <a:br>
+              <a:rPr lang="en-US" dirty="0" smtClean="0"/>
+            </a:br>
             <a:endParaRPr lang="en-US" dirty="0">
               <a:latin typeface="Times New Roman" pitchFamily="18" charset="0"/>
               <a:cs typeface="Times New Roman" pitchFamily="18" charset="0"/>
@@ -10334,7 +10537,7 @@
             <a:fld id="{FC13EE21-0C48-4609-AAE4-AD74DD06381D}" type="datetime1">
               <a:rPr lang="en-US" smtClean="0"/>
               <a:pPr/>
-              <a:t>4/14/2011</a:t>
+              <a:t>4/18/2011</a:t>
             </a:fld>
             <a:endParaRPr lang="en-US" dirty="0"/>
           </a:p>
@@ -10361,7 +10564,7 @@
             <a:fld id="{805C85F1-8004-4C57-9BBF-E57BBA7CF0F9}" type="slidenum">
               <a:rPr lang="en-US" smtClean="0"/>
               <a:pPr/>
-              <a:t>13</a:t>
+              <a:t>12</a:t>
             </a:fld>
             <a:endParaRPr lang="en-US"/>
           </a:p>
@@ -10472,7 +10675,7 @@
 </p:sld>
 </file>
 
-<file path=ppt/slides/slide14.xml><?xml version="1.0" encoding="utf-8"?>
+<file path=ppt/slides/slide13.xml><?xml version="1.0" encoding="utf-8"?>
 <p:sld xmlns:a="http://schemas.openxmlformats.org/drawingml/2006/main" xmlns:r="http://schemas.openxmlformats.org/officeDocument/2006/relationships" xmlns:p="http://schemas.openxmlformats.org/presentationml/2006/main">
   <p:cSld>
     <p:spTree>
@@ -10508,11 +10711,8 @@
           <a:lstStyle/>
           <a:p>
             <a:r>
-              <a:rPr lang="en-US" dirty="0" smtClean="0">
-                <a:latin typeface="Times New Roman" pitchFamily="18" charset="0"/>
-                <a:cs typeface="Times New Roman" pitchFamily="18" charset="0"/>
-              </a:rPr>
-              <a:t>Detect Problem 1.1</a:t>
+              <a:rPr lang="en-US" dirty="0" smtClean="0"/>
+              <a:t>Formula 3</a:t>
             </a:r>
             <a:endParaRPr lang="en-US" dirty="0">
               <a:latin typeface="Times New Roman" pitchFamily="18" charset="0"/>
@@ -10572,7 +10772,7 @@
             <a:fld id="{FC13EE21-0C48-4609-AAE4-AD74DD06381D}" type="datetime1">
               <a:rPr lang="en-US" smtClean="0"/>
               <a:pPr/>
-              <a:t>4/14/2011</a:t>
+              <a:t>4/18/2011</a:t>
             </a:fld>
             <a:endParaRPr lang="en-US" dirty="0"/>
           </a:p>
@@ -10599,7 +10799,7 @@
             <a:fld id="{805C85F1-8004-4C57-9BBF-E57BBA7CF0F9}" type="slidenum">
               <a:rPr lang="en-US" smtClean="0"/>
               <a:pPr/>
-              <a:t>14</a:t>
+              <a:t>13</a:t>
             </a:fld>
             <a:endParaRPr lang="en-US"/>
           </a:p>
@@ -10710,7 +10910,7 @@
 </p:sld>
 </file>
 
-<file path=ppt/slides/slide15.xml><?xml version="1.0" encoding="utf-8"?>
+<file path=ppt/slides/slide14.xml><?xml version="1.0" encoding="utf-8"?>
 <p:sld xmlns:a="http://schemas.openxmlformats.org/drawingml/2006/main" xmlns:r="http://schemas.openxmlformats.org/officeDocument/2006/relationships" xmlns:p="http://schemas.openxmlformats.org/presentationml/2006/main">
   <p:cSld>
     <p:spTree>
@@ -10745,7 +10945,11 @@
           <a:bodyPr/>
           <a:lstStyle/>
           <a:p>
-            <a:endParaRPr lang="en-US"/>
+            <a:r>
+              <a:rPr lang="en-US" dirty="0" smtClean="0"/>
+              <a:t>Formula 4</a:t>
+            </a:r>
+            <a:endParaRPr lang="en-US" dirty="0"/>
           </a:p>
         </p:txBody>
       </p:sp>
@@ -10792,7 +10996,7 @@
             <a:fld id="{FC13EE21-0C48-4609-AAE4-AD74DD06381D}" type="datetime1">
               <a:rPr lang="en-US" smtClean="0"/>
               <a:pPr/>
-              <a:t>4/14/2011</a:t>
+              <a:t>4/18/2011</a:t>
             </a:fld>
             <a:endParaRPr lang="en-US" dirty="0"/>
           </a:p>
@@ -10819,7 +11023,7 @@
             <a:fld id="{805C85F1-8004-4C57-9BBF-E57BBA7CF0F9}" type="slidenum">
               <a:rPr lang="en-US" smtClean="0"/>
               <a:pPr/>
-              <a:t>15</a:t>
+              <a:t>14</a:t>
             </a:fld>
             <a:endParaRPr lang="en-US"/>
           </a:p>
@@ -10932,6 +11136,453 @@
 </p:sld>
 </file>
 
+<file path=ppt/slides/slide15.xml><?xml version="1.0" encoding="utf-8"?>
+<p:sld xmlns:a="http://schemas.openxmlformats.org/drawingml/2006/main" xmlns:r="http://schemas.openxmlformats.org/officeDocument/2006/relationships" xmlns:p="http://schemas.openxmlformats.org/presentationml/2006/main">
+  <p:cSld>
+    <p:spTree>
+      <p:nvGrpSpPr>
+        <p:cNvPr id="1" name=""/>
+        <p:cNvGrpSpPr/>
+        <p:nvPr/>
+      </p:nvGrpSpPr>
+      <p:grpSpPr>
+        <a:xfrm>
+          <a:off x="0" y="0"/>
+          <a:ext cx="0" cy="0"/>
+          <a:chOff x="0" y="0"/>
+          <a:chExt cx="0" cy="0"/>
+        </a:xfrm>
+      </p:grpSpPr>
+      <p:sp>
+        <p:nvSpPr>
+          <p:cNvPr id="2" name="Title 1"/>
+          <p:cNvSpPr>
+            <a:spLocks noGrp="1"/>
+          </p:cNvSpPr>
+          <p:nvPr>
+            <p:ph type="title"/>
+            <p:custDataLst>
+              <p:tags r:id="rId2"/>
+            </p:custDataLst>
+          </p:nvPr>
+        </p:nvSpPr>
+        <p:spPr/>
+        <p:txBody>
+          <a:bodyPr/>
+          <a:lstStyle/>
+          <a:p>
+            <a:r>
+              <a:rPr lang="en-US" dirty="0" smtClean="0">
+                <a:latin typeface="Times New Roman" pitchFamily="18" charset="0"/>
+                <a:cs typeface="Times New Roman" pitchFamily="18" charset="0"/>
+              </a:rPr>
+              <a:t>Detect Problem 1.1</a:t>
+            </a:r>
+            <a:endParaRPr lang="en-US" dirty="0"/>
+          </a:p>
+        </p:txBody>
+      </p:sp>
+      <p:sp>
+        <p:nvSpPr>
+          <p:cNvPr id="3" name="Content Placeholder 2"/>
+          <p:cNvSpPr>
+            <a:spLocks noGrp="1"/>
+          </p:cNvSpPr>
+          <p:nvPr>
+            <p:ph idx="1"/>
+            <p:custDataLst>
+              <p:tags r:id="rId3"/>
+            </p:custDataLst>
+          </p:nvPr>
+        </p:nvSpPr>
+        <p:spPr/>
+        <p:txBody>
+          <a:bodyPr/>
+          <a:lstStyle/>
+          <a:p>
+            <a:r>
+              <a:rPr lang="en-US" i="0" dirty="0" smtClean="0">
+                <a:latin typeface="TimesNewRoman"/>
+              </a:rPr>
+              <a:t>Natural language text use words which </a:t>
+            </a:r>
+            <a:r>
+              <a:rPr lang="en-US" b="1" u="sng" dirty="0" smtClean="0">
+                <a:latin typeface="TimesNewRoman"/>
+              </a:rPr>
+              <a:t>concern</a:t>
+            </a:r>
+            <a:r>
+              <a:rPr lang="en-US" b="1" dirty="0" smtClean="0">
+                <a:latin typeface="TimesNewRoman"/>
+              </a:rPr>
+              <a:t> context and subject</a:t>
+            </a:r>
+            <a:r>
+              <a:rPr lang="en-US" i="0" dirty="0" smtClean="0">
+                <a:latin typeface="TimesNewRoman"/>
+              </a:rPr>
+              <a:t>.</a:t>
+            </a:r>
+          </a:p>
+          <a:p>
+            <a:r>
+              <a:rPr lang="en-US" i="0" dirty="0" err="1" smtClean="0">
+                <a:latin typeface="TimesNewRoman"/>
+              </a:rPr>
+              <a:t>Stego</a:t>
+            </a:r>
+            <a:r>
+              <a:rPr lang="en-US" i="0" dirty="0" smtClean="0">
+                <a:latin typeface="TimesNewRoman"/>
+              </a:rPr>
+              <a:t> text generate words </a:t>
+            </a:r>
+            <a:r>
+              <a:rPr lang="en-US" b="1" dirty="0" smtClean="0">
+                <a:latin typeface="TimesNewRoman"/>
+              </a:rPr>
+              <a:t>randomly.</a:t>
+            </a:r>
+            <a:endParaRPr lang="en-US" b="1" dirty="0"/>
+          </a:p>
+        </p:txBody>
+      </p:sp>
+      <p:sp>
+        <p:nvSpPr>
+          <p:cNvPr id="4" name="Date Placeholder 3"/>
+          <p:cNvSpPr>
+            <a:spLocks noGrp="1"/>
+          </p:cNvSpPr>
+          <p:nvPr>
+            <p:ph type="dt" sz="half" idx="10"/>
+            <p:custDataLst>
+              <p:tags r:id="rId4"/>
+            </p:custDataLst>
+          </p:nvPr>
+        </p:nvSpPr>
+        <p:spPr/>
+        <p:txBody>
+          <a:bodyPr/>
+          <a:lstStyle/>
+          <a:p>
+            <a:fld id="{FC13EE21-0C48-4609-AAE4-AD74DD06381D}" type="datetime1">
+              <a:rPr lang="en-US" smtClean="0"/>
+              <a:pPr/>
+              <a:t>4/18/2011</a:t>
+            </a:fld>
+            <a:endParaRPr lang="en-US" dirty="0"/>
+          </a:p>
+        </p:txBody>
+      </p:sp>
+      <p:sp>
+        <p:nvSpPr>
+          <p:cNvPr id="5" name="Slide Number Placeholder 4"/>
+          <p:cNvSpPr>
+            <a:spLocks noGrp="1"/>
+          </p:cNvSpPr>
+          <p:nvPr>
+            <p:ph type="sldNum" sz="quarter" idx="12"/>
+            <p:custDataLst>
+              <p:tags r:id="rId5"/>
+            </p:custDataLst>
+          </p:nvPr>
+        </p:nvSpPr>
+        <p:spPr/>
+        <p:txBody>
+          <a:bodyPr/>
+          <a:lstStyle/>
+          <a:p>
+            <a:fld id="{805C85F1-8004-4C57-9BBF-E57BBA7CF0F9}" type="slidenum">
+              <a:rPr lang="en-US" smtClean="0"/>
+              <a:pPr/>
+              <a:t>15</a:t>
+            </a:fld>
+            <a:endParaRPr lang="en-US"/>
+          </a:p>
+        </p:txBody>
+      </p:sp>
+      <p:pic>
+        <p:nvPicPr>
+          <p:cNvPr id="6" name="Picture 6" descr="E:\Document\adl ck 2.jpg"/>
+          <p:cNvPicPr>
+            <a:picLocks noChangeAspect="1" noChangeArrowheads="1"/>
+          </p:cNvPicPr>
+          <p:nvPr>
+            <p:custDataLst>
+              <p:tags r:id="rId6"/>
+            </p:custDataLst>
+          </p:nvPr>
+        </p:nvPicPr>
+        <p:blipFill>
+          <a:blip r:embed="rId14"/>
+          <a:srcRect/>
+          <a:stretch>
+            <a:fillRect/>
+          </a:stretch>
+        </p:blipFill>
+        <p:spPr bwMode="auto">
+          <a:xfrm>
+            <a:off x="1752600" y="3429000"/>
+            <a:ext cx="1143000" cy="1143000"/>
+          </a:xfrm>
+          <a:prstGeom prst="rect">
+            <a:avLst/>
+          </a:prstGeom>
+          <a:noFill/>
+        </p:spPr>
+      </p:pic>
+      <p:cxnSp>
+        <p:nvCxnSpPr>
+          <p:cNvPr id="7" name="Straight Arrow Connector 6"/>
+          <p:cNvCxnSpPr/>
+          <p:nvPr>
+            <p:custDataLst>
+              <p:tags r:id="rId7"/>
+            </p:custDataLst>
+          </p:nvPr>
+        </p:nvCxnSpPr>
+        <p:spPr bwMode="auto">
+          <a:xfrm>
+            <a:off x="2971800" y="4114800"/>
+            <a:ext cx="1676400" cy="1588"/>
+          </a:xfrm>
+          <a:prstGeom prst="straightConnector1">
+            <a:avLst/>
+          </a:prstGeom>
+          <a:solidFill>
+            <a:schemeClr val="accent1"/>
+          </a:solidFill>
+          <a:ln w="25400" cap="flat" cmpd="sng" algn="ctr">
+            <a:solidFill>
+              <a:schemeClr val="tx1"/>
+            </a:solidFill>
+            <a:prstDash val="solid"/>
+            <a:round/>
+            <a:headEnd type="none" w="med" len="med"/>
+            <a:tailEnd type="arrow"/>
+          </a:ln>
+          <a:effectLst/>
+        </p:spPr>
+      </p:cxnSp>
+      <p:sp>
+        <p:nvSpPr>
+          <p:cNvPr id="8" name="TextBox 7"/>
+          <p:cNvSpPr txBox="1"/>
+          <p:nvPr>
+            <p:custDataLst>
+              <p:tags r:id="rId8"/>
+            </p:custDataLst>
+          </p:nvPr>
+        </p:nvSpPr>
+        <p:spPr>
+          <a:xfrm>
+            <a:off x="2895600" y="3733800"/>
+            <a:ext cx="1676400" cy="307777"/>
+          </a:xfrm>
+          <a:prstGeom prst="rect">
+            <a:avLst/>
+          </a:prstGeom>
+          <a:noFill/>
+        </p:spPr>
+        <p:txBody>
+          <a:bodyPr wrap="square" rtlCol="0">
+            <a:spAutoFit/>
+          </a:bodyPr>
+          <a:lstStyle/>
+          <a:p>
+            <a:r>
+              <a:rPr lang="en-US" sz="1400" b="1" dirty="0" smtClean="0"/>
+              <a:t>[ SD, </a:t>
+            </a:r>
+            <a:r>
+              <a:rPr lang="en-US" sz="1400" b="1" dirty="0" err="1" smtClean="0"/>
+              <a:t>Var</a:t>
+            </a:r>
+            <a:r>
+              <a:rPr lang="en-US" sz="1400" b="1" dirty="0" smtClean="0"/>
+              <a:t>(SD) ]</a:t>
+            </a:r>
+            <a:endParaRPr lang="en-US" sz="1400" b="1" dirty="0"/>
+          </a:p>
+        </p:txBody>
+      </p:sp>
+      <p:sp>
+        <p:nvSpPr>
+          <p:cNvPr id="14" name="Rectangle 13"/>
+          <p:cNvSpPr/>
+          <p:nvPr>
+            <p:custDataLst>
+              <p:tags r:id="rId9"/>
+            </p:custDataLst>
+          </p:nvPr>
+        </p:nvSpPr>
+        <p:spPr bwMode="auto">
+          <a:xfrm>
+            <a:off x="4800600" y="3200400"/>
+            <a:ext cx="1295400" cy="1447800"/>
+          </a:xfrm>
+          <a:prstGeom prst="rect">
+            <a:avLst/>
+          </a:prstGeom>
+          <a:solidFill>
+            <a:schemeClr val="accent1"/>
+          </a:solidFill>
+          <a:ln w="9525" cap="flat" cmpd="sng" algn="ctr">
+            <a:solidFill>
+              <a:schemeClr val="tx1"/>
+            </a:solidFill>
+            <a:prstDash val="solid"/>
+            <a:round/>
+            <a:headEnd type="none" w="med" len="med"/>
+            <a:tailEnd type="none" w="med" len="med"/>
+          </a:ln>
+          <a:effectLst/>
+        </p:spPr>
+        <p:txBody>
+          <a:bodyPr vert="horz" wrap="square" lIns="91440" tIns="45720" rIns="91440" bIns="45720" numCol="1" rtlCol="0" anchor="t" anchorCtr="0" compatLnSpc="1">
+            <a:prstTxWarp prst="textNoShape">
+              <a:avLst/>
+            </a:prstTxWarp>
+          </a:bodyPr>
+          <a:lstStyle/>
+          <a:p>
+            <a:pPr algn="ctr" eaLnBrk="0" fontAlgn="base" hangingPunct="0">
+              <a:spcBef>
+                <a:spcPct val="0"/>
+              </a:spcBef>
+              <a:spcAft>
+                <a:spcPct val="0"/>
+              </a:spcAft>
+            </a:pPr>
+            <a:endParaRPr lang="en-US" b="1" dirty="0" smtClean="0">
+              <a:solidFill>
+                <a:srgbClr val="0CF300"/>
+              </a:solidFill>
+            </a:endParaRPr>
+          </a:p>
+          <a:p>
+            <a:pPr algn="ctr" eaLnBrk="0" fontAlgn="base" hangingPunct="0">
+              <a:spcBef>
+                <a:spcPct val="0"/>
+              </a:spcBef>
+              <a:spcAft>
+                <a:spcPct val="0"/>
+              </a:spcAft>
+            </a:pPr>
+            <a:endParaRPr lang="en-US" b="1" dirty="0" smtClean="0">
+              <a:solidFill>
+                <a:srgbClr val="0CF300"/>
+              </a:solidFill>
+            </a:endParaRPr>
+          </a:p>
+          <a:p>
+            <a:pPr algn="ctr" eaLnBrk="0" fontAlgn="base" hangingPunct="0">
+              <a:spcBef>
+                <a:spcPct val="0"/>
+              </a:spcBef>
+              <a:spcAft>
+                <a:spcPct val="0"/>
+              </a:spcAft>
+            </a:pPr>
+            <a:r>
+              <a:rPr lang="en-US" b="1" dirty="0" smtClean="0">
+                <a:solidFill>
+                  <a:srgbClr val="0CF300"/>
+                </a:solidFill>
+              </a:rPr>
+              <a:t>Classifier</a:t>
+            </a:r>
+            <a:endParaRPr kumimoji="0" lang="en-US" sz="1800" b="0" i="0" u="none" strike="noStrike" cap="none" normalizeH="0" baseline="0" dirty="0" smtClean="0">
+              <a:ln>
+                <a:noFill/>
+              </a:ln>
+              <a:solidFill>
+                <a:srgbClr val="0CF300"/>
+              </a:solidFill>
+              <a:effectLst/>
+              <a:latin typeface="Arial" charset="0"/>
+            </a:endParaRPr>
+          </a:p>
+        </p:txBody>
+      </p:sp>
+      <p:pic>
+        <p:nvPicPr>
+          <p:cNvPr id="3074" name="Picture 2" descr="C:\Users\HUY\AppData\Local\Microsoft\Windows\Temporary Internet Files\Content.IE5\45J8FSGM\MC900434859[1].png"/>
+          <p:cNvPicPr>
+            <a:picLocks noChangeAspect="1" noChangeArrowheads="1"/>
+          </p:cNvPicPr>
+          <p:nvPr>
+            <p:custDataLst>
+              <p:tags r:id="rId10"/>
+            </p:custDataLst>
+          </p:nvPr>
+        </p:nvPicPr>
+        <p:blipFill>
+          <a:blip r:embed="rId15"/>
+          <a:srcRect/>
+          <a:stretch>
+            <a:fillRect/>
+          </a:stretch>
+        </p:blipFill>
+        <p:spPr bwMode="auto">
+          <a:xfrm>
+            <a:off x="6781800" y="3048000"/>
+            <a:ext cx="1714500" cy="1714500"/>
+          </a:xfrm>
+          <a:prstGeom prst="rect">
+            <a:avLst/>
+          </a:prstGeom>
+          <a:noFill/>
+        </p:spPr>
+      </p:pic>
+      <p:cxnSp>
+        <p:nvCxnSpPr>
+          <p:cNvPr id="25" name="Straight Connector 24"/>
+          <p:cNvCxnSpPr/>
+          <p:nvPr>
+            <p:custDataLst>
+              <p:tags r:id="rId11"/>
+            </p:custDataLst>
+          </p:nvPr>
+        </p:nvCxnSpPr>
+        <p:spPr bwMode="auto">
+          <a:xfrm>
+            <a:off x="3136900" y="3771900"/>
+            <a:ext cx="152400" cy="1588"/>
+          </a:xfrm>
+          <a:prstGeom prst="line">
+            <a:avLst/>
+          </a:prstGeom>
+          <a:solidFill>
+            <a:schemeClr val="accent1"/>
+          </a:solidFill>
+          <a:ln w="19050" cap="flat" cmpd="sng" algn="ctr">
+            <a:solidFill>
+              <a:schemeClr val="tx1"/>
+            </a:solidFill>
+            <a:prstDash val="solid"/>
+            <a:round/>
+            <a:headEnd type="none" w="med" len="med"/>
+            <a:tailEnd type="none" w="med" len="med"/>
+          </a:ln>
+          <a:effectLst/>
+        </p:spPr>
+      </p:cxnSp>
+    </p:spTree>
+    <p:custDataLst>
+      <p:tags r:id="rId1"/>
+    </p:custDataLst>
+  </p:cSld>
+  <p:clrMapOvr>
+    <a:masterClrMapping/>
+  </p:clrMapOvr>
+  <p:transition>
+    <p:fade thruBlk="1"/>
+  </p:transition>
+</p:sld>
+</file>
+
 <file path=ppt/slides/slide16.xml><?xml version="1.0" encoding="utf-8"?>
 <p:sld xmlns:a="http://schemas.openxmlformats.org/drawingml/2006/main" xmlns:r="http://schemas.openxmlformats.org/officeDocument/2006/relationships" xmlns:p="http://schemas.openxmlformats.org/presentationml/2006/main">
   <p:cSld>
@@ -11159,7 +11810,7 @@
             <a:fld id="{FC13EE21-0C48-4609-AAE4-AD74DD06381D}" type="datetime1">
               <a:rPr lang="en-US" smtClean="0"/>
               <a:pPr/>
-              <a:t>4/14/2011</a:t>
+              <a:t>4/18/2011</a:t>
             </a:fld>
             <a:endParaRPr lang="en-US" dirty="0"/>
           </a:p>
@@ -11366,7 +12017,7 @@
             <a:fld id="{FC13EE21-0C48-4609-AAE4-AD74DD06381D}" type="datetime1">
               <a:rPr lang="en-US" smtClean="0"/>
               <a:pPr/>
-              <a:t>4/14/2011</a:t>
+              <a:t>4/18/2011</a:t>
             </a:fld>
             <a:endParaRPr lang="en-US" dirty="0"/>
           </a:p>
@@ -11991,7 +12642,7 @@
             <a:fld id="{FC13EE21-0C48-4609-AAE4-AD74DD06381D}" type="datetime1">
               <a:rPr lang="en-US" smtClean="0"/>
               <a:pPr/>
-              <a:t>4/14/2011</a:t>
+              <a:t>4/18/2011</a:t>
             </a:fld>
             <a:endParaRPr lang="en-US" dirty="0"/>
           </a:p>
@@ -12364,15 +13015,27 @@
           <a:lstStyle/>
           <a:p>
             <a:r>
-              <a:rPr lang="en-US" b="1" dirty="0" smtClean="0"/>
+              <a:rPr lang="en-US" b="1" dirty="0" smtClean="0">
+                <a:solidFill>
+                  <a:srgbClr val="00B050"/>
+                </a:solidFill>
+              </a:rPr>
               <a:t>H</a:t>
             </a:r>
             <a:r>
-              <a:rPr lang="en-US" b="1" baseline="-25000" dirty="0" smtClean="0"/>
+              <a:rPr lang="en-US" b="1" baseline="-25000" dirty="0" smtClean="0">
+                <a:solidFill>
+                  <a:srgbClr val="00B050"/>
+                </a:solidFill>
+              </a:rPr>
               <a:t>1</a:t>
             </a:r>
             <a:r>
-              <a:rPr lang="en-US" b="1" dirty="0" smtClean="0"/>
+              <a:rPr lang="en-US" b="1" dirty="0" smtClean="0">
+                <a:solidFill>
+                  <a:srgbClr val="00B050"/>
+                </a:solidFill>
+              </a:rPr>
               <a:t>: </a:t>
             </a:r>
             <a:r>
@@ -12387,15 +13050,27 @@
           </a:p>
           <a:p>
             <a:r>
-              <a:rPr lang="en-US" b="1" dirty="0" smtClean="0"/>
+              <a:rPr lang="en-US" b="1" dirty="0" smtClean="0">
+                <a:solidFill>
+                  <a:srgbClr val="00B050"/>
+                </a:solidFill>
+              </a:rPr>
               <a:t>H</a:t>
             </a:r>
             <a:r>
-              <a:rPr lang="en-US" b="1" baseline="-25000" dirty="0" smtClean="0"/>
+              <a:rPr lang="en-US" b="1" baseline="-25000" dirty="0" smtClean="0">
+                <a:solidFill>
+                  <a:srgbClr val="00B050"/>
+                </a:solidFill>
+              </a:rPr>
               <a:t>2</a:t>
             </a:r>
             <a:r>
-              <a:rPr lang="en-US" b="1" dirty="0" smtClean="0"/>
+              <a:rPr lang="en-US" b="1" dirty="0" smtClean="0">
+                <a:solidFill>
+                  <a:srgbClr val="00B050"/>
+                </a:solidFill>
+              </a:rPr>
               <a:t> : </a:t>
             </a:r>
             <a:r>
@@ -12416,15 +13091,27 @@
           </a:p>
           <a:p>
             <a:r>
-              <a:rPr lang="en-US" b="1" dirty="0" smtClean="0"/>
+              <a:rPr lang="en-US" b="1" dirty="0" smtClean="0">
+                <a:solidFill>
+                  <a:srgbClr val="00B050"/>
+                </a:solidFill>
+              </a:rPr>
               <a:t>H</a:t>
             </a:r>
             <a:r>
-              <a:rPr lang="en-US" b="1" baseline="-25000" dirty="0" smtClean="0"/>
+              <a:rPr lang="en-US" b="1" baseline="-25000" dirty="0" smtClean="0">
+                <a:solidFill>
+                  <a:srgbClr val="00B050"/>
+                </a:solidFill>
+              </a:rPr>
               <a:t>3</a:t>
             </a:r>
             <a:r>
-              <a:rPr lang="en-US" b="1" dirty="0" smtClean="0"/>
+              <a:rPr lang="en-US" b="1" dirty="0" smtClean="0">
+                <a:solidFill>
+                  <a:srgbClr val="00B050"/>
+                </a:solidFill>
+              </a:rPr>
               <a:t>: </a:t>
             </a:r>
             <a:r>
@@ -12495,31 +13182,13 @@
           <a:p>
             <a:r>
               <a:rPr lang="en-US" dirty="0" err="1" smtClean="0"/>
-              <a:t>Mindmap</a:t>
+              <a:t>Nội</a:t>
+            </a:r>
+            <a:r>
+              <a:rPr lang="en-US" dirty="0" smtClean="0"/>
+              <a:t> dung</a:t>
             </a:r>
             <a:endParaRPr lang="en-US" dirty="0"/>
-          </a:p>
-        </p:txBody>
-      </p:sp>
-      <p:sp>
-        <p:nvSpPr>
-          <p:cNvPr id="3" name="Content Placeholder 2"/>
-          <p:cNvSpPr>
-            <a:spLocks noGrp="1"/>
-          </p:cNvSpPr>
-          <p:nvPr>
-            <p:ph idx="1"/>
-            <p:custDataLst>
-              <p:tags r:id="rId3"/>
-            </p:custDataLst>
-          </p:nvPr>
-        </p:nvSpPr>
-        <p:spPr/>
-        <p:txBody>
-          <a:bodyPr/>
-          <a:lstStyle/>
-          <a:p>
-            <a:endParaRPr lang="en-US"/>
           </a:p>
         </p:txBody>
       </p:sp>
@@ -12532,7 +13201,7 @@
           <p:nvPr>
             <p:ph type="dt" sz="half" idx="10"/>
             <p:custDataLst>
-              <p:tags r:id="rId4"/>
+              <p:tags r:id="rId3"/>
             </p:custDataLst>
           </p:nvPr>
         </p:nvSpPr>
@@ -12544,7 +13213,7 @@
             <a:fld id="{FC13EE21-0C48-4609-AAE4-AD74DD06381D}" type="datetime1">
               <a:rPr lang="en-US" smtClean="0"/>
               <a:pPr/>
-              <a:t>4/14/2011</a:t>
+              <a:t>4/18/2011</a:t>
             </a:fld>
             <a:endParaRPr lang="en-US" dirty="0"/>
           </a:p>
@@ -12559,7 +13228,7 @@
           <p:nvPr>
             <p:ph type="sldNum" sz="quarter" idx="12"/>
             <p:custDataLst>
-              <p:tags r:id="rId5"/>
+              <p:tags r:id="rId4"/>
             </p:custDataLst>
           </p:nvPr>
         </p:nvSpPr>
@@ -12577,17 +13246,52 @@
           </a:p>
         </p:txBody>
       </p:sp>
+      <p:graphicFrame>
+        <p:nvGraphicFramePr>
+          <p:cNvPr id="6" name="Diagram 5"/>
+          <p:cNvGraphicFramePr/>
+          <p:nvPr>
+            <p:custDataLst>
+              <p:tags r:id="rId5"/>
+            </p:custDataLst>
+            <p:extLst>
+              <p:ext uri="{D42A27DB-BD31-4B8C-83A1-F6EECF244321}">
+                <p14:modId xmlns="" xmlns:p14="http://schemas.microsoft.com/office/powerpoint/2010/main" val="3688130795"/>
+              </p:ext>
+            </p:extLst>
+          </p:nvPr>
+        </p:nvGraphicFramePr>
+        <p:xfrm>
+          <a:off x="228600" y="1371600"/>
+          <a:ext cx="8610600" cy="4267200"/>
+        </p:xfrm>
+        <a:graphic>
+          <a:graphicData uri="http://schemas.openxmlformats.org/drawingml/2006/diagram">
+            <dgm:relIds xmlns:dgm="http://schemas.openxmlformats.org/drawingml/2006/diagram" xmlns:r="http://schemas.openxmlformats.org/officeDocument/2006/relationships" r:dm="rId7" r:lo="rId8" r:qs="rId9" r:cs="rId10"/>
+          </a:graphicData>
+        </a:graphic>
+      </p:graphicFrame>
     </p:spTree>
     <p:custDataLst>
       <p:tags r:id="rId1"/>
     </p:custDataLst>
+    <p:extLst>
+      <p:ext uri="{BB962C8B-B14F-4D97-AF65-F5344CB8AC3E}">
+        <p14:creationId xmlns="" xmlns:p14="http://schemas.microsoft.com/office/powerpoint/2010/main" val="2658198753"/>
+      </p:ext>
+    </p:extLst>
   </p:cSld>
   <p:clrMapOvr>
     <a:masterClrMapping/>
   </p:clrMapOvr>
-  <p:transition>
-    <p:fade thruBlk="1"/>
-  </p:transition>
+  <p:transition/>
+  <p:timing>
+    <p:tnLst>
+      <p:par>
+        <p:cTn id="1" dur="indefinite" restart="never" nodeType="tmRoot"/>
+      </p:par>
+    </p:tnLst>
+  </p:timing>
 </p:sld>
 </file>
 
@@ -12700,7 +13404,7 @@
             <a:fld id="{FC13EE21-0C48-4609-AAE4-AD74DD06381D}" type="datetime1">
               <a:rPr lang="en-US" smtClean="0"/>
               <a:pPr/>
-              <a:t>4/14/2011</a:t>
+              <a:t>4/18/2011</a:t>
             </a:fld>
             <a:endParaRPr lang="en-US" dirty="0"/>
           </a:p>
@@ -12868,7 +13572,7 @@
             <a:fld id="{FC13EE21-0C48-4609-AAE4-AD74DD06381D}" type="datetime1">
               <a:rPr lang="en-US" smtClean="0"/>
               <a:pPr/>
-              <a:t>4/14/2011</a:t>
+              <a:t>4/18/2011</a:t>
             </a:fld>
             <a:endParaRPr lang="en-US" dirty="0"/>
           </a:p>
@@ -13129,7 +13833,7 @@
             <a:fld id="{FC13EE21-0C48-4609-AAE4-AD74DD06381D}" type="datetime1">
               <a:rPr lang="en-US" smtClean="0"/>
               <a:pPr/>
-              <a:t>4/14/2011</a:t>
+              <a:t>4/18/2011</a:t>
             </a:fld>
             <a:endParaRPr lang="en-US" dirty="0"/>
           </a:p>
@@ -13246,7 +13950,11 @@
           <a:bodyPr/>
           <a:lstStyle/>
           <a:p>
-            <a:endParaRPr lang="en-US"/>
+            <a:r>
+              <a:rPr lang="en-US" dirty="0" smtClean="0"/>
+              <a:t>Result </a:t>
+            </a:r>
+            <a:endParaRPr lang="en-US" dirty="0"/>
           </a:p>
         </p:txBody>
       </p:sp>
@@ -13294,8 +14002,17 @@
             </a:r>
             <a:r>
               <a:rPr lang="en-US" dirty="0" smtClean="0"/>
-              <a:t> text file can be detected by its average and variance of SD .</a:t>
-            </a:r>
+              <a:t> text file can be detected </a:t>
+            </a:r>
+            <a:r>
+              <a:rPr lang="en-US" dirty="0" smtClean="0"/>
+              <a:t>by SD and </a:t>
+            </a:r>
+            <a:r>
+              <a:rPr lang="en-US" dirty="0" err="1" smtClean="0"/>
+              <a:t>varSD</a:t>
+            </a:r>
+            <a:endParaRPr lang="en-US" dirty="0" smtClean="0"/>
           </a:p>
           <a:p>
             <a:pPr lvl="1"/>
@@ -13314,8 +14031,21 @@
             </a:r>
             <a:r>
               <a:rPr lang="en-US" dirty="0" smtClean="0"/>
-              <a:t> text file can not be detected by its average and variance of SD .</a:t>
-            </a:r>
+              <a:t> </a:t>
+            </a:r>
+            <a:r>
+              <a:rPr lang="en-US" dirty="0" smtClean="0"/>
+              <a:t>text file can not be detected </a:t>
+            </a:r>
+            <a:r>
+              <a:rPr lang="en-US" dirty="0" smtClean="0"/>
+              <a:t>SD and </a:t>
+            </a:r>
+            <a:r>
+              <a:rPr lang="en-US" dirty="0" err="1" smtClean="0"/>
+              <a:t>varSD</a:t>
+            </a:r>
+            <a:endParaRPr lang="en-US" dirty="0" smtClean="0"/>
           </a:p>
           <a:p>
             <a:pPr lvl="2"/>
@@ -13344,7 +14074,7 @@
             <a:fld id="{FC13EE21-0C48-4609-AAE4-AD74DD06381D}" type="datetime1">
               <a:rPr lang="en-US" smtClean="0"/>
               <a:pPr/>
-              <a:t>4/14/2011</a:t>
+              <a:t>4/18/2011</a:t>
             </a:fld>
             <a:endParaRPr lang="en-US" dirty="0"/>
           </a:p>
@@ -13377,6 +14107,72 @@
           </a:p>
         </p:txBody>
       </p:sp>
+      <p:cxnSp>
+        <p:nvCxnSpPr>
+          <p:cNvPr id="6" name="Straight Connector 5"/>
+          <p:cNvCxnSpPr/>
+          <p:nvPr>
+            <p:custDataLst>
+              <p:tags r:id="rId6"/>
+            </p:custDataLst>
+          </p:nvPr>
+        </p:nvCxnSpPr>
+        <p:spPr bwMode="auto">
+          <a:xfrm>
+            <a:off x="7086600" y="2133600"/>
+            <a:ext cx="533400" cy="1588"/>
+          </a:xfrm>
+          <a:prstGeom prst="line">
+            <a:avLst/>
+          </a:prstGeom>
+          <a:solidFill>
+            <a:schemeClr val="accent1"/>
+          </a:solidFill>
+          <a:ln w="25400" cap="flat" cmpd="sng" algn="ctr">
+            <a:solidFill>
+              <a:schemeClr val="tx1"/>
+            </a:solidFill>
+            <a:prstDash val="solid"/>
+            <a:round/>
+            <a:headEnd type="none" w="med" len="med"/>
+            <a:tailEnd type="none" w="med" len="med"/>
+          </a:ln>
+          <a:effectLst/>
+        </p:spPr>
+      </p:cxnSp>
+      <p:cxnSp>
+        <p:nvCxnSpPr>
+          <p:cNvPr id="7" name="Straight Connector 6"/>
+          <p:cNvCxnSpPr/>
+          <p:nvPr>
+            <p:custDataLst>
+              <p:tags r:id="rId7"/>
+            </p:custDataLst>
+          </p:nvPr>
+        </p:nvCxnSpPr>
+        <p:spPr bwMode="auto">
+          <a:xfrm>
+            <a:off x="7239000" y="3429000"/>
+            <a:ext cx="533400" cy="1588"/>
+          </a:xfrm>
+          <a:prstGeom prst="line">
+            <a:avLst/>
+          </a:prstGeom>
+          <a:solidFill>
+            <a:schemeClr val="accent1"/>
+          </a:solidFill>
+          <a:ln w="25400" cap="flat" cmpd="sng" algn="ctr">
+            <a:solidFill>
+              <a:schemeClr val="tx1"/>
+            </a:solidFill>
+            <a:prstDash val="solid"/>
+            <a:round/>
+            <a:headEnd type="none" w="med" len="med"/>
+            <a:tailEnd type="none" w="med" len="med"/>
+          </a:ln>
+          <a:effectLst/>
+        </p:spPr>
+      </p:cxnSp>
     </p:spTree>
     <p:custDataLst>
       <p:tags r:id="rId1"/>
@@ -13564,10 +14360,81 @@
           <a:bodyPr/>
           <a:lstStyle/>
           <a:p>
-            <a:pPr>
-              <a:buNone/>
-            </a:pPr>
-            <a:endParaRPr lang="en-US" dirty="0"/>
+            <a:r>
+              <a:rPr lang="en-US" b="1" dirty="0" err="1" smtClean="0">
+                <a:solidFill>
+                  <a:srgbClr val="002060"/>
+                </a:solidFill>
+              </a:rPr>
+              <a:t>Trainning</a:t>
+            </a:r>
+            <a:endParaRPr lang="en-US" b="1" dirty="0" smtClean="0">
+              <a:solidFill>
+                <a:srgbClr val="002060"/>
+              </a:solidFill>
+            </a:endParaRPr>
+          </a:p>
+          <a:p>
+            <a:pPr lvl="1"/>
+            <a:r>
+              <a:rPr lang="en-US" dirty="0" smtClean="0"/>
+              <a:t>109 good text segment  </a:t>
+            </a:r>
+            <a:r>
+              <a:rPr lang="en-US" dirty="0" smtClean="0">
+                <a:solidFill>
+                  <a:srgbClr val="66FF33"/>
+                </a:solidFill>
+              </a:rPr>
+              <a:t>(The Adventures of Huckleberry Finn Mural – Mark Twain)</a:t>
+            </a:r>
+          </a:p>
+          <a:p>
+            <a:pPr lvl="1"/>
+            <a:r>
+              <a:rPr lang="en-US" dirty="0" smtClean="0"/>
+              <a:t>152 bad text segment </a:t>
+            </a:r>
+            <a:r>
+              <a:rPr lang="en-US" dirty="0" smtClean="0">
+                <a:solidFill>
+                  <a:srgbClr val="66FF33"/>
+                </a:solidFill>
+              </a:rPr>
+              <a:t>(TEXTO)</a:t>
+            </a:r>
+          </a:p>
+          <a:p>
+            <a:r>
+              <a:rPr lang="en-US" b="1" dirty="0" smtClean="0">
+                <a:solidFill>
+                  <a:srgbClr val="002060"/>
+                </a:solidFill>
+              </a:rPr>
+              <a:t>Testing</a:t>
+            </a:r>
+          </a:p>
+          <a:p>
+            <a:pPr lvl="1"/>
+            <a:r>
+              <a:rPr lang="en-US" dirty="0" smtClean="0"/>
+              <a:t>100 good text segment</a:t>
+            </a:r>
+          </a:p>
+          <a:p>
+            <a:pPr lvl="1"/>
+            <a:r>
+              <a:rPr lang="en-US" dirty="0" smtClean="0"/>
+              <a:t>100 bad text segment</a:t>
+            </a:r>
+          </a:p>
+          <a:p>
+            <a:pPr lvl="1"/>
+            <a:endParaRPr lang="en-US" b="1" dirty="0">
+              <a:solidFill>
+                <a:srgbClr val="002060"/>
+              </a:solidFill>
+            </a:endParaRPr>
           </a:p>
         </p:txBody>
       </p:sp>
@@ -13592,7 +14459,7 @@
             <a:fld id="{FC13EE21-0C48-4609-AAE4-AD74DD06381D}" type="datetime1">
               <a:rPr lang="en-US" smtClean="0"/>
               <a:pPr/>
-              <a:t>4/14/2011</a:t>
+              <a:t>4/18/2011</a:t>
             </a:fld>
             <a:endParaRPr lang="en-US" dirty="0"/>
           </a:p>
@@ -13684,7 +14551,7 @@
                 <a:latin typeface="Times New Roman" pitchFamily="18" charset="0"/>
                 <a:cs typeface="Times New Roman" pitchFamily="18" charset="0"/>
               </a:rPr>
-              <a:t>Result Output</a:t>
+              <a:t>SVM Classifier</a:t>
             </a:r>
             <a:endParaRPr lang="en-US" dirty="0">
               <a:latin typeface="Times New Roman" pitchFamily="18" charset="0"/>
@@ -13744,7 +14611,7 @@
             <a:fld id="{FC13EE21-0C48-4609-AAE4-AD74DD06381D}" type="datetime1">
               <a:rPr lang="en-US" smtClean="0"/>
               <a:pPr/>
-              <a:t>4/14/2011</a:t>
+              <a:t>4/18/2011</a:t>
             </a:fld>
             <a:endParaRPr lang="en-US" dirty="0"/>
           </a:p>
@@ -13777,6 +14644,36 @@
           </a:p>
         </p:txBody>
       </p:sp>
+      <p:pic>
+        <p:nvPicPr>
+          <p:cNvPr id="1026" name="Picture 2" descr="E:\Document\adl ck 19.JPG"/>
+          <p:cNvPicPr>
+            <a:picLocks noChangeAspect="1" noChangeArrowheads="1"/>
+          </p:cNvPicPr>
+          <p:nvPr>
+            <p:custDataLst>
+              <p:tags r:id="rId6"/>
+            </p:custDataLst>
+          </p:nvPr>
+        </p:nvPicPr>
+        <p:blipFill>
+          <a:blip r:embed="rId8"/>
+          <a:srcRect/>
+          <a:stretch>
+            <a:fillRect/>
+          </a:stretch>
+        </p:blipFill>
+        <p:spPr bwMode="auto">
+          <a:xfrm>
+            <a:off x="1828800" y="1066800"/>
+            <a:ext cx="5967412" cy="5289530"/>
+          </a:xfrm>
+          <a:prstGeom prst="rect">
+            <a:avLst/>
+          </a:prstGeom>
+          <a:noFill/>
+        </p:spPr>
+      </p:pic>
     </p:spTree>
     <p:custDataLst>
       <p:tags r:id="rId1"/>
@@ -13836,7 +14733,7 @@
                 <a:latin typeface="Times New Roman" pitchFamily="18" charset="0"/>
                 <a:cs typeface="Times New Roman" pitchFamily="18" charset="0"/>
               </a:rPr>
-              <a:t>Result Output</a:t>
+              <a:t>Result Output for 5KB-sized Segment </a:t>
             </a:r>
             <a:endParaRPr lang="en-US" dirty="0">
               <a:latin typeface="Times New Roman" pitchFamily="18" charset="0"/>
@@ -13845,36 +14742,301 @@
           </a:p>
         </p:txBody>
       </p:sp>
-      <p:sp>
-        <p:nvSpPr>
-          <p:cNvPr id="3" name="Content Placeholder 2"/>
-          <p:cNvSpPr>
-            <a:spLocks noGrp="1"/>
-          </p:cNvSpPr>
+      <p:graphicFrame>
+        <p:nvGraphicFramePr>
+          <p:cNvPr id="6" name="Content Placeholder 5"/>
+          <p:cNvGraphicFramePr>
+            <a:graphicFrameLocks noGrp="1"/>
+          </p:cNvGraphicFramePr>
           <p:nvPr>
             <p:ph idx="1"/>
             <p:custDataLst>
               <p:tags r:id="rId3"/>
             </p:custDataLst>
           </p:nvPr>
-        </p:nvSpPr>
-        <p:spPr>
-          <a:xfrm>
-            <a:off x="304800" y="990600"/>
-            <a:ext cx="8534400" cy="5334000"/>
-          </a:xfrm>
-        </p:spPr>
-        <p:txBody>
-          <a:bodyPr/>
-          <a:lstStyle/>
-          <a:p>
-            <a:pPr>
-              <a:buNone/>
-            </a:pPr>
-            <a:endParaRPr lang="en-US" dirty="0"/>
-          </a:p>
-        </p:txBody>
-      </p:sp>
+        </p:nvGraphicFramePr>
+        <p:xfrm>
+          <a:off x="1600200" y="1371600"/>
+          <a:ext cx="5181600" cy="1752600"/>
+        </p:xfrm>
+        <a:graphic>
+          <a:graphicData uri="http://schemas.openxmlformats.org/drawingml/2006/table">
+            <a:tbl>
+              <a:tblPr firstRow="1" bandRow="1">
+                <a:tableStyleId>{5C22544A-7EE6-4342-B048-85BDC9FD1C3A}</a:tableStyleId>
+              </a:tblPr>
+              <a:tblGrid>
+                <a:gridCol w="1447800"/>
+                <a:gridCol w="1466850"/>
+                <a:gridCol w="971550"/>
+                <a:gridCol w="1295400"/>
+              </a:tblGrid>
+              <a:tr h="370840">
+                <a:tc>
+                  <a:txBody>
+                    <a:bodyPr/>
+                    <a:lstStyle/>
+                    <a:p>
+                      <a:r>
+                        <a:rPr lang="en-US" sz="1800" b="1" kern="1200" baseline="0" dirty="0" smtClean="0">
+                          <a:solidFill>
+                            <a:schemeClr val="lt1"/>
+                          </a:solidFill>
+                          <a:latin typeface="+mn-lt"/>
+                          <a:ea typeface="+mn-ea"/>
+                          <a:cs typeface="+mn-cs"/>
+                        </a:rPr>
+                        <a:t>Type</a:t>
+                      </a:r>
+                      <a:endParaRPr lang="en-US" dirty="0"/>
+                    </a:p>
+                  </a:txBody>
+                  <a:tcPr/>
+                </a:tc>
+                <a:tc>
+                  <a:txBody>
+                    <a:bodyPr/>
+                    <a:lstStyle/>
+                    <a:p>
+                      <a:r>
+                        <a:rPr lang="en-US" dirty="0" smtClean="0"/>
+                        <a:t>Success</a:t>
+                      </a:r>
+                      <a:endParaRPr lang="en-US" dirty="0"/>
+                    </a:p>
+                  </a:txBody>
+                  <a:tcPr/>
+                </a:tc>
+                <a:tc>
+                  <a:txBody>
+                    <a:bodyPr/>
+                    <a:lstStyle/>
+                    <a:p>
+                      <a:pPr marL="0" marR="0" indent="0" algn="l" defTabSz="914400" rtl="0" eaLnBrk="1" fontAlgn="auto" latinLnBrk="0" hangingPunct="1">
+                        <a:lnSpc>
+                          <a:spcPct val="100000"/>
+                        </a:lnSpc>
+                        <a:spcBef>
+                          <a:spcPts val="0"/>
+                        </a:spcBef>
+                        <a:spcAft>
+                          <a:spcPts val="0"/>
+                        </a:spcAft>
+                        <a:buClrTx/>
+                        <a:buSzTx/>
+                        <a:buFontTx/>
+                        <a:buNone/>
+                        <a:tabLst/>
+                        <a:defRPr/>
+                      </a:pPr>
+                      <a:r>
+                        <a:rPr lang="en-US" dirty="0" smtClean="0"/>
+                        <a:t>Fail</a:t>
+                      </a:r>
+                    </a:p>
+                    <a:p>
+                      <a:endParaRPr lang="en-US" dirty="0"/>
+                    </a:p>
+                  </a:txBody>
+                  <a:tcPr/>
+                </a:tc>
+                <a:tc>
+                  <a:txBody>
+                    <a:bodyPr/>
+                    <a:lstStyle/>
+                    <a:p>
+                      <a:r>
+                        <a:rPr lang="en-US" dirty="0" smtClean="0"/>
+                        <a:t>Accuracy</a:t>
+                      </a:r>
+                      <a:endParaRPr lang="en-US" dirty="0"/>
+                    </a:p>
+                  </a:txBody>
+                  <a:tcPr/>
+                </a:tc>
+              </a:tr>
+              <a:tr h="370840">
+                <a:tc>
+                  <a:txBody>
+                    <a:bodyPr/>
+                    <a:lstStyle/>
+                    <a:p>
+                      <a:r>
+                        <a:rPr lang="en-US" dirty="0" smtClean="0"/>
+                        <a:t>Good data</a:t>
+                      </a:r>
+                      <a:endParaRPr lang="en-US" dirty="0"/>
+                    </a:p>
+                  </a:txBody>
+                  <a:tcPr/>
+                </a:tc>
+                <a:tc>
+                  <a:txBody>
+                    <a:bodyPr/>
+                    <a:lstStyle/>
+                    <a:p>
+                      <a:r>
+                        <a:rPr lang="en-US" dirty="0" smtClean="0"/>
+                        <a:t>88</a:t>
+                      </a:r>
+                      <a:endParaRPr lang="en-US" dirty="0"/>
+                    </a:p>
+                  </a:txBody>
+                  <a:tcPr/>
+                </a:tc>
+                <a:tc>
+                  <a:txBody>
+                    <a:bodyPr/>
+                    <a:lstStyle/>
+                    <a:p>
+                      <a:r>
+                        <a:rPr lang="en-US" dirty="0" smtClean="0"/>
+                        <a:t>12</a:t>
+                      </a:r>
+                      <a:endParaRPr lang="en-US" dirty="0"/>
+                    </a:p>
+                  </a:txBody>
+                  <a:tcPr/>
+                </a:tc>
+                <a:tc>
+                  <a:txBody>
+                    <a:bodyPr/>
+                    <a:lstStyle/>
+                    <a:p>
+                      <a:r>
+                        <a:rPr lang="en-US" dirty="0" smtClean="0"/>
+                        <a:t>88%</a:t>
+                      </a:r>
+                      <a:endParaRPr lang="en-US" dirty="0"/>
+                    </a:p>
+                  </a:txBody>
+                  <a:tcPr/>
+                </a:tc>
+              </a:tr>
+              <a:tr h="370840">
+                <a:tc>
+                  <a:txBody>
+                    <a:bodyPr/>
+                    <a:lstStyle/>
+                    <a:p>
+                      <a:r>
+                        <a:rPr lang="en-US" dirty="0" smtClean="0"/>
+                        <a:t>Bad</a:t>
+                      </a:r>
+                      <a:r>
+                        <a:rPr lang="en-US" baseline="0" dirty="0" smtClean="0"/>
+                        <a:t> data</a:t>
+                      </a:r>
+                      <a:endParaRPr lang="en-US" dirty="0"/>
+                    </a:p>
+                  </a:txBody>
+                  <a:tcPr/>
+                </a:tc>
+                <a:tc>
+                  <a:txBody>
+                    <a:bodyPr/>
+                    <a:lstStyle/>
+                    <a:p>
+                      <a:r>
+                        <a:rPr lang="en-US" dirty="0" smtClean="0"/>
+                        <a:t>95</a:t>
+                      </a:r>
+                      <a:endParaRPr lang="en-US" dirty="0"/>
+                    </a:p>
+                  </a:txBody>
+                  <a:tcPr/>
+                </a:tc>
+                <a:tc>
+                  <a:txBody>
+                    <a:bodyPr/>
+                    <a:lstStyle/>
+                    <a:p>
+                      <a:r>
+                        <a:rPr lang="en-US" dirty="0" smtClean="0"/>
+                        <a:t>5</a:t>
+                      </a:r>
+                      <a:endParaRPr lang="en-US" dirty="0"/>
+                    </a:p>
+                  </a:txBody>
+                  <a:tcPr/>
+                </a:tc>
+                <a:tc>
+                  <a:txBody>
+                    <a:bodyPr/>
+                    <a:lstStyle/>
+                    <a:p>
+                      <a:r>
+                        <a:rPr lang="en-US" dirty="0" smtClean="0"/>
+                        <a:t>95%</a:t>
+                      </a:r>
+                      <a:endParaRPr lang="en-US" dirty="0"/>
+                    </a:p>
+                  </a:txBody>
+                  <a:tcPr/>
+                </a:tc>
+              </a:tr>
+              <a:tr h="370840">
+                <a:tc>
+                  <a:txBody>
+                    <a:bodyPr/>
+                    <a:lstStyle/>
+                    <a:p>
+                      <a:r>
+                        <a:rPr lang="en-US" dirty="0" smtClean="0"/>
+                        <a:t>All</a:t>
+                      </a:r>
+                      <a:endParaRPr lang="en-US" dirty="0"/>
+                    </a:p>
+                  </a:txBody>
+                  <a:tcPr/>
+                </a:tc>
+                <a:tc>
+                  <a:txBody>
+                    <a:bodyPr/>
+                    <a:lstStyle/>
+                    <a:p>
+                      <a:r>
+                        <a:rPr lang="en-US" dirty="0" smtClean="0"/>
+                        <a:t>183</a:t>
+                      </a:r>
+                      <a:endParaRPr lang="en-US" dirty="0"/>
+                    </a:p>
+                  </a:txBody>
+                  <a:tcPr/>
+                </a:tc>
+                <a:tc>
+                  <a:txBody>
+                    <a:bodyPr/>
+                    <a:lstStyle/>
+                    <a:p>
+                      <a:r>
+                        <a:rPr lang="en-US" dirty="0" smtClean="0"/>
+                        <a:t>17</a:t>
+                      </a:r>
+                      <a:endParaRPr lang="en-US" dirty="0"/>
+                    </a:p>
+                  </a:txBody>
+                  <a:tcPr/>
+                </a:tc>
+                <a:tc>
+                  <a:txBody>
+                    <a:bodyPr/>
+                    <a:lstStyle/>
+                    <a:p>
+                      <a:r>
+                        <a:rPr lang="en-US" dirty="0" smtClean="0"/>
+                        <a:t>91.5%</a:t>
+                      </a:r>
+                      <a:endParaRPr lang="en-US" dirty="0"/>
+                    </a:p>
+                  </a:txBody>
+                  <a:tcPr/>
+                </a:tc>
+              </a:tr>
+            </a:tbl>
+          </a:graphicData>
+        </a:graphic>
+      </p:graphicFrame>
       <p:sp>
         <p:nvSpPr>
           <p:cNvPr id="4" name="Date Placeholder 3"/>
@@ -13896,7 +15058,7 @@
             <a:fld id="{FC13EE21-0C48-4609-AAE4-AD74DD06381D}" type="datetime1">
               <a:rPr lang="en-US" smtClean="0"/>
               <a:pPr/>
-              <a:t>4/14/2011</a:t>
+              <a:t>4/18/2011</a:t>
             </a:fld>
             <a:endParaRPr lang="en-US" dirty="0"/>
           </a:p>
@@ -13988,7 +15150,7 @@
                 <a:latin typeface="Times New Roman" pitchFamily="18" charset="0"/>
                 <a:cs typeface="Times New Roman" pitchFamily="18" charset="0"/>
               </a:rPr>
-              <a:t>Result Output</a:t>
+              <a:t>Summary</a:t>
             </a:r>
             <a:endParaRPr lang="en-US" dirty="0">
               <a:latin typeface="Times New Roman" pitchFamily="18" charset="0"/>
@@ -14020,9 +15182,56 @@
           <a:bodyPr/>
           <a:lstStyle/>
           <a:p>
-            <a:pPr>
-              <a:buNone/>
-            </a:pPr>
+            <a:r>
+              <a:rPr lang="en-US" dirty="0" smtClean="0"/>
+              <a:t>SD and </a:t>
+            </a:r>
+            <a:r>
+              <a:rPr lang="en-US" dirty="0" err="1" smtClean="0"/>
+              <a:t>varSD</a:t>
+            </a:r>
+            <a:r>
+              <a:rPr lang="en-US" dirty="0" smtClean="0"/>
+              <a:t> of natural text lower than  </a:t>
+            </a:r>
+            <a:r>
+              <a:rPr lang="en-US" dirty="0" err="1" smtClean="0"/>
+              <a:t>stego</a:t>
+            </a:r>
+            <a:r>
+              <a:rPr lang="en-US" dirty="0" smtClean="0"/>
+              <a:t> text</a:t>
+            </a:r>
+          </a:p>
+          <a:p>
+            <a:r>
+              <a:rPr lang="en-US" dirty="0" err="1" smtClean="0"/>
+              <a:t>Stego</a:t>
+            </a:r>
+            <a:r>
+              <a:rPr lang="en-US" dirty="0" smtClean="0"/>
+              <a:t> Text File can be detect by SD and </a:t>
+            </a:r>
+            <a:r>
+              <a:rPr lang="en-US" dirty="0" err="1" smtClean="0"/>
+              <a:t>varSD</a:t>
+            </a:r>
+            <a:r>
+              <a:rPr lang="en-US" dirty="0" smtClean="0"/>
+              <a:t> with accuracy &gt;=85% .</a:t>
+            </a:r>
+          </a:p>
+          <a:p>
+            <a:r>
+              <a:rPr lang="en-US" dirty="0" smtClean="0"/>
+              <a:t>TEXTTO’s on low invisibility.</a:t>
+            </a:r>
+            <a:endParaRPr lang="en-US" b="1" dirty="0" smtClean="0"/>
+          </a:p>
+          <a:p>
+            <a:endParaRPr lang="en-US" dirty="0" smtClean="0"/>
+          </a:p>
+          <a:p>
             <a:endParaRPr lang="en-US" dirty="0"/>
           </a:p>
         </p:txBody>
@@ -14048,7 +15257,7 @@
             <a:fld id="{FC13EE21-0C48-4609-AAE4-AD74DD06381D}" type="datetime1">
               <a:rPr lang="en-US" smtClean="0"/>
               <a:pPr/>
-              <a:t>4/14/2011</a:t>
+              <a:t>4/18/2011</a:t>
             </a:fld>
             <a:endParaRPr lang="en-US" dirty="0"/>
           </a:p>
@@ -14081,6 +15290,39 @@
           </a:p>
         </p:txBody>
       </p:sp>
+      <p:cxnSp>
+        <p:nvCxnSpPr>
+          <p:cNvPr id="7" name="Straight Connector 6"/>
+          <p:cNvCxnSpPr/>
+          <p:nvPr>
+            <p:custDataLst>
+              <p:tags r:id="rId6"/>
+            </p:custDataLst>
+          </p:nvPr>
+        </p:nvCxnSpPr>
+        <p:spPr bwMode="auto">
+          <a:xfrm>
+            <a:off x="6705600" y="2133600"/>
+            <a:ext cx="533400" cy="1588"/>
+          </a:xfrm>
+          <a:prstGeom prst="line">
+            <a:avLst/>
+          </a:prstGeom>
+          <a:solidFill>
+            <a:schemeClr val="accent1"/>
+          </a:solidFill>
+          <a:ln w="25400" cap="flat" cmpd="sng" algn="ctr">
+            <a:solidFill>
+              <a:schemeClr val="tx1"/>
+            </a:solidFill>
+            <a:prstDash val="solid"/>
+            <a:round/>
+            <a:headEnd type="none" w="med" len="med"/>
+            <a:tailEnd type="none" w="med" len="med"/>
+          </a:ln>
+          <a:effectLst/>
+        </p:spPr>
+      </p:cxnSp>
     </p:spTree>
     <p:custDataLst>
       <p:tags r:id="rId1"/>
@@ -14124,9 +15366,45 @@
             <a:spLocks noGrp="1"/>
           </p:cNvSpPr>
           <p:nvPr>
-            <p:ph type="title"/>
+            <p:ph type="ctrTitle"/>
             <p:custDataLst>
               <p:tags r:id="rId2"/>
+            </p:custDataLst>
+          </p:nvPr>
+        </p:nvSpPr>
+        <p:spPr>
+          <a:xfrm>
+            <a:off x="685800" y="2209800"/>
+            <a:ext cx="7772400" cy="1470025"/>
+          </a:xfrm>
+        </p:spPr>
+        <p:txBody>
+          <a:bodyPr/>
+          <a:lstStyle/>
+          <a:p>
+            <a:pPr algn="ctr"/>
+            <a:r>
+              <a:rPr lang="en-US" dirty="0" smtClean="0">
+                <a:latin typeface="Times"/>
+              </a:rPr>
+              <a:t>Demo</a:t>
+            </a:r>
+            <a:endParaRPr lang="en-US" dirty="0">
+              <a:latin typeface="Times"/>
+            </a:endParaRPr>
+          </a:p>
+        </p:txBody>
+      </p:sp>
+      <p:sp>
+        <p:nvSpPr>
+          <p:cNvPr id="3" name="Subtitle 2"/>
+          <p:cNvSpPr>
+            <a:spLocks noGrp="1"/>
+          </p:cNvSpPr>
+          <p:nvPr>
+            <p:ph type="subTitle" idx="1"/>
+            <p:custDataLst>
+              <p:tags r:id="rId3"/>
             </p:custDataLst>
           </p:nvPr>
         </p:nvSpPr>
@@ -14135,101 +15413,7 @@
           <a:bodyPr/>
           <a:lstStyle/>
           <a:p>
-            <a:r>
-              <a:rPr lang="en-US" dirty="0" smtClean="0">
-                <a:latin typeface="Times New Roman" pitchFamily="18" charset="0"/>
-                <a:cs typeface="Times New Roman" pitchFamily="18" charset="0"/>
-              </a:rPr>
-              <a:t>Result Output</a:t>
-            </a:r>
-            <a:endParaRPr lang="en-US" dirty="0">
-              <a:latin typeface="Times New Roman" pitchFamily="18" charset="0"/>
-              <a:cs typeface="Times New Roman" pitchFamily="18" charset="0"/>
-            </a:endParaRPr>
-          </a:p>
-        </p:txBody>
-      </p:sp>
-      <p:sp>
-        <p:nvSpPr>
-          <p:cNvPr id="3" name="Content Placeholder 2"/>
-          <p:cNvSpPr>
-            <a:spLocks noGrp="1"/>
-          </p:cNvSpPr>
-          <p:nvPr>
-            <p:ph idx="1"/>
-            <p:custDataLst>
-              <p:tags r:id="rId3"/>
-            </p:custDataLst>
-          </p:nvPr>
-        </p:nvSpPr>
-        <p:spPr>
-          <a:xfrm>
-            <a:off x="304800" y="990600"/>
-            <a:ext cx="8534400" cy="5334000"/>
-          </a:xfrm>
-        </p:spPr>
-        <p:txBody>
-          <a:bodyPr/>
-          <a:lstStyle/>
-          <a:p>
-            <a:pPr>
-              <a:buNone/>
-            </a:pPr>
             <a:endParaRPr lang="en-US" dirty="0"/>
-          </a:p>
-        </p:txBody>
-      </p:sp>
-      <p:sp>
-        <p:nvSpPr>
-          <p:cNvPr id="4" name="Date Placeholder 3"/>
-          <p:cNvSpPr>
-            <a:spLocks noGrp="1"/>
-          </p:cNvSpPr>
-          <p:nvPr>
-            <p:ph type="dt" sz="half" idx="10"/>
-            <p:custDataLst>
-              <p:tags r:id="rId4"/>
-            </p:custDataLst>
-          </p:nvPr>
-        </p:nvSpPr>
-        <p:spPr/>
-        <p:txBody>
-          <a:bodyPr/>
-          <a:lstStyle/>
-          <a:p>
-            <a:fld id="{FC13EE21-0C48-4609-AAE4-AD74DD06381D}" type="datetime1">
-              <a:rPr lang="en-US" smtClean="0"/>
-              <a:pPr/>
-              <a:t>4/14/2011</a:t>
-            </a:fld>
-            <a:endParaRPr lang="en-US" dirty="0"/>
-          </a:p>
-        </p:txBody>
-      </p:sp>
-      <p:sp>
-        <p:nvSpPr>
-          <p:cNvPr id="5" name="Slide Number Placeholder 4"/>
-          <p:cNvSpPr>
-            <a:spLocks noGrp="1"/>
-          </p:cNvSpPr>
-          <p:nvPr>
-            <p:ph type="sldNum" sz="quarter" idx="12"/>
-            <p:custDataLst>
-              <p:tags r:id="rId5"/>
-            </p:custDataLst>
-          </p:nvPr>
-        </p:nvSpPr>
-        <p:spPr/>
-        <p:txBody>
-          <a:bodyPr/>
-          <a:lstStyle/>
-          <a:p>
-            <a:fld id="{805C85F1-8004-4C57-9BBF-E57BBA7CF0F9}" type="slidenum">
-              <a:rPr lang="en-US" smtClean="0"/>
-              <a:pPr/>
-              <a:t>29</a:t>
-            </a:fld>
-            <a:endParaRPr lang="en-US"/>
           </a:p>
         </p:txBody>
       </p:sp>
@@ -14276,9 +15460,57 @@
             <a:spLocks noGrp="1"/>
           </p:cNvSpPr>
           <p:nvPr>
-            <p:ph type="title"/>
+            <p:ph type="ctrTitle"/>
             <p:custDataLst>
               <p:tags r:id="rId2"/>
+            </p:custDataLst>
+          </p:nvPr>
+        </p:nvSpPr>
+        <p:spPr>
+          <a:xfrm>
+            <a:off x="685800" y="2209800"/>
+            <a:ext cx="7772400" cy="1470025"/>
+          </a:xfrm>
+        </p:spPr>
+        <p:txBody>
+          <a:bodyPr/>
+          <a:lstStyle/>
+          <a:p>
+            <a:pPr algn="ctr"/>
+            <a:r>
+              <a:rPr lang="en-US" dirty="0" smtClean="0">
+                <a:latin typeface="Times"/>
+              </a:rPr>
+              <a:t>Linguistic </a:t>
+            </a:r>
+            <a:r>
+              <a:rPr lang="en-US" dirty="0" err="1" smtClean="0">
+                <a:latin typeface="Times"/>
+              </a:rPr>
+              <a:t>Steganography</a:t>
+            </a:r>
+            <a:r>
+              <a:rPr lang="en-US" dirty="0" smtClean="0">
+                <a:latin typeface="Times"/>
+              </a:rPr>
+              <a:t> Detection</a:t>
+            </a:r>
+            <a:endParaRPr lang="en-US" dirty="0">
+              <a:latin typeface="Times"/>
+            </a:endParaRPr>
+          </a:p>
+        </p:txBody>
+      </p:sp>
+      <p:sp>
+        <p:nvSpPr>
+          <p:cNvPr id="3" name="Subtitle 2"/>
+          <p:cNvSpPr>
+            <a:spLocks noGrp="1"/>
+          </p:cNvSpPr>
+          <p:nvPr>
+            <p:ph type="subTitle" idx="1"/>
+            <p:custDataLst>
+              <p:tags r:id="rId3"/>
             </p:custDataLst>
           </p:nvPr>
         </p:nvSpPr>
@@ -14287,251 +15519,7 @@
           <a:bodyPr/>
           <a:lstStyle/>
           <a:p>
-            <a:r>
-              <a:rPr lang="en-US" dirty="0" err="1" smtClean="0"/>
-              <a:t>Nội</a:t>
-            </a:r>
-            <a:r>
-              <a:rPr lang="en-US" dirty="0" smtClean="0"/>
-              <a:t> dung</a:t>
-            </a:r>
             <a:endParaRPr lang="en-US" dirty="0"/>
-          </a:p>
-        </p:txBody>
-      </p:sp>
-      <p:sp>
-        <p:nvSpPr>
-          <p:cNvPr id="4" name="Date Placeholder 3"/>
-          <p:cNvSpPr>
-            <a:spLocks noGrp="1"/>
-          </p:cNvSpPr>
-          <p:nvPr>
-            <p:ph type="dt" sz="half" idx="10"/>
-            <p:custDataLst>
-              <p:tags r:id="rId3"/>
-            </p:custDataLst>
-          </p:nvPr>
-        </p:nvSpPr>
-        <p:spPr/>
-        <p:txBody>
-          <a:bodyPr/>
-          <a:lstStyle/>
-          <a:p>
-            <a:fld id="{FC13EE21-0C48-4609-AAE4-AD74DD06381D}" type="datetime1">
-              <a:rPr lang="en-US" smtClean="0"/>
-              <a:pPr/>
-              <a:t>4/14/2011</a:t>
-            </a:fld>
-            <a:endParaRPr lang="en-US" dirty="0"/>
-          </a:p>
-        </p:txBody>
-      </p:sp>
-      <p:sp>
-        <p:nvSpPr>
-          <p:cNvPr id="5" name="Slide Number Placeholder 4"/>
-          <p:cNvSpPr>
-            <a:spLocks noGrp="1"/>
-          </p:cNvSpPr>
-          <p:nvPr>
-            <p:ph type="sldNum" sz="quarter" idx="12"/>
-            <p:custDataLst>
-              <p:tags r:id="rId4"/>
-            </p:custDataLst>
-          </p:nvPr>
-        </p:nvSpPr>
-        <p:spPr/>
-        <p:txBody>
-          <a:bodyPr/>
-          <a:lstStyle/>
-          <a:p>
-            <a:fld id="{805C85F1-8004-4C57-9BBF-E57BBA7CF0F9}" type="slidenum">
-              <a:rPr lang="en-US" smtClean="0"/>
-              <a:pPr/>
-              <a:t>3</a:t>
-            </a:fld>
-            <a:endParaRPr lang="en-US"/>
-          </a:p>
-        </p:txBody>
-      </p:sp>
-      <p:graphicFrame>
-        <p:nvGraphicFramePr>
-          <p:cNvPr id="6" name="Diagram 5"/>
-          <p:cNvGraphicFramePr/>
-          <p:nvPr>
-            <p:custDataLst>
-              <p:tags r:id="rId5"/>
-            </p:custDataLst>
-            <p:extLst>
-              <p:ext uri="{D42A27DB-BD31-4B8C-83A1-F6EECF244321}">
-                <p14:modId xmlns="" xmlns:p14="http://schemas.microsoft.com/office/powerpoint/2010/main" val="3688130795"/>
-              </p:ext>
-            </p:extLst>
-          </p:nvPr>
-        </p:nvGraphicFramePr>
-        <p:xfrm>
-          <a:off x="228600" y="1371600"/>
-          <a:ext cx="8610600" cy="4267200"/>
-        </p:xfrm>
-        <a:graphic>
-          <a:graphicData uri="http://schemas.openxmlformats.org/drawingml/2006/diagram">
-            <dgm:relIds xmlns:dgm="http://schemas.openxmlformats.org/drawingml/2006/diagram" xmlns:r="http://schemas.openxmlformats.org/officeDocument/2006/relationships" r:dm="rId7" r:lo="rId8" r:qs="rId9" r:cs="rId10"/>
-          </a:graphicData>
-        </a:graphic>
-      </p:graphicFrame>
-    </p:spTree>
-    <p:custDataLst>
-      <p:tags r:id="rId1"/>
-    </p:custDataLst>
-    <p:extLst>
-      <p:ext uri="{BB962C8B-B14F-4D97-AF65-F5344CB8AC3E}">
-        <p14:creationId xmlns="" xmlns:p14="http://schemas.microsoft.com/office/powerpoint/2010/main" val="2658198753"/>
-      </p:ext>
-    </p:extLst>
-  </p:cSld>
-  <p:clrMapOvr>
-    <a:masterClrMapping/>
-  </p:clrMapOvr>
-  <p:transition/>
-  <p:timing>
-    <p:tnLst>
-      <p:par>
-        <p:cTn id="1" dur="indefinite" restart="never" nodeType="tmRoot"/>
-      </p:par>
-    </p:tnLst>
-  </p:timing>
-</p:sld>
-</file>
-
-<file path=ppt/slides/slide30.xml><?xml version="1.0" encoding="utf-8"?>
-<p:sld xmlns:a="http://schemas.openxmlformats.org/drawingml/2006/main" xmlns:r="http://schemas.openxmlformats.org/officeDocument/2006/relationships" xmlns:p="http://schemas.openxmlformats.org/presentationml/2006/main">
-  <p:cSld>
-    <p:spTree>
-      <p:nvGrpSpPr>
-        <p:cNvPr id="1" name=""/>
-        <p:cNvGrpSpPr/>
-        <p:nvPr/>
-      </p:nvGrpSpPr>
-      <p:grpSpPr>
-        <a:xfrm>
-          <a:off x="0" y="0"/>
-          <a:ext cx="0" cy="0"/>
-          <a:chOff x="0" y="0"/>
-          <a:chExt cx="0" cy="0"/>
-        </a:xfrm>
-      </p:grpSpPr>
-      <p:sp>
-        <p:nvSpPr>
-          <p:cNvPr id="2" name="Title 1"/>
-          <p:cNvSpPr>
-            <a:spLocks noGrp="1"/>
-          </p:cNvSpPr>
-          <p:nvPr>
-            <p:ph type="title"/>
-            <p:custDataLst>
-              <p:tags r:id="rId2"/>
-            </p:custDataLst>
-          </p:nvPr>
-        </p:nvSpPr>
-        <p:spPr/>
-        <p:txBody>
-          <a:bodyPr/>
-          <a:lstStyle/>
-          <a:p>
-            <a:r>
-              <a:rPr lang="en-US" dirty="0" smtClean="0">
-                <a:latin typeface="Times New Roman" pitchFamily="18" charset="0"/>
-                <a:cs typeface="Times New Roman" pitchFamily="18" charset="0"/>
-              </a:rPr>
-              <a:t>Result Output</a:t>
-            </a:r>
-            <a:endParaRPr lang="en-US" dirty="0">
-              <a:latin typeface="Times New Roman" pitchFamily="18" charset="0"/>
-              <a:cs typeface="Times New Roman" pitchFamily="18" charset="0"/>
-            </a:endParaRPr>
-          </a:p>
-        </p:txBody>
-      </p:sp>
-      <p:sp>
-        <p:nvSpPr>
-          <p:cNvPr id="3" name="Content Placeholder 2"/>
-          <p:cNvSpPr>
-            <a:spLocks noGrp="1"/>
-          </p:cNvSpPr>
-          <p:nvPr>
-            <p:ph idx="1"/>
-            <p:custDataLst>
-              <p:tags r:id="rId3"/>
-            </p:custDataLst>
-          </p:nvPr>
-        </p:nvSpPr>
-        <p:spPr>
-          <a:xfrm>
-            <a:off x="304800" y="990600"/>
-            <a:ext cx="8534400" cy="5334000"/>
-          </a:xfrm>
-        </p:spPr>
-        <p:txBody>
-          <a:bodyPr/>
-          <a:lstStyle/>
-          <a:p>
-            <a:pPr>
-              <a:buNone/>
-            </a:pPr>
-            <a:endParaRPr lang="en-US" dirty="0"/>
-          </a:p>
-        </p:txBody>
-      </p:sp>
-      <p:sp>
-        <p:nvSpPr>
-          <p:cNvPr id="4" name="Date Placeholder 3"/>
-          <p:cNvSpPr>
-            <a:spLocks noGrp="1"/>
-          </p:cNvSpPr>
-          <p:nvPr>
-            <p:ph type="dt" sz="half" idx="10"/>
-            <p:custDataLst>
-              <p:tags r:id="rId4"/>
-            </p:custDataLst>
-          </p:nvPr>
-        </p:nvSpPr>
-        <p:spPr/>
-        <p:txBody>
-          <a:bodyPr/>
-          <a:lstStyle/>
-          <a:p>
-            <a:fld id="{FC13EE21-0C48-4609-AAE4-AD74DD06381D}" type="datetime1">
-              <a:rPr lang="en-US" smtClean="0"/>
-              <a:pPr/>
-              <a:t>4/14/2011</a:t>
-            </a:fld>
-            <a:endParaRPr lang="en-US" dirty="0"/>
-          </a:p>
-        </p:txBody>
-      </p:sp>
-      <p:sp>
-        <p:nvSpPr>
-          <p:cNvPr id="5" name="Slide Number Placeholder 4"/>
-          <p:cNvSpPr>
-            <a:spLocks noGrp="1"/>
-          </p:cNvSpPr>
-          <p:nvPr>
-            <p:ph type="sldNum" sz="quarter" idx="12"/>
-            <p:custDataLst>
-              <p:tags r:id="rId5"/>
-            </p:custDataLst>
-          </p:nvPr>
-        </p:nvSpPr>
-        <p:spPr/>
-        <p:txBody>
-          <a:bodyPr/>
-          <a:lstStyle/>
-          <a:p>
-            <a:fld id="{805C85F1-8004-4C57-9BBF-E57BBA7CF0F9}" type="slidenum">
-              <a:rPr lang="en-US" smtClean="0"/>
-              <a:pPr/>
-              <a:t>30</a:t>
-            </a:fld>
-            <a:endParaRPr lang="en-US"/>
           </a:p>
         </p:txBody>
       </p:sp>
@@ -14554,625 +15542,7 @@
 </p:sld>
 </file>
 
-<file path=ppt/slides/slide31.xml><?xml version="1.0" encoding="utf-8"?>
-<p:sld xmlns:a="http://schemas.openxmlformats.org/drawingml/2006/main" xmlns:r="http://schemas.openxmlformats.org/officeDocument/2006/relationships" xmlns:p="http://schemas.openxmlformats.org/presentationml/2006/main">
-  <p:cSld>
-    <p:spTree>
-      <p:nvGrpSpPr>
-        <p:cNvPr id="1" name=""/>
-        <p:cNvGrpSpPr/>
-        <p:nvPr/>
-      </p:nvGrpSpPr>
-      <p:grpSpPr>
-        <a:xfrm>
-          <a:off x="0" y="0"/>
-          <a:ext cx="0" cy="0"/>
-          <a:chOff x="0" y="0"/>
-          <a:chExt cx="0" cy="0"/>
-        </a:xfrm>
-      </p:grpSpPr>
-      <p:sp>
-        <p:nvSpPr>
-          <p:cNvPr id="2" name="Title 1"/>
-          <p:cNvSpPr>
-            <a:spLocks noGrp="1"/>
-          </p:cNvSpPr>
-          <p:nvPr>
-            <p:ph type="title"/>
-            <p:custDataLst>
-              <p:tags r:id="rId2"/>
-            </p:custDataLst>
-          </p:nvPr>
-        </p:nvSpPr>
-        <p:spPr/>
-        <p:txBody>
-          <a:bodyPr/>
-          <a:lstStyle/>
-          <a:p>
-            <a:r>
-              <a:rPr lang="en-US" dirty="0" smtClean="0">
-                <a:latin typeface="Times New Roman" pitchFamily="18" charset="0"/>
-                <a:cs typeface="Times New Roman" pitchFamily="18" charset="0"/>
-              </a:rPr>
-              <a:t>Result Output</a:t>
-            </a:r>
-            <a:endParaRPr lang="en-US" dirty="0">
-              <a:latin typeface="Times New Roman" pitchFamily="18" charset="0"/>
-              <a:cs typeface="Times New Roman" pitchFamily="18" charset="0"/>
-            </a:endParaRPr>
-          </a:p>
-        </p:txBody>
-      </p:sp>
-      <p:sp>
-        <p:nvSpPr>
-          <p:cNvPr id="3" name="Content Placeholder 2"/>
-          <p:cNvSpPr>
-            <a:spLocks noGrp="1"/>
-          </p:cNvSpPr>
-          <p:nvPr>
-            <p:ph idx="1"/>
-            <p:custDataLst>
-              <p:tags r:id="rId3"/>
-            </p:custDataLst>
-          </p:nvPr>
-        </p:nvSpPr>
-        <p:spPr>
-          <a:xfrm>
-            <a:off x="304800" y="990600"/>
-            <a:ext cx="8534400" cy="5334000"/>
-          </a:xfrm>
-        </p:spPr>
-        <p:txBody>
-          <a:bodyPr/>
-          <a:lstStyle/>
-          <a:p>
-            <a:pPr>
-              <a:buNone/>
-            </a:pPr>
-            <a:endParaRPr lang="en-US" dirty="0"/>
-          </a:p>
-        </p:txBody>
-      </p:sp>
-      <p:sp>
-        <p:nvSpPr>
-          <p:cNvPr id="4" name="Date Placeholder 3"/>
-          <p:cNvSpPr>
-            <a:spLocks noGrp="1"/>
-          </p:cNvSpPr>
-          <p:nvPr>
-            <p:ph type="dt" sz="half" idx="10"/>
-            <p:custDataLst>
-              <p:tags r:id="rId4"/>
-            </p:custDataLst>
-          </p:nvPr>
-        </p:nvSpPr>
-        <p:spPr/>
-        <p:txBody>
-          <a:bodyPr/>
-          <a:lstStyle/>
-          <a:p>
-            <a:fld id="{FC13EE21-0C48-4609-AAE4-AD74DD06381D}" type="datetime1">
-              <a:rPr lang="en-US" smtClean="0"/>
-              <a:pPr/>
-              <a:t>4/14/2011</a:t>
-            </a:fld>
-            <a:endParaRPr lang="en-US" dirty="0"/>
-          </a:p>
-        </p:txBody>
-      </p:sp>
-      <p:sp>
-        <p:nvSpPr>
-          <p:cNvPr id="5" name="Slide Number Placeholder 4"/>
-          <p:cNvSpPr>
-            <a:spLocks noGrp="1"/>
-          </p:cNvSpPr>
-          <p:nvPr>
-            <p:ph type="sldNum" sz="quarter" idx="12"/>
-            <p:custDataLst>
-              <p:tags r:id="rId5"/>
-            </p:custDataLst>
-          </p:nvPr>
-        </p:nvSpPr>
-        <p:spPr/>
-        <p:txBody>
-          <a:bodyPr/>
-          <a:lstStyle/>
-          <a:p>
-            <a:fld id="{805C85F1-8004-4C57-9BBF-E57BBA7CF0F9}" type="slidenum">
-              <a:rPr lang="en-US" smtClean="0"/>
-              <a:pPr/>
-              <a:t>31</a:t>
-            </a:fld>
-            <a:endParaRPr lang="en-US"/>
-          </a:p>
-        </p:txBody>
-      </p:sp>
-    </p:spTree>
-    <p:custDataLst>
-      <p:tags r:id="rId1"/>
-    </p:custDataLst>
-  </p:cSld>
-  <p:clrMapOvr>
-    <a:masterClrMapping/>
-  </p:clrMapOvr>
-  <p:transition/>
-  <p:timing>
-    <p:tnLst>
-      <p:par>
-        <p:cTn id="1" dur="indefinite" restart="never" nodeType="tmRoot"/>
-      </p:par>
-    </p:tnLst>
-  </p:timing>
-</p:sld>
-</file>
-
-<file path=ppt/slides/slide32.xml><?xml version="1.0" encoding="utf-8"?>
-<p:sld xmlns:a="http://schemas.openxmlformats.org/drawingml/2006/main" xmlns:r="http://schemas.openxmlformats.org/officeDocument/2006/relationships" xmlns:p="http://schemas.openxmlformats.org/presentationml/2006/main">
-  <p:cSld>
-    <p:spTree>
-      <p:nvGrpSpPr>
-        <p:cNvPr id="1" name=""/>
-        <p:cNvGrpSpPr/>
-        <p:nvPr/>
-      </p:nvGrpSpPr>
-      <p:grpSpPr>
-        <a:xfrm>
-          <a:off x="0" y="0"/>
-          <a:ext cx="0" cy="0"/>
-          <a:chOff x="0" y="0"/>
-          <a:chExt cx="0" cy="0"/>
-        </a:xfrm>
-      </p:grpSpPr>
-      <p:sp>
-        <p:nvSpPr>
-          <p:cNvPr id="2" name="Title 1"/>
-          <p:cNvSpPr>
-            <a:spLocks noGrp="1"/>
-          </p:cNvSpPr>
-          <p:nvPr>
-            <p:ph type="title"/>
-            <p:custDataLst>
-              <p:tags r:id="rId2"/>
-            </p:custDataLst>
-          </p:nvPr>
-        </p:nvSpPr>
-        <p:spPr/>
-        <p:txBody>
-          <a:bodyPr/>
-          <a:lstStyle/>
-          <a:p>
-            <a:r>
-              <a:rPr lang="en-US" dirty="0" smtClean="0"/>
-              <a:t>Result</a:t>
-            </a:r>
-            <a:endParaRPr lang="en-US" dirty="0"/>
-          </a:p>
-        </p:txBody>
-      </p:sp>
-      <p:sp>
-        <p:nvSpPr>
-          <p:cNvPr id="3" name="Content Placeholder 2"/>
-          <p:cNvSpPr>
-            <a:spLocks noGrp="1"/>
-          </p:cNvSpPr>
-          <p:nvPr>
-            <p:ph idx="1"/>
-            <p:custDataLst>
-              <p:tags r:id="rId3"/>
-            </p:custDataLst>
-          </p:nvPr>
-        </p:nvSpPr>
-        <p:spPr/>
-        <p:txBody>
-          <a:bodyPr/>
-          <a:lstStyle/>
-          <a:p>
-            <a:endParaRPr lang="en-US"/>
-          </a:p>
-        </p:txBody>
-      </p:sp>
-      <p:sp>
-        <p:nvSpPr>
-          <p:cNvPr id="4" name="Date Placeholder 3"/>
-          <p:cNvSpPr>
-            <a:spLocks noGrp="1"/>
-          </p:cNvSpPr>
-          <p:nvPr>
-            <p:ph type="dt" sz="half" idx="10"/>
-            <p:custDataLst>
-              <p:tags r:id="rId4"/>
-            </p:custDataLst>
-          </p:nvPr>
-        </p:nvSpPr>
-        <p:spPr/>
-        <p:txBody>
-          <a:bodyPr/>
-          <a:lstStyle/>
-          <a:p>
-            <a:fld id="{FC13EE21-0C48-4609-AAE4-AD74DD06381D}" type="datetime1">
-              <a:rPr lang="en-US" smtClean="0"/>
-              <a:pPr/>
-              <a:t>4/14/2011</a:t>
-            </a:fld>
-            <a:endParaRPr lang="en-US" dirty="0"/>
-          </a:p>
-        </p:txBody>
-      </p:sp>
-      <p:sp>
-        <p:nvSpPr>
-          <p:cNvPr id="5" name="Slide Number Placeholder 4"/>
-          <p:cNvSpPr>
-            <a:spLocks noGrp="1"/>
-          </p:cNvSpPr>
-          <p:nvPr>
-            <p:ph type="sldNum" sz="quarter" idx="12"/>
-            <p:custDataLst>
-              <p:tags r:id="rId5"/>
-            </p:custDataLst>
-          </p:nvPr>
-        </p:nvSpPr>
-        <p:spPr/>
-        <p:txBody>
-          <a:bodyPr/>
-          <a:lstStyle/>
-          <a:p>
-            <a:fld id="{805C85F1-8004-4C57-9BBF-E57BBA7CF0F9}" type="slidenum">
-              <a:rPr lang="en-US" smtClean="0"/>
-              <a:pPr/>
-              <a:t>32</a:t>
-            </a:fld>
-            <a:endParaRPr lang="en-US"/>
-          </a:p>
-        </p:txBody>
-      </p:sp>
-    </p:spTree>
-    <p:custDataLst>
-      <p:tags r:id="rId1"/>
-    </p:custDataLst>
-  </p:cSld>
-  <p:clrMapOvr>
-    <a:masterClrMapping/>
-  </p:clrMapOvr>
-  <p:transition>
-    <p:fade thruBlk="1"/>
-  </p:transition>
-</p:sld>
-</file>
-
-<file path=ppt/slides/slide33.xml><?xml version="1.0" encoding="utf-8"?>
-<p:sld xmlns:a="http://schemas.openxmlformats.org/drawingml/2006/main" xmlns:r="http://schemas.openxmlformats.org/officeDocument/2006/relationships" xmlns:p="http://schemas.openxmlformats.org/presentationml/2006/main">
-  <p:cSld>
-    <p:spTree>
-      <p:nvGrpSpPr>
-        <p:cNvPr id="1" name=""/>
-        <p:cNvGrpSpPr/>
-        <p:nvPr/>
-      </p:nvGrpSpPr>
-      <p:grpSpPr>
-        <a:xfrm>
-          <a:off x="0" y="0"/>
-          <a:ext cx="0" cy="0"/>
-          <a:chOff x="0" y="0"/>
-          <a:chExt cx="0" cy="0"/>
-        </a:xfrm>
-      </p:grpSpPr>
-      <p:sp>
-        <p:nvSpPr>
-          <p:cNvPr id="2" name="Title 1"/>
-          <p:cNvSpPr>
-            <a:spLocks noGrp="1"/>
-          </p:cNvSpPr>
-          <p:nvPr>
-            <p:ph type="title"/>
-            <p:custDataLst>
-              <p:tags r:id="rId2"/>
-            </p:custDataLst>
-          </p:nvPr>
-        </p:nvSpPr>
-        <p:spPr/>
-        <p:txBody>
-          <a:bodyPr/>
-          <a:lstStyle/>
-          <a:p>
-            <a:r>
-              <a:rPr lang="en-US" dirty="0" smtClean="0"/>
-              <a:t>Summary</a:t>
-            </a:r>
-            <a:endParaRPr lang="en-US" dirty="0"/>
-          </a:p>
-        </p:txBody>
-      </p:sp>
-      <p:sp>
-        <p:nvSpPr>
-          <p:cNvPr id="3" name="Content Placeholder 2"/>
-          <p:cNvSpPr>
-            <a:spLocks noGrp="1"/>
-          </p:cNvSpPr>
-          <p:nvPr>
-            <p:ph idx="1"/>
-            <p:custDataLst>
-              <p:tags r:id="rId3"/>
-            </p:custDataLst>
-          </p:nvPr>
-        </p:nvSpPr>
-        <p:spPr/>
-        <p:txBody>
-          <a:bodyPr/>
-          <a:lstStyle/>
-          <a:p>
-            <a:endParaRPr lang="en-US"/>
-          </a:p>
-        </p:txBody>
-      </p:sp>
-      <p:sp>
-        <p:nvSpPr>
-          <p:cNvPr id="4" name="Date Placeholder 3"/>
-          <p:cNvSpPr>
-            <a:spLocks noGrp="1"/>
-          </p:cNvSpPr>
-          <p:nvPr>
-            <p:ph type="dt" sz="half" idx="10"/>
-            <p:custDataLst>
-              <p:tags r:id="rId4"/>
-            </p:custDataLst>
-          </p:nvPr>
-        </p:nvSpPr>
-        <p:spPr/>
-        <p:txBody>
-          <a:bodyPr/>
-          <a:lstStyle/>
-          <a:p>
-            <a:fld id="{FC13EE21-0C48-4609-AAE4-AD74DD06381D}" type="datetime1">
-              <a:rPr lang="en-US" smtClean="0"/>
-              <a:pPr/>
-              <a:t>4/14/2011</a:t>
-            </a:fld>
-            <a:endParaRPr lang="en-US" dirty="0"/>
-          </a:p>
-        </p:txBody>
-      </p:sp>
-      <p:sp>
-        <p:nvSpPr>
-          <p:cNvPr id="5" name="Slide Number Placeholder 4"/>
-          <p:cNvSpPr>
-            <a:spLocks noGrp="1"/>
-          </p:cNvSpPr>
-          <p:nvPr>
-            <p:ph type="sldNum" sz="quarter" idx="12"/>
-            <p:custDataLst>
-              <p:tags r:id="rId5"/>
-            </p:custDataLst>
-          </p:nvPr>
-        </p:nvSpPr>
-        <p:spPr/>
-        <p:txBody>
-          <a:bodyPr/>
-          <a:lstStyle/>
-          <a:p>
-            <a:fld id="{805C85F1-8004-4C57-9BBF-E57BBA7CF0F9}" type="slidenum">
-              <a:rPr lang="en-US" smtClean="0"/>
-              <a:pPr/>
-              <a:t>33</a:t>
-            </a:fld>
-            <a:endParaRPr lang="en-US"/>
-          </a:p>
-        </p:txBody>
-      </p:sp>
-    </p:spTree>
-    <p:custDataLst>
-      <p:tags r:id="rId1"/>
-    </p:custDataLst>
-  </p:cSld>
-  <p:clrMapOvr>
-    <a:masterClrMapping/>
-  </p:clrMapOvr>
-  <p:transition>
-    <p:fade thruBlk="1"/>
-  </p:transition>
-</p:sld>
-</file>
-
-<file path=ppt/slides/slide34.xml><?xml version="1.0" encoding="utf-8"?>
-<p:sld xmlns:a="http://schemas.openxmlformats.org/drawingml/2006/main" xmlns:r="http://schemas.openxmlformats.org/officeDocument/2006/relationships" xmlns:p="http://schemas.openxmlformats.org/presentationml/2006/main">
-  <p:cSld>
-    <p:spTree>
-      <p:nvGrpSpPr>
-        <p:cNvPr id="1" name=""/>
-        <p:cNvGrpSpPr/>
-        <p:nvPr/>
-      </p:nvGrpSpPr>
-      <p:grpSpPr>
-        <a:xfrm>
-          <a:off x="0" y="0"/>
-          <a:ext cx="0" cy="0"/>
-          <a:chOff x="0" y="0"/>
-          <a:chExt cx="0" cy="0"/>
-        </a:xfrm>
-      </p:grpSpPr>
-      <p:sp>
-        <p:nvSpPr>
-          <p:cNvPr id="2" name="Title 1"/>
-          <p:cNvSpPr>
-            <a:spLocks noGrp="1"/>
-          </p:cNvSpPr>
-          <p:nvPr>
-            <p:ph type="ctrTitle"/>
-            <p:custDataLst>
-              <p:tags r:id="rId2"/>
-            </p:custDataLst>
-          </p:nvPr>
-        </p:nvSpPr>
-        <p:spPr>
-          <a:xfrm>
-            <a:off x="685800" y="2209800"/>
-            <a:ext cx="7772400" cy="1470025"/>
-          </a:xfrm>
-        </p:spPr>
-        <p:txBody>
-          <a:bodyPr/>
-          <a:lstStyle/>
-          <a:p>
-            <a:pPr algn="ctr"/>
-            <a:r>
-              <a:rPr lang="en-US" dirty="0" smtClean="0">
-                <a:latin typeface="Times"/>
-              </a:rPr>
-              <a:t>Demo</a:t>
-            </a:r>
-            <a:endParaRPr lang="en-US" dirty="0">
-              <a:latin typeface="Times"/>
-            </a:endParaRPr>
-          </a:p>
-        </p:txBody>
-      </p:sp>
-      <p:sp>
-        <p:nvSpPr>
-          <p:cNvPr id="3" name="Subtitle 2"/>
-          <p:cNvSpPr>
-            <a:spLocks noGrp="1"/>
-          </p:cNvSpPr>
-          <p:nvPr>
-            <p:ph type="subTitle" idx="1"/>
-            <p:custDataLst>
-              <p:tags r:id="rId3"/>
-            </p:custDataLst>
-          </p:nvPr>
-        </p:nvSpPr>
-        <p:spPr/>
-        <p:txBody>
-          <a:bodyPr/>
-          <a:lstStyle/>
-          <a:p>
-            <a:endParaRPr lang="en-US" dirty="0"/>
-          </a:p>
-        </p:txBody>
-      </p:sp>
-    </p:spTree>
-    <p:custDataLst>
-      <p:tags r:id="rId1"/>
-    </p:custDataLst>
-  </p:cSld>
-  <p:clrMapOvr>
-    <a:masterClrMapping/>
-  </p:clrMapOvr>
-  <p:transition/>
-  <p:timing>
-    <p:tnLst>
-      <p:par>
-        <p:cTn id="1" dur="indefinite" restart="never" nodeType="tmRoot"/>
-      </p:par>
-    </p:tnLst>
-  </p:timing>
-</p:sld>
-</file>
-
 <file path=ppt/slides/slide4.xml><?xml version="1.0" encoding="utf-8"?>
-<p:sld xmlns:a="http://schemas.openxmlformats.org/drawingml/2006/main" xmlns:r="http://schemas.openxmlformats.org/officeDocument/2006/relationships" xmlns:p="http://schemas.openxmlformats.org/presentationml/2006/main">
-  <p:cSld>
-    <p:spTree>
-      <p:nvGrpSpPr>
-        <p:cNvPr id="1" name=""/>
-        <p:cNvGrpSpPr/>
-        <p:nvPr/>
-      </p:nvGrpSpPr>
-      <p:grpSpPr>
-        <a:xfrm>
-          <a:off x="0" y="0"/>
-          <a:ext cx="0" cy="0"/>
-          <a:chOff x="0" y="0"/>
-          <a:chExt cx="0" cy="0"/>
-        </a:xfrm>
-      </p:grpSpPr>
-      <p:sp>
-        <p:nvSpPr>
-          <p:cNvPr id="2" name="Title 1"/>
-          <p:cNvSpPr>
-            <a:spLocks noGrp="1"/>
-          </p:cNvSpPr>
-          <p:nvPr>
-            <p:ph type="ctrTitle"/>
-            <p:custDataLst>
-              <p:tags r:id="rId2"/>
-            </p:custDataLst>
-          </p:nvPr>
-        </p:nvSpPr>
-        <p:spPr>
-          <a:xfrm>
-            <a:off x="685800" y="2209800"/>
-            <a:ext cx="7772400" cy="1470025"/>
-          </a:xfrm>
-        </p:spPr>
-        <p:txBody>
-          <a:bodyPr/>
-          <a:lstStyle/>
-          <a:p>
-            <a:pPr algn="ctr"/>
-            <a:r>
-              <a:rPr lang="en-US" dirty="0" smtClean="0">
-                <a:latin typeface="Times"/>
-              </a:rPr>
-              <a:t>Linguistic </a:t>
-            </a:r>
-            <a:r>
-              <a:rPr lang="en-US" dirty="0" err="1" smtClean="0">
-                <a:latin typeface="Times"/>
-              </a:rPr>
-              <a:t>Steganography</a:t>
-            </a:r>
-            <a:r>
-              <a:rPr lang="en-US" dirty="0" smtClean="0">
-                <a:latin typeface="Times"/>
-              </a:rPr>
-              <a:t> Detection</a:t>
-            </a:r>
-            <a:endParaRPr lang="en-US" dirty="0">
-              <a:latin typeface="Times"/>
-            </a:endParaRPr>
-          </a:p>
-        </p:txBody>
-      </p:sp>
-      <p:sp>
-        <p:nvSpPr>
-          <p:cNvPr id="3" name="Subtitle 2"/>
-          <p:cNvSpPr>
-            <a:spLocks noGrp="1"/>
-          </p:cNvSpPr>
-          <p:nvPr>
-            <p:ph type="subTitle" idx="1"/>
-            <p:custDataLst>
-              <p:tags r:id="rId3"/>
-            </p:custDataLst>
-          </p:nvPr>
-        </p:nvSpPr>
-        <p:spPr/>
-        <p:txBody>
-          <a:bodyPr/>
-          <a:lstStyle/>
-          <a:p>
-            <a:endParaRPr lang="en-US" dirty="0"/>
-          </a:p>
-        </p:txBody>
-      </p:sp>
-    </p:spTree>
-    <p:custDataLst>
-      <p:tags r:id="rId1"/>
-    </p:custDataLst>
-  </p:cSld>
-  <p:clrMapOvr>
-    <a:masterClrMapping/>
-  </p:clrMapOvr>
-  <p:transition/>
-  <p:timing>
-    <p:tnLst>
-      <p:par>
-        <p:cTn id="1" dur="indefinite" restart="never" nodeType="tmRoot"/>
-      </p:par>
-    </p:tnLst>
-  </p:timing>
-</p:sld>
-</file>
-
-<file path=ppt/slides/slide5.xml><?xml version="1.0" encoding="utf-8"?>
 <p:sld xmlns:a="http://schemas.openxmlformats.org/drawingml/2006/main" xmlns:r="http://schemas.openxmlformats.org/officeDocument/2006/relationships" xmlns:p="http://schemas.openxmlformats.org/presentationml/2006/main">
   <p:cSld>
     <p:spTree>
@@ -15374,7 +15744,7 @@
             <a:fld id="{FC13EE21-0C48-4609-AAE4-AD74DD06381D}" type="datetime1">
               <a:rPr lang="en-US" smtClean="0"/>
               <a:pPr/>
-              <a:t>4/14/2011</a:t>
+              <a:t>4/18/2011</a:t>
             </a:fld>
             <a:endParaRPr lang="en-US" dirty="0"/>
           </a:p>
@@ -15401,7 +15771,7 @@
             <a:fld id="{805C85F1-8004-4C57-9BBF-E57BBA7CF0F9}" type="slidenum">
               <a:rPr lang="en-US" smtClean="0"/>
               <a:pPr/>
-              <a:t>5</a:t>
+              <a:t>4</a:t>
             </a:fld>
             <a:endParaRPr lang="en-US"/>
           </a:p>
@@ -15428,7 +15798,7 @@
 </p:sld>
 </file>
 
-<file path=ppt/slides/slide6.xml><?xml version="1.0" encoding="utf-8"?>
+<file path=ppt/slides/slide5.xml><?xml version="1.0" encoding="utf-8"?>
 <p:sld xmlns:a="http://schemas.openxmlformats.org/drawingml/2006/main" xmlns:r="http://schemas.openxmlformats.org/officeDocument/2006/relationships" xmlns:p="http://schemas.openxmlformats.org/presentationml/2006/main">
   <p:cSld>
     <p:spTree>
@@ -15510,7 +15880,7 @@
             </a:r>
             <a:r>
               <a:rPr lang="en-US" sz="2400" i="0" dirty="0" smtClean="0"/>
-              <a:t>0110’</a:t>
+              <a:t>0110 …’</a:t>
             </a:r>
             <a:endParaRPr lang="en-US" i="0" dirty="0" smtClean="0"/>
           </a:p>
@@ -15593,7 +15963,7 @@
             <a:fld id="{FC13EE21-0C48-4609-AAE4-AD74DD06381D}" type="datetime1">
               <a:rPr lang="en-US" smtClean="0"/>
               <a:pPr/>
-              <a:t>4/14/2011</a:t>
+              <a:t>4/18/2011</a:t>
             </a:fld>
             <a:endParaRPr lang="en-US" dirty="0"/>
           </a:p>
@@ -15620,7 +15990,7 @@
             <a:fld id="{805C85F1-8004-4C57-9BBF-E57BBA7CF0F9}" type="slidenum">
               <a:rPr lang="en-US" smtClean="0"/>
               <a:pPr/>
-              <a:t>6</a:t>
+              <a:t>5</a:t>
             </a:fld>
             <a:endParaRPr lang="en-US"/>
           </a:p>
@@ -15964,13 +16334,42 @@
                         </a:spcAft>
                       </a:pPr>
                       <a:r>
-                        <a:rPr lang="en-US" sz="1600">
+                        <a:rPr lang="en-US" sz="1600" dirty="0">
                           <a:latin typeface="Calibri"/>
                           <a:ea typeface="Calibri"/>
                           <a:cs typeface="Times New Roman"/>
                         </a:rPr>
-                        <a:t>Footballer Fb_Verb Fb_Object</a:t>
+                        <a:t>Footballer </a:t>
                       </a:r>
+                      <a:r>
+                        <a:rPr lang="en-US" sz="1600" dirty="0" err="1" smtClean="0">
+                          <a:latin typeface="Calibri"/>
+                          <a:ea typeface="Calibri"/>
+                          <a:cs typeface="Times New Roman"/>
+                        </a:rPr>
+                        <a:t>FbVerb</a:t>
+                      </a:r>
+                      <a:r>
+                        <a:rPr lang="en-US" sz="1600" dirty="0" smtClean="0">
+                          <a:latin typeface="Calibri"/>
+                          <a:ea typeface="Calibri"/>
+                          <a:cs typeface="Times New Roman"/>
+                        </a:rPr>
+                        <a:t> </a:t>
+                      </a:r>
+                      <a:r>
+                        <a:rPr lang="en-US" sz="1600" dirty="0" err="1" smtClean="0">
+                          <a:latin typeface="Calibri"/>
+                          <a:ea typeface="Calibri"/>
+                          <a:cs typeface="Times New Roman"/>
+                        </a:rPr>
+                        <a:t>FbObject</a:t>
+                      </a:r>
+                      <a:endParaRPr lang="en-US" sz="1600" dirty="0">
+                        <a:latin typeface="Calibri"/>
+                        <a:ea typeface="Calibri"/>
+                        <a:cs typeface="Times New Roman"/>
+                      </a:endParaRPr>
                     </a:p>
                   </a:txBody>
                   <a:tcPr marL="68580" marR="68580" marT="0" marB="0" anchor="ctr">
@@ -16404,13 +16803,18 @@
                         </a:spcAft>
                       </a:pPr>
                       <a:r>
-                        <a:rPr lang="en-US" sz="1600">
+                        <a:rPr lang="en-US" sz="1600" dirty="0" err="1" smtClean="0">
                           <a:latin typeface="Calibri"/>
                           <a:ea typeface="Calibri"/>
                           <a:cs typeface="Times New Roman"/>
                         </a:rPr>
-                        <a:t>Fb_Verb</a:t>
+                        <a:t>FbVerb</a:t>
                       </a:r>
+                      <a:endParaRPr lang="en-US" sz="1600" dirty="0">
+                        <a:latin typeface="Calibri"/>
+                        <a:ea typeface="Calibri"/>
+                        <a:cs typeface="Times New Roman"/>
+                      </a:endParaRPr>
                     </a:p>
                   </a:txBody>
                   <a:tcPr marL="68580" marR="68580" marT="0" marB="0" anchor="ctr">
@@ -16766,13 +17170,18 @@
                         </a:spcAft>
                       </a:pPr>
                       <a:r>
-                        <a:rPr lang="en-US" sz="1600">
+                        <a:rPr lang="en-US" sz="1600" dirty="0" err="1" smtClean="0">
                           <a:latin typeface="Calibri"/>
                           <a:ea typeface="Calibri"/>
                           <a:cs typeface="Times New Roman"/>
                         </a:rPr>
-                        <a:t>Fb_Object</a:t>
+                        <a:t>FbObject</a:t>
                       </a:r>
+                      <a:endParaRPr lang="en-US" sz="1600" dirty="0">
+                        <a:latin typeface="Calibri"/>
+                        <a:ea typeface="Calibri"/>
+                        <a:cs typeface="Times New Roman"/>
+                      </a:endParaRPr>
                     </a:p>
                   </a:txBody>
                   <a:tcPr marL="68580" marR="68580" marT="0" marB="0" anchor="ctr">
@@ -17120,7 +17529,7 @@
 </p:sld>
 </file>
 
-<file path=ppt/slides/slide7.xml><?xml version="1.0" encoding="utf-8"?>
+<file path=ppt/slides/slide6.xml><?xml version="1.0" encoding="utf-8"?>
 <p:sld xmlns:a="http://schemas.openxmlformats.org/drawingml/2006/main" xmlns:r="http://schemas.openxmlformats.org/officeDocument/2006/relationships" xmlns:p="http://schemas.openxmlformats.org/presentationml/2006/main">
   <p:cSld>
     <p:spTree>
@@ -17233,7 +17642,7 @@
             </a:r>
             <a:r>
               <a:rPr lang="en-US" sz="2000" dirty="0" smtClean="0"/>
-              <a:t> _ADJECTIVE _THING _VERB</a:t>
+              <a:t>  ADJECTIVE THING VERB</a:t>
             </a:r>
             <a:r>
               <a:rPr lang="en-US" sz="2000" dirty="0" smtClean="0">
@@ -17245,7 +17654,7 @@
             </a:r>
             <a:r>
               <a:rPr lang="en-US" sz="2000" dirty="0" smtClean="0"/>
-              <a:t> _ADVERB </a:t>
+              <a:t> ADVERB </a:t>
             </a:r>
             <a:r>
               <a:rPr lang="en-US" sz="2000" dirty="0" smtClean="0">
@@ -17257,7 +17666,7 @@
             </a:r>
             <a:r>
               <a:rPr lang="en-US" sz="2000" dirty="0" smtClean="0"/>
-              <a:t>_PLACE</a:t>
+              <a:t>PLACE</a:t>
             </a:r>
             <a:r>
               <a:rPr lang="en-US" sz="2000" dirty="0" smtClean="0">
@@ -17269,7 +17678,7 @@
             </a:r>
             <a:r>
               <a:rPr lang="en-US" sz="2000" dirty="0" smtClean="0"/>
-              <a:t> _VERB _ADJECTIVE _THING</a:t>
+              <a:t> VERB ADJECTIVE THING</a:t>
             </a:r>
             <a:r>
               <a:rPr lang="en-US" sz="2000" dirty="0" smtClean="0">
@@ -17281,7 +17690,15 @@
             </a:r>
             <a:r>
               <a:rPr lang="en-US" sz="2000" dirty="0" smtClean="0"/>
-              <a:t> _ADJECTIVE _ADJECTIVE _PLACE.</a:t>
+              <a:t> ADJECTIVE </a:t>
+            </a:r>
+            <a:r>
+              <a:rPr lang="en-US" sz="2000" dirty="0" err="1" smtClean="0"/>
+              <a:t>ADJECTIVE</a:t>
+            </a:r>
+            <a:r>
+              <a:rPr lang="en-US" sz="2000" dirty="0" smtClean="0"/>
+              <a:t> PLACE.</a:t>
             </a:r>
           </a:p>
           <a:p>
@@ -17424,7 +17841,7 @@
             <a:fld id="{FC13EE21-0C48-4609-AAE4-AD74DD06381D}" type="datetime1">
               <a:rPr lang="en-US" smtClean="0"/>
               <a:pPr/>
-              <a:t>4/14/2011</a:t>
+              <a:t>4/18/2011</a:t>
             </a:fld>
             <a:endParaRPr lang="en-US" dirty="0"/>
           </a:p>
@@ -17451,7 +17868,7 @@
             <a:fld id="{805C85F1-8004-4C57-9BBF-E57BBA7CF0F9}" type="slidenum">
               <a:rPr lang="en-US" smtClean="0"/>
               <a:pPr/>
-              <a:t>7</a:t>
+              <a:t>6</a:t>
             </a:fld>
             <a:endParaRPr lang="en-US"/>
           </a:p>
@@ -18716,7 +19133,7 @@
 </p:sld>
 </file>
 
-<file path=ppt/slides/slide8.xml><?xml version="1.0" encoding="utf-8"?>
+<file path=ppt/slides/slide7.xml><?xml version="1.0" encoding="utf-8"?>
 <p:sld xmlns:a="http://schemas.openxmlformats.org/drawingml/2006/main" xmlns:r="http://schemas.openxmlformats.org/officeDocument/2006/relationships" xmlns:p="http://schemas.openxmlformats.org/presentationml/2006/main">
   <p:cSld>
     <p:spTree>
@@ -18816,7 +19233,7 @@
             <a:fld id="{FC13EE21-0C48-4609-AAE4-AD74DD06381D}" type="datetime1">
               <a:rPr lang="en-US" smtClean="0"/>
               <a:pPr/>
-              <a:t>4/14/2011</a:t>
+              <a:t>4/18/2011</a:t>
             </a:fld>
             <a:endParaRPr lang="en-US" dirty="0"/>
           </a:p>
@@ -18843,7 +19260,7 @@
             <a:fld id="{805C85F1-8004-4C57-9BBF-E57BBA7CF0F9}" type="slidenum">
               <a:rPr lang="en-US" smtClean="0"/>
               <a:pPr/>
-              <a:t>8</a:t>
+              <a:t>7</a:t>
             </a:fld>
             <a:endParaRPr lang="en-US"/>
           </a:p>
@@ -18898,7 +19315,7 @@
 </p:sld>
 </file>
 
-<file path=ppt/slides/slide9.xml><?xml version="1.0" encoding="utf-8"?>
+<file path=ppt/slides/slide8.xml><?xml version="1.0" encoding="utf-8"?>
 <p:sld xmlns:a="http://schemas.openxmlformats.org/drawingml/2006/main" xmlns:r="http://schemas.openxmlformats.org/officeDocument/2006/relationships" xmlns:p="http://schemas.openxmlformats.org/presentationml/2006/main">
   <p:cSld>
     <p:spTree>
@@ -19026,7 +19443,7 @@
                   <a:srgbClr val="002060"/>
                 </a:solidFill>
               </a:rPr>
-              <a:t>Output :  </a:t>
+              <a:t>Output :</a:t>
             </a:r>
           </a:p>
           <a:p>
@@ -19046,7 +19463,25 @@
               <a:rPr lang="en-US" sz="2800" i="0" dirty="0" smtClean="0"/>
               <a:t> file ?</a:t>
             </a:r>
-            <a:endParaRPr lang="en-US" sz="2800" i="0" dirty="0"/>
+          </a:p>
+          <a:p>
+            <a:pPr lvl="3">
+              <a:buFontTx/>
+              <a:buChar char="-"/>
+            </a:pPr>
+            <a:r>
+              <a:rPr lang="en-US" sz="2800" i="0" dirty="0" smtClean="0">
+                <a:solidFill>
+                  <a:srgbClr val="0CF300"/>
+                </a:solidFill>
+              </a:rPr>
+              <a:t>Can be auto ?</a:t>
+            </a:r>
+            <a:endParaRPr lang="en-US" sz="2800" i="0" dirty="0">
+              <a:solidFill>
+                <a:srgbClr val="0CF300"/>
+              </a:solidFill>
+            </a:endParaRPr>
           </a:p>
         </p:txBody>
       </p:sp>
@@ -19071,7 +19506,7 @@
             <a:fld id="{FC13EE21-0C48-4609-AAE4-AD74DD06381D}" type="datetime1">
               <a:rPr lang="en-US" smtClean="0"/>
               <a:pPr/>
-              <a:t>4/14/2011</a:t>
+              <a:t>4/18/2011</a:t>
             </a:fld>
             <a:endParaRPr lang="en-US" dirty="0"/>
           </a:p>
@@ -19098,7 +19533,7 @@
             <a:fld id="{805C85F1-8004-4C57-9BBF-E57BBA7CF0F9}" type="slidenum">
               <a:rPr lang="en-US" smtClean="0"/>
               <a:pPr/>
-              <a:t>9</a:t>
+              <a:t>8</a:t>
             </a:fld>
             <a:endParaRPr lang="en-US"/>
           </a:p>
@@ -19125,7 +19560,7 @@
         </p:blipFill>
         <p:spPr bwMode="auto">
           <a:xfrm>
-            <a:off x="5943600" y="3429000"/>
+            <a:off x="5410200" y="3505200"/>
             <a:ext cx="1442944" cy="1155504"/>
           </a:xfrm>
           <a:prstGeom prst="rect">
@@ -19183,6 +19618,100 @@
 </p:sld>
 </file>
 
+<file path=ppt/slides/slide9.xml><?xml version="1.0" encoding="utf-8"?>
+<p:sld xmlns:a="http://schemas.openxmlformats.org/drawingml/2006/main" xmlns:r="http://schemas.openxmlformats.org/officeDocument/2006/relationships" xmlns:p="http://schemas.openxmlformats.org/presentationml/2006/main">
+  <p:cSld>
+    <p:spTree>
+      <p:nvGrpSpPr>
+        <p:cNvPr id="1" name=""/>
+        <p:cNvGrpSpPr/>
+        <p:nvPr/>
+      </p:nvGrpSpPr>
+      <p:grpSpPr>
+        <a:xfrm>
+          <a:off x="0" y="0"/>
+          <a:ext cx="0" cy="0"/>
+          <a:chOff x="0" y="0"/>
+          <a:chExt cx="0" cy="0"/>
+        </a:xfrm>
+      </p:grpSpPr>
+      <p:sp>
+        <p:nvSpPr>
+          <p:cNvPr id="2" name="Title 1"/>
+          <p:cNvSpPr>
+            <a:spLocks noGrp="1"/>
+          </p:cNvSpPr>
+          <p:nvPr>
+            <p:ph type="ctrTitle"/>
+            <p:custDataLst>
+              <p:tags r:id="rId2"/>
+            </p:custDataLst>
+          </p:nvPr>
+        </p:nvSpPr>
+        <p:spPr>
+          <a:xfrm>
+            <a:off x="685800" y="2209800"/>
+            <a:ext cx="7772400" cy="1470025"/>
+          </a:xfrm>
+        </p:spPr>
+        <p:txBody>
+          <a:bodyPr/>
+          <a:lstStyle/>
+          <a:p>
+            <a:pPr algn="ctr"/>
+            <a:r>
+              <a:rPr lang="en-US" dirty="0" smtClean="0">
+                <a:latin typeface="Times"/>
+              </a:rPr>
+              <a:t>Distribution of Words</a:t>
+            </a:r>
+            <a:endParaRPr lang="en-US" dirty="0">
+              <a:latin typeface="Times"/>
+            </a:endParaRPr>
+          </a:p>
+        </p:txBody>
+      </p:sp>
+      <p:sp>
+        <p:nvSpPr>
+          <p:cNvPr id="3" name="Subtitle 2"/>
+          <p:cNvSpPr>
+            <a:spLocks noGrp="1"/>
+          </p:cNvSpPr>
+          <p:nvPr>
+            <p:ph type="subTitle" idx="1"/>
+            <p:custDataLst>
+              <p:tags r:id="rId3"/>
+            </p:custDataLst>
+          </p:nvPr>
+        </p:nvSpPr>
+        <p:spPr/>
+        <p:txBody>
+          <a:bodyPr/>
+          <a:lstStyle/>
+          <a:p>
+            <a:endParaRPr lang="en-US" dirty="0"/>
+          </a:p>
+        </p:txBody>
+      </p:sp>
+    </p:spTree>
+    <p:custDataLst>
+      <p:tags r:id="rId1"/>
+    </p:custDataLst>
+  </p:cSld>
+  <p:clrMapOvr>
+    <a:masterClrMapping/>
+  </p:clrMapOvr>
+  <p:transition/>
+  <p:timing>
+    <p:tnLst>
+      <p:par>
+        <p:cTn id="1" dur="indefinite" restart="never" nodeType="tmRoot"/>
+      </p:par>
+    </p:tnLst>
+  </p:timing>
+</p:sld>
+</file>
+
 <file path=ppt/tags/tag1.xml><?xml version="1.0" encoding="utf-8"?>
 <p:tagLst xmlns:a="http://schemas.openxmlformats.org/drawingml/2006/main" xmlns:r="http://schemas.openxmlformats.org/officeDocument/2006/relationships" xmlns:p="http://schemas.openxmlformats.org/presentationml/2006/main">
   <p:tag name="DVSHAPEID" val="psoFdABH1icIej7rdzSH41"/>
@@ -19197,1591 +19726,1501 @@
 
 <file path=ppt/tags/tag100.xml><?xml version="1.0" encoding="utf-8"?>
 <p:tagLst xmlns:a="http://schemas.openxmlformats.org/drawingml/2006/main" xmlns:r="http://schemas.openxmlformats.org/officeDocument/2006/relationships" xmlns:p="http://schemas.openxmlformats.org/presentationml/2006/main">
+  <p:tag name="DVSHAPEID" val="sZfZBT1fgWZDqy0lWtwzx5"/>
+</p:tagLst>
+</file>
+
+<file path=ppt/tags/tag101.xml><?xml version="1.0" encoding="utf-8"?>
+<p:tagLst xmlns:a="http://schemas.openxmlformats.org/drawingml/2006/main" xmlns:r="http://schemas.openxmlformats.org/officeDocument/2006/relationships" xmlns:p="http://schemas.openxmlformats.org/presentationml/2006/main">
+  <p:tag name="DVSECTIONID" val="J6zUhpbipQ5VWl3cemONAf"/>
+</p:tagLst>
+</file>
+
+<file path=ppt/tags/tag102.xml><?xml version="1.0" encoding="utf-8"?>
+<p:tagLst xmlns:a="http://schemas.openxmlformats.org/drawingml/2006/main" xmlns:r="http://schemas.openxmlformats.org/officeDocument/2006/relationships" xmlns:p="http://schemas.openxmlformats.org/presentationml/2006/main">
+  <p:tag name="DVSHAPEID" val="WNtLFn847EsIOMIAYwGE5X"/>
+</p:tagLst>
+</file>
+
+<file path=ppt/tags/tag103.xml><?xml version="1.0" encoding="utf-8"?>
+<p:tagLst xmlns:a="http://schemas.openxmlformats.org/drawingml/2006/main" xmlns:r="http://schemas.openxmlformats.org/officeDocument/2006/relationships" xmlns:p="http://schemas.openxmlformats.org/presentationml/2006/main">
+  <p:tag name="DVSHAPEID" val="Rb5UiV1VWXLVYqT1xB6DGl"/>
+</p:tagLst>
+</file>
+
+<file path=ppt/tags/tag104.xml><?xml version="1.0" encoding="utf-8"?>
+<p:tagLst xmlns:a="http://schemas.openxmlformats.org/drawingml/2006/main" xmlns:r="http://schemas.openxmlformats.org/officeDocument/2006/relationships" xmlns:p="http://schemas.openxmlformats.org/presentationml/2006/main">
+  <p:tag name="DVSHAPEID" val="dMCDgVY7qgAZVhFL5d3bIv"/>
+</p:tagLst>
+</file>
+
+<file path=ppt/tags/tag105.xml><?xml version="1.0" encoding="utf-8"?>
+<p:tagLst xmlns:a="http://schemas.openxmlformats.org/drawingml/2006/main" xmlns:r="http://schemas.openxmlformats.org/officeDocument/2006/relationships" xmlns:p="http://schemas.openxmlformats.org/presentationml/2006/main">
+  <p:tag name="DVSHAPEID" val="WTNhGXZ5yshvYjiEF5WOwv"/>
+</p:tagLst>
+</file>
+
+<file path=ppt/tags/tag106.xml><?xml version="1.0" encoding="utf-8"?>
+<p:tagLst xmlns:a="http://schemas.openxmlformats.org/drawingml/2006/main" xmlns:r="http://schemas.openxmlformats.org/officeDocument/2006/relationships" xmlns:p="http://schemas.openxmlformats.org/presentationml/2006/main">
+  <p:tag name="DVSHAPEID" val="wahwcFbuwolWsUCCrE24ga"/>
+</p:tagLst>
+</file>
+
+<file path=ppt/tags/tag107.xml><?xml version="1.0" encoding="utf-8"?>
+<p:tagLst xmlns:a="http://schemas.openxmlformats.org/drawingml/2006/main" xmlns:r="http://schemas.openxmlformats.org/officeDocument/2006/relationships" xmlns:p="http://schemas.openxmlformats.org/presentationml/2006/main">
+  <p:tag name="DVSECTIONID" val="jJPSHjMBuTi6PiiisyjdBG"/>
+</p:tagLst>
+</file>
+
+<file path=ppt/tags/tag108.xml><?xml version="1.0" encoding="utf-8"?>
+<p:tagLst xmlns:a="http://schemas.openxmlformats.org/drawingml/2006/main" xmlns:r="http://schemas.openxmlformats.org/officeDocument/2006/relationships" xmlns:p="http://schemas.openxmlformats.org/presentationml/2006/main">
+  <p:tag name="DVSHAPEID" val="kZvBlLwTzuDIQIPZe17lI8"/>
+</p:tagLst>
+</file>
+
+<file path=ppt/tags/tag109.xml><?xml version="1.0" encoding="utf-8"?>
+<p:tagLst xmlns:a="http://schemas.openxmlformats.org/drawingml/2006/main" xmlns:r="http://schemas.openxmlformats.org/officeDocument/2006/relationships" xmlns:p="http://schemas.openxmlformats.org/presentationml/2006/main">
+  <p:tag name="DVSHAPEID" val="IpjmtqyXfTZqyOM5BdzFSM"/>
+</p:tagLst>
+</file>
+
+<file path=ppt/tags/tag11.xml><?xml version="1.0" encoding="utf-8"?>
+<p:tagLst xmlns:a="http://schemas.openxmlformats.org/drawingml/2006/main" xmlns:r="http://schemas.openxmlformats.org/officeDocument/2006/relationships" xmlns:p="http://schemas.openxmlformats.org/presentationml/2006/main">
+  <p:tag name="DVSHAPEID" val="SiAmfeBps1PVv2WE97mgV1"/>
+</p:tagLst>
+</file>
+
+<file path=ppt/tags/tag110.xml><?xml version="1.0" encoding="utf-8"?>
+<p:tagLst xmlns:a="http://schemas.openxmlformats.org/drawingml/2006/main" xmlns:r="http://schemas.openxmlformats.org/officeDocument/2006/relationships" xmlns:p="http://schemas.openxmlformats.org/presentationml/2006/main">
+  <p:tag name="DVSHAPEID" val="SfszPFQUGaNch5hYi5kCeJ"/>
+</p:tagLst>
+</file>
+
+<file path=ppt/tags/tag111.xml><?xml version="1.0" encoding="utf-8"?>
+<p:tagLst xmlns:a="http://schemas.openxmlformats.org/drawingml/2006/main" xmlns:r="http://schemas.openxmlformats.org/officeDocument/2006/relationships" xmlns:p="http://schemas.openxmlformats.org/presentationml/2006/main">
+  <p:tag name="DVSHAPEID" val="Jp91c9qUM3fVw3TTBS7kcO"/>
+</p:tagLst>
+</file>
+
+<file path=ppt/tags/tag112.xml><?xml version="1.0" encoding="utf-8"?>
+<p:tagLst xmlns:a="http://schemas.openxmlformats.org/drawingml/2006/main" xmlns:r="http://schemas.openxmlformats.org/officeDocument/2006/relationships" xmlns:p="http://schemas.openxmlformats.org/presentationml/2006/main">
+  <p:tag name="DVSHAPEID" val="z7x5gm9s4lhYDCBBcXLzcF"/>
+</p:tagLst>
+</file>
+
+<file path=ppt/tags/tag113.xml><?xml version="1.0" encoding="utf-8"?>
+<p:tagLst xmlns:a="http://schemas.openxmlformats.org/drawingml/2006/main" xmlns:r="http://schemas.openxmlformats.org/officeDocument/2006/relationships" xmlns:p="http://schemas.openxmlformats.org/presentationml/2006/main">
+  <p:tag name="DVSHAPEID" val="U8R8UMbXKgnlB9Y6pOl3k0"/>
+</p:tagLst>
+</file>
+
+<file path=ppt/tags/tag114.xml><?xml version="1.0" encoding="utf-8"?>
+<p:tagLst xmlns:a="http://schemas.openxmlformats.org/drawingml/2006/main" xmlns:r="http://schemas.openxmlformats.org/officeDocument/2006/relationships" xmlns:p="http://schemas.openxmlformats.org/presentationml/2006/main">
+  <p:tag name="DVSECTIONID" val="uSeIqO0jJRluNQ4oHSwOlb"/>
+</p:tagLst>
+</file>
+
+<file path=ppt/tags/tag115.xml><?xml version="1.0" encoding="utf-8"?>
+<p:tagLst xmlns:a="http://schemas.openxmlformats.org/drawingml/2006/main" xmlns:r="http://schemas.openxmlformats.org/officeDocument/2006/relationships" xmlns:p="http://schemas.openxmlformats.org/presentationml/2006/main">
+  <p:tag name="DVSHAPEID" val="DmwGNCUtkgy9w3pNtHuMoK"/>
+</p:tagLst>
+</file>
+
+<file path=ppt/tags/tag116.xml><?xml version="1.0" encoding="utf-8"?>
+<p:tagLst xmlns:a="http://schemas.openxmlformats.org/drawingml/2006/main" xmlns:r="http://schemas.openxmlformats.org/officeDocument/2006/relationships" xmlns:p="http://schemas.openxmlformats.org/presentationml/2006/main">
+  <p:tag name="DVSHAPEID" val="Wmyd4ptsuUwULNvwlNZiIZ"/>
+</p:tagLst>
+</file>
+
+<file path=ppt/tags/tag117.xml><?xml version="1.0" encoding="utf-8"?>
+<p:tagLst xmlns:a="http://schemas.openxmlformats.org/drawingml/2006/main" xmlns:r="http://schemas.openxmlformats.org/officeDocument/2006/relationships" xmlns:p="http://schemas.openxmlformats.org/presentationml/2006/main">
+  <p:tag name="DVSECTIONID" val="DPvKTWUfumECfWEZTXAbaq"/>
+</p:tagLst>
+</file>
+
+<file path=ppt/tags/tag118.xml><?xml version="1.0" encoding="utf-8"?>
+<p:tagLst xmlns:a="http://schemas.openxmlformats.org/drawingml/2006/main" xmlns:r="http://schemas.openxmlformats.org/officeDocument/2006/relationships" xmlns:p="http://schemas.openxmlformats.org/presentationml/2006/main">
+  <p:tag name="DVSHAPEID" val="nnxQuOppQpqTpa8AxvZRLD"/>
+</p:tagLst>
+</file>
+
+<file path=ppt/tags/tag119.xml><?xml version="1.0" encoding="utf-8"?>
+<p:tagLst xmlns:a="http://schemas.openxmlformats.org/drawingml/2006/main" xmlns:r="http://schemas.openxmlformats.org/officeDocument/2006/relationships" xmlns:p="http://schemas.openxmlformats.org/presentationml/2006/main">
+  <p:tag name="DVSHAPEID" val="DBhCiWmHN51XZbGeVF3536"/>
+</p:tagLst>
+</file>
+
+<file path=ppt/tags/tag12.xml><?xml version="1.0" encoding="utf-8"?>
+<p:tagLst xmlns:a="http://schemas.openxmlformats.org/drawingml/2006/main" xmlns:r="http://schemas.openxmlformats.org/officeDocument/2006/relationships" xmlns:p="http://schemas.openxmlformats.org/presentationml/2006/main">
+  <p:tag name="DVSHAPEID" val="Q9Sw4AoKxlX9VuF5HdaBTw"/>
+</p:tagLst>
+</file>
+
+<file path=ppt/tags/tag120.xml><?xml version="1.0" encoding="utf-8"?>
+<p:tagLst xmlns:a="http://schemas.openxmlformats.org/drawingml/2006/main" xmlns:r="http://schemas.openxmlformats.org/officeDocument/2006/relationships" xmlns:p="http://schemas.openxmlformats.org/presentationml/2006/main">
+  <p:tag name="DVSHAPEID" val="uSnknLftjQdJJWyRws38Ck"/>
+</p:tagLst>
+</file>
+
+<file path=ppt/tags/tag121.xml><?xml version="1.0" encoding="utf-8"?>
+<p:tagLst xmlns:a="http://schemas.openxmlformats.org/drawingml/2006/main" xmlns:r="http://schemas.openxmlformats.org/officeDocument/2006/relationships" xmlns:p="http://schemas.openxmlformats.org/presentationml/2006/main">
+  <p:tag name="DVSHAPEID" val="RsaWUjAkOGzw6peXyBrjLb"/>
+</p:tagLst>
+</file>
+
+<file path=ppt/tags/tag122.xml><?xml version="1.0" encoding="utf-8"?>
+<p:tagLst xmlns:a="http://schemas.openxmlformats.org/drawingml/2006/main" xmlns:r="http://schemas.openxmlformats.org/officeDocument/2006/relationships" xmlns:p="http://schemas.openxmlformats.org/presentationml/2006/main">
+  <p:tag name="DVSHAPEID" val="RLPBvp4BAPzSrREmEp47Zq"/>
+</p:tagLst>
+</file>
+
+<file path=ppt/tags/tag123.xml><?xml version="1.0" encoding="utf-8"?>
+<p:tagLst xmlns:a="http://schemas.openxmlformats.org/drawingml/2006/main" xmlns:r="http://schemas.openxmlformats.org/officeDocument/2006/relationships" xmlns:p="http://schemas.openxmlformats.org/presentationml/2006/main">
+  <p:tag name="DVSECTIONID" val="Llusd3RrHMlieocFV4pumY"/>
+</p:tagLst>
+</file>
+
+<file path=ppt/tags/tag124.xml><?xml version="1.0" encoding="utf-8"?>
+<p:tagLst xmlns:a="http://schemas.openxmlformats.org/drawingml/2006/main" xmlns:r="http://schemas.openxmlformats.org/officeDocument/2006/relationships" xmlns:p="http://schemas.openxmlformats.org/presentationml/2006/main">
+  <p:tag name="DVSHAPEID" val="JfrKG39A1Vt91V9rRVTZ1x"/>
+</p:tagLst>
+</file>
+
+<file path=ppt/tags/tag125.xml><?xml version="1.0" encoding="utf-8"?>
+<p:tagLst xmlns:a="http://schemas.openxmlformats.org/drawingml/2006/main" xmlns:r="http://schemas.openxmlformats.org/officeDocument/2006/relationships" xmlns:p="http://schemas.openxmlformats.org/presentationml/2006/main">
+  <p:tag name="DVSHAPEID" val="9dP9DyTsHjzGIVv9DxaeEE"/>
+</p:tagLst>
+</file>
+
+<file path=ppt/tags/tag126.xml><?xml version="1.0" encoding="utf-8"?>
+<p:tagLst xmlns:a="http://schemas.openxmlformats.org/drawingml/2006/main" xmlns:r="http://schemas.openxmlformats.org/officeDocument/2006/relationships" xmlns:p="http://schemas.openxmlformats.org/presentationml/2006/main">
+  <p:tag name="DVSHAPEID" val="2XniN7KvqM9b6eUwpAHyea"/>
+</p:tagLst>
+</file>
+
+<file path=ppt/tags/tag127.xml><?xml version="1.0" encoding="utf-8"?>
+<p:tagLst xmlns:a="http://schemas.openxmlformats.org/drawingml/2006/main" xmlns:r="http://schemas.openxmlformats.org/officeDocument/2006/relationships" xmlns:p="http://schemas.openxmlformats.org/presentationml/2006/main">
+  <p:tag name="DVSHAPEID" val="AkceWHimONSuaSLkLLIbSM"/>
+</p:tagLst>
+</file>
+
+<file path=ppt/tags/tag128.xml><?xml version="1.0" encoding="utf-8"?>
+<p:tagLst xmlns:a="http://schemas.openxmlformats.org/drawingml/2006/main" xmlns:r="http://schemas.openxmlformats.org/officeDocument/2006/relationships" xmlns:p="http://schemas.openxmlformats.org/presentationml/2006/main">
+  <p:tag name="DVSHAPEID" val="glztbqpDZMvlPMaqLGv2Ef"/>
+</p:tagLst>
+</file>
+
+<file path=ppt/tags/tag129.xml><?xml version="1.0" encoding="utf-8"?>
+<p:tagLst xmlns:a="http://schemas.openxmlformats.org/drawingml/2006/main" xmlns:r="http://schemas.openxmlformats.org/officeDocument/2006/relationships" xmlns:p="http://schemas.openxmlformats.org/presentationml/2006/main">
+  <p:tag name="DVSECTIONID" val="PbB8KHZye91c4agrJQn3FR"/>
+</p:tagLst>
+</file>
+
+<file path=ppt/tags/tag13.xml><?xml version="1.0" encoding="utf-8"?>
+<p:tagLst xmlns:a="http://schemas.openxmlformats.org/drawingml/2006/main" xmlns:r="http://schemas.openxmlformats.org/officeDocument/2006/relationships" xmlns:p="http://schemas.openxmlformats.org/presentationml/2006/main">
+  <p:tag name="DVSHAPEID" val="uZJnzGvbsKQQrquJ900Iuu"/>
+</p:tagLst>
+</file>
+
+<file path=ppt/tags/tag130.xml><?xml version="1.0" encoding="utf-8"?>
+<p:tagLst xmlns:a="http://schemas.openxmlformats.org/drawingml/2006/main" xmlns:r="http://schemas.openxmlformats.org/officeDocument/2006/relationships" xmlns:p="http://schemas.openxmlformats.org/presentationml/2006/main">
+  <p:tag name="DVSHAPEID" val="xxOgf67Aw6qRm26yb2d4Yl"/>
+</p:tagLst>
+</file>
+
+<file path=ppt/tags/tag131.xml><?xml version="1.0" encoding="utf-8"?>
+<p:tagLst xmlns:a="http://schemas.openxmlformats.org/drawingml/2006/main" xmlns:r="http://schemas.openxmlformats.org/officeDocument/2006/relationships" xmlns:p="http://schemas.openxmlformats.org/presentationml/2006/main">
+  <p:tag name="DVSHAPEID" val="jB42K5OVQ2iONFqFrbeegM"/>
+</p:tagLst>
+</file>
+
+<file path=ppt/tags/tag132.xml><?xml version="1.0" encoding="utf-8"?>
+<p:tagLst xmlns:a="http://schemas.openxmlformats.org/drawingml/2006/main" xmlns:r="http://schemas.openxmlformats.org/officeDocument/2006/relationships" xmlns:p="http://schemas.openxmlformats.org/presentationml/2006/main">
+  <p:tag name="DVSHAPEID" val="3ivIedzFXONbecccl2LBfn"/>
+</p:tagLst>
+</file>
+
+<file path=ppt/tags/tag133.xml><?xml version="1.0" encoding="utf-8"?>
+<p:tagLst xmlns:a="http://schemas.openxmlformats.org/drawingml/2006/main" xmlns:r="http://schemas.openxmlformats.org/officeDocument/2006/relationships" xmlns:p="http://schemas.openxmlformats.org/presentationml/2006/main">
+  <p:tag name="DVSHAPEID" val="zxfq8wA1PJ4wyLw2QBla4t"/>
+</p:tagLst>
+</file>
+
+<file path=ppt/tags/tag134.xml><?xml version="1.0" encoding="utf-8"?>
+<p:tagLst xmlns:a="http://schemas.openxmlformats.org/drawingml/2006/main" xmlns:r="http://schemas.openxmlformats.org/officeDocument/2006/relationships" xmlns:p="http://schemas.openxmlformats.org/presentationml/2006/main">
+  <p:tag name="DVSHAPEID" val="MW8wjHVWgXoqvt21eEbXPN"/>
+</p:tagLst>
+</file>
+
+<file path=ppt/tags/tag135.xml><?xml version="1.0" encoding="utf-8"?>
+<p:tagLst xmlns:a="http://schemas.openxmlformats.org/drawingml/2006/main" xmlns:r="http://schemas.openxmlformats.org/officeDocument/2006/relationships" xmlns:p="http://schemas.openxmlformats.org/presentationml/2006/main">
+  <p:tag name="DVSHAPEID" val="n52RbeDnBWM0yDlE6HH3vy"/>
+</p:tagLst>
+</file>
+
+<file path=ppt/tags/tag136.xml><?xml version="1.0" encoding="utf-8"?>
+<p:tagLst xmlns:a="http://schemas.openxmlformats.org/drawingml/2006/main" xmlns:r="http://schemas.openxmlformats.org/officeDocument/2006/relationships" xmlns:p="http://schemas.openxmlformats.org/presentationml/2006/main">
+  <p:tag name="DVSECTIONID" val="gWHfNd2vLG4MwiR4j9r8yb"/>
+</p:tagLst>
+</file>
+
+<file path=ppt/tags/tag137.xml><?xml version="1.0" encoding="utf-8"?>
+<p:tagLst xmlns:a="http://schemas.openxmlformats.org/drawingml/2006/main" xmlns:r="http://schemas.openxmlformats.org/officeDocument/2006/relationships" xmlns:p="http://schemas.openxmlformats.org/presentationml/2006/main">
+  <p:tag name="DVSHAPEID" val="0BrdtfQctFwFIYtN534WY4"/>
+</p:tagLst>
+</file>
+
+<file path=ppt/tags/tag138.xml><?xml version="1.0" encoding="utf-8"?>
+<p:tagLst xmlns:a="http://schemas.openxmlformats.org/drawingml/2006/main" xmlns:r="http://schemas.openxmlformats.org/officeDocument/2006/relationships" xmlns:p="http://schemas.openxmlformats.org/presentationml/2006/main">
+  <p:tag name="DVSHAPEID" val="7HEqFjb9f5i5xDZU3lbDgo"/>
+</p:tagLst>
+</file>
+
+<file path=ppt/tags/tag139.xml><?xml version="1.0" encoding="utf-8"?>
+<p:tagLst xmlns:a="http://schemas.openxmlformats.org/drawingml/2006/main" xmlns:r="http://schemas.openxmlformats.org/officeDocument/2006/relationships" xmlns:p="http://schemas.openxmlformats.org/presentationml/2006/main">
+  <p:tag name="DVSHAPEID" val="ZS3yy3wh68vWuJy2zw0jqr"/>
+</p:tagLst>
+</file>
+
+<file path=ppt/tags/tag14.xml><?xml version="1.0" encoding="utf-8"?>
+<p:tagLst xmlns:a="http://schemas.openxmlformats.org/drawingml/2006/main" xmlns:r="http://schemas.openxmlformats.org/officeDocument/2006/relationships" xmlns:p="http://schemas.openxmlformats.org/presentationml/2006/main">
+  <p:tag name="DVSHAPEID" val="Yl7rZ3p85k7kESMH1IemSc"/>
+</p:tagLst>
+</file>
+
+<file path=ppt/tags/tag140.xml><?xml version="1.0" encoding="utf-8"?>
+<p:tagLst xmlns:a="http://schemas.openxmlformats.org/drawingml/2006/main" xmlns:r="http://schemas.openxmlformats.org/officeDocument/2006/relationships" xmlns:p="http://schemas.openxmlformats.org/presentationml/2006/main">
+  <p:tag name="DVSHAPEID" val="mCqPNa0JLlNIHMm6L8DXYa"/>
+</p:tagLst>
+</file>
+
+<file path=ppt/tags/tag141.xml><?xml version="1.0" encoding="utf-8"?>
+<p:tagLst xmlns:a="http://schemas.openxmlformats.org/drawingml/2006/main" xmlns:r="http://schemas.openxmlformats.org/officeDocument/2006/relationships" xmlns:p="http://schemas.openxmlformats.org/presentationml/2006/main">
+  <p:tag name="DVSHAPEID" val="XohHoKsQQGqYz2uswHjSlr"/>
+</p:tagLst>
+</file>
+
+<file path=ppt/tags/tag142.xml><?xml version="1.0" encoding="utf-8"?>
+<p:tagLst xmlns:a="http://schemas.openxmlformats.org/drawingml/2006/main" xmlns:r="http://schemas.openxmlformats.org/officeDocument/2006/relationships" xmlns:p="http://schemas.openxmlformats.org/presentationml/2006/main">
+  <p:tag name="DVSHAPEID" val="DuUoFzytgMiO8EzuQSVK66"/>
+</p:tagLst>
+</file>
+
+<file path=ppt/tags/tag143.xml><?xml version="1.0" encoding="utf-8"?>
+<p:tagLst xmlns:a="http://schemas.openxmlformats.org/drawingml/2006/main" xmlns:r="http://schemas.openxmlformats.org/officeDocument/2006/relationships" xmlns:p="http://schemas.openxmlformats.org/presentationml/2006/main">
+  <p:tag name="DVSECTIONID" val="JGyZ2h5ADe4mOzoY3Alk4n"/>
+</p:tagLst>
+</file>
+
+<file path=ppt/tags/tag144.xml><?xml version="1.0" encoding="utf-8"?>
+<p:tagLst xmlns:a="http://schemas.openxmlformats.org/drawingml/2006/main" xmlns:r="http://schemas.openxmlformats.org/officeDocument/2006/relationships" xmlns:p="http://schemas.openxmlformats.org/presentationml/2006/main">
+  <p:tag name="DVSHAPEID" val="AA4jaDbZKCcvLNMZ4SimqD"/>
+</p:tagLst>
+</file>
+
+<file path=ppt/tags/tag145.xml><?xml version="1.0" encoding="utf-8"?>
+<p:tagLst xmlns:a="http://schemas.openxmlformats.org/drawingml/2006/main" xmlns:r="http://schemas.openxmlformats.org/officeDocument/2006/relationships" xmlns:p="http://schemas.openxmlformats.org/presentationml/2006/main">
+  <p:tag name="DVSHAPEID" val="GKUQS2RqXAlxTkkmpVih1F"/>
+</p:tagLst>
+</file>
+
+<file path=ppt/tags/tag146.xml><?xml version="1.0" encoding="utf-8"?>
+<p:tagLst xmlns:a="http://schemas.openxmlformats.org/drawingml/2006/main" xmlns:r="http://schemas.openxmlformats.org/officeDocument/2006/relationships" xmlns:p="http://schemas.openxmlformats.org/presentationml/2006/main">
+  <p:tag name="DVSHAPEID" val="CCSMHQO2sJGWTjokK97kFB"/>
+</p:tagLst>
+</file>
+
+<file path=ppt/tags/tag147.xml><?xml version="1.0" encoding="utf-8"?>
+<p:tagLst xmlns:a="http://schemas.openxmlformats.org/drawingml/2006/main" xmlns:r="http://schemas.openxmlformats.org/officeDocument/2006/relationships" xmlns:p="http://schemas.openxmlformats.org/presentationml/2006/main">
+  <p:tag name="DVSHAPEID" val="adTrEHsm49C18iX6k0BU8B"/>
+</p:tagLst>
+</file>
+
+<file path=ppt/tags/tag148.xml><?xml version="1.0" encoding="utf-8"?>
+<p:tagLst xmlns:a="http://schemas.openxmlformats.org/drawingml/2006/main" xmlns:r="http://schemas.openxmlformats.org/officeDocument/2006/relationships" xmlns:p="http://schemas.openxmlformats.org/presentationml/2006/main">
+  <p:tag name="DVSHAPEID" val="RWr0X5a89H00rFSfb6A5Ex"/>
+</p:tagLst>
+</file>
+
+<file path=ppt/tags/tag149.xml><?xml version="1.0" encoding="utf-8"?>
+<p:tagLst xmlns:a="http://schemas.openxmlformats.org/drawingml/2006/main" xmlns:r="http://schemas.openxmlformats.org/officeDocument/2006/relationships" xmlns:p="http://schemas.openxmlformats.org/presentationml/2006/main">
+  <p:tag name="DVSHAPEID" val="kRb6mEO7IKtzmW0EJncVZU"/>
+</p:tagLst>
+</file>
+
+<file path=ppt/tags/tag15.xml><?xml version="1.0" encoding="utf-8"?>
+<p:tagLst xmlns:a="http://schemas.openxmlformats.org/drawingml/2006/main" xmlns:r="http://schemas.openxmlformats.org/officeDocument/2006/relationships" xmlns:p="http://schemas.openxmlformats.org/presentationml/2006/main">
+  <p:tag name="DVSHAPEID" val="i43eAX49Bb101nf7HsLjEw"/>
+</p:tagLst>
+</file>
+
+<file path=ppt/tags/tag150.xml><?xml version="1.0" encoding="utf-8"?>
+<p:tagLst xmlns:a="http://schemas.openxmlformats.org/drawingml/2006/main" xmlns:r="http://schemas.openxmlformats.org/officeDocument/2006/relationships" xmlns:p="http://schemas.openxmlformats.org/presentationml/2006/main">
+  <p:tag name="DVSECTIONID" val="0iP7eITuOpCh4HZGYA230r"/>
+</p:tagLst>
+</file>
+
+<file path=ppt/tags/tag151.xml><?xml version="1.0" encoding="utf-8"?>
+<p:tagLst xmlns:a="http://schemas.openxmlformats.org/drawingml/2006/main" xmlns:r="http://schemas.openxmlformats.org/officeDocument/2006/relationships" xmlns:p="http://schemas.openxmlformats.org/presentationml/2006/main">
+  <p:tag name="DVSHAPEID" val="Vc4c8K3I0YozldAq74oq3h"/>
+</p:tagLst>
+</file>
+
+<file path=ppt/tags/tag152.xml><?xml version="1.0" encoding="utf-8"?>
+<p:tagLst xmlns:a="http://schemas.openxmlformats.org/drawingml/2006/main" xmlns:r="http://schemas.openxmlformats.org/officeDocument/2006/relationships" xmlns:p="http://schemas.openxmlformats.org/presentationml/2006/main">
+  <p:tag name="DVSHAPEID" val="HSNAU04pgB2UGlJoGllDjB"/>
+</p:tagLst>
+</file>
+
+<file path=ppt/tags/tag153.xml><?xml version="1.0" encoding="utf-8"?>
+<p:tagLst xmlns:a="http://schemas.openxmlformats.org/drawingml/2006/main" xmlns:r="http://schemas.openxmlformats.org/officeDocument/2006/relationships" xmlns:p="http://schemas.openxmlformats.org/presentationml/2006/main">
+  <p:tag name="DVSHAPEID" val="Nj3yo6uI0YZEucoyQ3EBIN"/>
+</p:tagLst>
+</file>
+
+<file path=ppt/tags/tag154.xml><?xml version="1.0" encoding="utf-8"?>
+<p:tagLst xmlns:a="http://schemas.openxmlformats.org/drawingml/2006/main" xmlns:r="http://schemas.openxmlformats.org/officeDocument/2006/relationships" xmlns:p="http://schemas.openxmlformats.org/presentationml/2006/main">
+  <p:tag name="DVSHAPEID" val="wrweGIo24pX54twmCXUxA4"/>
+</p:tagLst>
+</file>
+
+<file path=ppt/tags/tag155.xml><?xml version="1.0" encoding="utf-8"?>
+<p:tagLst xmlns:a="http://schemas.openxmlformats.org/drawingml/2006/main" xmlns:r="http://schemas.openxmlformats.org/officeDocument/2006/relationships" xmlns:p="http://schemas.openxmlformats.org/presentationml/2006/main">
+  <p:tag name="DVSHAPEID" val="U8R8UMbXKgnlB9Y6pOl3k0"/>
+</p:tagLst>
+</file>
+
+<file path=ppt/tags/tag156.xml><?xml version="1.0" encoding="utf-8"?>
+<p:tagLst xmlns:a="http://schemas.openxmlformats.org/drawingml/2006/main" xmlns:r="http://schemas.openxmlformats.org/officeDocument/2006/relationships" xmlns:p="http://schemas.openxmlformats.org/presentationml/2006/main">
+  <p:tag name="DVSHAPEID" val="yjVQfxBUAV3UUkw2efAfl7"/>
+</p:tagLst>
+</file>
+
+<file path=ppt/tags/tag157.xml><?xml version="1.0" encoding="utf-8"?>
+<p:tagLst xmlns:a="http://schemas.openxmlformats.org/drawingml/2006/main" xmlns:r="http://schemas.openxmlformats.org/officeDocument/2006/relationships" xmlns:p="http://schemas.openxmlformats.org/presentationml/2006/main">
+  <p:tag name="DVSHAPEID" val="ed37NaEsMahAIRrlDdDedC"/>
+</p:tagLst>
+</file>
+
+<file path=ppt/tags/tag158.xml><?xml version="1.0" encoding="utf-8"?>
+<p:tagLst xmlns:a="http://schemas.openxmlformats.org/drawingml/2006/main" xmlns:r="http://schemas.openxmlformats.org/officeDocument/2006/relationships" xmlns:p="http://schemas.openxmlformats.org/presentationml/2006/main">
+  <p:tag name="DVSHAPEID" val="uOvTWc7b8Ady9CE22OmSDu"/>
+</p:tagLst>
+</file>
+
+<file path=ppt/tags/tag159.xml><?xml version="1.0" encoding="utf-8"?>
+<p:tagLst xmlns:a="http://schemas.openxmlformats.org/drawingml/2006/main" xmlns:r="http://schemas.openxmlformats.org/officeDocument/2006/relationships" xmlns:p="http://schemas.openxmlformats.org/presentationml/2006/main">
+  <p:tag name="DVSHAPEID" val="ib8WJEawV7dvimPNIi48c3"/>
+</p:tagLst>
+</file>
+
+<file path=ppt/tags/tag16.xml><?xml version="1.0" encoding="utf-8"?>
+<p:tagLst xmlns:a="http://schemas.openxmlformats.org/drawingml/2006/main" xmlns:r="http://schemas.openxmlformats.org/officeDocument/2006/relationships" xmlns:p="http://schemas.openxmlformats.org/presentationml/2006/main">
+  <p:tag name="DVSHAPEID" val="I7MCXrZit8BL32oKss4WIW"/>
+</p:tagLst>
+</file>
+
+<file path=ppt/tags/tag160.xml><?xml version="1.0" encoding="utf-8"?>
+<p:tagLst xmlns:a="http://schemas.openxmlformats.org/drawingml/2006/main" xmlns:r="http://schemas.openxmlformats.org/officeDocument/2006/relationships" xmlns:p="http://schemas.openxmlformats.org/presentationml/2006/main">
+  <p:tag name="DVSHAPEID" val="cVgmQYSTauJb2ToOwpTUb0"/>
+</p:tagLst>
+</file>
+
+<file path=ppt/tags/tag161.xml><?xml version="1.0" encoding="utf-8"?>
+<p:tagLst xmlns:a="http://schemas.openxmlformats.org/drawingml/2006/main" xmlns:r="http://schemas.openxmlformats.org/officeDocument/2006/relationships" xmlns:p="http://schemas.openxmlformats.org/presentationml/2006/main">
+  <p:tag name="DVSECTIONID" val="h1j1otkz6jjXVEqvULwIok"/>
+</p:tagLst>
+</file>
+
+<file path=ppt/tags/tag162.xml><?xml version="1.0" encoding="utf-8"?>
+<p:tagLst xmlns:a="http://schemas.openxmlformats.org/drawingml/2006/main" xmlns:r="http://schemas.openxmlformats.org/officeDocument/2006/relationships" xmlns:p="http://schemas.openxmlformats.org/presentationml/2006/main">
+  <p:tag name="DVSHAPEID" val="AB8fl0LECWYxvq8Iflhmma"/>
+</p:tagLst>
+</file>
+
+<file path=ppt/tags/tag163.xml><?xml version="1.0" encoding="utf-8"?>
+<p:tagLst xmlns:a="http://schemas.openxmlformats.org/drawingml/2006/main" xmlns:r="http://schemas.openxmlformats.org/officeDocument/2006/relationships" xmlns:p="http://schemas.openxmlformats.org/presentationml/2006/main">
+  <p:tag name="DVSHAPEID" val="8M1MFtLSGssc1PHxOZX7IR"/>
+</p:tagLst>
+</file>
+
+<file path=ppt/tags/tag164.xml><?xml version="1.0" encoding="utf-8"?>
+<p:tagLst xmlns:a="http://schemas.openxmlformats.org/drawingml/2006/main" xmlns:r="http://schemas.openxmlformats.org/officeDocument/2006/relationships" xmlns:p="http://schemas.openxmlformats.org/presentationml/2006/main">
+  <p:tag name="DVSECTIONID" val="8iDYzExdBxj4FFVLOybczK"/>
+</p:tagLst>
+</file>
+
+<file path=ppt/tags/tag165.xml><?xml version="1.0" encoding="utf-8"?>
+<p:tagLst xmlns:a="http://schemas.openxmlformats.org/drawingml/2006/main" xmlns:r="http://schemas.openxmlformats.org/officeDocument/2006/relationships" xmlns:p="http://schemas.openxmlformats.org/presentationml/2006/main">
+  <p:tag name="DVSHAPEID" val="J9gVY2ShGCOqsmeykiTJfw"/>
+</p:tagLst>
+</file>
+
+<file path=ppt/tags/tag166.xml><?xml version="1.0" encoding="utf-8"?>
+<p:tagLst xmlns:a="http://schemas.openxmlformats.org/drawingml/2006/main" xmlns:r="http://schemas.openxmlformats.org/officeDocument/2006/relationships" xmlns:p="http://schemas.openxmlformats.org/presentationml/2006/main">
+  <p:tag name="DVSHAPEID" val="5jpi1Ixhpfrh2SwJuJ0pMQ"/>
+</p:tagLst>
+</file>
+
+<file path=ppt/tags/tag167.xml><?xml version="1.0" encoding="utf-8"?>
+<p:tagLst xmlns:a="http://schemas.openxmlformats.org/drawingml/2006/main" xmlns:r="http://schemas.openxmlformats.org/officeDocument/2006/relationships" xmlns:p="http://schemas.openxmlformats.org/presentationml/2006/main">
+  <p:tag name="DVSHAPEID" val="nBmkjfEFdYBd4WwG0aKocy"/>
+</p:tagLst>
+</file>
+
+<file path=ppt/tags/tag168.xml><?xml version="1.0" encoding="utf-8"?>
+<p:tagLst xmlns:a="http://schemas.openxmlformats.org/drawingml/2006/main" xmlns:r="http://schemas.openxmlformats.org/officeDocument/2006/relationships" xmlns:p="http://schemas.openxmlformats.org/presentationml/2006/main">
+  <p:tag name="DVSHAPEID" val="Zbjl2BOaJQKeVOVHohCJ1s"/>
+</p:tagLst>
+</file>
+
+<file path=ppt/tags/tag169.xml><?xml version="1.0" encoding="utf-8"?>
+<p:tagLst xmlns:a="http://schemas.openxmlformats.org/drawingml/2006/main" xmlns:r="http://schemas.openxmlformats.org/officeDocument/2006/relationships" xmlns:p="http://schemas.openxmlformats.org/presentationml/2006/main">
+  <p:tag name="DVSECTIONID" val="tyndENfGBQNWT1oqUG2TIM"/>
+</p:tagLst>
+</file>
+
+<file path=ppt/tags/tag17.xml><?xml version="1.0" encoding="utf-8"?>
+<p:tagLst xmlns:a="http://schemas.openxmlformats.org/drawingml/2006/main" xmlns:r="http://schemas.openxmlformats.org/officeDocument/2006/relationships" xmlns:p="http://schemas.openxmlformats.org/presentationml/2006/main">
+  <p:tag name="DVSHAPEID" val="iERosT0MAyyMlVsY0C9jIT"/>
+</p:tagLst>
+</file>
+
+<file path=ppt/tags/tag170.xml><?xml version="1.0" encoding="utf-8"?>
+<p:tagLst xmlns:a="http://schemas.openxmlformats.org/drawingml/2006/main" xmlns:r="http://schemas.openxmlformats.org/officeDocument/2006/relationships" xmlns:p="http://schemas.openxmlformats.org/presentationml/2006/main">
+  <p:tag name="DVSHAPEID" val="FPNzcOIQFnDPBb0Xd3R3fL"/>
+</p:tagLst>
+</file>
+
+<file path=ppt/tags/tag171.xml><?xml version="1.0" encoding="utf-8"?>
+<p:tagLst xmlns:a="http://schemas.openxmlformats.org/drawingml/2006/main" xmlns:r="http://schemas.openxmlformats.org/officeDocument/2006/relationships" xmlns:p="http://schemas.openxmlformats.org/presentationml/2006/main">
+  <p:tag name="DVSHAPEID" val="tQ1IKjLsLswwwuyso0rSam"/>
+</p:tagLst>
+</file>
+
+<file path=ppt/tags/tag172.xml><?xml version="1.0" encoding="utf-8"?>
+<p:tagLst xmlns:a="http://schemas.openxmlformats.org/drawingml/2006/main" xmlns:r="http://schemas.openxmlformats.org/officeDocument/2006/relationships" xmlns:p="http://schemas.openxmlformats.org/presentationml/2006/main">
+  <p:tag name="DVSHAPEID" val="A6cKGq3ySYdTmWyu3p4cCa"/>
+</p:tagLst>
+</file>
+
+<file path=ppt/tags/tag173.xml><?xml version="1.0" encoding="utf-8"?>
+<p:tagLst xmlns:a="http://schemas.openxmlformats.org/drawingml/2006/main" xmlns:r="http://schemas.openxmlformats.org/officeDocument/2006/relationships" xmlns:p="http://schemas.openxmlformats.org/presentationml/2006/main">
+  <p:tag name="DVSHAPEID" val="i5EwpKFQBmB6gVw0ClpcAy"/>
+</p:tagLst>
+</file>
+
+<file path=ppt/tags/tag174.xml><?xml version="1.0" encoding="utf-8"?>
+<p:tagLst xmlns:a="http://schemas.openxmlformats.org/drawingml/2006/main" xmlns:r="http://schemas.openxmlformats.org/officeDocument/2006/relationships" xmlns:p="http://schemas.openxmlformats.org/presentationml/2006/main">
+  <p:tag name="DVSHAPEID" val="FtgZ1Qr4jHXTdpe7smg6A0"/>
+</p:tagLst>
+</file>
+
+<file path=ppt/tags/tag175.xml><?xml version="1.0" encoding="utf-8"?>
+<p:tagLst xmlns:a="http://schemas.openxmlformats.org/drawingml/2006/main" xmlns:r="http://schemas.openxmlformats.org/officeDocument/2006/relationships" xmlns:p="http://schemas.openxmlformats.org/presentationml/2006/main">
+  <p:tag name="DVSHAPEID" val="Bi1sC6xXd8lTtnRULlwFWG"/>
+</p:tagLst>
+</file>
+
+<file path=ppt/tags/tag176.xml><?xml version="1.0" encoding="utf-8"?>
+<p:tagLst xmlns:a="http://schemas.openxmlformats.org/drawingml/2006/main" xmlns:r="http://schemas.openxmlformats.org/officeDocument/2006/relationships" xmlns:p="http://schemas.openxmlformats.org/presentationml/2006/main">
+  <p:tag name="DVSHAPEID" val="nHVzSimYNdpESYYzdkxltO"/>
+</p:tagLst>
+</file>
+
+<file path=ppt/tags/tag177.xml><?xml version="1.0" encoding="utf-8"?>
+<p:tagLst xmlns:a="http://schemas.openxmlformats.org/drawingml/2006/main" xmlns:r="http://schemas.openxmlformats.org/officeDocument/2006/relationships" xmlns:p="http://schemas.openxmlformats.org/presentationml/2006/main">
+  <p:tag name="DVSHAPEID" val="yjVQfxBUAV3UUkw2efAfl7"/>
+</p:tagLst>
+</file>
+
+<file path=ppt/tags/tag178.xml><?xml version="1.0" encoding="utf-8"?>
+<p:tagLst xmlns:a="http://schemas.openxmlformats.org/drawingml/2006/main" xmlns:r="http://schemas.openxmlformats.org/officeDocument/2006/relationships" xmlns:p="http://schemas.openxmlformats.org/presentationml/2006/main">
+  <p:tag name="DVSHAPEID" val="uOvTWc7b8Ady9CE22OmSDu"/>
+</p:tagLst>
+</file>
+
+<file path=ppt/tags/tag179.xml><?xml version="1.0" encoding="utf-8"?>
+<p:tagLst xmlns:a="http://schemas.openxmlformats.org/drawingml/2006/main" xmlns:r="http://schemas.openxmlformats.org/officeDocument/2006/relationships" xmlns:p="http://schemas.openxmlformats.org/presentationml/2006/main">
+  <p:tag name="DVSHAPEID" val="AX4D2b6hLetqP7kmBpNoNs"/>
+</p:tagLst>
+</file>
+
+<file path=ppt/tags/tag18.xml><?xml version="1.0" encoding="utf-8"?>
+<p:tagLst xmlns:a="http://schemas.openxmlformats.org/drawingml/2006/main" xmlns:r="http://schemas.openxmlformats.org/officeDocument/2006/relationships" xmlns:p="http://schemas.openxmlformats.org/presentationml/2006/main">
+  <p:tag name="DVSHAPEID" val="pfkdIWZjfHNMO8KzZ6hGx2"/>
+</p:tagLst>
+</file>
+
+<file path=ppt/tags/tag180.xml><?xml version="1.0" encoding="utf-8"?>
+<p:tagLst xmlns:a="http://schemas.openxmlformats.org/drawingml/2006/main" xmlns:r="http://schemas.openxmlformats.org/officeDocument/2006/relationships" xmlns:p="http://schemas.openxmlformats.org/presentationml/2006/main">
+  <p:tag name="DVSHAPEID" val="HlaTocdMSsu0dxOi9W4QPZ"/>
+</p:tagLst>
+</file>
+
+<file path=ppt/tags/tag181.xml><?xml version="1.0" encoding="utf-8"?>
+<p:tagLst xmlns:a="http://schemas.openxmlformats.org/drawingml/2006/main" xmlns:r="http://schemas.openxmlformats.org/officeDocument/2006/relationships" xmlns:p="http://schemas.openxmlformats.org/presentationml/2006/main">
+  <p:tag name="DVSHAPEID" val="ed37NaEsMahAIRrlDdDedC"/>
+</p:tagLst>
+</file>
+
+<file path=ppt/tags/tag182.xml><?xml version="1.0" encoding="utf-8"?>
+<p:tagLst xmlns:a="http://schemas.openxmlformats.org/drawingml/2006/main" xmlns:r="http://schemas.openxmlformats.org/officeDocument/2006/relationships" xmlns:p="http://schemas.openxmlformats.org/presentationml/2006/main">
+  <p:tag name="DVSHAPEID" val="nLIdWWle9TIKyWz04AFXX7"/>
+</p:tagLst>
+</file>
+
+<file path=ppt/tags/tag183.xml><?xml version="1.0" encoding="utf-8"?>
+<p:tagLst xmlns:a="http://schemas.openxmlformats.org/drawingml/2006/main" xmlns:r="http://schemas.openxmlformats.org/officeDocument/2006/relationships" xmlns:p="http://schemas.openxmlformats.org/presentationml/2006/main">
+  <p:tag name="DVSHAPEID" val="YTqJEbAzAE9BPhpAdI7y1n"/>
+</p:tagLst>
+</file>
+
+<file path=ppt/tags/tag184.xml><?xml version="1.0" encoding="utf-8"?>
+<p:tagLst xmlns:a="http://schemas.openxmlformats.org/drawingml/2006/main" xmlns:r="http://schemas.openxmlformats.org/officeDocument/2006/relationships" xmlns:p="http://schemas.openxmlformats.org/presentationml/2006/main">
+  <p:tag name="DVSECTIONID" val="EQYKz8XXwbLoO5BmZJXVVs"/>
+</p:tagLst>
+</file>
+
+<file path=ppt/tags/tag185.xml><?xml version="1.0" encoding="utf-8"?>
+<p:tagLst xmlns:a="http://schemas.openxmlformats.org/drawingml/2006/main" xmlns:r="http://schemas.openxmlformats.org/officeDocument/2006/relationships" xmlns:p="http://schemas.openxmlformats.org/presentationml/2006/main">
+  <p:tag name="DVSHAPEID" val="BW6iBumXPp6A1sq9pXqx5T"/>
+</p:tagLst>
+</file>
+
+<file path=ppt/tags/tag186.xml><?xml version="1.0" encoding="utf-8"?>
+<p:tagLst xmlns:a="http://schemas.openxmlformats.org/drawingml/2006/main" xmlns:r="http://schemas.openxmlformats.org/officeDocument/2006/relationships" xmlns:p="http://schemas.openxmlformats.org/presentationml/2006/main">
+  <p:tag name="DVSHAPEID" val="jC7BUUW2OXKpN65a1jT1mQ"/>
+</p:tagLst>
+</file>
+
+<file path=ppt/tags/tag187.xml><?xml version="1.0" encoding="utf-8"?>
+<p:tagLst xmlns:a="http://schemas.openxmlformats.org/drawingml/2006/main" xmlns:r="http://schemas.openxmlformats.org/officeDocument/2006/relationships" xmlns:p="http://schemas.openxmlformats.org/presentationml/2006/main">
+  <p:tag name="DVSHAPEID" val="ifGDX3MJNpAKM2oNPLUyyD"/>
+</p:tagLst>
+</file>
+
+<file path=ppt/tags/tag188.xml><?xml version="1.0" encoding="utf-8"?>
+<p:tagLst xmlns:a="http://schemas.openxmlformats.org/drawingml/2006/main" xmlns:r="http://schemas.openxmlformats.org/officeDocument/2006/relationships" xmlns:p="http://schemas.openxmlformats.org/presentationml/2006/main">
+  <p:tag name="DVSHAPEID" val="mQ7pVrj6jycskSUhWTg4ak"/>
+</p:tagLst>
+</file>
+
+<file path=ppt/tags/tag189.xml><?xml version="1.0" encoding="utf-8"?>
+<p:tagLst xmlns:a="http://schemas.openxmlformats.org/drawingml/2006/main" xmlns:r="http://schemas.openxmlformats.org/officeDocument/2006/relationships" xmlns:p="http://schemas.openxmlformats.org/presentationml/2006/main">
+  <p:tag name="DVSHAPEID" val="O3k2Mdt87NiFSPvx7lpH62"/>
+</p:tagLst>
+</file>
+
+<file path=ppt/tags/tag19.xml><?xml version="1.0" encoding="utf-8"?>
+<p:tagLst xmlns:a="http://schemas.openxmlformats.org/drawingml/2006/main" xmlns:r="http://schemas.openxmlformats.org/officeDocument/2006/relationships" xmlns:p="http://schemas.openxmlformats.org/presentationml/2006/main">
+  <p:tag name="DVSHAPEID" val="dgGtiursMpepeC3fa3NgjQ"/>
+</p:tagLst>
+</file>
+
+<file path=ppt/tags/tag190.xml><?xml version="1.0" encoding="utf-8"?>
+<p:tagLst xmlns:a="http://schemas.openxmlformats.org/drawingml/2006/main" xmlns:r="http://schemas.openxmlformats.org/officeDocument/2006/relationships" xmlns:p="http://schemas.openxmlformats.org/presentationml/2006/main">
+  <p:tag name="DVSHAPEID" val="VOTNyigQkWCIgr6RuyzVng"/>
+</p:tagLst>
+</file>
+
+<file path=ppt/tags/tag191.xml><?xml version="1.0" encoding="utf-8"?>
+<p:tagLst xmlns:a="http://schemas.openxmlformats.org/drawingml/2006/main" xmlns:r="http://schemas.openxmlformats.org/officeDocument/2006/relationships" xmlns:p="http://schemas.openxmlformats.org/presentationml/2006/main">
+  <p:tag name="DVSHAPEID" val="WAtzNZqYUr5Nmmpt1EGBqf"/>
+</p:tagLst>
+</file>
+
+<file path=ppt/tags/tag192.xml><?xml version="1.0" encoding="utf-8"?>
+<p:tagLst xmlns:a="http://schemas.openxmlformats.org/drawingml/2006/main" xmlns:r="http://schemas.openxmlformats.org/officeDocument/2006/relationships" xmlns:p="http://schemas.openxmlformats.org/presentationml/2006/main">
+  <p:tag name="DVSHAPEID" val="9dNkN8JG9KYH0wO1HnxQvE"/>
+</p:tagLst>
+</file>
+
+<file path=ppt/tags/tag193.xml><?xml version="1.0" encoding="utf-8"?>
+<p:tagLst xmlns:a="http://schemas.openxmlformats.org/drawingml/2006/main" xmlns:r="http://schemas.openxmlformats.org/officeDocument/2006/relationships" xmlns:p="http://schemas.openxmlformats.org/presentationml/2006/main">
+  <p:tag name="DVSHAPEID" val="nHVzSimYNdpESYYzdkxltO"/>
+</p:tagLst>
+</file>
+
+<file path=ppt/tags/tag194.xml><?xml version="1.0" encoding="utf-8"?>
+<p:tagLst xmlns:a="http://schemas.openxmlformats.org/drawingml/2006/main" xmlns:r="http://schemas.openxmlformats.org/officeDocument/2006/relationships" xmlns:p="http://schemas.openxmlformats.org/presentationml/2006/main">
+  <p:tag name="DVSHAPEID" val="Bi1sC6xXd8lTtnRULlwFWG"/>
+</p:tagLst>
+</file>
+
+<file path=ppt/tags/tag195.xml><?xml version="1.0" encoding="utf-8"?>
+<p:tagLst xmlns:a="http://schemas.openxmlformats.org/drawingml/2006/main" xmlns:r="http://schemas.openxmlformats.org/officeDocument/2006/relationships" xmlns:p="http://schemas.openxmlformats.org/presentationml/2006/main">
+  <p:tag name="DVSHAPEID" val="ue64KVVLRusHrgMschfeik"/>
+</p:tagLst>
+</file>
+
+<file path=ppt/tags/tag196.xml><?xml version="1.0" encoding="utf-8"?>
+<p:tagLst xmlns:a="http://schemas.openxmlformats.org/drawingml/2006/main" xmlns:r="http://schemas.openxmlformats.org/officeDocument/2006/relationships" xmlns:p="http://schemas.openxmlformats.org/presentationml/2006/main">
+  <p:tag name="DVSHAPEID" val="OEmSF0Xj3AKuIyeJoNKnTt"/>
+</p:tagLst>
+</file>
+
+<file path=ppt/tags/tag197.xml><?xml version="1.0" encoding="utf-8"?>
+<p:tagLst xmlns:a="http://schemas.openxmlformats.org/drawingml/2006/main" xmlns:r="http://schemas.openxmlformats.org/officeDocument/2006/relationships" xmlns:p="http://schemas.openxmlformats.org/presentationml/2006/main">
+  <p:tag name="DVSHAPEID" val="K5GacSaZhRqsJsed3mLN9l"/>
+</p:tagLst>
+</file>
+
+<file path=ppt/tags/tag198.xml><?xml version="1.0" encoding="utf-8"?>
+<p:tagLst xmlns:a="http://schemas.openxmlformats.org/drawingml/2006/main" xmlns:r="http://schemas.openxmlformats.org/officeDocument/2006/relationships" xmlns:p="http://schemas.openxmlformats.org/presentationml/2006/main">
+  <p:tag name="DVSECTIONID" val="hIMTnnEvaF2HUweUd7IEjB"/>
+</p:tagLst>
+</file>
+
+<file path=ppt/tags/tag199.xml><?xml version="1.0" encoding="utf-8"?>
+<p:tagLst xmlns:a="http://schemas.openxmlformats.org/drawingml/2006/main" xmlns:r="http://schemas.openxmlformats.org/officeDocument/2006/relationships" xmlns:p="http://schemas.openxmlformats.org/presentationml/2006/main">
+  <p:tag name="DVSHAPEID" val="yjIvSyO0its2244SE6Daqo"/>
+</p:tagLst>
+</file>
+
+<file path=ppt/tags/tag2.xml><?xml version="1.0" encoding="utf-8"?>
+<p:tagLst xmlns:a="http://schemas.openxmlformats.org/drawingml/2006/main" xmlns:r="http://schemas.openxmlformats.org/officeDocument/2006/relationships" xmlns:p="http://schemas.openxmlformats.org/presentationml/2006/main">
+  <p:tag name="DVSHAPEID" val="Bwwy6CchyRgEnS3z5azJyg"/>
+</p:tagLst>
+</file>
+
+<file path=ppt/tags/tag20.xml><?xml version="1.0" encoding="utf-8"?>
+<p:tagLst xmlns:a="http://schemas.openxmlformats.org/drawingml/2006/main" xmlns:r="http://schemas.openxmlformats.org/officeDocument/2006/relationships" xmlns:p="http://schemas.openxmlformats.org/presentationml/2006/main">
+  <p:tag name="DVSHAPEID" val="Yz7jeqC311lm14wfDvRMUo"/>
+</p:tagLst>
+</file>
+
+<file path=ppt/tags/tag200.xml><?xml version="1.0" encoding="utf-8"?>
+<p:tagLst xmlns:a="http://schemas.openxmlformats.org/drawingml/2006/main" xmlns:r="http://schemas.openxmlformats.org/officeDocument/2006/relationships" xmlns:p="http://schemas.openxmlformats.org/presentationml/2006/main">
+  <p:tag name="DVSHAPEID" val="aEZ5LoLUEteLu1kgkUj7uO"/>
+</p:tagLst>
+</file>
+
+<file path=ppt/tags/tag201.xml><?xml version="1.0" encoding="utf-8"?>
+<p:tagLst xmlns:a="http://schemas.openxmlformats.org/drawingml/2006/main" xmlns:r="http://schemas.openxmlformats.org/officeDocument/2006/relationships" xmlns:p="http://schemas.openxmlformats.org/presentationml/2006/main">
+  <p:tag name="DVSHAPEID" val="cQNrsfGj4VC983vNNpenPZ"/>
+</p:tagLst>
+</file>
+
+<file path=ppt/tags/tag202.xml><?xml version="1.0" encoding="utf-8"?>
+<p:tagLst xmlns:a="http://schemas.openxmlformats.org/drawingml/2006/main" xmlns:r="http://schemas.openxmlformats.org/officeDocument/2006/relationships" xmlns:p="http://schemas.openxmlformats.org/presentationml/2006/main">
+  <p:tag name="DVSHAPEID" val="Nhz3xnLIQjTms9hkVvelpj"/>
+</p:tagLst>
+</file>
+
+<file path=ppt/tags/tag203.xml><?xml version="1.0" encoding="utf-8"?>
+<p:tagLst xmlns:a="http://schemas.openxmlformats.org/drawingml/2006/main" xmlns:r="http://schemas.openxmlformats.org/officeDocument/2006/relationships" xmlns:p="http://schemas.openxmlformats.org/presentationml/2006/main">
+  <p:tag name="DVSHAPEID" val="j6g6P099NRD4NYDU7UGeUK"/>
+</p:tagLst>
+</file>
+
+<file path=ppt/tags/tag204.xml><?xml version="1.0" encoding="utf-8"?>
+<p:tagLst xmlns:a="http://schemas.openxmlformats.org/drawingml/2006/main" xmlns:r="http://schemas.openxmlformats.org/officeDocument/2006/relationships" xmlns:p="http://schemas.openxmlformats.org/presentationml/2006/main">
+  <p:tag name="DVSECTIONID" val="dQEBYL5ozDmF1dmx3SsV7C"/>
+</p:tagLst>
+</file>
+
+<file path=ppt/tags/tag205.xml><?xml version="1.0" encoding="utf-8"?>
+<p:tagLst xmlns:a="http://schemas.openxmlformats.org/drawingml/2006/main" xmlns:r="http://schemas.openxmlformats.org/officeDocument/2006/relationships" xmlns:p="http://schemas.openxmlformats.org/presentationml/2006/main">
+  <p:tag name="DVSHAPEID" val="fj5yeeagBgm9prHRgVOyrR"/>
+</p:tagLst>
+</file>
+
+<file path=ppt/tags/tag206.xml><?xml version="1.0" encoding="utf-8"?>
+<p:tagLst xmlns:a="http://schemas.openxmlformats.org/drawingml/2006/main" xmlns:r="http://schemas.openxmlformats.org/officeDocument/2006/relationships" xmlns:p="http://schemas.openxmlformats.org/presentationml/2006/main">
+  <p:tag name="DVSHAPEID" val="WWxddtTruVrlo3N7MI8NZt"/>
+</p:tagLst>
+</file>
+
+<file path=ppt/tags/tag207.xml><?xml version="1.0" encoding="utf-8"?>
+<p:tagLst xmlns:a="http://schemas.openxmlformats.org/drawingml/2006/main" xmlns:r="http://schemas.openxmlformats.org/officeDocument/2006/relationships" xmlns:p="http://schemas.openxmlformats.org/presentationml/2006/main">
+  <p:tag name="DVSHAPEID" val="7y9N1wxPyl2nm8001Hn9Mq"/>
+</p:tagLst>
+</file>
+
+<file path=ppt/tags/tag208.xml><?xml version="1.0" encoding="utf-8"?>
+<p:tagLst xmlns:a="http://schemas.openxmlformats.org/drawingml/2006/main" xmlns:r="http://schemas.openxmlformats.org/officeDocument/2006/relationships" xmlns:p="http://schemas.openxmlformats.org/presentationml/2006/main">
+  <p:tag name="DVSHAPEID" val="I42E3985pEStOY4qrmUFm5"/>
+</p:tagLst>
+</file>
+
+<file path=ppt/tags/tag209.xml><?xml version="1.0" encoding="utf-8"?>
+<p:tagLst xmlns:a="http://schemas.openxmlformats.org/drawingml/2006/main" xmlns:r="http://schemas.openxmlformats.org/officeDocument/2006/relationships" xmlns:p="http://schemas.openxmlformats.org/presentationml/2006/main">
+  <p:tag name="DVSHAPEID" val="i1GF6LHqqPGHP4KmtnGtWo"/>
+</p:tagLst>
+</file>
+
+<file path=ppt/tags/tag21.xml><?xml version="1.0" encoding="utf-8"?>
+<p:tagLst xmlns:a="http://schemas.openxmlformats.org/drawingml/2006/main" xmlns:r="http://schemas.openxmlformats.org/officeDocument/2006/relationships" xmlns:p="http://schemas.openxmlformats.org/presentationml/2006/main">
+  <p:tag name="DVSHAPEID" val="yoT8vKVdThImh7lYg0PJnc"/>
+</p:tagLst>
+</file>
+
+<file path=ppt/tags/tag210.xml><?xml version="1.0" encoding="utf-8"?>
+<p:tagLst xmlns:a="http://schemas.openxmlformats.org/drawingml/2006/main" xmlns:r="http://schemas.openxmlformats.org/officeDocument/2006/relationships" xmlns:p="http://schemas.openxmlformats.org/presentationml/2006/main">
+  <p:tag name="DVSHAPEID" val="uTj1WBg0f73DL1Yo2noYe3"/>
+</p:tagLst>
+</file>
+
+<file path=ppt/tags/tag211.xml><?xml version="1.0" encoding="utf-8"?>
+<p:tagLst xmlns:a="http://schemas.openxmlformats.org/drawingml/2006/main" xmlns:r="http://schemas.openxmlformats.org/officeDocument/2006/relationships" xmlns:p="http://schemas.openxmlformats.org/presentationml/2006/main">
+  <p:tag name="DVSHAPEID" val="M79ZF5TwYT9UwNm4P6apAz"/>
+</p:tagLst>
+</file>
+
+<file path=ppt/tags/tag212.xml><?xml version="1.0" encoding="utf-8"?>
+<p:tagLst xmlns:a="http://schemas.openxmlformats.org/drawingml/2006/main" xmlns:r="http://schemas.openxmlformats.org/officeDocument/2006/relationships" xmlns:p="http://schemas.openxmlformats.org/presentationml/2006/main">
+  <p:tag name="DVSECTIONID" val="avciPxGiVMRbyfXFLzj116"/>
+</p:tagLst>
+</file>
+
+<file path=ppt/tags/tag213.xml><?xml version="1.0" encoding="utf-8"?>
+<p:tagLst xmlns:a="http://schemas.openxmlformats.org/drawingml/2006/main" xmlns:r="http://schemas.openxmlformats.org/officeDocument/2006/relationships" xmlns:p="http://schemas.openxmlformats.org/presentationml/2006/main">
+  <p:tag name="DVSHAPEID" val="8lShLw7US6Yd2wRpIixl4j"/>
+</p:tagLst>
+</file>
+
+<file path=ppt/tags/tag214.xml><?xml version="1.0" encoding="utf-8"?>
+<p:tagLst xmlns:a="http://schemas.openxmlformats.org/drawingml/2006/main" xmlns:r="http://schemas.openxmlformats.org/officeDocument/2006/relationships" xmlns:p="http://schemas.openxmlformats.org/presentationml/2006/main">
+  <p:tag name="DVSHAPEID" val="gLBmvstI9tzu8eagCfBWrM"/>
+</p:tagLst>
+</file>
+
+<file path=ppt/tags/tag215.xml><?xml version="1.0" encoding="utf-8"?>
+<p:tagLst xmlns:a="http://schemas.openxmlformats.org/drawingml/2006/main" xmlns:r="http://schemas.openxmlformats.org/officeDocument/2006/relationships" xmlns:p="http://schemas.openxmlformats.org/presentationml/2006/main">
+  <p:tag name="DVSHAPEID" val="ne7LswNVN4fP56Fo0Eq9Xu"/>
+</p:tagLst>
+</file>
+
+<file path=ppt/tags/tag216.xml><?xml version="1.0" encoding="utf-8"?>
+<p:tagLst xmlns:a="http://schemas.openxmlformats.org/drawingml/2006/main" xmlns:r="http://schemas.openxmlformats.org/officeDocument/2006/relationships" xmlns:p="http://schemas.openxmlformats.org/presentationml/2006/main">
+  <p:tag name="DVSHAPEID" val="DynDesGiJ7RtomfK0XVeGv"/>
+</p:tagLst>
+</file>
+
+<file path=ppt/tags/tag217.xml><?xml version="1.0" encoding="utf-8"?>
+<p:tagLst xmlns:a="http://schemas.openxmlformats.org/drawingml/2006/main" xmlns:r="http://schemas.openxmlformats.org/officeDocument/2006/relationships" xmlns:p="http://schemas.openxmlformats.org/presentationml/2006/main">
+  <p:tag name="DVSHAPEID" val="DcjJo5kj5Xar6bSWVb7I8a"/>
+</p:tagLst>
+</file>
+
+<file path=ppt/tags/tag218.xml><?xml version="1.0" encoding="utf-8"?>
+<p:tagLst xmlns:a="http://schemas.openxmlformats.org/drawingml/2006/main" xmlns:r="http://schemas.openxmlformats.org/officeDocument/2006/relationships" xmlns:p="http://schemas.openxmlformats.org/presentationml/2006/main">
+  <p:tag name="DVSECTIONID" val="M1ddHtKOT02p7NtfCavXjX"/>
+</p:tagLst>
+</file>
+
+<file path=ppt/tags/tag219.xml><?xml version="1.0" encoding="utf-8"?>
+<p:tagLst xmlns:a="http://schemas.openxmlformats.org/drawingml/2006/main" xmlns:r="http://schemas.openxmlformats.org/officeDocument/2006/relationships" xmlns:p="http://schemas.openxmlformats.org/presentationml/2006/main">
+  <p:tag name="DVSHAPEID" val="6rmPJdA6FlOl7FI2h0zIzl"/>
+</p:tagLst>
+</file>
+
+<file path=ppt/tags/tag22.xml><?xml version="1.0" encoding="utf-8"?>
+<p:tagLst xmlns:a="http://schemas.openxmlformats.org/drawingml/2006/main" xmlns:r="http://schemas.openxmlformats.org/officeDocument/2006/relationships" xmlns:p="http://schemas.openxmlformats.org/presentationml/2006/main">
+  <p:tag name="DVSHAPEID" val="3SAZIVqipxVA0Iq5VS7N84"/>
+</p:tagLst>
+</file>
+
+<file path=ppt/tags/tag220.xml><?xml version="1.0" encoding="utf-8"?>
+<p:tagLst xmlns:a="http://schemas.openxmlformats.org/drawingml/2006/main" xmlns:r="http://schemas.openxmlformats.org/officeDocument/2006/relationships" xmlns:p="http://schemas.openxmlformats.org/presentationml/2006/main">
+  <p:tag name="DVSHAPEID" val="eHiGmw2XiziPVLRSJxeMlH"/>
+</p:tagLst>
+</file>
+
+<file path=ppt/tags/tag221.xml><?xml version="1.0" encoding="utf-8"?>
+<p:tagLst xmlns:a="http://schemas.openxmlformats.org/drawingml/2006/main" xmlns:r="http://schemas.openxmlformats.org/officeDocument/2006/relationships" xmlns:p="http://schemas.openxmlformats.org/presentationml/2006/main">
+  <p:tag name="DVSHAPEID" val="ALGNxzSuoBnKdEw2Q44I2f"/>
+</p:tagLst>
+</file>
+
+<file path=ppt/tags/tag222.xml><?xml version="1.0" encoding="utf-8"?>
+<p:tagLst xmlns:a="http://schemas.openxmlformats.org/drawingml/2006/main" xmlns:r="http://schemas.openxmlformats.org/officeDocument/2006/relationships" xmlns:p="http://schemas.openxmlformats.org/presentationml/2006/main">
+  <p:tag name="DVSHAPEID" val="3hKXbph2uN0w6w0yZt4NaG"/>
+</p:tagLst>
+</file>
+
+<file path=ppt/tags/tag223.xml><?xml version="1.0" encoding="utf-8"?>
+<p:tagLst xmlns:a="http://schemas.openxmlformats.org/drawingml/2006/main" xmlns:r="http://schemas.openxmlformats.org/officeDocument/2006/relationships" xmlns:p="http://schemas.openxmlformats.org/presentationml/2006/main">
+  <p:tag name="DVSHAPEID" val="8H7gLxu8Uo9wR7pgVYZ2IS"/>
+</p:tagLst>
+</file>
+
+<file path=ppt/tags/tag224.xml><?xml version="1.0" encoding="utf-8"?>
+<p:tagLst xmlns:a="http://schemas.openxmlformats.org/drawingml/2006/main" xmlns:r="http://schemas.openxmlformats.org/officeDocument/2006/relationships" xmlns:p="http://schemas.openxmlformats.org/presentationml/2006/main">
+  <p:tag name="DVSHAPEID" val="8H7gLxu8Uo9wR7pgVYZ2IS"/>
+</p:tagLst>
+</file>
+
+<file path=ppt/tags/tag225.xml><?xml version="1.0" encoding="utf-8"?>
+<p:tagLst xmlns:a="http://schemas.openxmlformats.org/drawingml/2006/main" xmlns:r="http://schemas.openxmlformats.org/officeDocument/2006/relationships" xmlns:p="http://schemas.openxmlformats.org/presentationml/2006/main">
+  <p:tag name="DVSECTIONID" val="l7b475vQch9FyhG4y6ORKf"/>
+</p:tagLst>
+</file>
+
+<file path=ppt/tags/tag226.xml><?xml version="1.0" encoding="utf-8"?>
+<p:tagLst xmlns:a="http://schemas.openxmlformats.org/drawingml/2006/main" xmlns:r="http://schemas.openxmlformats.org/officeDocument/2006/relationships" xmlns:p="http://schemas.openxmlformats.org/presentationml/2006/main">
+  <p:tag name="DVSHAPEID" val="fi93AdeXwiPSAyoPhlfvk7"/>
+</p:tagLst>
+</file>
+
+<file path=ppt/tags/tag227.xml><?xml version="1.0" encoding="utf-8"?>
+<p:tagLst xmlns:a="http://schemas.openxmlformats.org/drawingml/2006/main" xmlns:r="http://schemas.openxmlformats.org/officeDocument/2006/relationships" xmlns:p="http://schemas.openxmlformats.org/presentationml/2006/main">
+  <p:tag name="DVSHAPEID" val="XCIi9gDtdIO8i5taRs4MBz"/>
+</p:tagLst>
+</file>
+
+<file path=ppt/tags/tag228.xml><?xml version="1.0" encoding="utf-8"?>
+<p:tagLst xmlns:a="http://schemas.openxmlformats.org/drawingml/2006/main" xmlns:r="http://schemas.openxmlformats.org/officeDocument/2006/relationships" xmlns:p="http://schemas.openxmlformats.org/presentationml/2006/main">
+  <p:tag name="DVSECTIONID" val="PIXYWxm8khA4957KpAN4AA"/>
+</p:tagLst>
+</file>
+
+<file path=ppt/tags/tag229.xml><?xml version="1.0" encoding="utf-8"?>
+<p:tagLst xmlns:a="http://schemas.openxmlformats.org/drawingml/2006/main" xmlns:r="http://schemas.openxmlformats.org/officeDocument/2006/relationships" xmlns:p="http://schemas.openxmlformats.org/presentationml/2006/main">
+  <p:tag name="DVSHAPEID" val="DvMGlbFzZab7kxlh4Xj247"/>
+</p:tagLst>
+</file>
+
+<file path=ppt/tags/tag23.xml><?xml version="1.0" encoding="utf-8"?>
+<p:tagLst xmlns:a="http://schemas.openxmlformats.org/drawingml/2006/main" xmlns:r="http://schemas.openxmlformats.org/officeDocument/2006/relationships" xmlns:p="http://schemas.openxmlformats.org/presentationml/2006/main">
+  <p:tag name="DVSHAPEID" val="DEMoUEfQWb0ll0yw10NASb"/>
+</p:tagLst>
+</file>
+
+<file path=ppt/tags/tag230.xml><?xml version="1.0" encoding="utf-8"?>
+<p:tagLst xmlns:a="http://schemas.openxmlformats.org/drawingml/2006/main" xmlns:r="http://schemas.openxmlformats.org/officeDocument/2006/relationships" xmlns:p="http://schemas.openxmlformats.org/presentationml/2006/main">
+  <p:tag name="DVSHAPEID" val="3sgil6tMryvoYdwtUsODJE"/>
+</p:tagLst>
+</file>
+
+<file path=ppt/tags/tag231.xml><?xml version="1.0" encoding="utf-8"?>
+<p:tagLst xmlns:a="http://schemas.openxmlformats.org/drawingml/2006/main" xmlns:r="http://schemas.openxmlformats.org/officeDocument/2006/relationships" xmlns:p="http://schemas.openxmlformats.org/presentationml/2006/main">
+  <p:tag name="DVSHAPEID" val="WbKWPAo6syvvrjq3Py6cJC"/>
+</p:tagLst>
+</file>
+
+<file path=ppt/tags/tag232.xml><?xml version="1.0" encoding="utf-8"?>
+<p:tagLst xmlns:a="http://schemas.openxmlformats.org/drawingml/2006/main" xmlns:r="http://schemas.openxmlformats.org/officeDocument/2006/relationships" xmlns:p="http://schemas.openxmlformats.org/presentationml/2006/main">
+  <p:tag name="DVSHAPEID" val="BWy7KA2Reqnpv4yogTok6X"/>
+</p:tagLst>
+</file>
+
+<file path=ppt/tags/tag233.xml><?xml version="1.0" encoding="utf-8"?>
+<p:tagLst xmlns:a="http://schemas.openxmlformats.org/drawingml/2006/main" xmlns:r="http://schemas.openxmlformats.org/officeDocument/2006/relationships" xmlns:p="http://schemas.openxmlformats.org/presentationml/2006/main">
+  <p:tag name="DVSECTIONID" val="2THGZG0cdam5hs699Xu3WR"/>
+</p:tagLst>
+</file>
+
+<file path=ppt/tags/tag234.xml><?xml version="1.0" encoding="utf-8"?>
+<p:tagLst xmlns:a="http://schemas.openxmlformats.org/drawingml/2006/main" xmlns:r="http://schemas.openxmlformats.org/officeDocument/2006/relationships" xmlns:p="http://schemas.openxmlformats.org/presentationml/2006/main">
+  <p:tag name="DVSHAPEID" val="TsMc3RDfxxUjzNoIPN3Ak4"/>
+</p:tagLst>
+</file>
+
+<file path=ppt/tags/tag235.xml><?xml version="1.0" encoding="utf-8"?>
+<p:tagLst xmlns:a="http://schemas.openxmlformats.org/drawingml/2006/main" xmlns:r="http://schemas.openxmlformats.org/officeDocument/2006/relationships" xmlns:p="http://schemas.openxmlformats.org/presentationml/2006/main">
+  <p:tag name="DVSHAPEID" val="81OluqhcNpwE35lxxbeZTQ"/>
+</p:tagLst>
+</file>
+
+<file path=ppt/tags/tag236.xml><?xml version="1.0" encoding="utf-8"?>
+<p:tagLst xmlns:a="http://schemas.openxmlformats.org/drawingml/2006/main" xmlns:r="http://schemas.openxmlformats.org/officeDocument/2006/relationships" xmlns:p="http://schemas.openxmlformats.org/presentationml/2006/main">
+  <p:tag name="DVSHAPEID" val="vbvL0y3BgvCOkKoIncXkJv"/>
+</p:tagLst>
+</file>
+
+<file path=ppt/tags/tag237.xml><?xml version="1.0" encoding="utf-8"?>
+<p:tagLst xmlns:a="http://schemas.openxmlformats.org/drawingml/2006/main" xmlns:r="http://schemas.openxmlformats.org/officeDocument/2006/relationships" xmlns:p="http://schemas.openxmlformats.org/presentationml/2006/main">
+  <p:tag name="DVSHAPEID" val="NUJinhgSmlahwCPIqJ9c81"/>
+</p:tagLst>
+</file>
+
+<file path=ppt/tags/tag238.xml><?xml version="1.0" encoding="utf-8"?>
+<p:tagLst xmlns:a="http://schemas.openxmlformats.org/drawingml/2006/main" xmlns:r="http://schemas.openxmlformats.org/officeDocument/2006/relationships" xmlns:p="http://schemas.openxmlformats.org/presentationml/2006/main">
+  <p:tag name="DVSHAPEID" val="ZNS1r9ACkIxOpmPEeaIOnL"/>
+</p:tagLst>
+</file>
+
+<file path=ppt/tags/tag239.xml><?xml version="1.0" encoding="utf-8"?>
+<p:tagLst xmlns:a="http://schemas.openxmlformats.org/drawingml/2006/main" xmlns:r="http://schemas.openxmlformats.org/officeDocument/2006/relationships" xmlns:p="http://schemas.openxmlformats.org/presentationml/2006/main">
+  <p:tag name="DVSECTIONID" val="5t7BXOHe4FFfF4gfyF884q"/>
+</p:tagLst>
+</file>
+
+<file path=ppt/tags/tag24.xml><?xml version="1.0" encoding="utf-8"?>
+<p:tagLst xmlns:a="http://schemas.openxmlformats.org/drawingml/2006/main" xmlns:r="http://schemas.openxmlformats.org/officeDocument/2006/relationships" xmlns:p="http://schemas.openxmlformats.org/presentationml/2006/main">
+  <p:tag name="DVSHAPEID" val="rG6Cya5XBA4ZeVdk0L3yAK"/>
+</p:tagLst>
+</file>
+
+<file path=ppt/tags/tag240.xml><?xml version="1.0" encoding="utf-8"?>
+<p:tagLst xmlns:a="http://schemas.openxmlformats.org/drawingml/2006/main" xmlns:r="http://schemas.openxmlformats.org/officeDocument/2006/relationships" xmlns:p="http://schemas.openxmlformats.org/presentationml/2006/main">
+  <p:tag name="DVSHAPEID" val="2eKA9ON21y6ZoB1HaMkn8h"/>
+</p:tagLst>
+</file>
+
+<file path=ppt/tags/tag241.xml><?xml version="1.0" encoding="utf-8"?>
+<p:tagLst xmlns:a="http://schemas.openxmlformats.org/drawingml/2006/main" xmlns:r="http://schemas.openxmlformats.org/officeDocument/2006/relationships" xmlns:p="http://schemas.openxmlformats.org/presentationml/2006/main">
+  <p:tag name="DVSHAPEID" val="KBgHbnaQpKLZJnBcMkvb6R"/>
+</p:tagLst>
+</file>
+
+<file path=ppt/tags/tag242.xml><?xml version="1.0" encoding="utf-8"?>
+<p:tagLst xmlns:a="http://schemas.openxmlformats.org/drawingml/2006/main" xmlns:r="http://schemas.openxmlformats.org/officeDocument/2006/relationships" xmlns:p="http://schemas.openxmlformats.org/presentationml/2006/main">
+  <p:tag name="DVSHAPEID" val="bwedHJynRLTKAHlmV8gNnz"/>
+</p:tagLst>
+</file>
+
+<file path=ppt/tags/tag243.xml><?xml version="1.0" encoding="utf-8"?>
+<p:tagLst xmlns:a="http://schemas.openxmlformats.org/drawingml/2006/main" xmlns:r="http://schemas.openxmlformats.org/officeDocument/2006/relationships" xmlns:p="http://schemas.openxmlformats.org/presentationml/2006/main">
+  <p:tag name="DVSHAPEID" val="DCIw9nDShNX2SIyEW2FOFA"/>
+</p:tagLst>
+</file>
+
+<file path=ppt/tags/tag244.xml><?xml version="1.0" encoding="utf-8"?>
+<p:tagLst xmlns:a="http://schemas.openxmlformats.org/drawingml/2006/main" xmlns:r="http://schemas.openxmlformats.org/officeDocument/2006/relationships" xmlns:p="http://schemas.openxmlformats.org/presentationml/2006/main">
+  <p:tag name="DVSECTIONID" val="I3NEDgrPAwDbNdynIcvY5G"/>
+</p:tagLst>
+</file>
+
+<file path=ppt/tags/tag245.xml><?xml version="1.0" encoding="utf-8"?>
+<p:tagLst xmlns:a="http://schemas.openxmlformats.org/drawingml/2006/main" xmlns:r="http://schemas.openxmlformats.org/officeDocument/2006/relationships" xmlns:p="http://schemas.openxmlformats.org/presentationml/2006/main">
+  <p:tag name="DVSHAPEID" val="S7UQrLvW3weCSBvbAaJZt5"/>
+</p:tagLst>
+</file>
+
+<file path=ppt/tags/tag246.xml><?xml version="1.0" encoding="utf-8"?>
+<p:tagLst xmlns:a="http://schemas.openxmlformats.org/drawingml/2006/main" xmlns:r="http://schemas.openxmlformats.org/officeDocument/2006/relationships" xmlns:p="http://schemas.openxmlformats.org/presentationml/2006/main">
+  <p:tag name="DVSHAPEID" val="NyPDOgbe7zT2KBBiWRmlJq"/>
+</p:tagLst>
+</file>
+
+<file path=ppt/tags/tag247.xml><?xml version="1.0" encoding="utf-8"?>
+<p:tagLst xmlns:a="http://schemas.openxmlformats.org/drawingml/2006/main" xmlns:r="http://schemas.openxmlformats.org/officeDocument/2006/relationships" xmlns:p="http://schemas.openxmlformats.org/presentationml/2006/main">
+  <p:tag name="DVSHAPEID" val="NgPW9Lru4G7Nkm1NXfKPoF"/>
+</p:tagLst>
+</file>
+
+<file path=ppt/tags/tag248.xml><?xml version="1.0" encoding="utf-8"?>
+<p:tagLst xmlns:a="http://schemas.openxmlformats.org/drawingml/2006/main" xmlns:r="http://schemas.openxmlformats.org/officeDocument/2006/relationships" xmlns:p="http://schemas.openxmlformats.org/presentationml/2006/main">
+  <p:tag name="DVSHAPEID" val="IQRTAhdRC8lmKzOR6qMDuc"/>
+</p:tagLst>
+</file>
+
+<file path=ppt/tags/tag249.xml><?xml version="1.0" encoding="utf-8"?>
+<p:tagLst xmlns:a="http://schemas.openxmlformats.org/drawingml/2006/main" xmlns:r="http://schemas.openxmlformats.org/officeDocument/2006/relationships" xmlns:p="http://schemas.openxmlformats.org/presentationml/2006/main">
+  <p:tag name="DVSHAPEID" val="8H7gLxu8Uo9wR7pgVYZ2IS"/>
+</p:tagLst>
+</file>
+
+<file path=ppt/tags/tag25.xml><?xml version="1.0" encoding="utf-8"?>
+<p:tagLst xmlns:a="http://schemas.openxmlformats.org/drawingml/2006/main" xmlns:r="http://schemas.openxmlformats.org/officeDocument/2006/relationships" xmlns:p="http://schemas.openxmlformats.org/presentationml/2006/main">
+  <p:tag name="DVSHAPEID" val="AEnpxpQ70xcrd5ih64LZzq"/>
+</p:tagLst>
+</file>
+
+<file path=ppt/tags/tag250.xml><?xml version="1.0" encoding="utf-8"?>
+<p:tagLst xmlns:a="http://schemas.openxmlformats.org/drawingml/2006/main" xmlns:r="http://schemas.openxmlformats.org/officeDocument/2006/relationships" xmlns:p="http://schemas.openxmlformats.org/presentationml/2006/main">
+  <p:tag name="DVSECTIONID" val="IEdCe1Bk5ALRk4HQHuVBoY"/>
+</p:tagLst>
+</file>
+
+<file path=ppt/tags/tag251.xml><?xml version="1.0" encoding="utf-8"?>
+<p:tagLst xmlns:a="http://schemas.openxmlformats.org/drawingml/2006/main" xmlns:r="http://schemas.openxmlformats.org/officeDocument/2006/relationships" xmlns:p="http://schemas.openxmlformats.org/presentationml/2006/main">
+  <p:tag name="DVSHAPEID" val="n85sTsSDSvAafp8yttC35E"/>
+</p:tagLst>
+</file>
+
+<file path=ppt/tags/tag252.xml><?xml version="1.0" encoding="utf-8"?>
+<p:tagLst xmlns:a="http://schemas.openxmlformats.org/drawingml/2006/main" xmlns:r="http://schemas.openxmlformats.org/officeDocument/2006/relationships" xmlns:p="http://schemas.openxmlformats.org/presentationml/2006/main">
+  <p:tag name="DVSHAPEID" val="UMksfjLaqzzJTzrRgkueof"/>
+</p:tagLst>
+</file>
+
+<file path=ppt/tags/tag26.xml><?xml version="1.0" encoding="utf-8"?>
+<p:tagLst xmlns:a="http://schemas.openxmlformats.org/drawingml/2006/main" xmlns:r="http://schemas.openxmlformats.org/officeDocument/2006/relationships" xmlns:p="http://schemas.openxmlformats.org/presentationml/2006/main">
+  <p:tag name="DVSHAPEID" val="hlMCjHZ1xkBH6rf8DG6tzw"/>
+</p:tagLst>
+</file>
+
+<file path=ppt/tags/tag27.xml><?xml version="1.0" encoding="utf-8"?>
+<p:tagLst xmlns:a="http://schemas.openxmlformats.org/drawingml/2006/main" xmlns:r="http://schemas.openxmlformats.org/officeDocument/2006/relationships" xmlns:p="http://schemas.openxmlformats.org/presentationml/2006/main">
+  <p:tag name="DVSHAPEID" val="NMI72JFYMBaan2DU698Y0S"/>
+</p:tagLst>
+</file>
+
+<file path=ppt/tags/tag28.xml><?xml version="1.0" encoding="utf-8"?>
+<p:tagLst xmlns:a="http://schemas.openxmlformats.org/drawingml/2006/main" xmlns:r="http://schemas.openxmlformats.org/officeDocument/2006/relationships" xmlns:p="http://schemas.openxmlformats.org/presentationml/2006/main">
+  <p:tag name="DVSHAPEID" val="QvZQ1Xr4S5QKyZUbFfmyxZ"/>
+</p:tagLst>
+</file>
+
+<file path=ppt/tags/tag29.xml><?xml version="1.0" encoding="utf-8"?>
+<p:tagLst xmlns:a="http://schemas.openxmlformats.org/drawingml/2006/main" xmlns:r="http://schemas.openxmlformats.org/officeDocument/2006/relationships" xmlns:p="http://schemas.openxmlformats.org/presentationml/2006/main">
+  <p:tag name="DVSHAPEID" val="xV4duJAWlAwVWc8bHHxHI4"/>
+</p:tagLst>
+</file>
+
+<file path=ppt/tags/tag3.xml><?xml version="1.0" encoding="utf-8"?>
+<p:tagLst xmlns:a="http://schemas.openxmlformats.org/drawingml/2006/main" xmlns:r="http://schemas.openxmlformats.org/officeDocument/2006/relationships" xmlns:p="http://schemas.openxmlformats.org/presentationml/2006/main">
+  <p:tag name="DVSHAPEID" val="wal8KO7UmHanRS9FtYuJKl"/>
+</p:tagLst>
+</file>
+
+<file path=ppt/tags/tag30.xml><?xml version="1.0" encoding="utf-8"?>
+<p:tagLst xmlns:a="http://schemas.openxmlformats.org/drawingml/2006/main" xmlns:r="http://schemas.openxmlformats.org/officeDocument/2006/relationships" xmlns:p="http://schemas.openxmlformats.org/presentationml/2006/main">
+  <p:tag name="DVSHAPEID" val="jCtEZUuSCrlQY3LOtHuWKg"/>
+</p:tagLst>
+</file>
+
+<file path=ppt/tags/tag31.xml><?xml version="1.0" encoding="utf-8"?>
+<p:tagLst xmlns:a="http://schemas.openxmlformats.org/drawingml/2006/main" xmlns:r="http://schemas.openxmlformats.org/officeDocument/2006/relationships" xmlns:p="http://schemas.openxmlformats.org/presentationml/2006/main">
+  <p:tag name="DVSHAPEID" val="eD2I3txE0PhsCrJQJFstY4"/>
+</p:tagLst>
+</file>
+
+<file path=ppt/tags/tag32.xml><?xml version="1.0" encoding="utf-8"?>
+<p:tagLst xmlns:a="http://schemas.openxmlformats.org/drawingml/2006/main" xmlns:r="http://schemas.openxmlformats.org/officeDocument/2006/relationships" xmlns:p="http://schemas.openxmlformats.org/presentationml/2006/main">
+  <p:tag name="DVSHAPEID" val="A5d4qTeQdMk3oQBhR1kXrv"/>
+</p:tagLst>
+</file>
+
+<file path=ppt/tags/tag33.xml><?xml version="1.0" encoding="utf-8"?>
+<p:tagLst xmlns:a="http://schemas.openxmlformats.org/drawingml/2006/main" xmlns:r="http://schemas.openxmlformats.org/officeDocument/2006/relationships" xmlns:p="http://schemas.openxmlformats.org/presentationml/2006/main">
+  <p:tag name="DVSHAPEID" val="zvrj4CYOthi92XuY3EqaBu"/>
+</p:tagLst>
+</file>
+
+<file path=ppt/tags/tag34.xml><?xml version="1.0" encoding="utf-8"?>
+<p:tagLst xmlns:a="http://schemas.openxmlformats.org/drawingml/2006/main" xmlns:r="http://schemas.openxmlformats.org/officeDocument/2006/relationships" xmlns:p="http://schemas.openxmlformats.org/presentationml/2006/main">
+  <p:tag name="DVSHAPEID" val="8y3SfsOr80D4vHD6OBRoi3"/>
+</p:tagLst>
+</file>
+
+<file path=ppt/tags/tag35.xml><?xml version="1.0" encoding="utf-8"?>
+<p:tagLst xmlns:a="http://schemas.openxmlformats.org/drawingml/2006/main" xmlns:r="http://schemas.openxmlformats.org/officeDocument/2006/relationships" xmlns:p="http://schemas.openxmlformats.org/presentationml/2006/main">
+  <p:tag name="DVSHAPEID" val="LfNDMSYFwgU4nSgcnv028h"/>
+</p:tagLst>
+</file>
+
+<file path=ppt/tags/tag36.xml><?xml version="1.0" encoding="utf-8"?>
+<p:tagLst xmlns:a="http://schemas.openxmlformats.org/drawingml/2006/main" xmlns:r="http://schemas.openxmlformats.org/officeDocument/2006/relationships" xmlns:p="http://schemas.openxmlformats.org/presentationml/2006/main">
+  <p:tag name="DVSHAPEID" val="vYrMlWPOicc5NN4BFWtstn"/>
+</p:tagLst>
+</file>
+
+<file path=ppt/tags/tag37.xml><?xml version="1.0" encoding="utf-8"?>
+<p:tagLst xmlns:a="http://schemas.openxmlformats.org/drawingml/2006/main" xmlns:r="http://schemas.openxmlformats.org/officeDocument/2006/relationships" xmlns:p="http://schemas.openxmlformats.org/presentationml/2006/main">
+  <p:tag name="DVSHAPEID" val="9rkKPCelogUtJPcZx1PIXH"/>
+</p:tagLst>
+</file>
+
+<file path=ppt/tags/tag38.xml><?xml version="1.0" encoding="utf-8"?>
+<p:tagLst xmlns:a="http://schemas.openxmlformats.org/drawingml/2006/main" xmlns:r="http://schemas.openxmlformats.org/officeDocument/2006/relationships" xmlns:p="http://schemas.openxmlformats.org/presentationml/2006/main">
+  <p:tag name="DVSHAPEID" val="Si5t7MQ3yFO8O0sA7dAWOV"/>
+</p:tagLst>
+</file>
+
+<file path=ppt/tags/tag39.xml><?xml version="1.0" encoding="utf-8"?>
+<p:tagLst xmlns:a="http://schemas.openxmlformats.org/drawingml/2006/main" xmlns:r="http://schemas.openxmlformats.org/officeDocument/2006/relationships" xmlns:p="http://schemas.openxmlformats.org/presentationml/2006/main">
+  <p:tag name="DVSHAPEID" val="aj3foFosCLpsy2FmurvkHf"/>
+</p:tagLst>
+</file>
+
+<file path=ppt/tags/tag4.xml><?xml version="1.0" encoding="utf-8"?>
+<p:tagLst xmlns:a="http://schemas.openxmlformats.org/drawingml/2006/main" xmlns:r="http://schemas.openxmlformats.org/officeDocument/2006/relationships" xmlns:p="http://schemas.openxmlformats.org/presentationml/2006/main">
+  <p:tag name="DVSHAPEID" val="szVfnDtH7lslZlcYSoaEuz"/>
+</p:tagLst>
+</file>
+
+<file path=ppt/tags/tag40.xml><?xml version="1.0" encoding="utf-8"?>
+<p:tagLst xmlns:a="http://schemas.openxmlformats.org/drawingml/2006/main" xmlns:r="http://schemas.openxmlformats.org/officeDocument/2006/relationships" xmlns:p="http://schemas.openxmlformats.org/presentationml/2006/main">
+  <p:tag name="DVSHAPEID" val="FB0cxWTC71TX7MpRnaF632"/>
+</p:tagLst>
+</file>
+
+<file path=ppt/tags/tag41.xml><?xml version="1.0" encoding="utf-8"?>
+<p:tagLst xmlns:a="http://schemas.openxmlformats.org/drawingml/2006/main" xmlns:r="http://schemas.openxmlformats.org/officeDocument/2006/relationships" xmlns:p="http://schemas.openxmlformats.org/presentationml/2006/main">
+  <p:tag name="DVSHAPEID" val="JmrqVLI9rtdVEsfc8ry0Eo"/>
+</p:tagLst>
+</file>
+
+<file path=ppt/tags/tag42.xml><?xml version="1.0" encoding="utf-8"?>
+<p:tagLst xmlns:a="http://schemas.openxmlformats.org/drawingml/2006/main" xmlns:r="http://schemas.openxmlformats.org/officeDocument/2006/relationships" xmlns:p="http://schemas.openxmlformats.org/presentationml/2006/main">
+  <p:tag name="DVSHAPEID" val="zBUTWC3kFBbCSDK618TXAq"/>
+</p:tagLst>
+</file>
+
+<file path=ppt/tags/tag43.xml><?xml version="1.0" encoding="utf-8"?>
+<p:tagLst xmlns:a="http://schemas.openxmlformats.org/drawingml/2006/main" xmlns:r="http://schemas.openxmlformats.org/officeDocument/2006/relationships" xmlns:p="http://schemas.openxmlformats.org/presentationml/2006/main">
+  <p:tag name="DVSHAPEID" val="Jb8XCb1dy2olNPv2O656NB"/>
+</p:tagLst>
+</file>
+
+<file path=ppt/tags/tag44.xml><?xml version="1.0" encoding="utf-8"?>
+<p:tagLst xmlns:a="http://schemas.openxmlformats.org/drawingml/2006/main" xmlns:r="http://schemas.openxmlformats.org/officeDocument/2006/relationships" xmlns:p="http://schemas.openxmlformats.org/presentationml/2006/main">
+  <p:tag name="DVSHAPEID" val="J1ABr2pq7GN8RIKZ0Sjr39"/>
+</p:tagLst>
+</file>
+
+<file path=ppt/tags/tag45.xml><?xml version="1.0" encoding="utf-8"?>
+<p:tagLst xmlns:a="http://schemas.openxmlformats.org/drawingml/2006/main" xmlns:r="http://schemas.openxmlformats.org/officeDocument/2006/relationships" xmlns:p="http://schemas.openxmlformats.org/presentationml/2006/main">
+  <p:tag name="DVSHAPEID" val="dxQVAZjNRtC8s6m0JZN7VH"/>
+</p:tagLst>
+</file>
+
+<file path=ppt/tags/tag46.xml><?xml version="1.0" encoding="utf-8"?>
+<p:tagLst xmlns:a="http://schemas.openxmlformats.org/drawingml/2006/main" xmlns:r="http://schemas.openxmlformats.org/officeDocument/2006/relationships" xmlns:p="http://schemas.openxmlformats.org/presentationml/2006/main">
+  <p:tag name="DVSHAPEID" val="xEYNhP5dNlyAN2Lwrq6kOk"/>
+</p:tagLst>
+</file>
+
+<file path=ppt/tags/tag47.xml><?xml version="1.0" encoding="utf-8"?>
+<p:tagLst xmlns:a="http://schemas.openxmlformats.org/drawingml/2006/main" xmlns:r="http://schemas.openxmlformats.org/officeDocument/2006/relationships" xmlns:p="http://schemas.openxmlformats.org/presentationml/2006/main">
+  <p:tag name="DVSHAPEID" val="wJgECZ8jEVevZcXNItHEGg"/>
+</p:tagLst>
+</file>
+
+<file path=ppt/tags/tag48.xml><?xml version="1.0" encoding="utf-8"?>
+<p:tagLst xmlns:a="http://schemas.openxmlformats.org/drawingml/2006/main" xmlns:r="http://schemas.openxmlformats.org/officeDocument/2006/relationships" xmlns:p="http://schemas.openxmlformats.org/presentationml/2006/main">
+  <p:tag name="DVSHAPEID" val="zSikfdxn1BSd8ewCc64tHD"/>
+</p:tagLst>
+</file>
+
+<file path=ppt/tags/tag49.xml><?xml version="1.0" encoding="utf-8"?>
+<p:tagLst xmlns:a="http://schemas.openxmlformats.org/drawingml/2006/main" xmlns:r="http://schemas.openxmlformats.org/officeDocument/2006/relationships" xmlns:p="http://schemas.openxmlformats.org/presentationml/2006/main">
+  <p:tag name="DVSHAPEID" val="mh3yzEHCCaDf9oliJUMgUC"/>
+</p:tagLst>
+</file>
+
+<file path=ppt/tags/tag5.xml><?xml version="1.0" encoding="utf-8"?>
+<p:tagLst xmlns:a="http://schemas.openxmlformats.org/drawingml/2006/main" xmlns:r="http://schemas.openxmlformats.org/officeDocument/2006/relationships" xmlns:p="http://schemas.openxmlformats.org/presentationml/2006/main">
+  <p:tag name="DVSHAPEID" val="uZ0bqqGBfOwbILcuqtqFzP"/>
+</p:tagLst>
+</file>
+
+<file path=ppt/tags/tag50.xml><?xml version="1.0" encoding="utf-8"?>
+<p:tagLst xmlns:a="http://schemas.openxmlformats.org/drawingml/2006/main" xmlns:r="http://schemas.openxmlformats.org/officeDocument/2006/relationships" xmlns:p="http://schemas.openxmlformats.org/presentationml/2006/main">
+  <p:tag name="DVSHAPEID" val="CM4Ig6hAzdzWw0hGESGoYI"/>
+</p:tagLst>
+</file>
+
+<file path=ppt/tags/tag51.xml><?xml version="1.0" encoding="utf-8"?>
+<p:tagLst xmlns:a="http://schemas.openxmlformats.org/drawingml/2006/main" xmlns:r="http://schemas.openxmlformats.org/officeDocument/2006/relationships" xmlns:p="http://schemas.openxmlformats.org/presentationml/2006/main">
+  <p:tag name="DVSHAPEID" val="zS48hUm9HqJJEguQoBl1Ap"/>
+</p:tagLst>
+</file>
+
+<file path=ppt/tags/tag52.xml><?xml version="1.0" encoding="utf-8"?>
+<p:tagLst xmlns:a="http://schemas.openxmlformats.org/drawingml/2006/main" xmlns:r="http://schemas.openxmlformats.org/officeDocument/2006/relationships" xmlns:p="http://schemas.openxmlformats.org/presentationml/2006/main">
+  <p:tag name="DVSHAPEID" val="FdSk13gTAvEUdbD7Pmepw8"/>
+</p:tagLst>
+</file>
+
+<file path=ppt/tags/tag53.xml><?xml version="1.0" encoding="utf-8"?>
+<p:tagLst xmlns:a="http://schemas.openxmlformats.org/drawingml/2006/main" xmlns:r="http://schemas.openxmlformats.org/officeDocument/2006/relationships" xmlns:p="http://schemas.openxmlformats.org/presentationml/2006/main">
+  <p:tag name="DVSHAPEID" val="dMm0cNu42W7acRgWTjTNQd"/>
+</p:tagLst>
+</file>
+
+<file path=ppt/tags/tag54.xml><?xml version="1.0" encoding="utf-8"?>
+<p:tagLst xmlns:a="http://schemas.openxmlformats.org/drawingml/2006/main" xmlns:r="http://schemas.openxmlformats.org/officeDocument/2006/relationships" xmlns:p="http://schemas.openxmlformats.org/presentationml/2006/main">
+  <p:tag name="DVSHAPEID" val="5K2jdgMZNbTw05Y0QtpvsH"/>
+</p:tagLst>
+</file>
+
+<file path=ppt/tags/tag55.xml><?xml version="1.0" encoding="utf-8"?>
+<p:tagLst xmlns:a="http://schemas.openxmlformats.org/drawingml/2006/main" xmlns:r="http://schemas.openxmlformats.org/officeDocument/2006/relationships" xmlns:p="http://schemas.openxmlformats.org/presentationml/2006/main">
+  <p:tag name="DVSHAPEID" val="M3YMRStVwIiZHBXTAdi39W"/>
+</p:tagLst>
+</file>
+
+<file path=ppt/tags/tag56.xml><?xml version="1.0" encoding="utf-8"?>
+<p:tagLst xmlns:a="http://schemas.openxmlformats.org/drawingml/2006/main" xmlns:r="http://schemas.openxmlformats.org/officeDocument/2006/relationships" xmlns:p="http://schemas.openxmlformats.org/presentationml/2006/main">
+  <p:tag name="DVSHAPEID" val="gGRaXSsqokKnXZkrpTvSFa"/>
+</p:tagLst>
+</file>
+
+<file path=ppt/tags/tag57.xml><?xml version="1.0" encoding="utf-8"?>
+<p:tagLst xmlns:a="http://schemas.openxmlformats.org/drawingml/2006/main" xmlns:r="http://schemas.openxmlformats.org/officeDocument/2006/relationships" xmlns:p="http://schemas.openxmlformats.org/presentationml/2006/main">
+  <p:tag name="DVSHAPEID" val="e0nn2XSbcoyQMiUGVAs5kX"/>
+</p:tagLst>
+</file>
+
+<file path=ppt/tags/tag58.xml><?xml version="1.0" encoding="utf-8"?>
+<p:tagLst xmlns:a="http://schemas.openxmlformats.org/drawingml/2006/main" xmlns:r="http://schemas.openxmlformats.org/officeDocument/2006/relationships" xmlns:p="http://schemas.openxmlformats.org/presentationml/2006/main">
+  <p:tag name="DVSHAPEID" val="ekDYy9Npxhh6rQNAQuxc8l"/>
+</p:tagLst>
+</file>
+
+<file path=ppt/tags/tag59.xml><?xml version="1.0" encoding="utf-8"?>
+<p:tagLst xmlns:a="http://schemas.openxmlformats.org/drawingml/2006/main" xmlns:r="http://schemas.openxmlformats.org/officeDocument/2006/relationships" xmlns:p="http://schemas.openxmlformats.org/presentationml/2006/main">
+  <p:tag name="DVSHAPEID" val="P7d2wJYUpzPhL3J4pJnNRg"/>
+</p:tagLst>
+</file>
+
+<file path=ppt/tags/tag6.xml><?xml version="1.0" encoding="utf-8"?>
+<p:tagLst xmlns:a="http://schemas.openxmlformats.org/drawingml/2006/main" xmlns:r="http://schemas.openxmlformats.org/officeDocument/2006/relationships" xmlns:p="http://schemas.openxmlformats.org/presentationml/2006/main">
+  <p:tag name="DVSHAPEID" val="UwSNsv65z5QT5Vecd30w6E"/>
+</p:tagLst>
+</file>
+
+<file path=ppt/tags/tag60.xml><?xml version="1.0" encoding="utf-8"?>
+<p:tagLst xmlns:a="http://schemas.openxmlformats.org/drawingml/2006/main" xmlns:r="http://schemas.openxmlformats.org/officeDocument/2006/relationships" xmlns:p="http://schemas.openxmlformats.org/presentationml/2006/main">
+  <p:tag name="DVSHAPEID" val="zFR4TkKXy8PSuwKwC4qDSI"/>
+</p:tagLst>
+</file>
+
+<file path=ppt/tags/tag61.xml><?xml version="1.0" encoding="utf-8"?>
+<p:tagLst xmlns:a="http://schemas.openxmlformats.org/drawingml/2006/main" xmlns:r="http://schemas.openxmlformats.org/officeDocument/2006/relationships" xmlns:p="http://schemas.openxmlformats.org/presentationml/2006/main">
+  <p:tag name="DVSHAPEID" val="ga4JRL5NOkuyxybsPD9r0H"/>
+</p:tagLst>
+</file>
+
+<file path=ppt/tags/tag62.xml><?xml version="1.0" encoding="utf-8"?>
+<p:tagLst xmlns:a="http://schemas.openxmlformats.org/drawingml/2006/main" xmlns:r="http://schemas.openxmlformats.org/officeDocument/2006/relationships" xmlns:p="http://schemas.openxmlformats.org/presentationml/2006/main">
+  <p:tag name="DVSHAPEID" val="rTyckS6jndoRoGZ9tZSKjv"/>
+</p:tagLst>
+</file>
+
+<file path=ppt/tags/tag63.xml><?xml version="1.0" encoding="utf-8"?>
+<p:tagLst xmlns:a="http://schemas.openxmlformats.org/drawingml/2006/main" xmlns:r="http://schemas.openxmlformats.org/officeDocument/2006/relationships" xmlns:p="http://schemas.openxmlformats.org/presentationml/2006/main">
+  <p:tag name="DVSHAPEID" val="nVZblaeMtqHzIbaErcHvXh"/>
+</p:tagLst>
+</file>
+
+<file path=ppt/tags/tag64.xml><?xml version="1.0" encoding="utf-8"?>
+<p:tagLst xmlns:a="http://schemas.openxmlformats.org/drawingml/2006/main" xmlns:r="http://schemas.openxmlformats.org/officeDocument/2006/relationships" xmlns:p="http://schemas.openxmlformats.org/presentationml/2006/main">
+  <p:tag name="DVSHAPEID" val="aG9usGaazgnWvDd8xV4AKY"/>
+</p:tagLst>
+</file>
+
+<file path=ppt/tags/tag65.xml><?xml version="1.0" encoding="utf-8"?>
+<p:tagLst xmlns:a="http://schemas.openxmlformats.org/drawingml/2006/main" xmlns:r="http://schemas.openxmlformats.org/officeDocument/2006/relationships" xmlns:p="http://schemas.openxmlformats.org/presentationml/2006/main">
+  <p:tag name="DVSHAPEID" val="aPYNZPyF3Ox6Li2RIyCiRr"/>
+</p:tagLst>
+</file>
+
+<file path=ppt/tags/tag66.xml><?xml version="1.0" encoding="utf-8"?>
+<p:tagLst xmlns:a="http://schemas.openxmlformats.org/drawingml/2006/main" xmlns:r="http://schemas.openxmlformats.org/officeDocument/2006/relationships" xmlns:p="http://schemas.openxmlformats.org/presentationml/2006/main">
+  <p:tag name="DVSHAPEID" val="bLGxriFLrnwcwkwFGlCTcz"/>
+</p:tagLst>
+</file>
+
+<file path=ppt/tags/tag67.xml><?xml version="1.0" encoding="utf-8"?>
+<p:tagLst xmlns:a="http://schemas.openxmlformats.org/drawingml/2006/main" xmlns:r="http://schemas.openxmlformats.org/officeDocument/2006/relationships" xmlns:p="http://schemas.openxmlformats.org/presentationml/2006/main">
+  <p:tag name="DVSHAPEID" val="ooRU5GdvXr7JDc6rof0hna"/>
+</p:tagLst>
+</file>
+
+<file path=ppt/tags/tag68.xml><?xml version="1.0" encoding="utf-8"?>
+<p:tagLst xmlns:a="http://schemas.openxmlformats.org/drawingml/2006/main" xmlns:r="http://schemas.openxmlformats.org/officeDocument/2006/relationships" xmlns:p="http://schemas.openxmlformats.org/presentationml/2006/main">
+  <p:tag name="DVSHAPEID" val="AzMIk2RhGXeCmiFwcYxVp4"/>
+</p:tagLst>
+</file>
+
+<file path=ppt/tags/tag69.xml><?xml version="1.0" encoding="utf-8"?>
+<p:tagLst xmlns:a="http://schemas.openxmlformats.org/drawingml/2006/main" xmlns:r="http://schemas.openxmlformats.org/officeDocument/2006/relationships" xmlns:p="http://schemas.openxmlformats.org/presentationml/2006/main">
+  <p:tag name="DVSECTIONID" val="P4H3GD4dC3znwbtKWT1eML"/>
+</p:tagLst>
+</file>
+
+<file path=ppt/tags/tag7.xml><?xml version="1.0" encoding="utf-8"?>
+<p:tagLst xmlns:a="http://schemas.openxmlformats.org/drawingml/2006/main" xmlns:r="http://schemas.openxmlformats.org/officeDocument/2006/relationships" xmlns:p="http://schemas.openxmlformats.org/presentationml/2006/main">
+  <p:tag name="DVSHAPEID" val="PODrLnXGdPZE4ujCYbu9fq"/>
+</p:tagLst>
+</file>
+
+<file path=ppt/tags/tag70.xml><?xml version="1.0" encoding="utf-8"?>
+<p:tagLst xmlns:a="http://schemas.openxmlformats.org/drawingml/2006/main" xmlns:r="http://schemas.openxmlformats.org/officeDocument/2006/relationships" xmlns:p="http://schemas.openxmlformats.org/presentationml/2006/main">
+  <p:tag name="DVSHAPEID" val="WVo0P8LvZqUJyQhnUwOE1M"/>
+</p:tagLst>
+</file>
+
+<file path=ppt/tags/tag71.xml><?xml version="1.0" encoding="utf-8"?>
+<p:tagLst xmlns:a="http://schemas.openxmlformats.org/drawingml/2006/main" xmlns:r="http://schemas.openxmlformats.org/officeDocument/2006/relationships" xmlns:p="http://schemas.openxmlformats.org/presentationml/2006/main">
+  <p:tag name="DVSHAPEID" val="qepZutbB0Pt1pps5fnG3Z0"/>
+</p:tagLst>
+</file>
+
+<file path=ppt/tags/tag72.xml><?xml version="1.0" encoding="utf-8"?>
+<p:tagLst xmlns:a="http://schemas.openxmlformats.org/drawingml/2006/main" xmlns:r="http://schemas.openxmlformats.org/officeDocument/2006/relationships" xmlns:p="http://schemas.openxmlformats.org/presentationml/2006/main">
+  <p:tag name="DVSHAPEID" val="bU9vWVp4LQ2auaAPEhknp5"/>
+</p:tagLst>
+</file>
+
+<file path=ppt/tags/tag73.xml><?xml version="1.0" encoding="utf-8"?>
+<p:tagLst xmlns:a="http://schemas.openxmlformats.org/drawingml/2006/main" xmlns:r="http://schemas.openxmlformats.org/officeDocument/2006/relationships" xmlns:p="http://schemas.openxmlformats.org/presentationml/2006/main">
+  <p:tag name="DVSHAPEID" val="fwqRUOgqXYMp3vQYwfcV3D"/>
+</p:tagLst>
+</file>
+
+<file path=ppt/tags/tag74.xml><?xml version="1.0" encoding="utf-8"?>
+<p:tagLst xmlns:a="http://schemas.openxmlformats.org/drawingml/2006/main" xmlns:r="http://schemas.openxmlformats.org/officeDocument/2006/relationships" xmlns:p="http://schemas.openxmlformats.org/presentationml/2006/main">
+  <p:tag name="DVSHAPEID" val="YeVivqJoIBB5FC551AOlS4"/>
+</p:tagLst>
+</file>
+
+<file path=ppt/tags/tag75.xml><?xml version="1.0" encoding="utf-8"?>
+<p:tagLst xmlns:a="http://schemas.openxmlformats.org/drawingml/2006/main" xmlns:r="http://schemas.openxmlformats.org/officeDocument/2006/relationships" xmlns:p="http://schemas.openxmlformats.org/presentationml/2006/main">
+  <p:tag name="DVSHAPEID" val="o575YFK4at1CybWCjQGygb"/>
+</p:tagLst>
+</file>
+
+<file path=ppt/tags/tag76.xml><?xml version="1.0" encoding="utf-8"?>
+<p:tagLst xmlns:a="http://schemas.openxmlformats.org/drawingml/2006/main" xmlns:r="http://schemas.openxmlformats.org/officeDocument/2006/relationships" xmlns:p="http://schemas.openxmlformats.org/presentationml/2006/main">
+  <p:tag name="DVSECTIONID" val="oomcKJTxZKV4zmLL59uCgy"/>
+</p:tagLst>
+</file>
+
+<file path=ppt/tags/tag77.xml><?xml version="1.0" encoding="utf-8"?>
+<p:tagLst xmlns:a="http://schemas.openxmlformats.org/drawingml/2006/main" xmlns:r="http://schemas.openxmlformats.org/officeDocument/2006/relationships" xmlns:p="http://schemas.openxmlformats.org/presentationml/2006/main">
+  <p:tag name="DVSHAPEID" val="szgtALZ0deeqxGxqJIjzOS"/>
+</p:tagLst>
+</file>
+
+<file path=ppt/tags/tag78.xml><?xml version="1.0" encoding="utf-8"?>
+<p:tagLst xmlns:a="http://schemas.openxmlformats.org/drawingml/2006/main" xmlns:r="http://schemas.openxmlformats.org/officeDocument/2006/relationships" xmlns:p="http://schemas.openxmlformats.org/presentationml/2006/main">
+  <p:tag name="DVSHAPEID" val="V8AKrhTXy11VbZLH5wlNEw"/>
+</p:tagLst>
+</file>
+
+<file path=ppt/tags/tag79.xml><?xml version="1.0" encoding="utf-8"?>
+<p:tagLst xmlns:a="http://schemas.openxmlformats.org/drawingml/2006/main" xmlns:r="http://schemas.openxmlformats.org/officeDocument/2006/relationships" xmlns:p="http://schemas.openxmlformats.org/presentationml/2006/main">
+  <p:tag name="DVSHAPEID" val="xLRRuwERIPmzE8SQkI7gFc"/>
+</p:tagLst>
+</file>
+
+<file path=ppt/tags/tag8.xml><?xml version="1.0" encoding="utf-8"?>
+<p:tagLst xmlns:a="http://schemas.openxmlformats.org/drawingml/2006/main" xmlns:r="http://schemas.openxmlformats.org/officeDocument/2006/relationships" xmlns:p="http://schemas.openxmlformats.org/presentationml/2006/main">
+  <p:tag name="DVSHAPEID" val="kPFggegnE2JgH3a1JI8SS0"/>
+</p:tagLst>
+</file>
+
+<file path=ppt/tags/tag80.xml><?xml version="1.0" encoding="utf-8"?>
+<p:tagLst xmlns:a="http://schemas.openxmlformats.org/drawingml/2006/main" xmlns:r="http://schemas.openxmlformats.org/officeDocument/2006/relationships" xmlns:p="http://schemas.openxmlformats.org/presentationml/2006/main">
+  <p:tag name="DVSHAPEID" val="pCvxE2CMe1epAPSzMmjHib"/>
+</p:tagLst>
+</file>
+
+<file path=ppt/tags/tag81.xml><?xml version="1.0" encoding="utf-8"?>
+<p:tagLst xmlns:a="http://schemas.openxmlformats.org/drawingml/2006/main" xmlns:r="http://schemas.openxmlformats.org/officeDocument/2006/relationships" xmlns:p="http://schemas.openxmlformats.org/presentationml/2006/main">
+  <p:tag name="DVSECTIONID" val="6H9YV6GNjY2ZXSylaZ6f1w"/>
+</p:tagLst>
+</file>
+
+<file path=ppt/tags/tag82.xml><?xml version="1.0" encoding="utf-8"?>
+<p:tagLst xmlns:a="http://schemas.openxmlformats.org/drawingml/2006/main" xmlns:r="http://schemas.openxmlformats.org/officeDocument/2006/relationships" xmlns:p="http://schemas.openxmlformats.org/presentationml/2006/main">
+  <p:tag name="DVSHAPEID" val="yBlDOfcCFoRklfmWSBeWBk"/>
+</p:tagLst>
+</file>
+
+<file path=ppt/tags/tag83.xml><?xml version="1.0" encoding="utf-8"?>
+<p:tagLst xmlns:a="http://schemas.openxmlformats.org/drawingml/2006/main" xmlns:r="http://schemas.openxmlformats.org/officeDocument/2006/relationships" xmlns:p="http://schemas.openxmlformats.org/presentationml/2006/main">
+  <p:tag name="DVSHAPEID" val="lex2XLVLXXTd4Tc1dmABlQ"/>
+</p:tagLst>
+</file>
+
+<file path=ppt/tags/tag84.xml><?xml version="1.0" encoding="utf-8"?>
+<p:tagLst xmlns:a="http://schemas.openxmlformats.org/drawingml/2006/main" xmlns:r="http://schemas.openxmlformats.org/officeDocument/2006/relationships" xmlns:p="http://schemas.openxmlformats.org/presentationml/2006/main">
+  <p:tag name="DVSECTIONID" val="GDMsqpWwWr4xFE22S3i3qg"/>
+</p:tagLst>
+</file>
+
+<file path=ppt/tags/tag85.xml><?xml version="1.0" encoding="utf-8"?>
+<p:tagLst xmlns:a="http://schemas.openxmlformats.org/drawingml/2006/main" xmlns:r="http://schemas.openxmlformats.org/officeDocument/2006/relationships" xmlns:p="http://schemas.openxmlformats.org/presentationml/2006/main">
+  <p:tag name="DVSHAPEID" val="O7hPqRtklAYAACxi0C16ma"/>
+</p:tagLst>
+</file>
+
+<file path=ppt/tags/tag86.xml><?xml version="1.0" encoding="utf-8"?>
+<p:tagLst xmlns:a="http://schemas.openxmlformats.org/drawingml/2006/main" xmlns:r="http://schemas.openxmlformats.org/officeDocument/2006/relationships" xmlns:p="http://schemas.openxmlformats.org/presentationml/2006/main">
+  <p:tag name="DVSHAPEID" val="JEp7XUdFsmXqOEaBY53C5t"/>
+</p:tagLst>
+</file>
+
+<file path=ppt/tags/tag87.xml><?xml version="1.0" encoding="utf-8"?>
+<p:tagLst xmlns:a="http://schemas.openxmlformats.org/drawingml/2006/main" xmlns:r="http://schemas.openxmlformats.org/officeDocument/2006/relationships" xmlns:p="http://schemas.openxmlformats.org/presentationml/2006/main">
+  <p:tag name="DVSHAPEID" val="y54qvA3G1jUEnDpjTy6G7C"/>
+</p:tagLst>
+</file>
+
+<file path=ppt/tags/tag88.xml><?xml version="1.0" encoding="utf-8"?>
+<p:tagLst xmlns:a="http://schemas.openxmlformats.org/drawingml/2006/main" xmlns:r="http://schemas.openxmlformats.org/officeDocument/2006/relationships" xmlns:p="http://schemas.openxmlformats.org/presentationml/2006/main">
+  <p:tag name="DVSHAPEID" val="CaNS8oDW3J4g5j2xpDBMkD"/>
+</p:tagLst>
+</file>
+
+<file path=ppt/tags/tag89.xml><?xml version="1.0" encoding="utf-8"?>
+<p:tagLst xmlns:a="http://schemas.openxmlformats.org/drawingml/2006/main" xmlns:r="http://schemas.openxmlformats.org/officeDocument/2006/relationships" xmlns:p="http://schemas.openxmlformats.org/presentationml/2006/main">
+  <p:tag name="DVSECTIONID" val="TYVs5r7Mj6fQiE3LNNQbrX"/>
+</p:tagLst>
+</file>
+
+<file path=ppt/tags/tag9.xml><?xml version="1.0" encoding="utf-8"?>
+<p:tagLst xmlns:a="http://schemas.openxmlformats.org/drawingml/2006/main" xmlns:r="http://schemas.openxmlformats.org/officeDocument/2006/relationships" xmlns:p="http://schemas.openxmlformats.org/presentationml/2006/main">
+  <p:tag name="DVSHAPEID" val="TqQJTB4O2WootNLu7JpQbX"/>
+</p:tagLst>
+</file>
+
+<file path=ppt/tags/tag90.xml><?xml version="1.0" encoding="utf-8"?>
+<p:tagLst xmlns:a="http://schemas.openxmlformats.org/drawingml/2006/main" xmlns:r="http://schemas.openxmlformats.org/officeDocument/2006/relationships" xmlns:p="http://schemas.openxmlformats.org/presentationml/2006/main">
+  <p:tag name="DVSHAPEID" val="xftDcQuHtmzdg65MiqGUqU"/>
+</p:tagLst>
+</file>
+
+<file path=ppt/tags/tag91.xml><?xml version="1.0" encoding="utf-8"?>
+<p:tagLst xmlns:a="http://schemas.openxmlformats.org/drawingml/2006/main" xmlns:r="http://schemas.openxmlformats.org/officeDocument/2006/relationships" xmlns:p="http://schemas.openxmlformats.org/presentationml/2006/main">
+  <p:tag name="DVSHAPEID" val="r8asJQnRl0ZvHhyjy5hfuw"/>
+</p:tagLst>
+</file>
+
+<file path=ppt/tags/tag92.xml><?xml version="1.0" encoding="utf-8"?>
+<p:tagLst xmlns:a="http://schemas.openxmlformats.org/drawingml/2006/main" xmlns:r="http://schemas.openxmlformats.org/officeDocument/2006/relationships" xmlns:p="http://schemas.openxmlformats.org/presentationml/2006/main">
+  <p:tag name="DVSHAPEID" val="DQD6Wr49UrpDOlsJ6DjB0z"/>
+</p:tagLst>
+</file>
+
+<file path=ppt/tags/tag93.xml><?xml version="1.0" encoding="utf-8"?>
+<p:tagLst xmlns:a="http://schemas.openxmlformats.org/drawingml/2006/main" xmlns:r="http://schemas.openxmlformats.org/officeDocument/2006/relationships" xmlns:p="http://schemas.openxmlformats.org/presentationml/2006/main">
+  <p:tag name="DVSHAPEID" val="eKpOdYRBDaqUukPDTWNb6x"/>
+</p:tagLst>
+</file>
+
+<file path=ppt/tags/tag94.xml><?xml version="1.0" encoding="utf-8"?>
+<p:tagLst xmlns:a="http://schemas.openxmlformats.org/drawingml/2006/main" xmlns:r="http://schemas.openxmlformats.org/officeDocument/2006/relationships" xmlns:p="http://schemas.openxmlformats.org/presentationml/2006/main">
+  <p:tag name="DVSHAPEID" val="b40RuG6wHBZ4PuxajLIsTz"/>
+</p:tagLst>
+</file>
+
+<file path=ppt/tags/tag95.xml><?xml version="1.0" encoding="utf-8"?>
+<p:tagLst xmlns:a="http://schemas.openxmlformats.org/drawingml/2006/main" xmlns:r="http://schemas.openxmlformats.org/officeDocument/2006/relationships" xmlns:p="http://schemas.openxmlformats.org/presentationml/2006/main">
   <p:tag name="DVSECTIONID" val="1zpScKYvw0xzOa3t1fGxFV"/>
 </p:tagLst>
 </file>
 
-<file path=ppt/tags/tag101.xml><?xml version="1.0" encoding="utf-8"?>
+<file path=ppt/tags/tag96.xml><?xml version="1.0" encoding="utf-8"?>
 <p:tagLst xmlns:a="http://schemas.openxmlformats.org/drawingml/2006/main" xmlns:r="http://schemas.openxmlformats.org/officeDocument/2006/relationships" xmlns:p="http://schemas.openxmlformats.org/presentationml/2006/main">
   <p:tag name="DVSHAPEID" val="64tcROZDWTv4CSH8d6ijNe"/>
 </p:tagLst>
 </file>
 
-<file path=ppt/tags/tag102.xml><?xml version="1.0" encoding="utf-8"?>
+<file path=ppt/tags/tag97.xml><?xml version="1.0" encoding="utf-8"?>
 <p:tagLst xmlns:a="http://schemas.openxmlformats.org/drawingml/2006/main" xmlns:r="http://schemas.openxmlformats.org/officeDocument/2006/relationships" xmlns:p="http://schemas.openxmlformats.org/presentationml/2006/main">
   <p:tag name="DVSHAPEID" val="cTR8UsJmOOtGEkl162B0ex"/>
 </p:tagLst>
 </file>
 
-<file path=ppt/tags/tag103.xml><?xml version="1.0" encoding="utf-8"?>
+<file path=ppt/tags/tag98.xml><?xml version="1.0" encoding="utf-8"?>
 <p:tagLst xmlns:a="http://schemas.openxmlformats.org/drawingml/2006/main" xmlns:r="http://schemas.openxmlformats.org/officeDocument/2006/relationships" xmlns:p="http://schemas.openxmlformats.org/presentationml/2006/main">
   <p:tag name="DVSHAPEID" val="pqIWWLJGTNKRRzlIUxTz4G"/>
 </p:tagLst>
 </file>
 
-<file path=ppt/tags/tag104.xml><?xml version="1.0" encoding="utf-8"?>
+<file path=ppt/tags/tag99.xml><?xml version="1.0" encoding="utf-8"?>
 <p:tagLst xmlns:a="http://schemas.openxmlformats.org/drawingml/2006/main" xmlns:r="http://schemas.openxmlformats.org/officeDocument/2006/relationships" xmlns:p="http://schemas.openxmlformats.org/presentationml/2006/main">
   <p:tag name="DVSHAPEID" val="BVemMcZfHN0FurqYvXD7VG"/>
-</p:tagLst>
-</file>
-
-<file path=ppt/tags/tag105.xml><?xml version="1.0" encoding="utf-8"?>
-<p:tagLst xmlns:a="http://schemas.openxmlformats.org/drawingml/2006/main" xmlns:r="http://schemas.openxmlformats.org/officeDocument/2006/relationships" xmlns:p="http://schemas.openxmlformats.org/presentationml/2006/main">
-  <p:tag name="DVSHAPEID" val="sZfZBT1fgWZDqy0lWtwzx5"/>
-</p:tagLst>
-</file>
-
-<file path=ppt/tags/tag106.xml><?xml version="1.0" encoding="utf-8"?>
-<p:tagLst xmlns:a="http://schemas.openxmlformats.org/drawingml/2006/main" xmlns:r="http://schemas.openxmlformats.org/officeDocument/2006/relationships" xmlns:p="http://schemas.openxmlformats.org/presentationml/2006/main">
-  <p:tag name="DVSECTIONID" val="J6zUhpbipQ5VWl3cemONAf"/>
-</p:tagLst>
-</file>
-
-<file path=ppt/tags/tag107.xml><?xml version="1.0" encoding="utf-8"?>
-<p:tagLst xmlns:a="http://schemas.openxmlformats.org/drawingml/2006/main" xmlns:r="http://schemas.openxmlformats.org/officeDocument/2006/relationships" xmlns:p="http://schemas.openxmlformats.org/presentationml/2006/main">
-  <p:tag name="DVSHAPEID" val="WNtLFn847EsIOMIAYwGE5X"/>
-</p:tagLst>
-</file>
-
-<file path=ppt/tags/tag108.xml><?xml version="1.0" encoding="utf-8"?>
-<p:tagLst xmlns:a="http://schemas.openxmlformats.org/drawingml/2006/main" xmlns:r="http://schemas.openxmlformats.org/officeDocument/2006/relationships" xmlns:p="http://schemas.openxmlformats.org/presentationml/2006/main">
-  <p:tag name="DVSHAPEID" val="Rb5UiV1VWXLVYqT1xB6DGl"/>
-</p:tagLst>
-</file>
-
-<file path=ppt/tags/tag109.xml><?xml version="1.0" encoding="utf-8"?>
-<p:tagLst xmlns:a="http://schemas.openxmlformats.org/drawingml/2006/main" xmlns:r="http://schemas.openxmlformats.org/officeDocument/2006/relationships" xmlns:p="http://schemas.openxmlformats.org/presentationml/2006/main">
-  <p:tag name="DVSHAPEID" val="dMCDgVY7qgAZVhFL5d3bIv"/>
-</p:tagLst>
-</file>
-
-<file path=ppt/tags/tag11.xml><?xml version="1.0" encoding="utf-8"?>
-<p:tagLst xmlns:a="http://schemas.openxmlformats.org/drawingml/2006/main" xmlns:r="http://schemas.openxmlformats.org/officeDocument/2006/relationships" xmlns:p="http://schemas.openxmlformats.org/presentationml/2006/main">
-  <p:tag name="DVSHAPEID" val="SiAmfeBps1PVv2WE97mgV1"/>
-</p:tagLst>
-</file>
-
-<file path=ppt/tags/tag110.xml><?xml version="1.0" encoding="utf-8"?>
-<p:tagLst xmlns:a="http://schemas.openxmlformats.org/drawingml/2006/main" xmlns:r="http://schemas.openxmlformats.org/officeDocument/2006/relationships" xmlns:p="http://schemas.openxmlformats.org/presentationml/2006/main">
-  <p:tag name="DVSHAPEID" val="WTNhGXZ5yshvYjiEF5WOwv"/>
-</p:tagLst>
-</file>
-
-<file path=ppt/tags/tag111.xml><?xml version="1.0" encoding="utf-8"?>
-<p:tagLst xmlns:a="http://schemas.openxmlformats.org/drawingml/2006/main" xmlns:r="http://schemas.openxmlformats.org/officeDocument/2006/relationships" xmlns:p="http://schemas.openxmlformats.org/presentationml/2006/main">
-  <p:tag name="DVSHAPEID" val="wahwcFbuwolWsUCCrE24ga"/>
-</p:tagLst>
-</file>
-
-<file path=ppt/tags/tag112.xml><?xml version="1.0" encoding="utf-8"?>
-<p:tagLst xmlns:a="http://schemas.openxmlformats.org/drawingml/2006/main" xmlns:r="http://schemas.openxmlformats.org/officeDocument/2006/relationships" xmlns:p="http://schemas.openxmlformats.org/presentationml/2006/main">
-  <p:tag name="DVSECTIONID" val="jJPSHjMBuTi6PiiisyjdBG"/>
-</p:tagLst>
-</file>
-
-<file path=ppt/tags/tag113.xml><?xml version="1.0" encoding="utf-8"?>
-<p:tagLst xmlns:a="http://schemas.openxmlformats.org/drawingml/2006/main" xmlns:r="http://schemas.openxmlformats.org/officeDocument/2006/relationships" xmlns:p="http://schemas.openxmlformats.org/presentationml/2006/main">
-  <p:tag name="DVSHAPEID" val="kZvBlLwTzuDIQIPZe17lI8"/>
-</p:tagLst>
-</file>
-
-<file path=ppt/tags/tag114.xml><?xml version="1.0" encoding="utf-8"?>
-<p:tagLst xmlns:a="http://schemas.openxmlformats.org/drawingml/2006/main" xmlns:r="http://schemas.openxmlformats.org/officeDocument/2006/relationships" xmlns:p="http://schemas.openxmlformats.org/presentationml/2006/main">
-  <p:tag name="DVSHAPEID" val="IpjmtqyXfTZqyOM5BdzFSM"/>
-</p:tagLst>
-</file>
-
-<file path=ppt/tags/tag115.xml><?xml version="1.0" encoding="utf-8"?>
-<p:tagLst xmlns:a="http://schemas.openxmlformats.org/drawingml/2006/main" xmlns:r="http://schemas.openxmlformats.org/officeDocument/2006/relationships" xmlns:p="http://schemas.openxmlformats.org/presentationml/2006/main">
-  <p:tag name="DVSHAPEID" val="SfszPFQUGaNch5hYi5kCeJ"/>
-</p:tagLst>
-</file>
-
-<file path=ppt/tags/tag116.xml><?xml version="1.0" encoding="utf-8"?>
-<p:tagLst xmlns:a="http://schemas.openxmlformats.org/drawingml/2006/main" xmlns:r="http://schemas.openxmlformats.org/officeDocument/2006/relationships" xmlns:p="http://schemas.openxmlformats.org/presentationml/2006/main">
-  <p:tag name="DVSHAPEID" val="Jp91c9qUM3fVw3TTBS7kcO"/>
-</p:tagLst>
-</file>
-
-<file path=ppt/tags/tag117.xml><?xml version="1.0" encoding="utf-8"?>
-<p:tagLst xmlns:a="http://schemas.openxmlformats.org/drawingml/2006/main" xmlns:r="http://schemas.openxmlformats.org/officeDocument/2006/relationships" xmlns:p="http://schemas.openxmlformats.org/presentationml/2006/main">
-  <p:tag name="DVSHAPEID" val="z7x5gm9s4lhYDCBBcXLzcF"/>
-</p:tagLst>
-</file>
-
-<file path=ppt/tags/tag118.xml><?xml version="1.0" encoding="utf-8"?>
-<p:tagLst xmlns:a="http://schemas.openxmlformats.org/drawingml/2006/main" xmlns:r="http://schemas.openxmlformats.org/officeDocument/2006/relationships" xmlns:p="http://schemas.openxmlformats.org/presentationml/2006/main">
-  <p:tag name="DVSHAPEID" val="U8R8UMbXKgnlB9Y6pOl3k0"/>
-</p:tagLst>
-</file>
-
-<file path=ppt/tags/tag119.xml><?xml version="1.0" encoding="utf-8"?>
-<p:tagLst xmlns:a="http://schemas.openxmlformats.org/drawingml/2006/main" xmlns:r="http://schemas.openxmlformats.org/officeDocument/2006/relationships" xmlns:p="http://schemas.openxmlformats.org/presentationml/2006/main">
-  <p:tag name="DVSECTIONID" val="uSeIqO0jJRluNQ4oHSwOlb"/>
-</p:tagLst>
-</file>
-
-<file path=ppt/tags/tag12.xml><?xml version="1.0" encoding="utf-8"?>
-<p:tagLst xmlns:a="http://schemas.openxmlformats.org/drawingml/2006/main" xmlns:r="http://schemas.openxmlformats.org/officeDocument/2006/relationships" xmlns:p="http://schemas.openxmlformats.org/presentationml/2006/main">
-  <p:tag name="DVSHAPEID" val="Q9Sw4AoKxlX9VuF5HdaBTw"/>
-</p:tagLst>
-</file>
-
-<file path=ppt/tags/tag120.xml><?xml version="1.0" encoding="utf-8"?>
-<p:tagLst xmlns:a="http://schemas.openxmlformats.org/drawingml/2006/main" xmlns:r="http://schemas.openxmlformats.org/officeDocument/2006/relationships" xmlns:p="http://schemas.openxmlformats.org/presentationml/2006/main">
-  <p:tag name="DVSHAPEID" val="DmwGNCUtkgy9w3pNtHuMoK"/>
-</p:tagLst>
-</file>
-
-<file path=ppt/tags/tag121.xml><?xml version="1.0" encoding="utf-8"?>
-<p:tagLst xmlns:a="http://schemas.openxmlformats.org/drawingml/2006/main" xmlns:r="http://schemas.openxmlformats.org/officeDocument/2006/relationships" xmlns:p="http://schemas.openxmlformats.org/presentationml/2006/main">
-  <p:tag name="DVSHAPEID" val="Wmyd4ptsuUwULNvwlNZiIZ"/>
-</p:tagLst>
-</file>
-
-<file path=ppt/tags/tag122.xml><?xml version="1.0" encoding="utf-8"?>
-<p:tagLst xmlns:a="http://schemas.openxmlformats.org/drawingml/2006/main" xmlns:r="http://schemas.openxmlformats.org/officeDocument/2006/relationships" xmlns:p="http://schemas.openxmlformats.org/presentationml/2006/main">
-  <p:tag name="DVSECTIONID" val="DPvKTWUfumECfWEZTXAbaq"/>
-</p:tagLst>
-</file>
-
-<file path=ppt/tags/tag123.xml><?xml version="1.0" encoding="utf-8"?>
-<p:tagLst xmlns:a="http://schemas.openxmlformats.org/drawingml/2006/main" xmlns:r="http://schemas.openxmlformats.org/officeDocument/2006/relationships" xmlns:p="http://schemas.openxmlformats.org/presentationml/2006/main">
-  <p:tag name="DVSHAPEID" val="nnxQuOppQpqTpa8AxvZRLD"/>
-</p:tagLst>
-</file>
-
-<file path=ppt/tags/tag124.xml><?xml version="1.0" encoding="utf-8"?>
-<p:tagLst xmlns:a="http://schemas.openxmlformats.org/drawingml/2006/main" xmlns:r="http://schemas.openxmlformats.org/officeDocument/2006/relationships" xmlns:p="http://schemas.openxmlformats.org/presentationml/2006/main">
-  <p:tag name="DVSHAPEID" val="DBhCiWmHN51XZbGeVF3536"/>
-</p:tagLst>
-</file>
-
-<file path=ppt/tags/tag125.xml><?xml version="1.0" encoding="utf-8"?>
-<p:tagLst xmlns:a="http://schemas.openxmlformats.org/drawingml/2006/main" xmlns:r="http://schemas.openxmlformats.org/officeDocument/2006/relationships" xmlns:p="http://schemas.openxmlformats.org/presentationml/2006/main">
-  <p:tag name="DVSHAPEID" val="uSnknLftjQdJJWyRws38Ck"/>
-</p:tagLst>
-</file>
-
-<file path=ppt/tags/tag126.xml><?xml version="1.0" encoding="utf-8"?>
-<p:tagLst xmlns:a="http://schemas.openxmlformats.org/drawingml/2006/main" xmlns:r="http://schemas.openxmlformats.org/officeDocument/2006/relationships" xmlns:p="http://schemas.openxmlformats.org/presentationml/2006/main">
-  <p:tag name="DVSHAPEID" val="RsaWUjAkOGzw6peXyBrjLb"/>
-</p:tagLst>
-</file>
-
-<file path=ppt/tags/tag127.xml><?xml version="1.0" encoding="utf-8"?>
-<p:tagLst xmlns:a="http://schemas.openxmlformats.org/drawingml/2006/main" xmlns:r="http://schemas.openxmlformats.org/officeDocument/2006/relationships" xmlns:p="http://schemas.openxmlformats.org/presentationml/2006/main">
-  <p:tag name="DVSHAPEID" val="RLPBvp4BAPzSrREmEp47Zq"/>
-</p:tagLst>
-</file>
-
-<file path=ppt/tags/tag128.xml><?xml version="1.0" encoding="utf-8"?>
-<p:tagLst xmlns:a="http://schemas.openxmlformats.org/drawingml/2006/main" xmlns:r="http://schemas.openxmlformats.org/officeDocument/2006/relationships" xmlns:p="http://schemas.openxmlformats.org/presentationml/2006/main">
-  <p:tag name="DVSECTIONID" val="Llusd3RrHMlieocFV4pumY"/>
-</p:tagLst>
-</file>
-
-<file path=ppt/tags/tag129.xml><?xml version="1.0" encoding="utf-8"?>
-<p:tagLst xmlns:a="http://schemas.openxmlformats.org/drawingml/2006/main" xmlns:r="http://schemas.openxmlformats.org/officeDocument/2006/relationships" xmlns:p="http://schemas.openxmlformats.org/presentationml/2006/main">
-  <p:tag name="DVSHAPEID" val="JfrKG39A1Vt91V9rRVTZ1x"/>
-</p:tagLst>
-</file>
-
-<file path=ppt/tags/tag13.xml><?xml version="1.0" encoding="utf-8"?>
-<p:tagLst xmlns:a="http://schemas.openxmlformats.org/drawingml/2006/main" xmlns:r="http://schemas.openxmlformats.org/officeDocument/2006/relationships" xmlns:p="http://schemas.openxmlformats.org/presentationml/2006/main">
-  <p:tag name="DVSHAPEID" val="uZJnzGvbsKQQrquJ900Iuu"/>
-</p:tagLst>
-</file>
-
-<file path=ppt/tags/tag130.xml><?xml version="1.0" encoding="utf-8"?>
-<p:tagLst xmlns:a="http://schemas.openxmlformats.org/drawingml/2006/main" xmlns:r="http://schemas.openxmlformats.org/officeDocument/2006/relationships" xmlns:p="http://schemas.openxmlformats.org/presentationml/2006/main">
-  <p:tag name="DVSHAPEID" val="9dP9DyTsHjzGIVv9DxaeEE"/>
-</p:tagLst>
-</file>
-
-<file path=ppt/tags/tag131.xml><?xml version="1.0" encoding="utf-8"?>
-<p:tagLst xmlns:a="http://schemas.openxmlformats.org/drawingml/2006/main" xmlns:r="http://schemas.openxmlformats.org/officeDocument/2006/relationships" xmlns:p="http://schemas.openxmlformats.org/presentationml/2006/main">
-  <p:tag name="DVSHAPEID" val="2XniN7KvqM9b6eUwpAHyea"/>
-</p:tagLst>
-</file>
-
-<file path=ppt/tags/tag132.xml><?xml version="1.0" encoding="utf-8"?>
-<p:tagLst xmlns:a="http://schemas.openxmlformats.org/drawingml/2006/main" xmlns:r="http://schemas.openxmlformats.org/officeDocument/2006/relationships" xmlns:p="http://schemas.openxmlformats.org/presentationml/2006/main">
-  <p:tag name="DVSHAPEID" val="AkceWHimONSuaSLkLLIbSM"/>
-</p:tagLst>
-</file>
-
-<file path=ppt/tags/tag133.xml><?xml version="1.0" encoding="utf-8"?>
-<p:tagLst xmlns:a="http://schemas.openxmlformats.org/drawingml/2006/main" xmlns:r="http://schemas.openxmlformats.org/officeDocument/2006/relationships" xmlns:p="http://schemas.openxmlformats.org/presentationml/2006/main">
-  <p:tag name="DVSHAPEID" val="glztbqpDZMvlPMaqLGv2Ef"/>
-</p:tagLst>
-</file>
-
-<file path=ppt/tags/tag134.xml><?xml version="1.0" encoding="utf-8"?>
-<p:tagLst xmlns:a="http://schemas.openxmlformats.org/drawingml/2006/main" xmlns:r="http://schemas.openxmlformats.org/officeDocument/2006/relationships" xmlns:p="http://schemas.openxmlformats.org/presentationml/2006/main">
-  <p:tag name="DVSECTIONID" val="PbB8KHZye91c4agrJQn3FR"/>
-</p:tagLst>
-</file>
-
-<file path=ppt/tags/tag135.xml><?xml version="1.0" encoding="utf-8"?>
-<p:tagLst xmlns:a="http://schemas.openxmlformats.org/drawingml/2006/main" xmlns:r="http://schemas.openxmlformats.org/officeDocument/2006/relationships" xmlns:p="http://schemas.openxmlformats.org/presentationml/2006/main">
-  <p:tag name="DVSHAPEID" val="xxOgf67Aw6qRm26yb2d4Yl"/>
-</p:tagLst>
-</file>
-
-<file path=ppt/tags/tag136.xml><?xml version="1.0" encoding="utf-8"?>
-<p:tagLst xmlns:a="http://schemas.openxmlformats.org/drawingml/2006/main" xmlns:r="http://schemas.openxmlformats.org/officeDocument/2006/relationships" xmlns:p="http://schemas.openxmlformats.org/presentationml/2006/main">
-  <p:tag name="DVSHAPEID" val="jB42K5OVQ2iONFqFrbeegM"/>
-</p:tagLst>
-</file>
-
-<file path=ppt/tags/tag137.xml><?xml version="1.0" encoding="utf-8"?>
-<p:tagLst xmlns:a="http://schemas.openxmlformats.org/drawingml/2006/main" xmlns:r="http://schemas.openxmlformats.org/officeDocument/2006/relationships" xmlns:p="http://schemas.openxmlformats.org/presentationml/2006/main">
-  <p:tag name="DVSHAPEID" val="3ivIedzFXONbecccl2LBfn"/>
-</p:tagLst>
-</file>
-
-<file path=ppt/tags/tag138.xml><?xml version="1.0" encoding="utf-8"?>
-<p:tagLst xmlns:a="http://schemas.openxmlformats.org/drawingml/2006/main" xmlns:r="http://schemas.openxmlformats.org/officeDocument/2006/relationships" xmlns:p="http://schemas.openxmlformats.org/presentationml/2006/main">
-  <p:tag name="DVSHAPEID" val="zxfq8wA1PJ4wyLw2QBla4t"/>
-</p:tagLst>
-</file>
-
-<file path=ppt/tags/tag139.xml><?xml version="1.0" encoding="utf-8"?>
-<p:tagLst xmlns:a="http://schemas.openxmlformats.org/drawingml/2006/main" xmlns:r="http://schemas.openxmlformats.org/officeDocument/2006/relationships" xmlns:p="http://schemas.openxmlformats.org/presentationml/2006/main">
-  <p:tag name="DVSHAPEID" val="MW8wjHVWgXoqvt21eEbXPN"/>
-</p:tagLst>
-</file>
-
-<file path=ppt/tags/tag14.xml><?xml version="1.0" encoding="utf-8"?>
-<p:tagLst xmlns:a="http://schemas.openxmlformats.org/drawingml/2006/main" xmlns:r="http://schemas.openxmlformats.org/officeDocument/2006/relationships" xmlns:p="http://schemas.openxmlformats.org/presentationml/2006/main">
-  <p:tag name="DVSHAPEID" val="Yl7rZ3p85k7kESMH1IemSc"/>
-</p:tagLst>
-</file>
-
-<file path=ppt/tags/tag140.xml><?xml version="1.0" encoding="utf-8"?>
-<p:tagLst xmlns:a="http://schemas.openxmlformats.org/drawingml/2006/main" xmlns:r="http://schemas.openxmlformats.org/officeDocument/2006/relationships" xmlns:p="http://schemas.openxmlformats.org/presentationml/2006/main">
-  <p:tag name="DVSHAPEID" val="n52RbeDnBWM0yDlE6HH3vy"/>
-</p:tagLst>
-</file>
-
-<file path=ppt/tags/tag141.xml><?xml version="1.0" encoding="utf-8"?>
-<p:tagLst xmlns:a="http://schemas.openxmlformats.org/drawingml/2006/main" xmlns:r="http://schemas.openxmlformats.org/officeDocument/2006/relationships" xmlns:p="http://schemas.openxmlformats.org/presentationml/2006/main">
-  <p:tag name="DVSECTIONID" val="gWHfNd2vLG4MwiR4j9r8yb"/>
-</p:tagLst>
-</file>
-
-<file path=ppt/tags/tag142.xml><?xml version="1.0" encoding="utf-8"?>
-<p:tagLst xmlns:a="http://schemas.openxmlformats.org/drawingml/2006/main" xmlns:r="http://schemas.openxmlformats.org/officeDocument/2006/relationships" xmlns:p="http://schemas.openxmlformats.org/presentationml/2006/main">
-  <p:tag name="DVSHAPEID" val="0BrdtfQctFwFIYtN534WY4"/>
-</p:tagLst>
-</file>
-
-<file path=ppt/tags/tag143.xml><?xml version="1.0" encoding="utf-8"?>
-<p:tagLst xmlns:a="http://schemas.openxmlformats.org/drawingml/2006/main" xmlns:r="http://schemas.openxmlformats.org/officeDocument/2006/relationships" xmlns:p="http://schemas.openxmlformats.org/presentationml/2006/main">
-  <p:tag name="DVSHAPEID" val="7HEqFjb9f5i5xDZU3lbDgo"/>
-</p:tagLst>
-</file>
-
-<file path=ppt/tags/tag144.xml><?xml version="1.0" encoding="utf-8"?>
-<p:tagLst xmlns:a="http://schemas.openxmlformats.org/drawingml/2006/main" xmlns:r="http://schemas.openxmlformats.org/officeDocument/2006/relationships" xmlns:p="http://schemas.openxmlformats.org/presentationml/2006/main">
-  <p:tag name="DVSHAPEID" val="ZS3yy3wh68vWuJy2zw0jqr"/>
-</p:tagLst>
-</file>
-
-<file path=ppt/tags/tag145.xml><?xml version="1.0" encoding="utf-8"?>
-<p:tagLst xmlns:a="http://schemas.openxmlformats.org/drawingml/2006/main" xmlns:r="http://schemas.openxmlformats.org/officeDocument/2006/relationships" xmlns:p="http://schemas.openxmlformats.org/presentationml/2006/main">
-  <p:tag name="DVSHAPEID" val="mCqPNa0JLlNIHMm6L8DXYa"/>
-</p:tagLst>
-</file>
-
-<file path=ppt/tags/tag146.xml><?xml version="1.0" encoding="utf-8"?>
-<p:tagLst xmlns:a="http://schemas.openxmlformats.org/drawingml/2006/main" xmlns:r="http://schemas.openxmlformats.org/officeDocument/2006/relationships" xmlns:p="http://schemas.openxmlformats.org/presentationml/2006/main">
-  <p:tag name="DVSHAPEID" val="XohHoKsQQGqYz2uswHjSlr"/>
-</p:tagLst>
-</file>
-
-<file path=ppt/tags/tag147.xml><?xml version="1.0" encoding="utf-8"?>
-<p:tagLst xmlns:a="http://schemas.openxmlformats.org/drawingml/2006/main" xmlns:r="http://schemas.openxmlformats.org/officeDocument/2006/relationships" xmlns:p="http://schemas.openxmlformats.org/presentationml/2006/main">
-  <p:tag name="DVSHAPEID" val="DuUoFzytgMiO8EzuQSVK66"/>
-</p:tagLst>
-</file>
-
-<file path=ppt/tags/tag148.xml><?xml version="1.0" encoding="utf-8"?>
-<p:tagLst xmlns:a="http://schemas.openxmlformats.org/drawingml/2006/main" xmlns:r="http://schemas.openxmlformats.org/officeDocument/2006/relationships" xmlns:p="http://schemas.openxmlformats.org/presentationml/2006/main">
-  <p:tag name="DVSECTIONID" val="JGyZ2h5ADe4mOzoY3Alk4n"/>
-</p:tagLst>
-</file>
-
-<file path=ppt/tags/tag149.xml><?xml version="1.0" encoding="utf-8"?>
-<p:tagLst xmlns:a="http://schemas.openxmlformats.org/drawingml/2006/main" xmlns:r="http://schemas.openxmlformats.org/officeDocument/2006/relationships" xmlns:p="http://schemas.openxmlformats.org/presentationml/2006/main">
-  <p:tag name="DVSHAPEID" val="AA4jaDbZKCcvLNMZ4SimqD"/>
-</p:tagLst>
-</file>
-
-<file path=ppt/tags/tag15.xml><?xml version="1.0" encoding="utf-8"?>
-<p:tagLst xmlns:a="http://schemas.openxmlformats.org/drawingml/2006/main" xmlns:r="http://schemas.openxmlformats.org/officeDocument/2006/relationships" xmlns:p="http://schemas.openxmlformats.org/presentationml/2006/main">
-  <p:tag name="DVSHAPEID" val="i43eAX49Bb101nf7HsLjEw"/>
-</p:tagLst>
-</file>
-
-<file path=ppt/tags/tag150.xml><?xml version="1.0" encoding="utf-8"?>
-<p:tagLst xmlns:a="http://schemas.openxmlformats.org/drawingml/2006/main" xmlns:r="http://schemas.openxmlformats.org/officeDocument/2006/relationships" xmlns:p="http://schemas.openxmlformats.org/presentationml/2006/main">
-  <p:tag name="DVSHAPEID" val="GKUQS2RqXAlxTkkmpVih1F"/>
-</p:tagLst>
-</file>
-
-<file path=ppt/tags/tag151.xml><?xml version="1.0" encoding="utf-8"?>
-<p:tagLst xmlns:a="http://schemas.openxmlformats.org/drawingml/2006/main" xmlns:r="http://schemas.openxmlformats.org/officeDocument/2006/relationships" xmlns:p="http://schemas.openxmlformats.org/presentationml/2006/main">
-  <p:tag name="DVSHAPEID" val="CCSMHQO2sJGWTjokK97kFB"/>
-</p:tagLst>
-</file>
-
-<file path=ppt/tags/tag152.xml><?xml version="1.0" encoding="utf-8"?>
-<p:tagLst xmlns:a="http://schemas.openxmlformats.org/drawingml/2006/main" xmlns:r="http://schemas.openxmlformats.org/officeDocument/2006/relationships" xmlns:p="http://schemas.openxmlformats.org/presentationml/2006/main">
-  <p:tag name="DVSHAPEID" val="adTrEHsm49C18iX6k0BU8B"/>
-</p:tagLst>
-</file>
-
-<file path=ppt/tags/tag153.xml><?xml version="1.0" encoding="utf-8"?>
-<p:tagLst xmlns:a="http://schemas.openxmlformats.org/drawingml/2006/main" xmlns:r="http://schemas.openxmlformats.org/officeDocument/2006/relationships" xmlns:p="http://schemas.openxmlformats.org/presentationml/2006/main">
-  <p:tag name="DVSHAPEID" val="RWr0X5a89H00rFSfb6A5Ex"/>
-</p:tagLst>
-</file>
-
-<file path=ppt/tags/tag154.xml><?xml version="1.0" encoding="utf-8"?>
-<p:tagLst xmlns:a="http://schemas.openxmlformats.org/drawingml/2006/main" xmlns:r="http://schemas.openxmlformats.org/officeDocument/2006/relationships" xmlns:p="http://schemas.openxmlformats.org/presentationml/2006/main">
-  <p:tag name="DVSHAPEID" val="kRb6mEO7IKtzmW0EJncVZU"/>
-</p:tagLst>
-</file>
-
-<file path=ppt/tags/tag155.xml><?xml version="1.0" encoding="utf-8"?>
-<p:tagLst xmlns:a="http://schemas.openxmlformats.org/drawingml/2006/main" xmlns:r="http://schemas.openxmlformats.org/officeDocument/2006/relationships" xmlns:p="http://schemas.openxmlformats.org/presentationml/2006/main">
-  <p:tag name="DVSECTIONID" val="h1j1otkz6jjXVEqvULwIok"/>
-</p:tagLst>
-</file>
-
-<file path=ppt/tags/tag156.xml><?xml version="1.0" encoding="utf-8"?>
-<p:tagLst xmlns:a="http://schemas.openxmlformats.org/drawingml/2006/main" xmlns:r="http://schemas.openxmlformats.org/officeDocument/2006/relationships" xmlns:p="http://schemas.openxmlformats.org/presentationml/2006/main">
-  <p:tag name="DVSHAPEID" val="AB8fl0LECWYxvq8Iflhmma"/>
-</p:tagLst>
-</file>
-
-<file path=ppt/tags/tag157.xml><?xml version="1.0" encoding="utf-8"?>
-<p:tagLst xmlns:a="http://schemas.openxmlformats.org/drawingml/2006/main" xmlns:r="http://schemas.openxmlformats.org/officeDocument/2006/relationships" xmlns:p="http://schemas.openxmlformats.org/presentationml/2006/main">
-  <p:tag name="DVSHAPEID" val="8M1MFtLSGssc1PHxOZX7IR"/>
-</p:tagLst>
-</file>
-
-<file path=ppt/tags/tag158.xml><?xml version="1.0" encoding="utf-8"?>
-<p:tagLst xmlns:a="http://schemas.openxmlformats.org/drawingml/2006/main" xmlns:r="http://schemas.openxmlformats.org/officeDocument/2006/relationships" xmlns:p="http://schemas.openxmlformats.org/presentationml/2006/main">
-  <p:tag name="DVSECTIONID" val="8iDYzExdBxj4FFVLOybczK"/>
-</p:tagLst>
-</file>
-
-<file path=ppt/tags/tag159.xml><?xml version="1.0" encoding="utf-8"?>
-<p:tagLst xmlns:a="http://schemas.openxmlformats.org/drawingml/2006/main" xmlns:r="http://schemas.openxmlformats.org/officeDocument/2006/relationships" xmlns:p="http://schemas.openxmlformats.org/presentationml/2006/main">
-  <p:tag name="DVSHAPEID" val="J9gVY2ShGCOqsmeykiTJfw"/>
-</p:tagLst>
-</file>
-
-<file path=ppt/tags/tag16.xml><?xml version="1.0" encoding="utf-8"?>
-<p:tagLst xmlns:a="http://schemas.openxmlformats.org/drawingml/2006/main" xmlns:r="http://schemas.openxmlformats.org/officeDocument/2006/relationships" xmlns:p="http://schemas.openxmlformats.org/presentationml/2006/main">
-  <p:tag name="DVSHAPEID" val="I7MCXrZit8BL32oKss4WIW"/>
-</p:tagLst>
-</file>
-
-<file path=ppt/tags/tag160.xml><?xml version="1.0" encoding="utf-8"?>
-<p:tagLst xmlns:a="http://schemas.openxmlformats.org/drawingml/2006/main" xmlns:r="http://schemas.openxmlformats.org/officeDocument/2006/relationships" xmlns:p="http://schemas.openxmlformats.org/presentationml/2006/main">
-  <p:tag name="DVSHAPEID" val="5jpi1Ixhpfrh2SwJuJ0pMQ"/>
-</p:tagLst>
-</file>
-
-<file path=ppt/tags/tag161.xml><?xml version="1.0" encoding="utf-8"?>
-<p:tagLst xmlns:a="http://schemas.openxmlformats.org/drawingml/2006/main" xmlns:r="http://schemas.openxmlformats.org/officeDocument/2006/relationships" xmlns:p="http://schemas.openxmlformats.org/presentationml/2006/main">
-  <p:tag name="DVSHAPEID" val="nBmkjfEFdYBd4WwG0aKocy"/>
-</p:tagLst>
-</file>
-
-<file path=ppt/tags/tag162.xml><?xml version="1.0" encoding="utf-8"?>
-<p:tagLst xmlns:a="http://schemas.openxmlformats.org/drawingml/2006/main" xmlns:r="http://schemas.openxmlformats.org/officeDocument/2006/relationships" xmlns:p="http://schemas.openxmlformats.org/presentationml/2006/main">
-  <p:tag name="DVSHAPEID" val="Zbjl2BOaJQKeVOVHohCJ1s"/>
-</p:tagLst>
-</file>
-
-<file path=ppt/tags/tag163.xml><?xml version="1.0" encoding="utf-8"?>
-<p:tagLst xmlns:a="http://schemas.openxmlformats.org/drawingml/2006/main" xmlns:r="http://schemas.openxmlformats.org/officeDocument/2006/relationships" xmlns:p="http://schemas.openxmlformats.org/presentationml/2006/main">
-  <p:tag name="DVSECTIONID" val="tyndENfGBQNWT1oqUG2TIM"/>
-</p:tagLst>
-</file>
-
-<file path=ppt/tags/tag164.xml><?xml version="1.0" encoding="utf-8"?>
-<p:tagLst xmlns:a="http://schemas.openxmlformats.org/drawingml/2006/main" xmlns:r="http://schemas.openxmlformats.org/officeDocument/2006/relationships" xmlns:p="http://schemas.openxmlformats.org/presentationml/2006/main">
-  <p:tag name="DVSHAPEID" val="FPNzcOIQFnDPBb0Xd3R3fL"/>
-</p:tagLst>
-</file>
-
-<file path=ppt/tags/tag165.xml><?xml version="1.0" encoding="utf-8"?>
-<p:tagLst xmlns:a="http://schemas.openxmlformats.org/drawingml/2006/main" xmlns:r="http://schemas.openxmlformats.org/officeDocument/2006/relationships" xmlns:p="http://schemas.openxmlformats.org/presentationml/2006/main">
-  <p:tag name="DVSHAPEID" val="tQ1IKjLsLswwwuyso0rSam"/>
-</p:tagLst>
-</file>
-
-<file path=ppt/tags/tag166.xml><?xml version="1.0" encoding="utf-8"?>
-<p:tagLst xmlns:a="http://schemas.openxmlformats.org/drawingml/2006/main" xmlns:r="http://schemas.openxmlformats.org/officeDocument/2006/relationships" xmlns:p="http://schemas.openxmlformats.org/presentationml/2006/main">
-  <p:tag name="DVSHAPEID" val="A6cKGq3ySYdTmWyu3p4cCa"/>
-</p:tagLst>
-</file>
-
-<file path=ppt/tags/tag167.xml><?xml version="1.0" encoding="utf-8"?>
-<p:tagLst xmlns:a="http://schemas.openxmlformats.org/drawingml/2006/main" xmlns:r="http://schemas.openxmlformats.org/officeDocument/2006/relationships" xmlns:p="http://schemas.openxmlformats.org/presentationml/2006/main">
-  <p:tag name="DVSHAPEID" val="i5EwpKFQBmB6gVw0ClpcAy"/>
-</p:tagLst>
-</file>
-
-<file path=ppt/tags/tag168.xml><?xml version="1.0" encoding="utf-8"?>
-<p:tagLst xmlns:a="http://schemas.openxmlformats.org/drawingml/2006/main" xmlns:r="http://schemas.openxmlformats.org/officeDocument/2006/relationships" xmlns:p="http://schemas.openxmlformats.org/presentationml/2006/main">
-  <p:tag name="DVSHAPEID" val="FtgZ1Qr4jHXTdpe7smg6A0"/>
-</p:tagLst>
-</file>
-
-<file path=ppt/tags/tag169.xml><?xml version="1.0" encoding="utf-8"?>
-<p:tagLst xmlns:a="http://schemas.openxmlformats.org/drawingml/2006/main" xmlns:r="http://schemas.openxmlformats.org/officeDocument/2006/relationships" xmlns:p="http://schemas.openxmlformats.org/presentationml/2006/main">
-  <p:tag name="DVSHAPEID" val="Bi1sC6xXd8lTtnRULlwFWG"/>
-</p:tagLst>
-</file>
-
-<file path=ppt/tags/tag17.xml><?xml version="1.0" encoding="utf-8"?>
-<p:tagLst xmlns:a="http://schemas.openxmlformats.org/drawingml/2006/main" xmlns:r="http://schemas.openxmlformats.org/officeDocument/2006/relationships" xmlns:p="http://schemas.openxmlformats.org/presentationml/2006/main">
-  <p:tag name="DVSHAPEID" val="iERosT0MAyyMlVsY0C9jIT"/>
-</p:tagLst>
-</file>
-
-<file path=ppt/tags/tag170.xml><?xml version="1.0" encoding="utf-8"?>
-<p:tagLst xmlns:a="http://schemas.openxmlformats.org/drawingml/2006/main" xmlns:r="http://schemas.openxmlformats.org/officeDocument/2006/relationships" xmlns:p="http://schemas.openxmlformats.org/presentationml/2006/main">
-  <p:tag name="DVSHAPEID" val="nHVzSimYNdpESYYzdkxltO"/>
-</p:tagLst>
-</file>
-
-<file path=ppt/tags/tag171.xml><?xml version="1.0" encoding="utf-8"?>
-<p:tagLst xmlns:a="http://schemas.openxmlformats.org/drawingml/2006/main" xmlns:r="http://schemas.openxmlformats.org/officeDocument/2006/relationships" xmlns:p="http://schemas.openxmlformats.org/presentationml/2006/main">
-  <p:tag name="DVSHAPEID" val="yjVQfxBUAV3UUkw2efAfl7"/>
-</p:tagLst>
-</file>
-
-<file path=ppt/tags/tag172.xml><?xml version="1.0" encoding="utf-8"?>
-<p:tagLst xmlns:a="http://schemas.openxmlformats.org/drawingml/2006/main" xmlns:r="http://schemas.openxmlformats.org/officeDocument/2006/relationships" xmlns:p="http://schemas.openxmlformats.org/presentationml/2006/main">
-  <p:tag name="DVSHAPEID" val="uOvTWc7b8Ady9CE22OmSDu"/>
-</p:tagLst>
-</file>
-
-<file path=ppt/tags/tag173.xml><?xml version="1.0" encoding="utf-8"?>
-<p:tagLst xmlns:a="http://schemas.openxmlformats.org/drawingml/2006/main" xmlns:r="http://schemas.openxmlformats.org/officeDocument/2006/relationships" xmlns:p="http://schemas.openxmlformats.org/presentationml/2006/main">
-  <p:tag name="DVSHAPEID" val="AX4D2b6hLetqP7kmBpNoNs"/>
-</p:tagLst>
-</file>
-
-<file path=ppt/tags/tag174.xml><?xml version="1.0" encoding="utf-8"?>
-<p:tagLst xmlns:a="http://schemas.openxmlformats.org/drawingml/2006/main" xmlns:r="http://schemas.openxmlformats.org/officeDocument/2006/relationships" xmlns:p="http://schemas.openxmlformats.org/presentationml/2006/main">
-  <p:tag name="DVSHAPEID" val="HlaTocdMSsu0dxOi9W4QPZ"/>
-</p:tagLst>
-</file>
-
-<file path=ppt/tags/tag175.xml><?xml version="1.0" encoding="utf-8"?>
-<p:tagLst xmlns:a="http://schemas.openxmlformats.org/drawingml/2006/main" xmlns:r="http://schemas.openxmlformats.org/officeDocument/2006/relationships" xmlns:p="http://schemas.openxmlformats.org/presentationml/2006/main">
-  <p:tag name="DVSHAPEID" val="ed37NaEsMahAIRrlDdDedC"/>
-</p:tagLst>
-</file>
-
-<file path=ppt/tags/tag176.xml><?xml version="1.0" encoding="utf-8"?>
-<p:tagLst xmlns:a="http://schemas.openxmlformats.org/drawingml/2006/main" xmlns:r="http://schemas.openxmlformats.org/officeDocument/2006/relationships" xmlns:p="http://schemas.openxmlformats.org/presentationml/2006/main">
-  <p:tag name="DVSHAPEID" val="nLIdWWle9TIKyWz04AFXX7"/>
-</p:tagLst>
-</file>
-
-<file path=ppt/tags/tag177.xml><?xml version="1.0" encoding="utf-8"?>
-<p:tagLst xmlns:a="http://schemas.openxmlformats.org/drawingml/2006/main" xmlns:r="http://schemas.openxmlformats.org/officeDocument/2006/relationships" xmlns:p="http://schemas.openxmlformats.org/presentationml/2006/main">
-  <p:tag name="DVSHAPEID" val="YTqJEbAzAE9BPhpAdI7y1n"/>
-</p:tagLst>
-</file>
-
-<file path=ppt/tags/tag178.xml><?xml version="1.0" encoding="utf-8"?>
-<p:tagLst xmlns:a="http://schemas.openxmlformats.org/drawingml/2006/main" xmlns:r="http://schemas.openxmlformats.org/officeDocument/2006/relationships" xmlns:p="http://schemas.openxmlformats.org/presentationml/2006/main">
-  <p:tag name="DVSECTIONID" val="EQYKz8XXwbLoO5BmZJXVVs"/>
-</p:tagLst>
-</file>
-
-<file path=ppt/tags/tag179.xml><?xml version="1.0" encoding="utf-8"?>
-<p:tagLst xmlns:a="http://schemas.openxmlformats.org/drawingml/2006/main" xmlns:r="http://schemas.openxmlformats.org/officeDocument/2006/relationships" xmlns:p="http://schemas.openxmlformats.org/presentationml/2006/main">
-  <p:tag name="DVSHAPEID" val="BW6iBumXPp6A1sq9pXqx5T"/>
-</p:tagLst>
-</file>
-
-<file path=ppt/tags/tag18.xml><?xml version="1.0" encoding="utf-8"?>
-<p:tagLst xmlns:a="http://schemas.openxmlformats.org/drawingml/2006/main" xmlns:r="http://schemas.openxmlformats.org/officeDocument/2006/relationships" xmlns:p="http://schemas.openxmlformats.org/presentationml/2006/main">
-  <p:tag name="DVSHAPEID" val="pfkdIWZjfHNMO8KzZ6hGx2"/>
-</p:tagLst>
-</file>
-
-<file path=ppt/tags/tag180.xml><?xml version="1.0" encoding="utf-8"?>
-<p:tagLst xmlns:a="http://schemas.openxmlformats.org/drawingml/2006/main" xmlns:r="http://schemas.openxmlformats.org/officeDocument/2006/relationships" xmlns:p="http://schemas.openxmlformats.org/presentationml/2006/main">
-  <p:tag name="DVSHAPEID" val="jC7BUUW2OXKpN65a1jT1mQ"/>
-</p:tagLst>
-</file>
-
-<file path=ppt/tags/tag181.xml><?xml version="1.0" encoding="utf-8"?>
-<p:tagLst xmlns:a="http://schemas.openxmlformats.org/drawingml/2006/main" xmlns:r="http://schemas.openxmlformats.org/officeDocument/2006/relationships" xmlns:p="http://schemas.openxmlformats.org/presentationml/2006/main">
-  <p:tag name="DVSHAPEID" val="ifGDX3MJNpAKM2oNPLUyyD"/>
-</p:tagLst>
-</file>
-
-<file path=ppt/tags/tag182.xml><?xml version="1.0" encoding="utf-8"?>
-<p:tagLst xmlns:a="http://schemas.openxmlformats.org/drawingml/2006/main" xmlns:r="http://schemas.openxmlformats.org/officeDocument/2006/relationships" xmlns:p="http://schemas.openxmlformats.org/presentationml/2006/main">
-  <p:tag name="DVSHAPEID" val="mQ7pVrj6jycskSUhWTg4ak"/>
-</p:tagLst>
-</file>
-
-<file path=ppt/tags/tag183.xml><?xml version="1.0" encoding="utf-8"?>
-<p:tagLst xmlns:a="http://schemas.openxmlformats.org/drawingml/2006/main" xmlns:r="http://schemas.openxmlformats.org/officeDocument/2006/relationships" xmlns:p="http://schemas.openxmlformats.org/presentationml/2006/main">
-  <p:tag name="DVSHAPEID" val="O3k2Mdt87NiFSPvx7lpH62"/>
-</p:tagLst>
-</file>
-
-<file path=ppt/tags/tag184.xml><?xml version="1.0" encoding="utf-8"?>
-<p:tagLst xmlns:a="http://schemas.openxmlformats.org/drawingml/2006/main" xmlns:r="http://schemas.openxmlformats.org/officeDocument/2006/relationships" xmlns:p="http://schemas.openxmlformats.org/presentationml/2006/main">
-  <p:tag name="DVSHAPEID" val="VOTNyigQkWCIgr6RuyzVng"/>
-</p:tagLst>
-</file>
-
-<file path=ppt/tags/tag185.xml><?xml version="1.0" encoding="utf-8"?>
-<p:tagLst xmlns:a="http://schemas.openxmlformats.org/drawingml/2006/main" xmlns:r="http://schemas.openxmlformats.org/officeDocument/2006/relationships" xmlns:p="http://schemas.openxmlformats.org/presentationml/2006/main">
-  <p:tag name="DVSHAPEID" val="WAtzNZqYUr5Nmmpt1EGBqf"/>
-</p:tagLst>
-</file>
-
-<file path=ppt/tags/tag186.xml><?xml version="1.0" encoding="utf-8"?>
-<p:tagLst xmlns:a="http://schemas.openxmlformats.org/drawingml/2006/main" xmlns:r="http://schemas.openxmlformats.org/officeDocument/2006/relationships" xmlns:p="http://schemas.openxmlformats.org/presentationml/2006/main">
-  <p:tag name="DVSHAPEID" val="9dNkN8JG9KYH0wO1HnxQvE"/>
-</p:tagLst>
-</file>
-
-<file path=ppt/tags/tag187.xml><?xml version="1.0" encoding="utf-8"?>
-<p:tagLst xmlns:a="http://schemas.openxmlformats.org/drawingml/2006/main" xmlns:r="http://schemas.openxmlformats.org/officeDocument/2006/relationships" xmlns:p="http://schemas.openxmlformats.org/presentationml/2006/main">
-  <p:tag name="DVSHAPEID" val="nHVzSimYNdpESYYzdkxltO"/>
-</p:tagLst>
-</file>
-
-<file path=ppt/tags/tag188.xml><?xml version="1.0" encoding="utf-8"?>
-<p:tagLst xmlns:a="http://schemas.openxmlformats.org/drawingml/2006/main" xmlns:r="http://schemas.openxmlformats.org/officeDocument/2006/relationships" xmlns:p="http://schemas.openxmlformats.org/presentationml/2006/main">
-  <p:tag name="DVSHAPEID" val="Bi1sC6xXd8lTtnRULlwFWG"/>
-</p:tagLst>
-</file>
-
-<file path=ppt/tags/tag189.xml><?xml version="1.0" encoding="utf-8"?>
-<p:tagLst xmlns:a="http://schemas.openxmlformats.org/drawingml/2006/main" xmlns:r="http://schemas.openxmlformats.org/officeDocument/2006/relationships" xmlns:p="http://schemas.openxmlformats.org/presentationml/2006/main">
-  <p:tag name="DVSHAPEID" val="ue64KVVLRusHrgMschfeik"/>
-</p:tagLst>
-</file>
-
-<file path=ppt/tags/tag19.xml><?xml version="1.0" encoding="utf-8"?>
-<p:tagLst xmlns:a="http://schemas.openxmlformats.org/drawingml/2006/main" xmlns:r="http://schemas.openxmlformats.org/officeDocument/2006/relationships" xmlns:p="http://schemas.openxmlformats.org/presentationml/2006/main">
-  <p:tag name="DVSHAPEID" val="dgGtiursMpepeC3fa3NgjQ"/>
-</p:tagLst>
-</file>
-
-<file path=ppt/tags/tag190.xml><?xml version="1.0" encoding="utf-8"?>
-<p:tagLst xmlns:a="http://schemas.openxmlformats.org/drawingml/2006/main" xmlns:r="http://schemas.openxmlformats.org/officeDocument/2006/relationships" xmlns:p="http://schemas.openxmlformats.org/presentationml/2006/main">
-  <p:tag name="DVSHAPEID" val="OEmSF0Xj3AKuIyeJoNKnTt"/>
-</p:tagLst>
-</file>
-
-<file path=ppt/tags/tag191.xml><?xml version="1.0" encoding="utf-8"?>
-<p:tagLst xmlns:a="http://schemas.openxmlformats.org/drawingml/2006/main" xmlns:r="http://schemas.openxmlformats.org/officeDocument/2006/relationships" xmlns:p="http://schemas.openxmlformats.org/presentationml/2006/main">
-  <p:tag name="DVSHAPEID" val="K5GacSaZhRqsJsed3mLN9l"/>
-</p:tagLst>
-</file>
-
-<file path=ppt/tags/tag192.xml><?xml version="1.0" encoding="utf-8"?>
-<p:tagLst xmlns:a="http://schemas.openxmlformats.org/drawingml/2006/main" xmlns:r="http://schemas.openxmlformats.org/officeDocument/2006/relationships" xmlns:p="http://schemas.openxmlformats.org/presentationml/2006/main">
-  <p:tag name="DVSECTIONID" val="hIMTnnEvaF2HUweUd7IEjB"/>
-</p:tagLst>
-</file>
-
-<file path=ppt/tags/tag193.xml><?xml version="1.0" encoding="utf-8"?>
-<p:tagLst xmlns:a="http://schemas.openxmlformats.org/drawingml/2006/main" xmlns:r="http://schemas.openxmlformats.org/officeDocument/2006/relationships" xmlns:p="http://schemas.openxmlformats.org/presentationml/2006/main">
-  <p:tag name="DVSHAPEID" val="yjIvSyO0its2244SE6Daqo"/>
-</p:tagLst>
-</file>
-
-<file path=ppt/tags/tag194.xml><?xml version="1.0" encoding="utf-8"?>
-<p:tagLst xmlns:a="http://schemas.openxmlformats.org/drawingml/2006/main" xmlns:r="http://schemas.openxmlformats.org/officeDocument/2006/relationships" xmlns:p="http://schemas.openxmlformats.org/presentationml/2006/main">
-  <p:tag name="DVSHAPEID" val="aEZ5LoLUEteLu1kgkUj7uO"/>
-</p:tagLst>
-</file>
-
-<file path=ppt/tags/tag195.xml><?xml version="1.0" encoding="utf-8"?>
-<p:tagLst xmlns:a="http://schemas.openxmlformats.org/drawingml/2006/main" xmlns:r="http://schemas.openxmlformats.org/officeDocument/2006/relationships" xmlns:p="http://schemas.openxmlformats.org/presentationml/2006/main">
-  <p:tag name="DVSHAPEID" val="cQNrsfGj4VC983vNNpenPZ"/>
-</p:tagLst>
-</file>
-
-<file path=ppt/tags/tag196.xml><?xml version="1.0" encoding="utf-8"?>
-<p:tagLst xmlns:a="http://schemas.openxmlformats.org/drawingml/2006/main" xmlns:r="http://schemas.openxmlformats.org/officeDocument/2006/relationships" xmlns:p="http://schemas.openxmlformats.org/presentationml/2006/main">
-  <p:tag name="DVSHAPEID" val="Nhz3xnLIQjTms9hkVvelpj"/>
-</p:tagLst>
-</file>
-
-<file path=ppt/tags/tag197.xml><?xml version="1.0" encoding="utf-8"?>
-<p:tagLst xmlns:a="http://schemas.openxmlformats.org/drawingml/2006/main" xmlns:r="http://schemas.openxmlformats.org/officeDocument/2006/relationships" xmlns:p="http://schemas.openxmlformats.org/presentationml/2006/main">
-  <p:tag name="DVSHAPEID" val="j6g6P099NRD4NYDU7UGeUK"/>
-</p:tagLst>
-</file>
-
-<file path=ppt/tags/tag198.xml><?xml version="1.0" encoding="utf-8"?>
-<p:tagLst xmlns:a="http://schemas.openxmlformats.org/drawingml/2006/main" xmlns:r="http://schemas.openxmlformats.org/officeDocument/2006/relationships" xmlns:p="http://schemas.openxmlformats.org/presentationml/2006/main">
-  <p:tag name="DVSECTIONID" val="dQEBYL5ozDmF1dmx3SsV7C"/>
-</p:tagLst>
-</file>
-
-<file path=ppt/tags/tag199.xml><?xml version="1.0" encoding="utf-8"?>
-<p:tagLst xmlns:a="http://schemas.openxmlformats.org/drawingml/2006/main" xmlns:r="http://schemas.openxmlformats.org/officeDocument/2006/relationships" xmlns:p="http://schemas.openxmlformats.org/presentationml/2006/main">
-  <p:tag name="DVSHAPEID" val="fj5yeeagBgm9prHRgVOyrR"/>
-</p:tagLst>
-</file>
-
-<file path=ppt/tags/tag2.xml><?xml version="1.0" encoding="utf-8"?>
-<p:tagLst xmlns:a="http://schemas.openxmlformats.org/drawingml/2006/main" xmlns:r="http://schemas.openxmlformats.org/officeDocument/2006/relationships" xmlns:p="http://schemas.openxmlformats.org/presentationml/2006/main">
-  <p:tag name="DVSHAPEID" val="Bwwy6CchyRgEnS3z5azJyg"/>
-</p:tagLst>
-</file>
-
-<file path=ppt/tags/tag20.xml><?xml version="1.0" encoding="utf-8"?>
-<p:tagLst xmlns:a="http://schemas.openxmlformats.org/drawingml/2006/main" xmlns:r="http://schemas.openxmlformats.org/officeDocument/2006/relationships" xmlns:p="http://schemas.openxmlformats.org/presentationml/2006/main">
-  <p:tag name="DVSHAPEID" val="Yz7jeqC311lm14wfDvRMUo"/>
-</p:tagLst>
-</file>
-
-<file path=ppt/tags/tag200.xml><?xml version="1.0" encoding="utf-8"?>
-<p:tagLst xmlns:a="http://schemas.openxmlformats.org/drawingml/2006/main" xmlns:r="http://schemas.openxmlformats.org/officeDocument/2006/relationships" xmlns:p="http://schemas.openxmlformats.org/presentationml/2006/main">
-  <p:tag name="DVSHAPEID" val="WWxddtTruVrlo3N7MI8NZt"/>
-</p:tagLst>
-</file>
-
-<file path=ppt/tags/tag201.xml><?xml version="1.0" encoding="utf-8"?>
-<p:tagLst xmlns:a="http://schemas.openxmlformats.org/drawingml/2006/main" xmlns:r="http://schemas.openxmlformats.org/officeDocument/2006/relationships" xmlns:p="http://schemas.openxmlformats.org/presentationml/2006/main">
-  <p:tag name="DVSHAPEID" val="7y9N1wxPyl2nm8001Hn9Mq"/>
-</p:tagLst>
-</file>
-
-<file path=ppt/tags/tag202.xml><?xml version="1.0" encoding="utf-8"?>
-<p:tagLst xmlns:a="http://schemas.openxmlformats.org/drawingml/2006/main" xmlns:r="http://schemas.openxmlformats.org/officeDocument/2006/relationships" xmlns:p="http://schemas.openxmlformats.org/presentationml/2006/main">
-  <p:tag name="DVSHAPEID" val="I42E3985pEStOY4qrmUFm5"/>
-</p:tagLst>
-</file>
-
-<file path=ppt/tags/tag203.xml><?xml version="1.0" encoding="utf-8"?>
-<p:tagLst xmlns:a="http://schemas.openxmlformats.org/drawingml/2006/main" xmlns:r="http://schemas.openxmlformats.org/officeDocument/2006/relationships" xmlns:p="http://schemas.openxmlformats.org/presentationml/2006/main">
-  <p:tag name="DVSHAPEID" val="i1GF6LHqqPGHP4KmtnGtWo"/>
-</p:tagLst>
-</file>
-
-<file path=ppt/tags/tag204.xml><?xml version="1.0" encoding="utf-8"?>
-<p:tagLst xmlns:a="http://schemas.openxmlformats.org/drawingml/2006/main" xmlns:r="http://schemas.openxmlformats.org/officeDocument/2006/relationships" xmlns:p="http://schemas.openxmlformats.org/presentationml/2006/main">
-  <p:tag name="DVSHAPEID" val="uTj1WBg0f73DL1Yo2noYe3"/>
-</p:tagLst>
-</file>
-
-<file path=ppt/tags/tag205.xml><?xml version="1.0" encoding="utf-8"?>
-<p:tagLst xmlns:a="http://schemas.openxmlformats.org/drawingml/2006/main" xmlns:r="http://schemas.openxmlformats.org/officeDocument/2006/relationships" xmlns:p="http://schemas.openxmlformats.org/presentationml/2006/main">
-  <p:tag name="DVSHAPEID" val="M79ZF5TwYT9UwNm4P6apAz"/>
-</p:tagLst>
-</file>
-
-<file path=ppt/tags/tag206.xml><?xml version="1.0" encoding="utf-8"?>
-<p:tagLst xmlns:a="http://schemas.openxmlformats.org/drawingml/2006/main" xmlns:r="http://schemas.openxmlformats.org/officeDocument/2006/relationships" xmlns:p="http://schemas.openxmlformats.org/presentationml/2006/main">
-  <p:tag name="DVSECTIONID" val="avciPxGiVMRbyfXFLzj116"/>
-</p:tagLst>
-</file>
-
-<file path=ppt/tags/tag207.xml><?xml version="1.0" encoding="utf-8"?>
-<p:tagLst xmlns:a="http://schemas.openxmlformats.org/drawingml/2006/main" xmlns:r="http://schemas.openxmlformats.org/officeDocument/2006/relationships" xmlns:p="http://schemas.openxmlformats.org/presentationml/2006/main">
-  <p:tag name="DVSHAPEID" val="8lShLw7US6Yd2wRpIixl4j"/>
-</p:tagLst>
-</file>
-
-<file path=ppt/tags/tag208.xml><?xml version="1.0" encoding="utf-8"?>
-<p:tagLst xmlns:a="http://schemas.openxmlformats.org/drawingml/2006/main" xmlns:r="http://schemas.openxmlformats.org/officeDocument/2006/relationships" xmlns:p="http://schemas.openxmlformats.org/presentationml/2006/main">
-  <p:tag name="DVSHAPEID" val="gLBmvstI9tzu8eagCfBWrM"/>
-</p:tagLst>
-</file>
-
-<file path=ppt/tags/tag209.xml><?xml version="1.0" encoding="utf-8"?>
-<p:tagLst xmlns:a="http://schemas.openxmlformats.org/drawingml/2006/main" xmlns:r="http://schemas.openxmlformats.org/officeDocument/2006/relationships" xmlns:p="http://schemas.openxmlformats.org/presentationml/2006/main">
-  <p:tag name="DVSHAPEID" val="ne7LswNVN4fP56Fo0Eq9Xu"/>
-</p:tagLst>
-</file>
-
-<file path=ppt/tags/tag21.xml><?xml version="1.0" encoding="utf-8"?>
-<p:tagLst xmlns:a="http://schemas.openxmlformats.org/drawingml/2006/main" xmlns:r="http://schemas.openxmlformats.org/officeDocument/2006/relationships" xmlns:p="http://schemas.openxmlformats.org/presentationml/2006/main">
-  <p:tag name="DVSHAPEID" val="yoT8vKVdThImh7lYg0PJnc"/>
-</p:tagLst>
-</file>
-
-<file path=ppt/tags/tag210.xml><?xml version="1.0" encoding="utf-8"?>
-<p:tagLst xmlns:a="http://schemas.openxmlformats.org/drawingml/2006/main" xmlns:r="http://schemas.openxmlformats.org/officeDocument/2006/relationships" xmlns:p="http://schemas.openxmlformats.org/presentationml/2006/main">
-  <p:tag name="DVSHAPEID" val="DynDesGiJ7RtomfK0XVeGv"/>
-</p:tagLst>
-</file>
-
-<file path=ppt/tags/tag211.xml><?xml version="1.0" encoding="utf-8"?>
-<p:tagLst xmlns:a="http://schemas.openxmlformats.org/drawingml/2006/main" xmlns:r="http://schemas.openxmlformats.org/officeDocument/2006/relationships" xmlns:p="http://schemas.openxmlformats.org/presentationml/2006/main">
-  <p:tag name="DVSHAPEID" val="DcjJo5kj5Xar6bSWVb7I8a"/>
-</p:tagLst>
-</file>
-
-<file path=ppt/tags/tag212.xml><?xml version="1.0" encoding="utf-8"?>
-<p:tagLst xmlns:a="http://schemas.openxmlformats.org/drawingml/2006/main" xmlns:r="http://schemas.openxmlformats.org/officeDocument/2006/relationships" xmlns:p="http://schemas.openxmlformats.org/presentationml/2006/main">
-  <p:tag name="DVSECTIONID" val="M1ddHtKOT02p7NtfCavXjX"/>
-</p:tagLst>
-</file>
-
-<file path=ppt/tags/tag213.xml><?xml version="1.0" encoding="utf-8"?>
-<p:tagLst xmlns:a="http://schemas.openxmlformats.org/drawingml/2006/main" xmlns:r="http://schemas.openxmlformats.org/officeDocument/2006/relationships" xmlns:p="http://schemas.openxmlformats.org/presentationml/2006/main">
-  <p:tag name="DVSHAPEID" val="6rmPJdA6FlOl7FI2h0zIzl"/>
-</p:tagLst>
-</file>
-
-<file path=ppt/tags/tag214.xml><?xml version="1.0" encoding="utf-8"?>
-<p:tagLst xmlns:a="http://schemas.openxmlformats.org/drawingml/2006/main" xmlns:r="http://schemas.openxmlformats.org/officeDocument/2006/relationships" xmlns:p="http://schemas.openxmlformats.org/presentationml/2006/main">
-  <p:tag name="DVSHAPEID" val="eHiGmw2XiziPVLRSJxeMlH"/>
-</p:tagLst>
-</file>
-
-<file path=ppt/tags/tag215.xml><?xml version="1.0" encoding="utf-8"?>
-<p:tagLst xmlns:a="http://schemas.openxmlformats.org/drawingml/2006/main" xmlns:r="http://schemas.openxmlformats.org/officeDocument/2006/relationships" xmlns:p="http://schemas.openxmlformats.org/presentationml/2006/main">
-  <p:tag name="DVSHAPEID" val="ALGNxzSuoBnKdEw2Q44I2f"/>
-</p:tagLst>
-</file>
-
-<file path=ppt/tags/tag216.xml><?xml version="1.0" encoding="utf-8"?>
-<p:tagLst xmlns:a="http://schemas.openxmlformats.org/drawingml/2006/main" xmlns:r="http://schemas.openxmlformats.org/officeDocument/2006/relationships" xmlns:p="http://schemas.openxmlformats.org/presentationml/2006/main">
-  <p:tag name="DVSHAPEID" val="3hKXbph2uN0w6w0yZt4NaG"/>
-</p:tagLst>
-</file>
-
-<file path=ppt/tags/tag217.xml><?xml version="1.0" encoding="utf-8"?>
-<p:tagLst xmlns:a="http://schemas.openxmlformats.org/drawingml/2006/main" xmlns:r="http://schemas.openxmlformats.org/officeDocument/2006/relationships" xmlns:p="http://schemas.openxmlformats.org/presentationml/2006/main">
-  <p:tag name="DVSECTIONID" val="l7b475vQch9FyhG4y6ORKf"/>
-</p:tagLst>
-</file>
-
-<file path=ppt/tags/tag218.xml><?xml version="1.0" encoding="utf-8"?>
-<p:tagLst xmlns:a="http://schemas.openxmlformats.org/drawingml/2006/main" xmlns:r="http://schemas.openxmlformats.org/officeDocument/2006/relationships" xmlns:p="http://schemas.openxmlformats.org/presentationml/2006/main">
-  <p:tag name="DVSHAPEID" val="fi93AdeXwiPSAyoPhlfvk7"/>
-</p:tagLst>
-</file>
-
-<file path=ppt/tags/tag219.xml><?xml version="1.0" encoding="utf-8"?>
-<p:tagLst xmlns:a="http://schemas.openxmlformats.org/drawingml/2006/main" xmlns:r="http://schemas.openxmlformats.org/officeDocument/2006/relationships" xmlns:p="http://schemas.openxmlformats.org/presentationml/2006/main">
-  <p:tag name="DVSHAPEID" val="XCIi9gDtdIO8i5taRs4MBz"/>
-</p:tagLst>
-</file>
-
-<file path=ppt/tags/tag22.xml><?xml version="1.0" encoding="utf-8"?>
-<p:tagLst xmlns:a="http://schemas.openxmlformats.org/drawingml/2006/main" xmlns:r="http://schemas.openxmlformats.org/officeDocument/2006/relationships" xmlns:p="http://schemas.openxmlformats.org/presentationml/2006/main">
-  <p:tag name="DVSHAPEID" val="3SAZIVqipxVA0Iq5VS7N84"/>
-</p:tagLst>
-</file>
-
-<file path=ppt/tags/tag220.xml><?xml version="1.0" encoding="utf-8"?>
-<p:tagLst xmlns:a="http://schemas.openxmlformats.org/drawingml/2006/main" xmlns:r="http://schemas.openxmlformats.org/officeDocument/2006/relationships" xmlns:p="http://schemas.openxmlformats.org/presentationml/2006/main">
-  <p:tag name="DVSECTIONID" val="PIXYWxm8khA4957KpAN4AA"/>
-</p:tagLst>
-</file>
-
-<file path=ppt/tags/tag221.xml><?xml version="1.0" encoding="utf-8"?>
-<p:tagLst xmlns:a="http://schemas.openxmlformats.org/drawingml/2006/main" xmlns:r="http://schemas.openxmlformats.org/officeDocument/2006/relationships" xmlns:p="http://schemas.openxmlformats.org/presentationml/2006/main">
-  <p:tag name="DVSHAPEID" val="DvMGlbFzZab7kxlh4Xj247"/>
-</p:tagLst>
-</file>
-
-<file path=ppt/tags/tag222.xml><?xml version="1.0" encoding="utf-8"?>
-<p:tagLst xmlns:a="http://schemas.openxmlformats.org/drawingml/2006/main" xmlns:r="http://schemas.openxmlformats.org/officeDocument/2006/relationships" xmlns:p="http://schemas.openxmlformats.org/presentationml/2006/main">
-  <p:tag name="DVSHAPEID" val="3sgil6tMryvoYdwtUsODJE"/>
-</p:tagLst>
-</file>
-
-<file path=ppt/tags/tag223.xml><?xml version="1.0" encoding="utf-8"?>
-<p:tagLst xmlns:a="http://schemas.openxmlformats.org/drawingml/2006/main" xmlns:r="http://schemas.openxmlformats.org/officeDocument/2006/relationships" xmlns:p="http://schemas.openxmlformats.org/presentationml/2006/main">
-  <p:tag name="DVSHAPEID" val="WbKWPAo6syvvrjq3Py6cJC"/>
-</p:tagLst>
-</file>
-
-<file path=ppt/tags/tag224.xml><?xml version="1.0" encoding="utf-8"?>
-<p:tagLst xmlns:a="http://schemas.openxmlformats.org/drawingml/2006/main" xmlns:r="http://schemas.openxmlformats.org/officeDocument/2006/relationships" xmlns:p="http://schemas.openxmlformats.org/presentationml/2006/main">
-  <p:tag name="DVSHAPEID" val="BWy7KA2Reqnpv4yogTok6X"/>
-</p:tagLst>
-</file>
-
-<file path=ppt/tags/tag225.xml><?xml version="1.0" encoding="utf-8"?>
-<p:tagLst xmlns:a="http://schemas.openxmlformats.org/drawingml/2006/main" xmlns:r="http://schemas.openxmlformats.org/officeDocument/2006/relationships" xmlns:p="http://schemas.openxmlformats.org/presentationml/2006/main">
-  <p:tag name="DVSECTIONID" val="2THGZG0cdam5hs699Xu3WR"/>
-</p:tagLst>
-</file>
-
-<file path=ppt/tags/tag226.xml><?xml version="1.0" encoding="utf-8"?>
-<p:tagLst xmlns:a="http://schemas.openxmlformats.org/drawingml/2006/main" xmlns:r="http://schemas.openxmlformats.org/officeDocument/2006/relationships" xmlns:p="http://schemas.openxmlformats.org/presentationml/2006/main">
-  <p:tag name="DVSHAPEID" val="TsMc3RDfxxUjzNoIPN3Ak4"/>
-</p:tagLst>
-</file>
-
-<file path=ppt/tags/tag227.xml><?xml version="1.0" encoding="utf-8"?>
-<p:tagLst xmlns:a="http://schemas.openxmlformats.org/drawingml/2006/main" xmlns:r="http://schemas.openxmlformats.org/officeDocument/2006/relationships" xmlns:p="http://schemas.openxmlformats.org/presentationml/2006/main">
-  <p:tag name="DVSHAPEID" val="81OluqhcNpwE35lxxbeZTQ"/>
-</p:tagLst>
-</file>
-
-<file path=ppt/tags/tag228.xml><?xml version="1.0" encoding="utf-8"?>
-<p:tagLst xmlns:a="http://schemas.openxmlformats.org/drawingml/2006/main" xmlns:r="http://schemas.openxmlformats.org/officeDocument/2006/relationships" xmlns:p="http://schemas.openxmlformats.org/presentationml/2006/main">
-  <p:tag name="DVSHAPEID" val="vbvL0y3BgvCOkKoIncXkJv"/>
-</p:tagLst>
-</file>
-
-<file path=ppt/tags/tag229.xml><?xml version="1.0" encoding="utf-8"?>
-<p:tagLst xmlns:a="http://schemas.openxmlformats.org/drawingml/2006/main" xmlns:r="http://schemas.openxmlformats.org/officeDocument/2006/relationships" xmlns:p="http://schemas.openxmlformats.org/presentationml/2006/main">
-  <p:tag name="DVSHAPEID" val="NUJinhgSmlahwCPIqJ9c81"/>
-</p:tagLst>
-</file>
-
-<file path=ppt/tags/tag23.xml><?xml version="1.0" encoding="utf-8"?>
-<p:tagLst xmlns:a="http://schemas.openxmlformats.org/drawingml/2006/main" xmlns:r="http://schemas.openxmlformats.org/officeDocument/2006/relationships" xmlns:p="http://schemas.openxmlformats.org/presentationml/2006/main">
-  <p:tag name="DVSHAPEID" val="DEMoUEfQWb0ll0yw10NASb"/>
-</p:tagLst>
-</file>
-
-<file path=ppt/tags/tag230.xml><?xml version="1.0" encoding="utf-8"?>
-<p:tagLst xmlns:a="http://schemas.openxmlformats.org/drawingml/2006/main" xmlns:r="http://schemas.openxmlformats.org/officeDocument/2006/relationships" xmlns:p="http://schemas.openxmlformats.org/presentationml/2006/main">
-  <p:tag name="DVSECTIONID" val="5t7BXOHe4FFfF4gfyF884q"/>
-</p:tagLst>
-</file>
-
-<file path=ppt/tags/tag231.xml><?xml version="1.0" encoding="utf-8"?>
-<p:tagLst xmlns:a="http://schemas.openxmlformats.org/drawingml/2006/main" xmlns:r="http://schemas.openxmlformats.org/officeDocument/2006/relationships" xmlns:p="http://schemas.openxmlformats.org/presentationml/2006/main">
-  <p:tag name="DVSHAPEID" val="2eKA9ON21y6ZoB1HaMkn8h"/>
-</p:tagLst>
-</file>
-
-<file path=ppt/tags/tag232.xml><?xml version="1.0" encoding="utf-8"?>
-<p:tagLst xmlns:a="http://schemas.openxmlformats.org/drawingml/2006/main" xmlns:r="http://schemas.openxmlformats.org/officeDocument/2006/relationships" xmlns:p="http://schemas.openxmlformats.org/presentationml/2006/main">
-  <p:tag name="DVSHAPEID" val="E3eMSELebxmLSvyM8r5kjC"/>
-</p:tagLst>
-</file>
-
-<file path=ppt/tags/tag233.xml><?xml version="1.0" encoding="utf-8"?>
-<p:tagLst xmlns:a="http://schemas.openxmlformats.org/drawingml/2006/main" xmlns:r="http://schemas.openxmlformats.org/officeDocument/2006/relationships" xmlns:p="http://schemas.openxmlformats.org/presentationml/2006/main">
-  <p:tag name="DVSHAPEID" val="bwedHJynRLTKAHlmV8gNnz"/>
-</p:tagLst>
-</file>
-
-<file path=ppt/tags/tag234.xml><?xml version="1.0" encoding="utf-8"?>
-<p:tagLst xmlns:a="http://schemas.openxmlformats.org/drawingml/2006/main" xmlns:r="http://schemas.openxmlformats.org/officeDocument/2006/relationships" xmlns:p="http://schemas.openxmlformats.org/presentationml/2006/main">
-  <p:tag name="DVSHAPEID" val="DCIw9nDShNX2SIyEW2FOFA"/>
-</p:tagLst>
-</file>
-
-<file path=ppt/tags/tag235.xml><?xml version="1.0" encoding="utf-8"?>
-<p:tagLst xmlns:a="http://schemas.openxmlformats.org/drawingml/2006/main" xmlns:r="http://schemas.openxmlformats.org/officeDocument/2006/relationships" xmlns:p="http://schemas.openxmlformats.org/presentationml/2006/main">
-  <p:tag name="DVSECTIONID" val="I3NEDgrPAwDbNdynIcvY5G"/>
-</p:tagLst>
-</file>
-
-<file path=ppt/tags/tag236.xml><?xml version="1.0" encoding="utf-8"?>
-<p:tagLst xmlns:a="http://schemas.openxmlformats.org/drawingml/2006/main" xmlns:r="http://schemas.openxmlformats.org/officeDocument/2006/relationships" xmlns:p="http://schemas.openxmlformats.org/presentationml/2006/main">
-  <p:tag name="DVSHAPEID" val="S7UQrLvW3weCSBvbAaJZt5"/>
-</p:tagLst>
-</file>
-
-<file path=ppt/tags/tag237.xml><?xml version="1.0" encoding="utf-8"?>
-<p:tagLst xmlns:a="http://schemas.openxmlformats.org/drawingml/2006/main" xmlns:r="http://schemas.openxmlformats.org/officeDocument/2006/relationships" xmlns:p="http://schemas.openxmlformats.org/presentationml/2006/main">
-  <p:tag name="DVSHAPEID" val="NyPDOgbe7zT2KBBiWRmlJq"/>
-</p:tagLst>
-</file>
-
-<file path=ppt/tags/tag238.xml><?xml version="1.0" encoding="utf-8"?>
-<p:tagLst xmlns:a="http://schemas.openxmlformats.org/drawingml/2006/main" xmlns:r="http://schemas.openxmlformats.org/officeDocument/2006/relationships" xmlns:p="http://schemas.openxmlformats.org/presentationml/2006/main">
-  <p:tag name="DVSHAPEID" val="NgPW9Lru4G7Nkm1NXfKPoF"/>
-</p:tagLst>
-</file>
-
-<file path=ppt/tags/tag239.xml><?xml version="1.0" encoding="utf-8"?>
-<p:tagLst xmlns:a="http://schemas.openxmlformats.org/drawingml/2006/main" xmlns:r="http://schemas.openxmlformats.org/officeDocument/2006/relationships" xmlns:p="http://schemas.openxmlformats.org/presentationml/2006/main">
-  <p:tag name="DVSHAPEID" val="IQRTAhdRC8lmKzOR6qMDuc"/>
-</p:tagLst>
-</file>
-
-<file path=ppt/tags/tag24.xml><?xml version="1.0" encoding="utf-8"?>
-<p:tagLst xmlns:a="http://schemas.openxmlformats.org/drawingml/2006/main" xmlns:r="http://schemas.openxmlformats.org/officeDocument/2006/relationships" xmlns:p="http://schemas.openxmlformats.org/presentationml/2006/main">
-  <p:tag name="DVSHAPEID" val="rG6Cya5XBA4ZeVdk0L3yAK"/>
-</p:tagLst>
-</file>
-
-<file path=ppt/tags/tag240.xml><?xml version="1.0" encoding="utf-8"?>
-<p:tagLst xmlns:a="http://schemas.openxmlformats.org/drawingml/2006/main" xmlns:r="http://schemas.openxmlformats.org/officeDocument/2006/relationships" xmlns:p="http://schemas.openxmlformats.org/presentationml/2006/main">
-  <p:tag name="DVSECTIONID" val="q1M1SToOVNMFL3OiarNf49"/>
-</p:tagLst>
-</file>
-
-<file path=ppt/tags/tag241.xml><?xml version="1.0" encoding="utf-8"?>
-<p:tagLst xmlns:a="http://schemas.openxmlformats.org/drawingml/2006/main" xmlns:r="http://schemas.openxmlformats.org/officeDocument/2006/relationships" xmlns:p="http://schemas.openxmlformats.org/presentationml/2006/main">
-  <p:tag name="DVSHAPEID" val="VXgfh9U7AU28xZ5gbagd4Z"/>
-</p:tagLst>
-</file>
-
-<file path=ppt/tags/tag242.xml><?xml version="1.0" encoding="utf-8"?>
-<p:tagLst xmlns:a="http://schemas.openxmlformats.org/drawingml/2006/main" xmlns:r="http://schemas.openxmlformats.org/officeDocument/2006/relationships" xmlns:p="http://schemas.openxmlformats.org/presentationml/2006/main">
-  <p:tag name="DVSHAPEID" val="rXBrZ58k2LawUUClZ4Xuxr"/>
-</p:tagLst>
-</file>
-
-<file path=ppt/tags/tag243.xml><?xml version="1.0" encoding="utf-8"?>
-<p:tagLst xmlns:a="http://schemas.openxmlformats.org/drawingml/2006/main" xmlns:r="http://schemas.openxmlformats.org/officeDocument/2006/relationships" xmlns:p="http://schemas.openxmlformats.org/presentationml/2006/main">
-  <p:tag name="DVSHAPEID" val="kC2OLQfCmh8WvjDQ9OZgRg"/>
-</p:tagLst>
-</file>
-
-<file path=ppt/tags/tag244.xml><?xml version="1.0" encoding="utf-8"?>
-<p:tagLst xmlns:a="http://schemas.openxmlformats.org/drawingml/2006/main" xmlns:r="http://schemas.openxmlformats.org/officeDocument/2006/relationships" xmlns:p="http://schemas.openxmlformats.org/presentationml/2006/main">
-  <p:tag name="DVSHAPEID" val="X14bDQacgzrZDYpajh5qpT"/>
-</p:tagLst>
-</file>
-
-<file path=ppt/tags/tag245.xml><?xml version="1.0" encoding="utf-8"?>
-<p:tagLst xmlns:a="http://schemas.openxmlformats.org/drawingml/2006/main" xmlns:r="http://schemas.openxmlformats.org/officeDocument/2006/relationships" xmlns:p="http://schemas.openxmlformats.org/presentationml/2006/main">
-  <p:tag name="DVSECTIONID" val="Bug3GbXVD6k1DLSBnxqLAQ"/>
-</p:tagLst>
-</file>
-
-<file path=ppt/tags/tag246.xml><?xml version="1.0" encoding="utf-8"?>
-<p:tagLst xmlns:a="http://schemas.openxmlformats.org/drawingml/2006/main" xmlns:r="http://schemas.openxmlformats.org/officeDocument/2006/relationships" xmlns:p="http://schemas.openxmlformats.org/presentationml/2006/main">
-  <p:tag name="DVSHAPEID" val="nYojH9U8vgz3E0KAdora1z"/>
-</p:tagLst>
-</file>
-
-<file path=ppt/tags/tag247.xml><?xml version="1.0" encoding="utf-8"?>
-<p:tagLst xmlns:a="http://schemas.openxmlformats.org/drawingml/2006/main" xmlns:r="http://schemas.openxmlformats.org/officeDocument/2006/relationships" xmlns:p="http://schemas.openxmlformats.org/presentationml/2006/main">
-  <p:tag name="DVSHAPEID" val="uwGFqZvIbrR4D6Nj81h73b"/>
-</p:tagLst>
-</file>
-
-<file path=ppt/tags/tag248.xml><?xml version="1.0" encoding="utf-8"?>
-<p:tagLst xmlns:a="http://schemas.openxmlformats.org/drawingml/2006/main" xmlns:r="http://schemas.openxmlformats.org/officeDocument/2006/relationships" xmlns:p="http://schemas.openxmlformats.org/presentationml/2006/main">
-  <p:tag name="DVSHAPEID" val="qzjopJ3GZfRNtRD2IVCN47"/>
-</p:tagLst>
-</file>
-
-<file path=ppt/tags/tag249.xml><?xml version="1.0" encoding="utf-8"?>
-<p:tagLst xmlns:a="http://schemas.openxmlformats.org/drawingml/2006/main" xmlns:r="http://schemas.openxmlformats.org/officeDocument/2006/relationships" xmlns:p="http://schemas.openxmlformats.org/presentationml/2006/main">
-  <p:tag name="DVSHAPEID" val="cAmEMTfpSTvj56l2zLEvsC"/>
-</p:tagLst>
-</file>
-
-<file path=ppt/tags/tag25.xml><?xml version="1.0" encoding="utf-8"?>
-<p:tagLst xmlns:a="http://schemas.openxmlformats.org/drawingml/2006/main" xmlns:r="http://schemas.openxmlformats.org/officeDocument/2006/relationships" xmlns:p="http://schemas.openxmlformats.org/presentationml/2006/main">
-  <p:tag name="DVSHAPEID" val="AEnpxpQ70xcrd5ih64LZzq"/>
-</p:tagLst>
-</file>
-
-<file path=ppt/tags/tag250.xml><?xml version="1.0" encoding="utf-8"?>
-<p:tagLst xmlns:a="http://schemas.openxmlformats.org/drawingml/2006/main" xmlns:r="http://schemas.openxmlformats.org/officeDocument/2006/relationships" xmlns:p="http://schemas.openxmlformats.org/presentationml/2006/main">
-  <p:tag name="DVSECTIONID" val="o8svzq13bQChqiLPcdRZaG"/>
-</p:tagLst>
-</file>
-
-<file path=ppt/tags/tag251.xml><?xml version="1.0" encoding="utf-8"?>
-<p:tagLst xmlns:a="http://schemas.openxmlformats.org/drawingml/2006/main" xmlns:r="http://schemas.openxmlformats.org/officeDocument/2006/relationships" xmlns:p="http://schemas.openxmlformats.org/presentationml/2006/main">
-  <p:tag name="DVSHAPEID" val="cPCVG6imvg6inJ1LW9qzmY"/>
-</p:tagLst>
-</file>
-
-<file path=ppt/tags/tag252.xml><?xml version="1.0" encoding="utf-8"?>
-<p:tagLst xmlns:a="http://schemas.openxmlformats.org/drawingml/2006/main" xmlns:r="http://schemas.openxmlformats.org/officeDocument/2006/relationships" xmlns:p="http://schemas.openxmlformats.org/presentationml/2006/main">
-  <p:tag name="DVSHAPEID" val="iaMwGGlR8zFznw1Rd97wof"/>
-</p:tagLst>
-</file>
-
-<file path=ppt/tags/tag253.xml><?xml version="1.0" encoding="utf-8"?>
-<p:tagLst xmlns:a="http://schemas.openxmlformats.org/drawingml/2006/main" xmlns:r="http://schemas.openxmlformats.org/officeDocument/2006/relationships" xmlns:p="http://schemas.openxmlformats.org/presentationml/2006/main">
-  <p:tag name="DVSHAPEID" val="dNJC0NPu5Tgexs99pC0E7w"/>
-</p:tagLst>
-</file>
-
-<file path=ppt/tags/tag254.xml><?xml version="1.0" encoding="utf-8"?>
-<p:tagLst xmlns:a="http://schemas.openxmlformats.org/drawingml/2006/main" xmlns:r="http://schemas.openxmlformats.org/officeDocument/2006/relationships" xmlns:p="http://schemas.openxmlformats.org/presentationml/2006/main">
-  <p:tag name="DVSHAPEID" val="DNluJ5WhsQA2WYN4Fx1EuM"/>
-</p:tagLst>
-</file>
-
-<file path=ppt/tags/tag255.xml><?xml version="1.0" encoding="utf-8"?>
-<p:tagLst xmlns:a="http://schemas.openxmlformats.org/drawingml/2006/main" xmlns:r="http://schemas.openxmlformats.org/officeDocument/2006/relationships" xmlns:p="http://schemas.openxmlformats.org/presentationml/2006/main">
-  <p:tag name="DVSECTIONID" val="6mlR65wryZr5EHmejjBzu4"/>
-</p:tagLst>
-</file>
-
-<file path=ppt/tags/tag256.xml><?xml version="1.0" encoding="utf-8"?>
-<p:tagLst xmlns:a="http://schemas.openxmlformats.org/drawingml/2006/main" xmlns:r="http://schemas.openxmlformats.org/officeDocument/2006/relationships" xmlns:p="http://schemas.openxmlformats.org/presentationml/2006/main">
-  <p:tag name="DVSHAPEID" val="j9ZzH4JvvK7HaWgw4KyOrp"/>
-</p:tagLst>
-</file>
-
-<file path=ppt/tags/tag257.xml><?xml version="1.0" encoding="utf-8"?>
-<p:tagLst xmlns:a="http://schemas.openxmlformats.org/drawingml/2006/main" xmlns:r="http://schemas.openxmlformats.org/officeDocument/2006/relationships" xmlns:p="http://schemas.openxmlformats.org/presentationml/2006/main">
-  <p:tag name="DVSHAPEID" val="DuwalkWsCt2QtbvanRxWkQ"/>
-</p:tagLst>
-</file>
-
-<file path=ppt/tags/tag258.xml><?xml version="1.0" encoding="utf-8"?>
-<p:tagLst xmlns:a="http://schemas.openxmlformats.org/drawingml/2006/main" xmlns:r="http://schemas.openxmlformats.org/officeDocument/2006/relationships" xmlns:p="http://schemas.openxmlformats.org/presentationml/2006/main">
-  <p:tag name="DVSHAPEID" val="VfORO9th6GlTvu3xIpz37D"/>
-</p:tagLst>
-</file>
-
-<file path=ppt/tags/tag259.xml><?xml version="1.0" encoding="utf-8"?>
-<p:tagLst xmlns:a="http://schemas.openxmlformats.org/drawingml/2006/main" xmlns:r="http://schemas.openxmlformats.org/officeDocument/2006/relationships" xmlns:p="http://schemas.openxmlformats.org/presentationml/2006/main">
-  <p:tag name="DVSHAPEID" val="Fjs50TnGgu5NzgluwMZknl"/>
-</p:tagLst>
-</file>
-
-<file path=ppt/tags/tag26.xml><?xml version="1.0" encoding="utf-8"?>
-<p:tagLst xmlns:a="http://schemas.openxmlformats.org/drawingml/2006/main" xmlns:r="http://schemas.openxmlformats.org/officeDocument/2006/relationships" xmlns:p="http://schemas.openxmlformats.org/presentationml/2006/main">
-  <p:tag name="DVSHAPEID" val="hlMCjHZ1xkBH6rf8DG6tzw"/>
-</p:tagLst>
-</file>
-
-<file path=ppt/tags/tag260.xml><?xml version="1.0" encoding="utf-8"?>
-<p:tagLst xmlns:a="http://schemas.openxmlformats.org/drawingml/2006/main" xmlns:r="http://schemas.openxmlformats.org/officeDocument/2006/relationships" xmlns:p="http://schemas.openxmlformats.org/presentationml/2006/main">
-  <p:tag name="DVSECTIONID" val="lJq2qy3fOizL58AbCwUzUt"/>
-</p:tagLst>
-</file>
-
-<file path=ppt/tags/tag261.xml><?xml version="1.0" encoding="utf-8"?>
-<p:tagLst xmlns:a="http://schemas.openxmlformats.org/drawingml/2006/main" xmlns:r="http://schemas.openxmlformats.org/officeDocument/2006/relationships" xmlns:p="http://schemas.openxmlformats.org/presentationml/2006/main">
-  <p:tag name="DVSHAPEID" val="vAF17P88nhIhAvpJ9zUppR"/>
-</p:tagLst>
-</file>
-
-<file path=ppt/tags/tag262.xml><?xml version="1.0" encoding="utf-8"?>
-<p:tagLst xmlns:a="http://schemas.openxmlformats.org/drawingml/2006/main" xmlns:r="http://schemas.openxmlformats.org/officeDocument/2006/relationships" xmlns:p="http://schemas.openxmlformats.org/presentationml/2006/main">
-  <p:tag name="DVSHAPEID" val="NIVMbeSN3MgjNRpZMxx86O"/>
-</p:tagLst>
-</file>
-
-<file path=ppt/tags/tag263.xml><?xml version="1.0" encoding="utf-8"?>
-<p:tagLst xmlns:a="http://schemas.openxmlformats.org/drawingml/2006/main" xmlns:r="http://schemas.openxmlformats.org/officeDocument/2006/relationships" xmlns:p="http://schemas.openxmlformats.org/presentationml/2006/main">
-  <p:tag name="DVSHAPEID" val="5hGQ5NCpqXWEMX5kEUfAdV"/>
-</p:tagLst>
-</file>
-
-<file path=ppt/tags/tag264.xml><?xml version="1.0" encoding="utf-8"?>
-<p:tagLst xmlns:a="http://schemas.openxmlformats.org/drawingml/2006/main" xmlns:r="http://schemas.openxmlformats.org/officeDocument/2006/relationships" xmlns:p="http://schemas.openxmlformats.org/presentationml/2006/main">
-  <p:tag name="DVSHAPEID" val="1gIxj9MnRhKZCD5l94aEmi"/>
-</p:tagLst>
-</file>
-
-<file path=ppt/tags/tag265.xml><?xml version="1.0" encoding="utf-8"?>
-<p:tagLst xmlns:a="http://schemas.openxmlformats.org/drawingml/2006/main" xmlns:r="http://schemas.openxmlformats.org/officeDocument/2006/relationships" xmlns:p="http://schemas.openxmlformats.org/presentationml/2006/main">
-  <p:tag name="DVSECTIONID" val="IEdCe1Bk5ALRk4HQHuVBoY"/>
-</p:tagLst>
-</file>
-
-<file path=ppt/tags/tag266.xml><?xml version="1.0" encoding="utf-8"?>
-<p:tagLst xmlns:a="http://schemas.openxmlformats.org/drawingml/2006/main" xmlns:r="http://schemas.openxmlformats.org/officeDocument/2006/relationships" xmlns:p="http://schemas.openxmlformats.org/presentationml/2006/main">
-  <p:tag name="DVSHAPEID" val="n85sTsSDSvAafp8yttC35E"/>
-</p:tagLst>
-</file>
-
-<file path=ppt/tags/tag267.xml><?xml version="1.0" encoding="utf-8"?>
-<p:tagLst xmlns:a="http://schemas.openxmlformats.org/drawingml/2006/main" xmlns:r="http://schemas.openxmlformats.org/officeDocument/2006/relationships" xmlns:p="http://schemas.openxmlformats.org/presentationml/2006/main">
-  <p:tag name="DVSHAPEID" val="UMksfjLaqzzJTzrRgkueof"/>
-</p:tagLst>
-</file>
-
-<file path=ppt/tags/tag27.xml><?xml version="1.0" encoding="utf-8"?>
-<p:tagLst xmlns:a="http://schemas.openxmlformats.org/drawingml/2006/main" xmlns:r="http://schemas.openxmlformats.org/officeDocument/2006/relationships" xmlns:p="http://schemas.openxmlformats.org/presentationml/2006/main">
-  <p:tag name="DVSHAPEID" val="NMI72JFYMBaan2DU698Y0S"/>
-</p:tagLst>
-</file>
-
-<file path=ppt/tags/tag28.xml><?xml version="1.0" encoding="utf-8"?>
-<p:tagLst xmlns:a="http://schemas.openxmlformats.org/drawingml/2006/main" xmlns:r="http://schemas.openxmlformats.org/officeDocument/2006/relationships" xmlns:p="http://schemas.openxmlformats.org/presentationml/2006/main">
-  <p:tag name="DVSHAPEID" val="QvZQ1Xr4S5QKyZUbFfmyxZ"/>
-</p:tagLst>
-</file>
-
-<file path=ppt/tags/tag29.xml><?xml version="1.0" encoding="utf-8"?>
-<p:tagLst xmlns:a="http://schemas.openxmlformats.org/drawingml/2006/main" xmlns:r="http://schemas.openxmlformats.org/officeDocument/2006/relationships" xmlns:p="http://schemas.openxmlformats.org/presentationml/2006/main">
-  <p:tag name="DVSHAPEID" val="xV4duJAWlAwVWc8bHHxHI4"/>
-</p:tagLst>
-</file>
-
-<file path=ppt/tags/tag3.xml><?xml version="1.0" encoding="utf-8"?>
-<p:tagLst xmlns:a="http://schemas.openxmlformats.org/drawingml/2006/main" xmlns:r="http://schemas.openxmlformats.org/officeDocument/2006/relationships" xmlns:p="http://schemas.openxmlformats.org/presentationml/2006/main">
-  <p:tag name="DVSHAPEID" val="wal8KO7UmHanRS9FtYuJKl"/>
-</p:tagLst>
-</file>
-
-<file path=ppt/tags/tag30.xml><?xml version="1.0" encoding="utf-8"?>
-<p:tagLst xmlns:a="http://schemas.openxmlformats.org/drawingml/2006/main" xmlns:r="http://schemas.openxmlformats.org/officeDocument/2006/relationships" xmlns:p="http://schemas.openxmlformats.org/presentationml/2006/main">
-  <p:tag name="DVSHAPEID" val="jCtEZUuSCrlQY3LOtHuWKg"/>
-</p:tagLst>
-</file>
-
-<file path=ppt/tags/tag31.xml><?xml version="1.0" encoding="utf-8"?>
-<p:tagLst xmlns:a="http://schemas.openxmlformats.org/drawingml/2006/main" xmlns:r="http://schemas.openxmlformats.org/officeDocument/2006/relationships" xmlns:p="http://schemas.openxmlformats.org/presentationml/2006/main">
-  <p:tag name="DVSHAPEID" val="eD2I3txE0PhsCrJQJFstY4"/>
-</p:tagLst>
-</file>
-
-<file path=ppt/tags/tag32.xml><?xml version="1.0" encoding="utf-8"?>
-<p:tagLst xmlns:a="http://schemas.openxmlformats.org/drawingml/2006/main" xmlns:r="http://schemas.openxmlformats.org/officeDocument/2006/relationships" xmlns:p="http://schemas.openxmlformats.org/presentationml/2006/main">
-  <p:tag name="DVSHAPEID" val="A5d4qTeQdMk3oQBhR1kXrv"/>
-</p:tagLst>
-</file>
-
-<file path=ppt/tags/tag33.xml><?xml version="1.0" encoding="utf-8"?>
-<p:tagLst xmlns:a="http://schemas.openxmlformats.org/drawingml/2006/main" xmlns:r="http://schemas.openxmlformats.org/officeDocument/2006/relationships" xmlns:p="http://schemas.openxmlformats.org/presentationml/2006/main">
-  <p:tag name="DVSHAPEID" val="zvrj4CYOthi92XuY3EqaBu"/>
-</p:tagLst>
-</file>
-
-<file path=ppt/tags/tag34.xml><?xml version="1.0" encoding="utf-8"?>
-<p:tagLst xmlns:a="http://schemas.openxmlformats.org/drawingml/2006/main" xmlns:r="http://schemas.openxmlformats.org/officeDocument/2006/relationships" xmlns:p="http://schemas.openxmlformats.org/presentationml/2006/main">
-  <p:tag name="DVSHAPEID" val="8y3SfsOr80D4vHD6OBRoi3"/>
-</p:tagLst>
-</file>
-
-<file path=ppt/tags/tag35.xml><?xml version="1.0" encoding="utf-8"?>
-<p:tagLst xmlns:a="http://schemas.openxmlformats.org/drawingml/2006/main" xmlns:r="http://schemas.openxmlformats.org/officeDocument/2006/relationships" xmlns:p="http://schemas.openxmlformats.org/presentationml/2006/main">
-  <p:tag name="DVSHAPEID" val="LfNDMSYFwgU4nSgcnv028h"/>
-</p:tagLst>
-</file>
-
-<file path=ppt/tags/tag36.xml><?xml version="1.0" encoding="utf-8"?>
-<p:tagLst xmlns:a="http://schemas.openxmlformats.org/drawingml/2006/main" xmlns:r="http://schemas.openxmlformats.org/officeDocument/2006/relationships" xmlns:p="http://schemas.openxmlformats.org/presentationml/2006/main">
-  <p:tag name="DVSHAPEID" val="vYrMlWPOicc5NN4BFWtstn"/>
-</p:tagLst>
-</file>
-
-<file path=ppt/tags/tag37.xml><?xml version="1.0" encoding="utf-8"?>
-<p:tagLst xmlns:a="http://schemas.openxmlformats.org/drawingml/2006/main" xmlns:r="http://schemas.openxmlformats.org/officeDocument/2006/relationships" xmlns:p="http://schemas.openxmlformats.org/presentationml/2006/main">
-  <p:tag name="DVSHAPEID" val="9rkKPCelogUtJPcZx1PIXH"/>
-</p:tagLst>
-</file>
-
-<file path=ppt/tags/tag38.xml><?xml version="1.0" encoding="utf-8"?>
-<p:tagLst xmlns:a="http://schemas.openxmlformats.org/drawingml/2006/main" xmlns:r="http://schemas.openxmlformats.org/officeDocument/2006/relationships" xmlns:p="http://schemas.openxmlformats.org/presentationml/2006/main">
-  <p:tag name="DVSHAPEID" val="Si5t7MQ3yFO8O0sA7dAWOV"/>
-</p:tagLst>
-</file>
-
-<file path=ppt/tags/tag39.xml><?xml version="1.0" encoding="utf-8"?>
-<p:tagLst xmlns:a="http://schemas.openxmlformats.org/drawingml/2006/main" xmlns:r="http://schemas.openxmlformats.org/officeDocument/2006/relationships" xmlns:p="http://schemas.openxmlformats.org/presentationml/2006/main">
-  <p:tag name="DVSHAPEID" val="aj3foFosCLpsy2FmurvkHf"/>
-</p:tagLst>
-</file>
-
-<file path=ppt/tags/tag4.xml><?xml version="1.0" encoding="utf-8"?>
-<p:tagLst xmlns:a="http://schemas.openxmlformats.org/drawingml/2006/main" xmlns:r="http://schemas.openxmlformats.org/officeDocument/2006/relationships" xmlns:p="http://schemas.openxmlformats.org/presentationml/2006/main">
-  <p:tag name="DVSHAPEID" val="szVfnDtH7lslZlcYSoaEuz"/>
-</p:tagLst>
-</file>
-
-<file path=ppt/tags/tag40.xml><?xml version="1.0" encoding="utf-8"?>
-<p:tagLst xmlns:a="http://schemas.openxmlformats.org/drawingml/2006/main" xmlns:r="http://schemas.openxmlformats.org/officeDocument/2006/relationships" xmlns:p="http://schemas.openxmlformats.org/presentationml/2006/main">
-  <p:tag name="DVSHAPEID" val="FB0cxWTC71TX7MpRnaF632"/>
-</p:tagLst>
-</file>
-
-<file path=ppt/tags/tag41.xml><?xml version="1.0" encoding="utf-8"?>
-<p:tagLst xmlns:a="http://schemas.openxmlformats.org/drawingml/2006/main" xmlns:r="http://schemas.openxmlformats.org/officeDocument/2006/relationships" xmlns:p="http://schemas.openxmlformats.org/presentationml/2006/main">
-  <p:tag name="DVSHAPEID" val="JmrqVLI9rtdVEsfc8ry0Eo"/>
-</p:tagLst>
-</file>
-
-<file path=ppt/tags/tag42.xml><?xml version="1.0" encoding="utf-8"?>
-<p:tagLst xmlns:a="http://schemas.openxmlformats.org/drawingml/2006/main" xmlns:r="http://schemas.openxmlformats.org/officeDocument/2006/relationships" xmlns:p="http://schemas.openxmlformats.org/presentationml/2006/main">
-  <p:tag name="DVSHAPEID" val="zBUTWC3kFBbCSDK618TXAq"/>
-</p:tagLst>
-</file>
-
-<file path=ppt/tags/tag43.xml><?xml version="1.0" encoding="utf-8"?>
-<p:tagLst xmlns:a="http://schemas.openxmlformats.org/drawingml/2006/main" xmlns:r="http://schemas.openxmlformats.org/officeDocument/2006/relationships" xmlns:p="http://schemas.openxmlformats.org/presentationml/2006/main">
-  <p:tag name="DVSHAPEID" val="Jb8XCb1dy2olNPv2O656NB"/>
-</p:tagLst>
-</file>
-
-<file path=ppt/tags/tag44.xml><?xml version="1.0" encoding="utf-8"?>
-<p:tagLst xmlns:a="http://schemas.openxmlformats.org/drawingml/2006/main" xmlns:r="http://schemas.openxmlformats.org/officeDocument/2006/relationships" xmlns:p="http://schemas.openxmlformats.org/presentationml/2006/main">
-  <p:tag name="DVSHAPEID" val="J1ABr2pq7GN8RIKZ0Sjr39"/>
-</p:tagLst>
-</file>
-
-<file path=ppt/tags/tag45.xml><?xml version="1.0" encoding="utf-8"?>
-<p:tagLst xmlns:a="http://schemas.openxmlformats.org/drawingml/2006/main" xmlns:r="http://schemas.openxmlformats.org/officeDocument/2006/relationships" xmlns:p="http://schemas.openxmlformats.org/presentationml/2006/main">
-  <p:tag name="DVSHAPEID" val="dxQVAZjNRtC8s6m0JZN7VH"/>
-</p:tagLst>
-</file>
-
-<file path=ppt/tags/tag46.xml><?xml version="1.0" encoding="utf-8"?>
-<p:tagLst xmlns:a="http://schemas.openxmlformats.org/drawingml/2006/main" xmlns:r="http://schemas.openxmlformats.org/officeDocument/2006/relationships" xmlns:p="http://schemas.openxmlformats.org/presentationml/2006/main">
-  <p:tag name="DVSHAPEID" val="xEYNhP5dNlyAN2Lwrq6kOk"/>
-</p:tagLst>
-</file>
-
-<file path=ppt/tags/tag47.xml><?xml version="1.0" encoding="utf-8"?>
-<p:tagLst xmlns:a="http://schemas.openxmlformats.org/drawingml/2006/main" xmlns:r="http://schemas.openxmlformats.org/officeDocument/2006/relationships" xmlns:p="http://schemas.openxmlformats.org/presentationml/2006/main">
-  <p:tag name="DVSHAPEID" val="wJgECZ8jEVevZcXNItHEGg"/>
-</p:tagLst>
-</file>
-
-<file path=ppt/tags/tag48.xml><?xml version="1.0" encoding="utf-8"?>
-<p:tagLst xmlns:a="http://schemas.openxmlformats.org/drawingml/2006/main" xmlns:r="http://schemas.openxmlformats.org/officeDocument/2006/relationships" xmlns:p="http://schemas.openxmlformats.org/presentationml/2006/main">
-  <p:tag name="DVSHAPEID" val="zSikfdxn1BSd8ewCc64tHD"/>
-</p:tagLst>
-</file>
-
-<file path=ppt/tags/tag49.xml><?xml version="1.0" encoding="utf-8"?>
-<p:tagLst xmlns:a="http://schemas.openxmlformats.org/drawingml/2006/main" xmlns:r="http://schemas.openxmlformats.org/officeDocument/2006/relationships" xmlns:p="http://schemas.openxmlformats.org/presentationml/2006/main">
-  <p:tag name="DVSHAPEID" val="mh3yzEHCCaDf9oliJUMgUC"/>
-</p:tagLst>
-</file>
-
-<file path=ppt/tags/tag5.xml><?xml version="1.0" encoding="utf-8"?>
-<p:tagLst xmlns:a="http://schemas.openxmlformats.org/drawingml/2006/main" xmlns:r="http://schemas.openxmlformats.org/officeDocument/2006/relationships" xmlns:p="http://schemas.openxmlformats.org/presentationml/2006/main">
-  <p:tag name="DVSHAPEID" val="uZ0bqqGBfOwbILcuqtqFzP"/>
-</p:tagLst>
-</file>
-
-<file path=ppt/tags/tag50.xml><?xml version="1.0" encoding="utf-8"?>
-<p:tagLst xmlns:a="http://schemas.openxmlformats.org/drawingml/2006/main" xmlns:r="http://schemas.openxmlformats.org/officeDocument/2006/relationships" xmlns:p="http://schemas.openxmlformats.org/presentationml/2006/main">
-  <p:tag name="DVSHAPEID" val="CM4Ig6hAzdzWw0hGESGoYI"/>
-</p:tagLst>
-</file>
-
-<file path=ppt/tags/tag51.xml><?xml version="1.0" encoding="utf-8"?>
-<p:tagLst xmlns:a="http://schemas.openxmlformats.org/drawingml/2006/main" xmlns:r="http://schemas.openxmlformats.org/officeDocument/2006/relationships" xmlns:p="http://schemas.openxmlformats.org/presentationml/2006/main">
-  <p:tag name="DVSHAPEID" val="zS48hUm9HqJJEguQoBl1Ap"/>
-</p:tagLst>
-</file>
-
-<file path=ppt/tags/tag52.xml><?xml version="1.0" encoding="utf-8"?>
-<p:tagLst xmlns:a="http://schemas.openxmlformats.org/drawingml/2006/main" xmlns:r="http://schemas.openxmlformats.org/officeDocument/2006/relationships" xmlns:p="http://schemas.openxmlformats.org/presentationml/2006/main">
-  <p:tag name="DVSHAPEID" val="FdSk13gTAvEUdbD7Pmepw8"/>
-</p:tagLst>
-</file>
-
-<file path=ppt/tags/tag53.xml><?xml version="1.0" encoding="utf-8"?>
-<p:tagLst xmlns:a="http://schemas.openxmlformats.org/drawingml/2006/main" xmlns:r="http://schemas.openxmlformats.org/officeDocument/2006/relationships" xmlns:p="http://schemas.openxmlformats.org/presentationml/2006/main">
-  <p:tag name="DVSHAPEID" val="dMm0cNu42W7acRgWTjTNQd"/>
-</p:tagLst>
-</file>
-
-<file path=ppt/tags/tag54.xml><?xml version="1.0" encoding="utf-8"?>
-<p:tagLst xmlns:a="http://schemas.openxmlformats.org/drawingml/2006/main" xmlns:r="http://schemas.openxmlformats.org/officeDocument/2006/relationships" xmlns:p="http://schemas.openxmlformats.org/presentationml/2006/main">
-  <p:tag name="DVSHAPEID" val="5K2jdgMZNbTw05Y0QtpvsH"/>
-</p:tagLst>
-</file>
-
-<file path=ppt/tags/tag55.xml><?xml version="1.0" encoding="utf-8"?>
-<p:tagLst xmlns:a="http://schemas.openxmlformats.org/drawingml/2006/main" xmlns:r="http://schemas.openxmlformats.org/officeDocument/2006/relationships" xmlns:p="http://schemas.openxmlformats.org/presentationml/2006/main">
-  <p:tag name="DVSHAPEID" val="M3YMRStVwIiZHBXTAdi39W"/>
-</p:tagLst>
-</file>
-
-<file path=ppt/tags/tag56.xml><?xml version="1.0" encoding="utf-8"?>
-<p:tagLst xmlns:a="http://schemas.openxmlformats.org/drawingml/2006/main" xmlns:r="http://schemas.openxmlformats.org/officeDocument/2006/relationships" xmlns:p="http://schemas.openxmlformats.org/presentationml/2006/main">
-  <p:tag name="DVSHAPEID" val="gGRaXSsqokKnXZkrpTvSFa"/>
-</p:tagLst>
-</file>
-
-<file path=ppt/tags/tag57.xml><?xml version="1.0" encoding="utf-8"?>
-<p:tagLst xmlns:a="http://schemas.openxmlformats.org/drawingml/2006/main" xmlns:r="http://schemas.openxmlformats.org/officeDocument/2006/relationships" xmlns:p="http://schemas.openxmlformats.org/presentationml/2006/main">
-  <p:tag name="DVSHAPEID" val="e0nn2XSbcoyQMiUGVAs5kX"/>
-</p:tagLst>
-</file>
-
-<file path=ppt/tags/tag58.xml><?xml version="1.0" encoding="utf-8"?>
-<p:tagLst xmlns:a="http://schemas.openxmlformats.org/drawingml/2006/main" xmlns:r="http://schemas.openxmlformats.org/officeDocument/2006/relationships" xmlns:p="http://schemas.openxmlformats.org/presentationml/2006/main">
-  <p:tag name="DVSHAPEID" val="ekDYy9Npxhh6rQNAQuxc8l"/>
-</p:tagLst>
-</file>
-
-<file path=ppt/tags/tag59.xml><?xml version="1.0" encoding="utf-8"?>
-<p:tagLst xmlns:a="http://schemas.openxmlformats.org/drawingml/2006/main" xmlns:r="http://schemas.openxmlformats.org/officeDocument/2006/relationships" xmlns:p="http://schemas.openxmlformats.org/presentationml/2006/main">
-  <p:tag name="DVSHAPEID" val="P7d2wJYUpzPhL3J4pJnNRg"/>
-</p:tagLst>
-</file>
-
-<file path=ppt/tags/tag6.xml><?xml version="1.0" encoding="utf-8"?>
-<p:tagLst xmlns:a="http://schemas.openxmlformats.org/drawingml/2006/main" xmlns:r="http://schemas.openxmlformats.org/officeDocument/2006/relationships" xmlns:p="http://schemas.openxmlformats.org/presentationml/2006/main">
-  <p:tag name="DVSHAPEID" val="UwSNsv65z5QT5Vecd30w6E"/>
-</p:tagLst>
-</file>
-
-<file path=ppt/tags/tag60.xml><?xml version="1.0" encoding="utf-8"?>
-<p:tagLst xmlns:a="http://schemas.openxmlformats.org/drawingml/2006/main" xmlns:r="http://schemas.openxmlformats.org/officeDocument/2006/relationships" xmlns:p="http://schemas.openxmlformats.org/presentationml/2006/main">
-  <p:tag name="DVSHAPEID" val="zFR4TkKXy8PSuwKwC4qDSI"/>
-</p:tagLst>
-</file>
-
-<file path=ppt/tags/tag61.xml><?xml version="1.0" encoding="utf-8"?>
-<p:tagLst xmlns:a="http://schemas.openxmlformats.org/drawingml/2006/main" xmlns:r="http://schemas.openxmlformats.org/officeDocument/2006/relationships" xmlns:p="http://schemas.openxmlformats.org/presentationml/2006/main">
-  <p:tag name="DVSHAPEID" val="ga4JRL5NOkuyxybsPD9r0H"/>
-</p:tagLst>
-</file>
-
-<file path=ppt/tags/tag62.xml><?xml version="1.0" encoding="utf-8"?>
-<p:tagLst xmlns:a="http://schemas.openxmlformats.org/drawingml/2006/main" xmlns:r="http://schemas.openxmlformats.org/officeDocument/2006/relationships" xmlns:p="http://schemas.openxmlformats.org/presentationml/2006/main">
-  <p:tag name="DVSHAPEID" val="rTyckS6jndoRoGZ9tZSKjv"/>
-</p:tagLst>
-</file>
-
-<file path=ppt/tags/tag63.xml><?xml version="1.0" encoding="utf-8"?>
-<p:tagLst xmlns:a="http://schemas.openxmlformats.org/drawingml/2006/main" xmlns:r="http://schemas.openxmlformats.org/officeDocument/2006/relationships" xmlns:p="http://schemas.openxmlformats.org/presentationml/2006/main">
-  <p:tag name="DVSHAPEID" val="nVZblaeMtqHzIbaErcHvXh"/>
-</p:tagLst>
-</file>
-
-<file path=ppt/tags/tag64.xml><?xml version="1.0" encoding="utf-8"?>
-<p:tagLst xmlns:a="http://schemas.openxmlformats.org/drawingml/2006/main" xmlns:r="http://schemas.openxmlformats.org/officeDocument/2006/relationships" xmlns:p="http://schemas.openxmlformats.org/presentationml/2006/main">
-  <p:tag name="DVSHAPEID" val="aG9usGaazgnWvDd8xV4AKY"/>
-</p:tagLst>
-</file>
-
-<file path=ppt/tags/tag65.xml><?xml version="1.0" encoding="utf-8"?>
-<p:tagLst xmlns:a="http://schemas.openxmlformats.org/drawingml/2006/main" xmlns:r="http://schemas.openxmlformats.org/officeDocument/2006/relationships" xmlns:p="http://schemas.openxmlformats.org/presentationml/2006/main">
-  <p:tag name="DVSHAPEID" val="aPYNZPyF3Ox6Li2RIyCiRr"/>
-</p:tagLst>
-</file>
-
-<file path=ppt/tags/tag66.xml><?xml version="1.0" encoding="utf-8"?>
-<p:tagLst xmlns:a="http://schemas.openxmlformats.org/drawingml/2006/main" xmlns:r="http://schemas.openxmlformats.org/officeDocument/2006/relationships" xmlns:p="http://schemas.openxmlformats.org/presentationml/2006/main">
-  <p:tag name="DVSHAPEID" val="bLGxriFLrnwcwkwFGlCTcz"/>
-</p:tagLst>
-</file>
-
-<file path=ppt/tags/tag67.xml><?xml version="1.0" encoding="utf-8"?>
-<p:tagLst xmlns:a="http://schemas.openxmlformats.org/drawingml/2006/main" xmlns:r="http://schemas.openxmlformats.org/officeDocument/2006/relationships" xmlns:p="http://schemas.openxmlformats.org/presentationml/2006/main">
-  <p:tag name="DVSHAPEID" val="ooRU5GdvXr7JDc6rof0hna"/>
-</p:tagLst>
-</file>
-
-<file path=ppt/tags/tag68.xml><?xml version="1.0" encoding="utf-8"?>
-<p:tagLst xmlns:a="http://schemas.openxmlformats.org/drawingml/2006/main" xmlns:r="http://schemas.openxmlformats.org/officeDocument/2006/relationships" xmlns:p="http://schemas.openxmlformats.org/presentationml/2006/main">
-  <p:tag name="DVSHAPEID" val="AzMIk2RhGXeCmiFwcYxVp4"/>
-</p:tagLst>
-</file>
-
-<file path=ppt/tags/tag69.xml><?xml version="1.0" encoding="utf-8"?>
-<p:tagLst xmlns:a="http://schemas.openxmlformats.org/drawingml/2006/main" xmlns:r="http://schemas.openxmlformats.org/officeDocument/2006/relationships" xmlns:p="http://schemas.openxmlformats.org/presentationml/2006/main">
-  <p:tag name="DVSECTIONID" val="P4H3GD4dC3znwbtKWT1eML"/>
-</p:tagLst>
-</file>
-
-<file path=ppt/tags/tag7.xml><?xml version="1.0" encoding="utf-8"?>
-<p:tagLst xmlns:a="http://schemas.openxmlformats.org/drawingml/2006/main" xmlns:r="http://schemas.openxmlformats.org/officeDocument/2006/relationships" xmlns:p="http://schemas.openxmlformats.org/presentationml/2006/main">
-  <p:tag name="DVSHAPEID" val="PODrLnXGdPZE4ujCYbu9fq"/>
-</p:tagLst>
-</file>
-
-<file path=ppt/tags/tag70.xml><?xml version="1.0" encoding="utf-8"?>
-<p:tagLst xmlns:a="http://schemas.openxmlformats.org/drawingml/2006/main" xmlns:r="http://schemas.openxmlformats.org/officeDocument/2006/relationships" xmlns:p="http://schemas.openxmlformats.org/presentationml/2006/main">
-  <p:tag name="DVSHAPEID" val="WVo0P8LvZqUJyQhnUwOE1M"/>
-</p:tagLst>
-</file>
-
-<file path=ppt/tags/tag71.xml><?xml version="1.0" encoding="utf-8"?>
-<p:tagLst xmlns:a="http://schemas.openxmlformats.org/drawingml/2006/main" xmlns:r="http://schemas.openxmlformats.org/officeDocument/2006/relationships" xmlns:p="http://schemas.openxmlformats.org/presentationml/2006/main">
-  <p:tag name="DVSHAPEID" val="qepZutbB0Pt1pps5fnG3Z0"/>
-</p:tagLst>
-</file>
-
-<file path=ppt/tags/tag72.xml><?xml version="1.0" encoding="utf-8"?>
-<p:tagLst xmlns:a="http://schemas.openxmlformats.org/drawingml/2006/main" xmlns:r="http://schemas.openxmlformats.org/officeDocument/2006/relationships" xmlns:p="http://schemas.openxmlformats.org/presentationml/2006/main">
-  <p:tag name="DVSHAPEID" val="bU9vWVp4LQ2auaAPEhknp5"/>
-</p:tagLst>
-</file>
-
-<file path=ppt/tags/tag73.xml><?xml version="1.0" encoding="utf-8"?>
-<p:tagLst xmlns:a="http://schemas.openxmlformats.org/drawingml/2006/main" xmlns:r="http://schemas.openxmlformats.org/officeDocument/2006/relationships" xmlns:p="http://schemas.openxmlformats.org/presentationml/2006/main">
-  <p:tag name="DVSHAPEID" val="fwqRUOgqXYMp3vQYwfcV3D"/>
-</p:tagLst>
-</file>
-
-<file path=ppt/tags/tag74.xml><?xml version="1.0" encoding="utf-8"?>
-<p:tagLst xmlns:a="http://schemas.openxmlformats.org/drawingml/2006/main" xmlns:r="http://schemas.openxmlformats.org/officeDocument/2006/relationships" xmlns:p="http://schemas.openxmlformats.org/presentationml/2006/main">
-  <p:tag name="DVSHAPEID" val="YeVivqJoIBB5FC551AOlS4"/>
-</p:tagLst>
-</file>
-
-<file path=ppt/tags/tag75.xml><?xml version="1.0" encoding="utf-8"?>
-<p:tagLst xmlns:a="http://schemas.openxmlformats.org/drawingml/2006/main" xmlns:r="http://schemas.openxmlformats.org/officeDocument/2006/relationships" xmlns:p="http://schemas.openxmlformats.org/presentationml/2006/main">
-  <p:tag name="DVSHAPEID" val="o575YFK4at1CybWCjQGygb"/>
-</p:tagLst>
-</file>
-
-<file path=ppt/tags/tag76.xml><?xml version="1.0" encoding="utf-8"?>
-<p:tagLst xmlns:a="http://schemas.openxmlformats.org/drawingml/2006/main" xmlns:r="http://schemas.openxmlformats.org/officeDocument/2006/relationships" xmlns:p="http://schemas.openxmlformats.org/presentationml/2006/main">
-  <p:tag name="DVSECTIONID" val="vlhUyVIZN0hO2uOQcdVNJv"/>
-</p:tagLst>
-</file>
-
-<file path=ppt/tags/tag77.xml><?xml version="1.0" encoding="utf-8"?>
-<p:tagLst xmlns:a="http://schemas.openxmlformats.org/drawingml/2006/main" xmlns:r="http://schemas.openxmlformats.org/officeDocument/2006/relationships" xmlns:p="http://schemas.openxmlformats.org/presentationml/2006/main">
-  <p:tag name="DVSHAPEID" val="OXPeTreC7IKUQQbpr4EDq7"/>
-</p:tagLst>
-</file>
-
-<file path=ppt/tags/tag78.xml><?xml version="1.0" encoding="utf-8"?>
-<p:tagLst xmlns:a="http://schemas.openxmlformats.org/drawingml/2006/main" xmlns:r="http://schemas.openxmlformats.org/officeDocument/2006/relationships" xmlns:p="http://schemas.openxmlformats.org/presentationml/2006/main">
-  <p:tag name="DVSHAPEID" val="433T8ohYEjNdg9fKLjQymi"/>
-</p:tagLst>
-</file>
-
-<file path=ppt/tags/tag79.xml><?xml version="1.0" encoding="utf-8"?>
-<p:tagLst xmlns:a="http://schemas.openxmlformats.org/drawingml/2006/main" xmlns:r="http://schemas.openxmlformats.org/officeDocument/2006/relationships" xmlns:p="http://schemas.openxmlformats.org/presentationml/2006/main">
-  <p:tag name="DVSHAPEID" val="REk6rToCUCKGTMaZjQl84q"/>
-</p:tagLst>
-</file>
-
-<file path=ppt/tags/tag8.xml><?xml version="1.0" encoding="utf-8"?>
-<p:tagLst xmlns:a="http://schemas.openxmlformats.org/drawingml/2006/main" xmlns:r="http://schemas.openxmlformats.org/officeDocument/2006/relationships" xmlns:p="http://schemas.openxmlformats.org/presentationml/2006/main">
-  <p:tag name="DVSHAPEID" val="kPFggegnE2JgH3a1JI8SS0"/>
-</p:tagLst>
-</file>
-
-<file path=ppt/tags/tag80.xml><?xml version="1.0" encoding="utf-8"?>
-<p:tagLst xmlns:a="http://schemas.openxmlformats.org/drawingml/2006/main" xmlns:r="http://schemas.openxmlformats.org/officeDocument/2006/relationships" xmlns:p="http://schemas.openxmlformats.org/presentationml/2006/main">
-  <p:tag name="DVSHAPEID" val="6Dz1aGilNRKLbpy1Wnz2pb"/>
-</p:tagLst>
-</file>
-
-<file path=ppt/tags/tag81.xml><?xml version="1.0" encoding="utf-8"?>
-<p:tagLst xmlns:a="http://schemas.openxmlformats.org/drawingml/2006/main" xmlns:r="http://schemas.openxmlformats.org/officeDocument/2006/relationships" xmlns:p="http://schemas.openxmlformats.org/presentationml/2006/main">
-  <p:tag name="DVSECTIONID" val="oomcKJTxZKV4zmLL59uCgy"/>
-</p:tagLst>
-</file>
-
-<file path=ppt/tags/tag82.xml><?xml version="1.0" encoding="utf-8"?>
-<p:tagLst xmlns:a="http://schemas.openxmlformats.org/drawingml/2006/main" xmlns:r="http://schemas.openxmlformats.org/officeDocument/2006/relationships" xmlns:p="http://schemas.openxmlformats.org/presentationml/2006/main">
-  <p:tag name="DVSHAPEID" val="szgtALZ0deeqxGxqJIjzOS"/>
-</p:tagLst>
-</file>
-
-<file path=ppt/tags/tag83.xml><?xml version="1.0" encoding="utf-8"?>
-<p:tagLst xmlns:a="http://schemas.openxmlformats.org/drawingml/2006/main" xmlns:r="http://schemas.openxmlformats.org/officeDocument/2006/relationships" xmlns:p="http://schemas.openxmlformats.org/presentationml/2006/main">
-  <p:tag name="DVSHAPEID" val="V8AKrhTXy11VbZLH5wlNEw"/>
-</p:tagLst>
-</file>
-
-<file path=ppt/tags/tag84.xml><?xml version="1.0" encoding="utf-8"?>
-<p:tagLst xmlns:a="http://schemas.openxmlformats.org/drawingml/2006/main" xmlns:r="http://schemas.openxmlformats.org/officeDocument/2006/relationships" xmlns:p="http://schemas.openxmlformats.org/presentationml/2006/main">
-  <p:tag name="DVSHAPEID" val="xLRRuwERIPmzE8SQkI7gFc"/>
-</p:tagLst>
-</file>
-
-<file path=ppt/tags/tag85.xml><?xml version="1.0" encoding="utf-8"?>
-<p:tagLst xmlns:a="http://schemas.openxmlformats.org/drawingml/2006/main" xmlns:r="http://schemas.openxmlformats.org/officeDocument/2006/relationships" xmlns:p="http://schemas.openxmlformats.org/presentationml/2006/main">
-  <p:tag name="DVSHAPEID" val="pCvxE2CMe1epAPSzMmjHib"/>
-</p:tagLst>
-</file>
-
-<file path=ppt/tags/tag86.xml><?xml version="1.0" encoding="utf-8"?>
-<p:tagLst xmlns:a="http://schemas.openxmlformats.org/drawingml/2006/main" xmlns:r="http://schemas.openxmlformats.org/officeDocument/2006/relationships" xmlns:p="http://schemas.openxmlformats.org/presentationml/2006/main">
-  <p:tag name="DVSECTIONID" val="6H9YV6GNjY2ZXSylaZ6f1w"/>
-</p:tagLst>
-</file>
-
-<file path=ppt/tags/tag87.xml><?xml version="1.0" encoding="utf-8"?>
-<p:tagLst xmlns:a="http://schemas.openxmlformats.org/drawingml/2006/main" xmlns:r="http://schemas.openxmlformats.org/officeDocument/2006/relationships" xmlns:p="http://schemas.openxmlformats.org/presentationml/2006/main">
-  <p:tag name="DVSHAPEID" val="yBlDOfcCFoRklfmWSBeWBk"/>
-</p:tagLst>
-</file>
-
-<file path=ppt/tags/tag88.xml><?xml version="1.0" encoding="utf-8"?>
-<p:tagLst xmlns:a="http://schemas.openxmlformats.org/drawingml/2006/main" xmlns:r="http://schemas.openxmlformats.org/officeDocument/2006/relationships" xmlns:p="http://schemas.openxmlformats.org/presentationml/2006/main">
-  <p:tag name="DVSHAPEID" val="lex2XLVLXXTd4Tc1dmABlQ"/>
-</p:tagLst>
-</file>
-
-<file path=ppt/tags/tag89.xml><?xml version="1.0" encoding="utf-8"?>
-<p:tagLst xmlns:a="http://schemas.openxmlformats.org/drawingml/2006/main" xmlns:r="http://schemas.openxmlformats.org/officeDocument/2006/relationships" xmlns:p="http://schemas.openxmlformats.org/presentationml/2006/main">
-  <p:tag name="DVSECTIONID" val="GDMsqpWwWr4xFE22S3i3qg"/>
-</p:tagLst>
-</file>
-
-<file path=ppt/tags/tag9.xml><?xml version="1.0" encoding="utf-8"?>
-<p:tagLst xmlns:a="http://schemas.openxmlformats.org/drawingml/2006/main" xmlns:r="http://schemas.openxmlformats.org/officeDocument/2006/relationships" xmlns:p="http://schemas.openxmlformats.org/presentationml/2006/main">
-  <p:tag name="DVSHAPEID" val="TqQJTB4O2WootNLu7JpQbX"/>
-</p:tagLst>
-</file>
-
-<file path=ppt/tags/tag90.xml><?xml version="1.0" encoding="utf-8"?>
-<p:tagLst xmlns:a="http://schemas.openxmlformats.org/drawingml/2006/main" xmlns:r="http://schemas.openxmlformats.org/officeDocument/2006/relationships" xmlns:p="http://schemas.openxmlformats.org/presentationml/2006/main">
-  <p:tag name="DVSHAPEID" val="O7hPqRtklAYAACxi0C16ma"/>
-</p:tagLst>
-</file>
-
-<file path=ppt/tags/tag91.xml><?xml version="1.0" encoding="utf-8"?>
-<p:tagLst xmlns:a="http://schemas.openxmlformats.org/drawingml/2006/main" xmlns:r="http://schemas.openxmlformats.org/officeDocument/2006/relationships" xmlns:p="http://schemas.openxmlformats.org/presentationml/2006/main">
-  <p:tag name="DVSHAPEID" val="JEp7XUdFsmXqOEaBY53C5t"/>
-</p:tagLst>
-</file>
-
-<file path=ppt/tags/tag92.xml><?xml version="1.0" encoding="utf-8"?>
-<p:tagLst xmlns:a="http://schemas.openxmlformats.org/drawingml/2006/main" xmlns:r="http://schemas.openxmlformats.org/officeDocument/2006/relationships" xmlns:p="http://schemas.openxmlformats.org/presentationml/2006/main">
-  <p:tag name="DVSHAPEID" val="y54qvA3G1jUEnDpjTy6G7C"/>
-</p:tagLst>
-</file>
-
-<file path=ppt/tags/tag93.xml><?xml version="1.0" encoding="utf-8"?>
-<p:tagLst xmlns:a="http://schemas.openxmlformats.org/drawingml/2006/main" xmlns:r="http://schemas.openxmlformats.org/officeDocument/2006/relationships" xmlns:p="http://schemas.openxmlformats.org/presentationml/2006/main">
-  <p:tag name="DVSHAPEID" val="CaNS8oDW3J4g5j2xpDBMkD"/>
-</p:tagLst>
-</file>
-
-<file path=ppt/tags/tag94.xml><?xml version="1.0" encoding="utf-8"?>
-<p:tagLst xmlns:a="http://schemas.openxmlformats.org/drawingml/2006/main" xmlns:r="http://schemas.openxmlformats.org/officeDocument/2006/relationships" xmlns:p="http://schemas.openxmlformats.org/presentationml/2006/main">
-  <p:tag name="DVSECTIONID" val="TYVs5r7Mj6fQiE3LNNQbrX"/>
-</p:tagLst>
-</file>
-
-<file path=ppt/tags/tag95.xml><?xml version="1.0" encoding="utf-8"?>
-<p:tagLst xmlns:a="http://schemas.openxmlformats.org/drawingml/2006/main" xmlns:r="http://schemas.openxmlformats.org/officeDocument/2006/relationships" xmlns:p="http://schemas.openxmlformats.org/presentationml/2006/main">
-  <p:tag name="DVSHAPEID" val="xftDcQuHtmzdg65MiqGUqU"/>
-</p:tagLst>
-</file>
-
-<file path=ppt/tags/tag96.xml><?xml version="1.0" encoding="utf-8"?>
-<p:tagLst xmlns:a="http://schemas.openxmlformats.org/drawingml/2006/main" xmlns:r="http://schemas.openxmlformats.org/officeDocument/2006/relationships" xmlns:p="http://schemas.openxmlformats.org/presentationml/2006/main">
-  <p:tag name="DVSHAPEID" val="r8asJQnRl0ZvHhyjy5hfuw"/>
-</p:tagLst>
-</file>
-
-<file path=ppt/tags/tag97.xml><?xml version="1.0" encoding="utf-8"?>
-<p:tagLst xmlns:a="http://schemas.openxmlformats.org/drawingml/2006/main" xmlns:r="http://schemas.openxmlformats.org/officeDocument/2006/relationships" xmlns:p="http://schemas.openxmlformats.org/presentationml/2006/main">
-  <p:tag name="DVSHAPEID" val="DQD6Wr49UrpDOlsJ6DjB0z"/>
-</p:tagLst>
-</file>
-
-<file path=ppt/tags/tag98.xml><?xml version="1.0" encoding="utf-8"?>
-<p:tagLst xmlns:a="http://schemas.openxmlformats.org/drawingml/2006/main" xmlns:r="http://schemas.openxmlformats.org/officeDocument/2006/relationships" xmlns:p="http://schemas.openxmlformats.org/presentationml/2006/main">
-  <p:tag name="DVSHAPEID" val="eKpOdYRBDaqUukPDTWNb6x"/>
-</p:tagLst>
-</file>
-
-<file path=ppt/tags/tag99.xml><?xml version="1.0" encoding="utf-8"?>
-<p:tagLst xmlns:a="http://schemas.openxmlformats.org/drawingml/2006/main" xmlns:r="http://schemas.openxmlformats.org/officeDocument/2006/relationships" xmlns:p="http://schemas.openxmlformats.org/presentationml/2006/main">
-  <p:tag name="DVSHAPEID" val="b40RuG6wHBZ4PuxajLIsTz"/>
 </p:tagLst>
 </file>
 
